--- a/fast-forward/fast-forward.pptx
+++ b/fast-forward/fast-forward.pptx
@@ -10380,8 +10380,8 @@
         </p:nvSpPr>
         <p:spPr>
           <a:xfrm>
-            <a:off x="3809351" y="-907083"/>
-            <a:ext cx="1516713" cy="8405163"/>
+            <a:off x="3630778" y="-431037"/>
+            <a:ext cx="2019603" cy="8405163"/>
           </a:xfrm>
           <a:prstGeom prst="rect">
             <a:avLst/>
@@ -10611,778 +10611,6 @@
           </p:txBody>
         </p:sp>
       </p:grpSp>
-      <p:sp>
-        <p:nvSpPr>
-          <p:cNvPr id="7" name="Title 1">
-            <a:extLst>
-              <a:ext uri="{FF2B5EF4-FFF2-40B4-BE49-F238E27FC236}">
-                <a16:creationId xmlns:a16="http://schemas.microsoft.com/office/drawing/2014/main" id="{606DAE0A-2A3C-F14F-90F8-26A6E2EFD9FB}"/>
-              </a:ext>
-            </a:extLst>
-          </p:cNvPr>
-          <p:cNvSpPr txBox="1">
-            <a:spLocks/>
-          </p:cNvSpPr>
-          <p:nvPr/>
-        </p:nvSpPr>
-        <p:spPr bwMode="auto">
-          <a:xfrm>
-            <a:off x="7543800" y="34005838"/>
-            <a:ext cx="11353800" cy="1176337"/>
-          </a:xfrm>
-          <a:prstGeom prst="rect">
-            <a:avLst/>
-          </a:prstGeom>
-          <a:noFill/>
-          <a:ln>
-            <a:noFill/>
-          </a:ln>
-          <a:extLst>
-            <a:ext uri="{909E8E84-426E-40DD-AFC4-6F175D3DCCD1}">
-              <a14:hiddenFill xmlns:a14="http://schemas.microsoft.com/office/drawing/2010/main">
-                <a:solidFill>
-                  <a:srgbClr val="FFFFFF"/>
-                </a:solidFill>
-              </a14:hiddenFill>
-            </a:ext>
-            <a:ext uri="{91240B29-F687-4F45-9708-019B960494DF}">
-              <a14:hiddenLine xmlns:a14="http://schemas.microsoft.com/office/drawing/2010/main" w="9525">
-                <a:solidFill>
-                  <a:srgbClr val="000000"/>
-                </a:solidFill>
-                <a:miter lim="800000"/>
-                <a:headEnd/>
-                <a:tailEnd/>
-              </a14:hiddenLine>
-            </a:ext>
-          </a:extLst>
-        </p:spPr>
-        <p:txBody>
-          <a:bodyPr lIns="365760" tIns="182880" rIns="365760" bIns="182880" anchor="ctr"/>
-          <a:lstStyle>
-            <a:lvl1pPr eaLnBrk="0" hangingPunct="0">
-              <a:defRPr sz="7200">
-                <a:solidFill>
-                  <a:schemeClr val="tx1"/>
-                </a:solidFill>
-                <a:latin typeface="Arial" charset="0"/>
-                <a:ea typeface="ＭＳ Ｐゴシック" pitchFamily="34" charset="-128"/>
-              </a:defRPr>
-            </a:lvl1pPr>
-            <a:lvl2pPr marL="742950" indent="-285750" eaLnBrk="0" hangingPunct="0">
-              <a:defRPr sz="7200">
-                <a:solidFill>
-                  <a:schemeClr val="tx1"/>
-                </a:solidFill>
-                <a:latin typeface="Arial" charset="0"/>
-                <a:ea typeface="ＭＳ Ｐゴシック" pitchFamily="34" charset="-128"/>
-              </a:defRPr>
-            </a:lvl2pPr>
-            <a:lvl3pPr marL="1143000" indent="-228600" eaLnBrk="0" hangingPunct="0">
-              <a:defRPr sz="7200">
-                <a:solidFill>
-                  <a:schemeClr val="tx1"/>
-                </a:solidFill>
-                <a:latin typeface="Arial" charset="0"/>
-                <a:ea typeface="ＭＳ Ｐゴシック" pitchFamily="34" charset="-128"/>
-              </a:defRPr>
-            </a:lvl3pPr>
-            <a:lvl4pPr marL="1600200" indent="-228600" eaLnBrk="0" hangingPunct="0">
-              <a:defRPr sz="7200">
-                <a:solidFill>
-                  <a:schemeClr val="tx1"/>
-                </a:solidFill>
-                <a:latin typeface="Arial" charset="0"/>
-                <a:ea typeface="ＭＳ Ｐゴシック" pitchFamily="34" charset="-128"/>
-              </a:defRPr>
-            </a:lvl4pPr>
-            <a:lvl5pPr marL="2057400" indent="-228600" eaLnBrk="0" hangingPunct="0">
-              <a:defRPr sz="7200">
-                <a:solidFill>
-                  <a:schemeClr val="tx1"/>
-                </a:solidFill>
-                <a:latin typeface="Arial" charset="0"/>
-                <a:ea typeface="ＭＳ Ｐゴシック" pitchFamily="34" charset="-128"/>
-              </a:defRPr>
-            </a:lvl5pPr>
-            <a:lvl6pPr marL="2514600" indent="-228600" defTabSz="1828800" eaLnBrk="0" fontAlgn="base" hangingPunct="0">
-              <a:spcBef>
-                <a:spcPct val="0"/>
-              </a:spcBef>
-              <a:spcAft>
-                <a:spcPct val="0"/>
-              </a:spcAft>
-              <a:defRPr sz="7200">
-                <a:solidFill>
-                  <a:schemeClr val="tx1"/>
-                </a:solidFill>
-                <a:latin typeface="Arial" charset="0"/>
-                <a:ea typeface="ＭＳ Ｐゴシック" pitchFamily="34" charset="-128"/>
-              </a:defRPr>
-            </a:lvl6pPr>
-            <a:lvl7pPr marL="2971800" indent="-228600" defTabSz="1828800" eaLnBrk="0" fontAlgn="base" hangingPunct="0">
-              <a:spcBef>
-                <a:spcPct val="0"/>
-              </a:spcBef>
-              <a:spcAft>
-                <a:spcPct val="0"/>
-              </a:spcAft>
-              <a:defRPr sz="7200">
-                <a:solidFill>
-                  <a:schemeClr val="tx1"/>
-                </a:solidFill>
-                <a:latin typeface="Arial" charset="0"/>
-                <a:ea typeface="ＭＳ Ｐゴシック" pitchFamily="34" charset="-128"/>
-              </a:defRPr>
-            </a:lvl7pPr>
-            <a:lvl8pPr marL="3429000" indent="-228600" defTabSz="1828800" eaLnBrk="0" fontAlgn="base" hangingPunct="0">
-              <a:spcBef>
-                <a:spcPct val="0"/>
-              </a:spcBef>
-              <a:spcAft>
-                <a:spcPct val="0"/>
-              </a:spcAft>
-              <a:defRPr sz="7200">
-                <a:solidFill>
-                  <a:schemeClr val="tx1"/>
-                </a:solidFill>
-                <a:latin typeface="Arial" charset="0"/>
-                <a:ea typeface="ＭＳ Ｐゴシック" pitchFamily="34" charset="-128"/>
-              </a:defRPr>
-            </a:lvl8pPr>
-            <a:lvl9pPr marL="3886200" indent="-228600" defTabSz="1828800" eaLnBrk="0" fontAlgn="base" hangingPunct="0">
-              <a:spcBef>
-                <a:spcPct val="0"/>
-              </a:spcBef>
-              <a:spcAft>
-                <a:spcPct val="0"/>
-              </a:spcAft>
-              <a:defRPr sz="7200">
-                <a:solidFill>
-                  <a:schemeClr val="tx1"/>
-                </a:solidFill>
-                <a:latin typeface="Arial" charset="0"/>
-                <a:ea typeface="ＭＳ Ｐゴシック" pitchFamily="34" charset="-128"/>
-              </a:defRPr>
-            </a:lvl9pPr>
-          </a:lstStyle>
-          <a:p>
-            <a:pPr algn="ctr" eaLnBrk="1" hangingPunct="1">
-              <a:defRPr/>
-            </a:pPr>
-            <a:endParaRPr lang="en-US" altLang="en-US" sz="1800" dirty="0">
-              <a:solidFill>
-                <a:schemeClr val="bg1"/>
-              </a:solidFill>
-              <a:latin typeface="+mj-lt"/>
-            </a:endParaRPr>
-          </a:p>
-          <a:p>
-            <a:pPr algn="ctr" eaLnBrk="1" hangingPunct="1">
-              <a:defRPr/>
-            </a:pPr>
-            <a:r>
-              <a:rPr lang="en-US" sz="1800" dirty="0">
-                <a:solidFill>
-                  <a:schemeClr val="bg1"/>
-                </a:solidFill>
-                <a:latin typeface="+mj-lt"/>
-              </a:rPr>
-              <a:t>Sandia National Laboratories is a multimission laboratory managed and operated by National Technology and Engineering Solutions of Sandia, LLC., a wholly owned subsidiary of Honeywell International, Inc., for the U.S. Department of Energy’s National Nuclear Security Administration under Contract DE-NA0003525.</a:t>
-            </a:r>
-          </a:p>
-          <a:p>
-            <a:pPr algn="ctr" eaLnBrk="1" hangingPunct="1">
-              <a:defRPr/>
-            </a:pPr>
-            <a:endParaRPr lang="en-US" altLang="en-US" sz="1800" dirty="0">
-              <a:solidFill>
-                <a:schemeClr val="bg1"/>
-              </a:solidFill>
-              <a:latin typeface="+mj-lt"/>
-            </a:endParaRPr>
-          </a:p>
-        </p:txBody>
-      </p:sp>
-      <p:sp>
-        <p:nvSpPr>
-          <p:cNvPr id="9" name="Title 1">
-            <a:extLst>
-              <a:ext uri="{FF2B5EF4-FFF2-40B4-BE49-F238E27FC236}">
-                <a16:creationId xmlns:a16="http://schemas.microsoft.com/office/drawing/2014/main" id="{BB9D3833-2E5E-684A-B67C-7B0490605A21}"/>
-              </a:ext>
-            </a:extLst>
-          </p:cNvPr>
-          <p:cNvSpPr txBox="1">
-            <a:spLocks/>
-          </p:cNvSpPr>
-          <p:nvPr/>
-        </p:nvSpPr>
-        <p:spPr bwMode="auto">
-          <a:xfrm>
-            <a:off x="7696200" y="34158238"/>
-            <a:ext cx="11353800" cy="1176337"/>
-          </a:xfrm>
-          <a:prstGeom prst="rect">
-            <a:avLst/>
-          </a:prstGeom>
-          <a:noFill/>
-          <a:ln>
-            <a:noFill/>
-          </a:ln>
-          <a:extLst>
-            <a:ext uri="{909E8E84-426E-40DD-AFC4-6F175D3DCCD1}">
-              <a14:hiddenFill xmlns:a14="http://schemas.microsoft.com/office/drawing/2010/main">
-                <a:solidFill>
-                  <a:srgbClr val="FFFFFF"/>
-                </a:solidFill>
-              </a14:hiddenFill>
-            </a:ext>
-            <a:ext uri="{91240B29-F687-4F45-9708-019B960494DF}">
-              <a14:hiddenLine xmlns:a14="http://schemas.microsoft.com/office/drawing/2010/main" w="9525">
-                <a:solidFill>
-                  <a:srgbClr val="000000"/>
-                </a:solidFill>
-                <a:miter lim="800000"/>
-                <a:headEnd/>
-                <a:tailEnd/>
-              </a14:hiddenLine>
-            </a:ext>
-          </a:extLst>
-        </p:spPr>
-        <p:txBody>
-          <a:bodyPr lIns="365760" tIns="182880" rIns="365760" bIns="182880" anchor="ctr"/>
-          <a:lstStyle>
-            <a:lvl1pPr eaLnBrk="0" hangingPunct="0">
-              <a:defRPr sz="7200">
-                <a:solidFill>
-                  <a:schemeClr val="tx1"/>
-                </a:solidFill>
-                <a:latin typeface="Arial" charset="0"/>
-                <a:ea typeface="ＭＳ Ｐゴシック" pitchFamily="34" charset="-128"/>
-              </a:defRPr>
-            </a:lvl1pPr>
-            <a:lvl2pPr marL="742950" indent="-285750" eaLnBrk="0" hangingPunct="0">
-              <a:defRPr sz="7200">
-                <a:solidFill>
-                  <a:schemeClr val="tx1"/>
-                </a:solidFill>
-                <a:latin typeface="Arial" charset="0"/>
-                <a:ea typeface="ＭＳ Ｐゴシック" pitchFamily="34" charset="-128"/>
-              </a:defRPr>
-            </a:lvl2pPr>
-            <a:lvl3pPr marL="1143000" indent="-228600" eaLnBrk="0" hangingPunct="0">
-              <a:defRPr sz="7200">
-                <a:solidFill>
-                  <a:schemeClr val="tx1"/>
-                </a:solidFill>
-                <a:latin typeface="Arial" charset="0"/>
-                <a:ea typeface="ＭＳ Ｐゴシック" pitchFamily="34" charset="-128"/>
-              </a:defRPr>
-            </a:lvl3pPr>
-            <a:lvl4pPr marL="1600200" indent="-228600" eaLnBrk="0" hangingPunct="0">
-              <a:defRPr sz="7200">
-                <a:solidFill>
-                  <a:schemeClr val="tx1"/>
-                </a:solidFill>
-                <a:latin typeface="Arial" charset="0"/>
-                <a:ea typeface="ＭＳ Ｐゴシック" pitchFamily="34" charset="-128"/>
-              </a:defRPr>
-            </a:lvl4pPr>
-            <a:lvl5pPr marL="2057400" indent="-228600" eaLnBrk="0" hangingPunct="0">
-              <a:defRPr sz="7200">
-                <a:solidFill>
-                  <a:schemeClr val="tx1"/>
-                </a:solidFill>
-                <a:latin typeface="Arial" charset="0"/>
-                <a:ea typeface="ＭＳ Ｐゴシック" pitchFamily="34" charset="-128"/>
-              </a:defRPr>
-            </a:lvl5pPr>
-            <a:lvl6pPr marL="2514600" indent="-228600" defTabSz="1828800" eaLnBrk="0" fontAlgn="base" hangingPunct="0">
-              <a:spcBef>
-                <a:spcPct val="0"/>
-              </a:spcBef>
-              <a:spcAft>
-                <a:spcPct val="0"/>
-              </a:spcAft>
-              <a:defRPr sz="7200">
-                <a:solidFill>
-                  <a:schemeClr val="tx1"/>
-                </a:solidFill>
-                <a:latin typeface="Arial" charset="0"/>
-                <a:ea typeface="ＭＳ Ｐゴシック" pitchFamily="34" charset="-128"/>
-              </a:defRPr>
-            </a:lvl6pPr>
-            <a:lvl7pPr marL="2971800" indent="-228600" defTabSz="1828800" eaLnBrk="0" fontAlgn="base" hangingPunct="0">
-              <a:spcBef>
-                <a:spcPct val="0"/>
-              </a:spcBef>
-              <a:spcAft>
-                <a:spcPct val="0"/>
-              </a:spcAft>
-              <a:defRPr sz="7200">
-                <a:solidFill>
-                  <a:schemeClr val="tx1"/>
-                </a:solidFill>
-                <a:latin typeface="Arial" charset="0"/>
-                <a:ea typeface="ＭＳ Ｐゴシック" pitchFamily="34" charset="-128"/>
-              </a:defRPr>
-            </a:lvl7pPr>
-            <a:lvl8pPr marL="3429000" indent="-228600" defTabSz="1828800" eaLnBrk="0" fontAlgn="base" hangingPunct="0">
-              <a:spcBef>
-                <a:spcPct val="0"/>
-              </a:spcBef>
-              <a:spcAft>
-                <a:spcPct val="0"/>
-              </a:spcAft>
-              <a:defRPr sz="7200">
-                <a:solidFill>
-                  <a:schemeClr val="tx1"/>
-                </a:solidFill>
-                <a:latin typeface="Arial" charset="0"/>
-                <a:ea typeface="ＭＳ Ｐゴシック" pitchFamily="34" charset="-128"/>
-              </a:defRPr>
-            </a:lvl8pPr>
-            <a:lvl9pPr marL="3886200" indent="-228600" defTabSz="1828800" eaLnBrk="0" fontAlgn="base" hangingPunct="0">
-              <a:spcBef>
-                <a:spcPct val="0"/>
-              </a:spcBef>
-              <a:spcAft>
-                <a:spcPct val="0"/>
-              </a:spcAft>
-              <a:defRPr sz="7200">
-                <a:solidFill>
-                  <a:schemeClr val="tx1"/>
-                </a:solidFill>
-                <a:latin typeface="Arial" charset="0"/>
-                <a:ea typeface="ＭＳ Ｐゴシック" pitchFamily="34" charset="-128"/>
-              </a:defRPr>
-            </a:lvl9pPr>
-          </a:lstStyle>
-          <a:p>
-            <a:pPr algn="ctr" eaLnBrk="1" hangingPunct="1">
-              <a:defRPr/>
-            </a:pPr>
-            <a:endParaRPr lang="en-US" altLang="en-US" sz="1800" dirty="0">
-              <a:solidFill>
-                <a:schemeClr val="bg1"/>
-              </a:solidFill>
-              <a:latin typeface="+mj-lt"/>
-            </a:endParaRPr>
-          </a:p>
-          <a:p>
-            <a:pPr algn="ctr" eaLnBrk="1" hangingPunct="1">
-              <a:defRPr/>
-            </a:pPr>
-            <a:r>
-              <a:rPr lang="en-US" sz="1800" dirty="0">
-                <a:solidFill>
-                  <a:schemeClr val="bg1"/>
-                </a:solidFill>
-                <a:latin typeface="+mj-lt"/>
-              </a:rPr>
-              <a:t>Sandia National Laboratories is a multimission laboratory managed and operated by National Technology and Engineering Solutions of Sandia, LLC., a wholly owned subsidiary of Honeywell International, Inc., for the U.S. Department of Energy’s National Nuclear Security Administration under Contract DE-NA0003525.</a:t>
-            </a:r>
-          </a:p>
-          <a:p>
-            <a:pPr algn="ctr" eaLnBrk="1" hangingPunct="1">
-              <a:defRPr/>
-            </a:pPr>
-            <a:endParaRPr lang="en-US" altLang="en-US" sz="1800" dirty="0">
-              <a:solidFill>
-                <a:schemeClr val="bg1"/>
-              </a:solidFill>
-              <a:latin typeface="+mj-lt"/>
-            </a:endParaRPr>
-          </a:p>
-        </p:txBody>
-      </p:sp>
-      <p:sp>
-        <p:nvSpPr>
-          <p:cNvPr id="10" name="Title 1">
-            <a:extLst>
-              <a:ext uri="{FF2B5EF4-FFF2-40B4-BE49-F238E27FC236}">
-                <a16:creationId xmlns:a16="http://schemas.microsoft.com/office/drawing/2014/main" id="{89E4D917-E58F-6C48-A545-0B17C6762859}"/>
-              </a:ext>
-            </a:extLst>
-          </p:cNvPr>
-          <p:cNvSpPr txBox="1">
-            <a:spLocks/>
-          </p:cNvSpPr>
-          <p:nvPr/>
-        </p:nvSpPr>
-        <p:spPr bwMode="auto">
-          <a:xfrm>
-            <a:off x="9982200" y="29946600"/>
-            <a:ext cx="11353800" cy="1176337"/>
-          </a:xfrm>
-          <a:prstGeom prst="rect">
-            <a:avLst/>
-          </a:prstGeom>
-          <a:noFill/>
-          <a:ln>
-            <a:noFill/>
-          </a:ln>
-          <a:extLst>
-            <a:ext uri="{909E8E84-426E-40DD-AFC4-6F175D3DCCD1}">
-              <a14:hiddenFill xmlns:a14="http://schemas.microsoft.com/office/drawing/2010/main">
-                <a:solidFill>
-                  <a:srgbClr val="FFFFFF"/>
-                </a:solidFill>
-              </a14:hiddenFill>
-            </a:ext>
-            <a:ext uri="{91240B29-F687-4F45-9708-019B960494DF}">
-              <a14:hiddenLine xmlns:a14="http://schemas.microsoft.com/office/drawing/2010/main" w="9525">
-                <a:solidFill>
-                  <a:srgbClr val="000000"/>
-                </a:solidFill>
-                <a:miter lim="800000"/>
-                <a:headEnd/>
-                <a:tailEnd/>
-              </a14:hiddenLine>
-            </a:ext>
-          </a:extLst>
-        </p:spPr>
-        <p:txBody>
-          <a:bodyPr lIns="365760" tIns="182880" rIns="365760" bIns="182880" anchor="ctr"/>
-          <a:lstStyle>
-            <a:lvl1pPr eaLnBrk="0" hangingPunct="0">
-              <a:defRPr sz="7200">
-                <a:solidFill>
-                  <a:schemeClr val="tx1"/>
-                </a:solidFill>
-                <a:latin typeface="Arial" charset="0"/>
-                <a:ea typeface="ＭＳ Ｐゴシック" pitchFamily="34" charset="-128"/>
-              </a:defRPr>
-            </a:lvl1pPr>
-            <a:lvl2pPr marL="742950" indent="-285750" eaLnBrk="0" hangingPunct="0">
-              <a:defRPr sz="7200">
-                <a:solidFill>
-                  <a:schemeClr val="tx1"/>
-                </a:solidFill>
-                <a:latin typeface="Arial" charset="0"/>
-                <a:ea typeface="ＭＳ Ｐゴシック" pitchFamily="34" charset="-128"/>
-              </a:defRPr>
-            </a:lvl2pPr>
-            <a:lvl3pPr marL="1143000" indent="-228600" eaLnBrk="0" hangingPunct="0">
-              <a:defRPr sz="7200">
-                <a:solidFill>
-                  <a:schemeClr val="tx1"/>
-                </a:solidFill>
-                <a:latin typeface="Arial" charset="0"/>
-                <a:ea typeface="ＭＳ Ｐゴシック" pitchFamily="34" charset="-128"/>
-              </a:defRPr>
-            </a:lvl3pPr>
-            <a:lvl4pPr marL="1600200" indent="-228600" eaLnBrk="0" hangingPunct="0">
-              <a:defRPr sz="7200">
-                <a:solidFill>
-                  <a:schemeClr val="tx1"/>
-                </a:solidFill>
-                <a:latin typeface="Arial" charset="0"/>
-                <a:ea typeface="ＭＳ Ｐゴシック" pitchFamily="34" charset="-128"/>
-              </a:defRPr>
-            </a:lvl4pPr>
-            <a:lvl5pPr marL="2057400" indent="-228600" eaLnBrk="0" hangingPunct="0">
-              <a:defRPr sz="7200">
-                <a:solidFill>
-                  <a:schemeClr val="tx1"/>
-                </a:solidFill>
-                <a:latin typeface="Arial" charset="0"/>
-                <a:ea typeface="ＭＳ Ｐゴシック" pitchFamily="34" charset="-128"/>
-              </a:defRPr>
-            </a:lvl5pPr>
-            <a:lvl6pPr marL="2514600" indent="-228600" defTabSz="1828800" eaLnBrk="0" fontAlgn="base" hangingPunct="0">
-              <a:spcBef>
-                <a:spcPct val="0"/>
-              </a:spcBef>
-              <a:spcAft>
-                <a:spcPct val="0"/>
-              </a:spcAft>
-              <a:defRPr sz="7200">
-                <a:solidFill>
-                  <a:schemeClr val="tx1"/>
-                </a:solidFill>
-                <a:latin typeface="Arial" charset="0"/>
-                <a:ea typeface="ＭＳ Ｐゴシック" pitchFamily="34" charset="-128"/>
-              </a:defRPr>
-            </a:lvl6pPr>
-            <a:lvl7pPr marL="2971800" indent="-228600" defTabSz="1828800" eaLnBrk="0" fontAlgn="base" hangingPunct="0">
-              <a:spcBef>
-                <a:spcPct val="0"/>
-              </a:spcBef>
-              <a:spcAft>
-                <a:spcPct val="0"/>
-              </a:spcAft>
-              <a:defRPr sz="7200">
-                <a:solidFill>
-                  <a:schemeClr val="tx1"/>
-                </a:solidFill>
-                <a:latin typeface="Arial" charset="0"/>
-                <a:ea typeface="ＭＳ Ｐゴシック" pitchFamily="34" charset="-128"/>
-              </a:defRPr>
-            </a:lvl7pPr>
-            <a:lvl8pPr marL="3429000" indent="-228600" defTabSz="1828800" eaLnBrk="0" fontAlgn="base" hangingPunct="0">
-              <a:spcBef>
-                <a:spcPct val="0"/>
-              </a:spcBef>
-              <a:spcAft>
-                <a:spcPct val="0"/>
-              </a:spcAft>
-              <a:defRPr sz="7200">
-                <a:solidFill>
-                  <a:schemeClr val="tx1"/>
-                </a:solidFill>
-                <a:latin typeface="Arial" charset="0"/>
-                <a:ea typeface="ＭＳ Ｐゴシック" pitchFamily="34" charset="-128"/>
-              </a:defRPr>
-            </a:lvl8pPr>
-            <a:lvl9pPr marL="3886200" indent="-228600" defTabSz="1828800" eaLnBrk="0" fontAlgn="base" hangingPunct="0">
-              <a:spcBef>
-                <a:spcPct val="0"/>
-              </a:spcBef>
-              <a:spcAft>
-                <a:spcPct val="0"/>
-              </a:spcAft>
-              <a:defRPr sz="7200">
-                <a:solidFill>
-                  <a:schemeClr val="tx1"/>
-                </a:solidFill>
-                <a:latin typeface="Arial" charset="0"/>
-                <a:ea typeface="ＭＳ Ｐゴシック" pitchFamily="34" charset="-128"/>
-              </a:defRPr>
-            </a:lvl9pPr>
-          </a:lstStyle>
-          <a:p>
-            <a:pPr algn="ctr" eaLnBrk="1" hangingPunct="1">
-              <a:defRPr/>
-            </a:pPr>
-            <a:endParaRPr lang="en-US" altLang="en-US" sz="1800" dirty="0">
-              <a:solidFill>
-                <a:schemeClr val="tx1"/>
-              </a:solidFill>
-              <a:latin typeface="+mj-lt"/>
-            </a:endParaRPr>
-          </a:p>
-          <a:p>
-            <a:pPr algn="ctr" eaLnBrk="1" hangingPunct="1">
-              <a:defRPr/>
-            </a:pPr>
-            <a:r>
-              <a:rPr lang="en-US" sz="1800" dirty="0">
-                <a:solidFill>
-                  <a:schemeClr val="tx1"/>
-                </a:solidFill>
-                <a:latin typeface="+mj-lt"/>
-              </a:rPr>
-              <a:t>Sandia National Laboratories is a multimission laboratory managed and operated by National Technology and Engineering Solutions of Sandia, LLC., a wholly owned subsidiary of Honeywell International, Inc., for the U.S. Department of Energy’s National Nuclear Security Administration under Contract DE-NA0003525.</a:t>
-            </a:r>
-          </a:p>
-          <a:p>
-            <a:pPr algn="ctr" eaLnBrk="1" hangingPunct="1">
-              <a:defRPr/>
-            </a:pPr>
-            <a:endParaRPr lang="en-US" altLang="en-US" sz="1800" dirty="0">
-              <a:solidFill>
-                <a:schemeClr val="tx1"/>
-              </a:solidFill>
-              <a:latin typeface="+mj-lt"/>
-            </a:endParaRPr>
-          </a:p>
-        </p:txBody>
-      </p:sp>
-      <p:sp>
-        <p:nvSpPr>
-          <p:cNvPr id="11" name="Title 1">
-            <a:extLst>
-              <a:ext uri="{FF2B5EF4-FFF2-40B4-BE49-F238E27FC236}">
-                <a16:creationId xmlns:a16="http://schemas.microsoft.com/office/drawing/2014/main" id="{D2B1E78B-06B4-0345-B3DC-C389D405CA39}"/>
-              </a:ext>
-            </a:extLst>
-          </p:cNvPr>
-          <p:cNvSpPr txBox="1">
-            <a:spLocks/>
-          </p:cNvSpPr>
-          <p:nvPr/>
-        </p:nvSpPr>
-        <p:spPr bwMode="auto">
-          <a:xfrm>
-            <a:off x="10134600" y="30099000"/>
-            <a:ext cx="11353800" cy="1176337"/>
-          </a:xfrm>
-          <a:prstGeom prst="rect">
-            <a:avLst/>
-          </a:prstGeom>
-          <a:noFill/>
-          <a:ln>
-            <a:noFill/>
-          </a:ln>
-          <a:extLst>
-            <a:ext uri="{909E8E84-426E-40DD-AFC4-6F175D3DCCD1}">
-              <a14:hiddenFill xmlns:a14="http://schemas.microsoft.com/office/drawing/2010/main">
-                <a:solidFill>
-                  <a:srgbClr val="FFFFFF"/>
-                </a:solidFill>
-              </a14:hiddenFill>
-            </a:ext>
-            <a:ext uri="{91240B29-F687-4F45-9708-019B960494DF}">
-              <a14:hiddenLine xmlns:a14="http://schemas.microsoft.com/office/drawing/2010/main" w="9525">
-                <a:solidFill>
-                  <a:srgbClr val="000000"/>
-                </a:solidFill>
-                <a:miter lim="800000"/>
-                <a:headEnd/>
-                <a:tailEnd/>
-              </a14:hiddenLine>
-            </a:ext>
-          </a:extLst>
-        </p:spPr>
-        <p:txBody>
-          <a:bodyPr lIns="365760" tIns="182880" rIns="365760" bIns="182880" anchor="ctr"/>
-          <a:lstStyle>
-            <a:lvl1pPr eaLnBrk="0" hangingPunct="0">
-              <a:defRPr sz="7200">
-                <a:solidFill>
-                  <a:schemeClr val="tx1"/>
-                </a:solidFill>
-                <a:latin typeface="Arial" charset="0"/>
-                <a:ea typeface="ＭＳ Ｐゴシック" pitchFamily="34" charset="-128"/>
-              </a:defRPr>
-            </a:lvl1pPr>
-            <a:lvl2pPr marL="742950" indent="-285750" eaLnBrk="0" hangingPunct="0">
-              <a:defRPr sz="7200">
-                <a:solidFill>
-                  <a:schemeClr val="tx1"/>
-                </a:solidFill>
-                <a:latin typeface="Arial" charset="0"/>
-                <a:ea typeface="ＭＳ Ｐゴシック" pitchFamily="34" charset="-128"/>
-              </a:defRPr>
-            </a:lvl2pPr>
-            <a:lvl3pPr marL="1143000" indent="-228600" eaLnBrk="0" hangingPunct="0">
-              <a:defRPr sz="7200">
-                <a:solidFill>
-                  <a:schemeClr val="tx1"/>
-                </a:solidFill>
-                <a:latin typeface="Arial" charset="0"/>
-                <a:ea typeface="ＭＳ Ｐゴシック" pitchFamily="34" charset="-128"/>
-              </a:defRPr>
-            </a:lvl3pPr>
-            <a:lvl4pPr marL="1600200" indent="-228600" eaLnBrk="0" hangingPunct="0">
-              <a:defRPr sz="7200">
-                <a:solidFill>
-                  <a:schemeClr val="tx1"/>
-                </a:solidFill>
-                <a:latin typeface="Arial" charset="0"/>
-                <a:ea typeface="ＭＳ Ｐゴシック" pitchFamily="34" charset="-128"/>
-              </a:defRPr>
-            </a:lvl4pPr>
-            <a:lvl5pPr marL="2057400" indent="-228600" eaLnBrk="0" hangingPunct="0">
-              <a:defRPr sz="7200">
-                <a:solidFill>
-                  <a:schemeClr val="tx1"/>
-                </a:solidFill>
-                <a:latin typeface="Arial" charset="0"/>
-                <a:ea typeface="ＭＳ Ｐゴシック" pitchFamily="34" charset="-128"/>
-              </a:defRPr>
-            </a:lvl5pPr>
-            <a:lvl6pPr marL="2514600" indent="-228600" defTabSz="1828800" eaLnBrk="0" fontAlgn="base" hangingPunct="0">
-              <a:spcBef>
-                <a:spcPct val="0"/>
-              </a:spcBef>
-              <a:spcAft>
-                <a:spcPct val="0"/>
-              </a:spcAft>
-              <a:defRPr sz="7200">
-                <a:solidFill>
-                  <a:schemeClr val="tx1"/>
-                </a:solidFill>
-                <a:latin typeface="Arial" charset="0"/>
-                <a:ea typeface="ＭＳ Ｐゴシック" pitchFamily="34" charset="-128"/>
-              </a:defRPr>
-            </a:lvl6pPr>
-            <a:lvl7pPr marL="2971800" indent="-228600" defTabSz="1828800" eaLnBrk="0" fontAlgn="base" hangingPunct="0">
-              <a:spcBef>
-                <a:spcPct val="0"/>
-              </a:spcBef>
-              <a:spcAft>
-                <a:spcPct val="0"/>
-              </a:spcAft>
-              <a:defRPr sz="7200">
-                <a:solidFill>
-                  <a:schemeClr val="tx1"/>
-                </a:solidFill>
-                <a:latin typeface="Arial" charset="0"/>
-                <a:ea typeface="ＭＳ Ｐゴシック" pitchFamily="34" charset="-128"/>
-              </a:defRPr>
-            </a:lvl7pPr>
-            <a:lvl8pPr marL="3429000" indent="-228600" defTabSz="1828800" eaLnBrk="0" fontAlgn="base" hangingPunct="0">
-              <a:spcBef>
-                <a:spcPct val="0"/>
-              </a:spcBef>
-              <a:spcAft>
-                <a:spcPct val="0"/>
-              </a:spcAft>
-              <a:defRPr sz="7200">
-                <a:solidFill>
-                  <a:schemeClr val="tx1"/>
-                </a:solidFill>
-                <a:latin typeface="Arial" charset="0"/>
-                <a:ea typeface="ＭＳ Ｐゴシック" pitchFamily="34" charset="-128"/>
-              </a:defRPr>
-            </a:lvl8pPr>
-            <a:lvl9pPr marL="3886200" indent="-228600" defTabSz="1828800" eaLnBrk="0" fontAlgn="base" hangingPunct="0">
-              <a:spcBef>
-                <a:spcPct val="0"/>
-              </a:spcBef>
-              <a:spcAft>
-                <a:spcPct val="0"/>
-              </a:spcAft>
-              <a:defRPr sz="7200">
-                <a:solidFill>
-                  <a:schemeClr val="tx1"/>
-                </a:solidFill>
-                <a:latin typeface="Arial" charset="0"/>
-                <a:ea typeface="ＭＳ Ｐゴシック" pitchFamily="34" charset="-128"/>
-              </a:defRPr>
-            </a:lvl9pPr>
-          </a:lstStyle>
-          <a:p>
-            <a:pPr algn="ctr" eaLnBrk="1" hangingPunct="1">
-              <a:defRPr/>
-            </a:pPr>
-            <a:endParaRPr lang="en-US" altLang="en-US" sz="1800" dirty="0">
-              <a:solidFill>
-                <a:schemeClr val="tx1"/>
-              </a:solidFill>
-              <a:latin typeface="+mj-lt"/>
-            </a:endParaRPr>
-          </a:p>
-          <a:p>
-            <a:pPr algn="ctr" eaLnBrk="1" hangingPunct="1">
-              <a:defRPr/>
-            </a:pPr>
-            <a:r>
-              <a:rPr lang="en-US" sz="1800" dirty="0">
-                <a:solidFill>
-                  <a:schemeClr val="tx1"/>
-                </a:solidFill>
-                <a:latin typeface="+mj-lt"/>
-              </a:rPr>
-              <a:t>Sandia National Laboratories is a multimission laboratory managed and operated by National Technology and Engineering Solutions of Sandia, LLC., a wholly owned subsidiary of Honeywell International, Inc., for the U.S. Department of Energy’s National Nuclear Security Administration under Contract DE-NA0003525.</a:t>
-            </a:r>
-          </a:p>
-          <a:p>
-            <a:pPr algn="ctr" eaLnBrk="1" hangingPunct="1">
-              <a:defRPr/>
-            </a:pPr>
-            <a:endParaRPr lang="en-US" altLang="en-US" sz="1800" dirty="0">
-              <a:solidFill>
-                <a:schemeClr val="tx1"/>
-              </a:solidFill>
-              <a:latin typeface="+mj-lt"/>
-            </a:endParaRPr>
-          </a:p>
-        </p:txBody>
-      </p:sp>
       <p:pic>
         <p:nvPicPr>
           <p:cNvPr id="15" name="Picture 14">
@@ -11782,199 +11010,6 @@
           </a:prstGeom>
         </p:spPr>
       </p:pic>
-      <p:sp>
-        <p:nvSpPr>
-          <p:cNvPr id="6" name="Title 1">
-            <a:extLst>
-              <a:ext uri="{FF2B5EF4-FFF2-40B4-BE49-F238E27FC236}">
-                <a16:creationId xmlns:a16="http://schemas.microsoft.com/office/drawing/2014/main" id="{B0A62286-0446-5248-A8D2-FDE8AD292547}"/>
-              </a:ext>
-            </a:extLst>
-          </p:cNvPr>
-          <p:cNvSpPr txBox="1">
-            <a:spLocks/>
-          </p:cNvSpPr>
-          <p:nvPr/>
-        </p:nvSpPr>
-        <p:spPr bwMode="auto">
-          <a:xfrm>
-            <a:off x="7391400" y="33853438"/>
-            <a:ext cx="11353800" cy="1176337"/>
-          </a:xfrm>
-          <a:prstGeom prst="rect">
-            <a:avLst/>
-          </a:prstGeom>
-          <a:noFill/>
-          <a:ln>
-            <a:noFill/>
-          </a:ln>
-          <a:extLst>
-            <a:ext uri="{909E8E84-426E-40DD-AFC4-6F175D3DCCD1}">
-              <a14:hiddenFill xmlns:a14="http://schemas.microsoft.com/office/drawing/2010/main">
-                <a:solidFill>
-                  <a:srgbClr val="FFFFFF"/>
-                </a:solidFill>
-              </a14:hiddenFill>
-            </a:ext>
-            <a:ext uri="{91240B29-F687-4F45-9708-019B960494DF}">
-              <a14:hiddenLine xmlns:a14="http://schemas.microsoft.com/office/drawing/2010/main" w="9525">
-                <a:solidFill>
-                  <a:srgbClr val="000000"/>
-                </a:solidFill>
-                <a:miter lim="800000"/>
-                <a:headEnd/>
-                <a:tailEnd/>
-              </a14:hiddenLine>
-            </a:ext>
-          </a:extLst>
-        </p:spPr>
-        <p:txBody>
-          <a:bodyPr lIns="365760" tIns="182880" rIns="365760" bIns="182880" anchor="ctr"/>
-          <a:lstStyle>
-            <a:lvl1pPr eaLnBrk="0" hangingPunct="0">
-              <a:defRPr sz="7200">
-                <a:solidFill>
-                  <a:schemeClr val="tx1"/>
-                </a:solidFill>
-                <a:latin typeface="Arial" charset="0"/>
-                <a:ea typeface="ＭＳ Ｐゴシック" pitchFamily="34" charset="-128"/>
-              </a:defRPr>
-            </a:lvl1pPr>
-            <a:lvl2pPr marL="742950" indent="-285750" eaLnBrk="0" hangingPunct="0">
-              <a:defRPr sz="7200">
-                <a:solidFill>
-                  <a:schemeClr val="tx1"/>
-                </a:solidFill>
-                <a:latin typeface="Arial" charset="0"/>
-                <a:ea typeface="ＭＳ Ｐゴシック" pitchFamily="34" charset="-128"/>
-              </a:defRPr>
-            </a:lvl2pPr>
-            <a:lvl3pPr marL="1143000" indent="-228600" eaLnBrk="0" hangingPunct="0">
-              <a:defRPr sz="7200">
-                <a:solidFill>
-                  <a:schemeClr val="tx1"/>
-                </a:solidFill>
-                <a:latin typeface="Arial" charset="0"/>
-                <a:ea typeface="ＭＳ Ｐゴシック" pitchFamily="34" charset="-128"/>
-              </a:defRPr>
-            </a:lvl3pPr>
-            <a:lvl4pPr marL="1600200" indent="-228600" eaLnBrk="0" hangingPunct="0">
-              <a:defRPr sz="7200">
-                <a:solidFill>
-                  <a:schemeClr val="tx1"/>
-                </a:solidFill>
-                <a:latin typeface="Arial" charset="0"/>
-                <a:ea typeface="ＭＳ Ｐゴシック" pitchFamily="34" charset="-128"/>
-              </a:defRPr>
-            </a:lvl4pPr>
-            <a:lvl5pPr marL="2057400" indent="-228600" eaLnBrk="0" hangingPunct="0">
-              <a:defRPr sz="7200">
-                <a:solidFill>
-                  <a:schemeClr val="tx1"/>
-                </a:solidFill>
-                <a:latin typeface="Arial" charset="0"/>
-                <a:ea typeface="ＭＳ Ｐゴシック" pitchFamily="34" charset="-128"/>
-              </a:defRPr>
-            </a:lvl5pPr>
-            <a:lvl6pPr marL="2514600" indent="-228600" defTabSz="1828800" eaLnBrk="0" fontAlgn="base" hangingPunct="0">
-              <a:spcBef>
-                <a:spcPct val="0"/>
-              </a:spcBef>
-              <a:spcAft>
-                <a:spcPct val="0"/>
-              </a:spcAft>
-              <a:defRPr sz="7200">
-                <a:solidFill>
-                  <a:schemeClr val="tx1"/>
-                </a:solidFill>
-                <a:latin typeface="Arial" charset="0"/>
-                <a:ea typeface="ＭＳ Ｐゴシック" pitchFamily="34" charset="-128"/>
-              </a:defRPr>
-            </a:lvl6pPr>
-            <a:lvl7pPr marL="2971800" indent="-228600" defTabSz="1828800" eaLnBrk="0" fontAlgn="base" hangingPunct="0">
-              <a:spcBef>
-                <a:spcPct val="0"/>
-              </a:spcBef>
-              <a:spcAft>
-                <a:spcPct val="0"/>
-              </a:spcAft>
-              <a:defRPr sz="7200">
-                <a:solidFill>
-                  <a:schemeClr val="tx1"/>
-                </a:solidFill>
-                <a:latin typeface="Arial" charset="0"/>
-                <a:ea typeface="ＭＳ Ｐゴシック" pitchFamily="34" charset="-128"/>
-              </a:defRPr>
-            </a:lvl7pPr>
-            <a:lvl8pPr marL="3429000" indent="-228600" defTabSz="1828800" eaLnBrk="0" fontAlgn="base" hangingPunct="0">
-              <a:spcBef>
-                <a:spcPct val="0"/>
-              </a:spcBef>
-              <a:spcAft>
-                <a:spcPct val="0"/>
-              </a:spcAft>
-              <a:defRPr sz="7200">
-                <a:solidFill>
-                  <a:schemeClr val="tx1"/>
-                </a:solidFill>
-                <a:latin typeface="Arial" charset="0"/>
-                <a:ea typeface="ＭＳ Ｐゴシック" pitchFamily="34" charset="-128"/>
-              </a:defRPr>
-            </a:lvl8pPr>
-            <a:lvl9pPr marL="3886200" indent="-228600" defTabSz="1828800" eaLnBrk="0" fontAlgn="base" hangingPunct="0">
-              <a:spcBef>
-                <a:spcPct val="0"/>
-              </a:spcBef>
-              <a:spcAft>
-                <a:spcPct val="0"/>
-              </a:spcAft>
-              <a:defRPr sz="7200">
-                <a:solidFill>
-                  <a:schemeClr val="tx1"/>
-                </a:solidFill>
-                <a:latin typeface="Arial" charset="0"/>
-                <a:ea typeface="ＭＳ Ｐゴシック" pitchFamily="34" charset="-128"/>
-              </a:defRPr>
-            </a:lvl9pPr>
-          </a:lstStyle>
-          <a:p>
-            <a:pPr algn="ctr" eaLnBrk="1" hangingPunct="1">
-              <a:defRPr/>
-            </a:pPr>
-            <a:endParaRPr lang="en-US" altLang="en-US" sz="1800" dirty="0">
-              <a:solidFill>
-                <a:schemeClr val="bg1"/>
-              </a:solidFill>
-              <a:latin typeface="+mj-lt"/>
-            </a:endParaRPr>
-          </a:p>
-          <a:p>
-            <a:pPr algn="ctr" eaLnBrk="1" hangingPunct="1">
-              <a:defRPr/>
-            </a:pPr>
-            <a:r>
-              <a:rPr lang="en-US" sz="1800" dirty="0">
-                <a:solidFill>
-                  <a:schemeClr val="bg1"/>
-                </a:solidFill>
-                <a:latin typeface="+mj-lt"/>
-              </a:rPr>
-              <a:t>Sandia National Laboratories is a multimission laboratory managed and operated by National Technology and Engineering Solutions of Sandia, LLC., a wholly owned subsidiary of Honeywell International, Inc., for the U.S. Department of Energy’s National Nuclear Security Administration under Contract DE-NA0003525.</a:t>
-            </a:r>
-          </a:p>
-          <a:p>
-            <a:pPr algn="ctr" eaLnBrk="1" hangingPunct="1">
-              <a:defRPr/>
-            </a:pPr>
-            <a:endParaRPr lang="en-US" altLang="en-US" sz="1800" dirty="0">
-              <a:solidFill>
-                <a:schemeClr val="bg1"/>
-              </a:solidFill>
-              <a:latin typeface="+mj-lt"/>
-            </a:endParaRPr>
-          </a:p>
-        </p:txBody>
-      </p:sp>
       <p:pic>
         <p:nvPicPr>
           <p:cNvPr id="22" name="Picture 21">
@@ -12277,7 +11312,7 @@
                 <a:ea typeface="+mj-ea"/>
                 <a:cs typeface="+mj-cs"/>
               </a:rPr>
-              <a:t>    Not too far</a:t>
+              <a:t>    No big gaps</a:t>
             </a:r>
           </a:p>
           <a:p>
@@ -13403,7 +12438,7 @@
                               <p:par>
                                 <p:cTn id="5" presetID="20" presetClass="entr" presetSubtype="0" fill="hold" nodeType="afterEffect">
                                   <p:stCondLst>
-                                    <p:cond delay="0"/>
+                                    <p:cond delay="1000"/>
                                   </p:stCondLst>
                                   <p:childTnLst>
                                     <p:set>
@@ -13438,7 +12473,7 @@
                               <p:par>
                                 <p:cTn id="8" presetID="9" presetClass="entr" presetSubtype="0" fill="hold" grpId="0" nodeType="withEffect">
                                   <p:stCondLst>
-                                    <p:cond delay="0"/>
+                                    <p:cond delay="1000"/>
                                   </p:stCondLst>
                                   <p:childTnLst>
                                     <p:set>
@@ -13476,7 +12511,7 @@
                         <p:par>
                           <p:cTn id="11" fill="hold">
                             <p:stCondLst>
-                              <p:cond delay="2000"/>
+                              <p:cond delay="3000"/>
                             </p:stCondLst>
                             <p:childTnLst>
                               <p:par>
@@ -13549,24 +12584,15 @@
                                   </p:childTnLst>
                                 </p:cTn>
                               </p:par>
-                            </p:childTnLst>
-                          </p:cTn>
-                        </p:par>
-                        <p:par>
-                          <p:cTn id="18" fill="hold">
-                            <p:stCondLst>
-                              <p:cond delay="3500"/>
-                            </p:stCondLst>
-                            <p:childTnLst>
                               <p:par>
-                                <p:cTn id="19" presetID="31" presetClass="entr" presetSubtype="0" fill="hold" nodeType="afterEffect">
+                                <p:cTn id="18" presetID="31" presetClass="entr" presetSubtype="0" fill="hold" nodeType="withEffect">
                                   <p:stCondLst>
                                     <p:cond delay="1000"/>
                                   </p:stCondLst>
                                   <p:childTnLst>
                                     <p:set>
                                       <p:cBhvr>
-                                        <p:cTn id="20" dur="1" fill="hold">
+                                        <p:cTn id="19" dur="1" fill="hold">
                                           <p:stCondLst>
                                             <p:cond delay="0"/>
                                           </p:stCondLst>
@@ -13584,7 +12610,7 @@
                                     </p:set>
                                     <p:anim calcmode="lin" valueType="num">
                                       <p:cBhvr>
-                                        <p:cTn id="21" dur="1000" fill="hold"/>
+                                        <p:cTn id="20" dur="500" fill="hold"/>
                                         <p:tgtEl>
                                           <p:spTgt spid="22"/>
                                         </p:tgtEl>
@@ -13607,7 +12633,7 @@
                                     </p:anim>
                                     <p:anim calcmode="lin" valueType="num">
                                       <p:cBhvr>
-                                        <p:cTn id="22" dur="1000" fill="hold"/>
+                                        <p:cTn id="21" dur="500" fill="hold"/>
                                         <p:tgtEl>
                                           <p:spTgt spid="22"/>
                                         </p:tgtEl>
@@ -13630,7 +12656,7 @@
                                     </p:anim>
                                     <p:anim calcmode="lin" valueType="num">
                                       <p:cBhvr>
-                                        <p:cTn id="23" dur="1000" fill="hold"/>
+                                        <p:cTn id="22" dur="500" fill="hold"/>
                                         <p:tgtEl>
                                           <p:spTgt spid="22"/>
                                         </p:tgtEl>
@@ -13653,7 +12679,7 @@
                                     </p:anim>
                                     <p:animEffect transition="in" filter="fade">
                                       <p:cBhvr>
-                                        <p:cTn id="24" dur="1000"/>
+                                        <p:cTn id="23" dur="500"/>
                                         <p:tgtEl>
                                           <p:spTgt spid="22"/>
                                         </p:tgtEl>
@@ -13666,20 +12692,20 @@
                           </p:cTn>
                         </p:par>
                         <p:par>
-                          <p:cTn id="25" fill="hold">
+                          <p:cTn id="24" fill="hold">
                             <p:stCondLst>
-                              <p:cond delay="5500"/>
+                              <p:cond delay="4500"/>
                             </p:stCondLst>
                             <p:childTnLst>
                               <p:par>
-                                <p:cTn id="26" presetID="0" presetClass="path" presetSubtype="0" accel="50000" decel="50000" fill="hold" grpId="1" nodeType="afterEffect">
+                                <p:cTn id="25" presetID="0" presetClass="path" presetSubtype="0" accel="50000" decel="50000" fill="hold" grpId="1" nodeType="afterEffect">
                                   <p:stCondLst>
                                     <p:cond delay="0"/>
                                   </p:stCondLst>
                                   <p:childTnLst>
                                     <p:animMotion origin="layout" path="M 1.45833E-6 -1.11111E-6 L 0.02864 -0.01597 " pathEditMode="relative" rAng="0" ptsTypes="AA">
                                       <p:cBhvr>
-                                        <p:cTn id="27" dur="2000" fill="hold"/>
+                                        <p:cTn id="26" dur="1000" fill="hold"/>
                                         <p:tgtEl>
                                           <p:spTgt spid="216"/>
                                         </p:tgtEl>
@@ -13694,14 +12720,14 @@
                                 </p:cTn>
                               </p:par>
                               <p:par>
-                                <p:cTn id="28" presetID="0" presetClass="path" presetSubtype="0" accel="50000" decel="50000" fill="hold" grpId="1" nodeType="withEffect">
+                                <p:cTn id="27" presetID="0" presetClass="path" presetSubtype="0" accel="50000" decel="50000" fill="hold" grpId="1" nodeType="withEffect">
                                   <p:stCondLst>
                                     <p:cond delay="0"/>
                                   </p:stCondLst>
                                   <p:childTnLst>
                                     <p:animMotion origin="layout" path="M 1.45833E-6 4.44444E-6 L 0.02721 -0.01737 " pathEditMode="relative" rAng="0" ptsTypes="AA">
                                       <p:cBhvr>
-                                        <p:cTn id="29" dur="2000" fill="hold"/>
+                                        <p:cTn id="28" dur="1000" fill="hold"/>
                                         <p:tgtEl>
                                           <p:spTgt spid="217"/>
                                         </p:tgtEl>
@@ -13719,20 +12745,20 @@
                           </p:cTn>
                         </p:par>
                         <p:par>
-                          <p:cTn id="30" fill="hold">
+                          <p:cTn id="29" fill="hold">
                             <p:stCondLst>
-                              <p:cond delay="7500"/>
+                              <p:cond delay="5500"/>
                             </p:stCondLst>
                             <p:childTnLst>
                               <p:par>
-                                <p:cTn id="31" presetID="14" presetClass="exit" presetSubtype="10" fill="hold" nodeType="afterEffect">
+                                <p:cTn id="30" presetID="14" presetClass="exit" presetSubtype="10" fill="hold" nodeType="afterEffect">
                                   <p:stCondLst>
                                     <p:cond delay="0"/>
                                   </p:stCondLst>
                                   <p:childTnLst>
                                     <p:animEffect transition="out" filter="randombar(horizontal)">
                                       <p:cBhvr>
-                                        <p:cTn id="32" dur="500"/>
+                                        <p:cTn id="31" dur="500"/>
                                         <p:tgtEl>
                                           <p:spTgt spid="12"/>
                                         </p:tgtEl>
@@ -13740,7 +12766,7 @@
                                     </p:animEffect>
                                     <p:set>
                                       <p:cBhvr>
-                                        <p:cTn id="33" dur="1" fill="hold">
+                                        <p:cTn id="32" dur="1" fill="hold">
                                           <p:stCondLst>
                                             <p:cond delay="499"/>
                                           </p:stCondLst>
@@ -13760,14 +12786,14 @@
                                 </p:cTn>
                               </p:par>
                               <p:par>
-                                <p:cTn id="34" presetID="14" presetClass="exit" presetSubtype="10" fill="hold" grpId="2" nodeType="withEffect">
+                                <p:cTn id="33" presetID="14" presetClass="exit" presetSubtype="10" fill="hold" grpId="2" nodeType="withEffect">
                                   <p:stCondLst>
                                     <p:cond delay="0"/>
                                   </p:stCondLst>
                                   <p:childTnLst>
                                     <p:animEffect transition="out" filter="randombar(horizontal)">
                                       <p:cBhvr>
-                                        <p:cTn id="35" dur="500"/>
+                                        <p:cTn id="34" dur="500"/>
                                         <p:tgtEl>
                                           <p:spTgt spid="216"/>
                                         </p:tgtEl>
@@ -13775,7 +12801,7 @@
                                     </p:animEffect>
                                     <p:set>
                                       <p:cBhvr>
-                                        <p:cTn id="36" dur="1" fill="hold">
+                                        <p:cTn id="35" dur="1" fill="hold">
                                           <p:stCondLst>
                                             <p:cond delay="499"/>
                                           </p:stCondLst>
@@ -13795,14 +12821,14 @@
                                 </p:cTn>
                               </p:par>
                               <p:par>
-                                <p:cTn id="37" presetID="31" presetClass="exit" presetSubtype="0" fill="hold" nodeType="withEffect">
+                                <p:cTn id="36" presetID="31" presetClass="exit" presetSubtype="0" fill="hold" nodeType="withEffect">
                                   <p:stCondLst>
                                     <p:cond delay="0"/>
                                   </p:stCondLst>
                                   <p:childTnLst>
                                     <p:anim calcmode="lin" valueType="num">
                                       <p:cBhvr>
-                                        <p:cTn id="38" dur="500"/>
+                                        <p:cTn id="37" dur="500"/>
                                         <p:tgtEl>
                                           <p:spTgt spid="22"/>
                                         </p:tgtEl>
@@ -13825,7 +12851,7 @@
                                     </p:anim>
                                     <p:anim calcmode="lin" valueType="num">
                                       <p:cBhvr>
-                                        <p:cTn id="39" dur="500"/>
+                                        <p:cTn id="38" dur="500"/>
                                         <p:tgtEl>
                                           <p:spTgt spid="22"/>
                                         </p:tgtEl>
@@ -13848,7 +12874,7 @@
                                     </p:anim>
                                     <p:anim calcmode="lin" valueType="num">
                                       <p:cBhvr>
-                                        <p:cTn id="40" dur="500"/>
+                                        <p:cTn id="39" dur="500"/>
                                         <p:tgtEl>
                                           <p:spTgt spid="22"/>
                                         </p:tgtEl>
@@ -13871,7 +12897,7 @@
                                     </p:anim>
                                     <p:animEffect transition="out" filter="fade">
                                       <p:cBhvr>
-                                        <p:cTn id="41" dur="500"/>
+                                        <p:cTn id="40" dur="500"/>
                                         <p:tgtEl>
                                           <p:spTgt spid="22"/>
                                         </p:tgtEl>
@@ -13879,7 +12905,7 @@
                                     </p:animEffect>
                                     <p:set>
                                       <p:cBhvr>
-                                        <p:cTn id="42" dur="1" fill="hold">
+                                        <p:cTn id="41" dur="1" fill="hold">
                                           <p:stCondLst>
                                             <p:cond delay="499"/>
                                           </p:stCondLst>
@@ -13902,20 +12928,20 @@
                           </p:cTn>
                         </p:par>
                         <p:par>
-                          <p:cTn id="43" fill="hold">
+                          <p:cTn id="42" fill="hold">
                             <p:stCondLst>
-                              <p:cond delay="8000"/>
+                              <p:cond delay="6000"/>
                             </p:stCondLst>
                             <p:childTnLst>
                               <p:par>
-                                <p:cTn id="44" presetID="14" presetClass="entr" presetSubtype="10" fill="hold" nodeType="afterEffect">
+                                <p:cTn id="43" presetID="14" presetClass="entr" presetSubtype="10" fill="hold" nodeType="afterEffect">
                                   <p:stCondLst>
-                                    <p:cond delay="1000"/>
+                                    <p:cond delay="0"/>
                                   </p:stCondLst>
                                   <p:childTnLst>
                                     <p:set>
                                       <p:cBhvr>
-                                        <p:cTn id="45" dur="1" fill="hold">
+                                        <p:cTn id="44" dur="1" fill="hold">
                                           <p:stCondLst>
                                             <p:cond delay="0"/>
                                           </p:stCondLst>
@@ -13933,7 +12959,7 @@
                                     </p:set>
                                     <p:animEffect transition="in" filter="randombar(horizontal)">
                                       <p:cBhvr>
-                                        <p:cTn id="46" dur="500"/>
+                                        <p:cTn id="45" dur="500"/>
                                         <p:tgtEl>
                                           <p:spTgt spid="212"/>
                                         </p:tgtEl>
@@ -13943,14 +12969,14 @@
                                 </p:cTn>
                               </p:par>
                               <p:par>
-                                <p:cTn id="47" presetID="14" presetClass="entr" presetSubtype="10" fill="hold" grpId="0" nodeType="withEffect">
+                                <p:cTn id="46" presetID="14" presetClass="entr" presetSubtype="10" fill="hold" grpId="0" nodeType="withEffect">
                                   <p:stCondLst>
-                                    <p:cond delay="1000"/>
+                                    <p:cond delay="0"/>
                                   </p:stCondLst>
                                   <p:childTnLst>
                                     <p:set>
                                       <p:cBhvr>
-                                        <p:cTn id="48" dur="1" fill="hold">
+                                        <p:cTn id="47" dur="1" fill="hold">
                                           <p:stCondLst>
                                             <p:cond delay="0"/>
                                           </p:stCondLst>
@@ -13968,7 +12994,7 @@
                                     </p:set>
                                     <p:animEffect transition="in" filter="randombar(horizontal)">
                                       <p:cBhvr>
-                                        <p:cTn id="49" dur="500"/>
+                                        <p:cTn id="48" dur="500"/>
                                         <p:tgtEl>
                                           <p:spTgt spid="215"/>
                                         </p:tgtEl>
@@ -13981,20 +13007,20 @@
                           </p:cTn>
                         </p:par>
                         <p:par>
-                          <p:cTn id="50" fill="hold">
+                          <p:cTn id="49" fill="hold">
                             <p:stCondLst>
-                              <p:cond delay="9500"/>
+                              <p:cond delay="6500"/>
                             </p:stCondLst>
                             <p:childTnLst>
                               <p:par>
-                                <p:cTn id="51" presetID="53" presetClass="entr" presetSubtype="16" fill="hold" nodeType="afterEffect">
+                                <p:cTn id="50" presetID="53" presetClass="entr" presetSubtype="16" fill="hold" nodeType="afterEffect">
                                   <p:stCondLst>
-                                    <p:cond delay="1000"/>
+                                    <p:cond delay="0"/>
                                   </p:stCondLst>
                                   <p:childTnLst>
                                     <p:set>
                                       <p:cBhvr>
-                                        <p:cTn id="52" dur="1" fill="hold">
+                                        <p:cTn id="51" dur="1" fill="hold">
                                           <p:stCondLst>
                                             <p:cond delay="0"/>
                                           </p:stCondLst>
@@ -14012,7 +13038,7 @@
                                     </p:set>
                                     <p:anim calcmode="lin" valueType="num">
                                       <p:cBhvr>
-                                        <p:cTn id="53" dur="500" fill="hold"/>
+                                        <p:cTn id="52" dur="1000" fill="hold"/>
                                         <p:tgtEl>
                                           <p:spTgt spid="23"/>
                                         </p:tgtEl>
@@ -14035,7 +13061,7 @@
                                     </p:anim>
                                     <p:anim calcmode="lin" valueType="num">
                                       <p:cBhvr>
-                                        <p:cTn id="54" dur="500" fill="hold"/>
+                                        <p:cTn id="53" dur="1000" fill="hold"/>
                                         <p:tgtEl>
                                           <p:spTgt spid="23"/>
                                         </p:tgtEl>
@@ -14058,7 +13084,7 @@
                                     </p:anim>
                                     <p:animEffect transition="in" filter="fade">
                                       <p:cBhvr>
-                                        <p:cTn id="55" dur="500"/>
+                                        <p:cTn id="54" dur="1000"/>
                                         <p:tgtEl>
                                           <p:spTgt spid="23"/>
                                         </p:tgtEl>
@@ -14071,20 +13097,20 @@
                           </p:cTn>
                         </p:par>
                         <p:par>
-                          <p:cTn id="56" fill="hold">
+                          <p:cTn id="55" fill="hold">
                             <p:stCondLst>
-                              <p:cond delay="11000"/>
+                              <p:cond delay="7500"/>
                             </p:stCondLst>
                             <p:childTnLst>
                               <p:par>
-                                <p:cTn id="57" presetID="35" presetClass="entr" presetSubtype="0" fill="hold" nodeType="afterEffect">
+                                <p:cTn id="56" presetID="35" presetClass="entr" presetSubtype="0" fill="hold" nodeType="afterEffect">
                                   <p:stCondLst>
-                                    <p:cond delay="1000"/>
+                                    <p:cond delay="500"/>
                                   </p:stCondLst>
                                   <p:childTnLst>
                                     <p:set>
                                       <p:cBhvr>
-                                        <p:cTn id="58" dur="1" fill="hold">
+                                        <p:cTn id="57" dur="1" fill="hold">
                                           <p:stCondLst>
                                             <p:cond delay="0"/>
                                           </p:stCondLst>
@@ -14102,7 +13128,7 @@
                                     </p:set>
                                     <p:animEffect transition="in" filter="fade">
                                       <p:cBhvr>
-                                        <p:cTn id="59" dur="1000"/>
+                                        <p:cTn id="58" dur="1000"/>
                                         <p:tgtEl>
                                           <p:spTgt spid="218"/>
                                         </p:tgtEl>
@@ -14110,7 +13136,7 @@
                                     </p:animEffect>
                                     <p:anim calcmode="lin" valueType="num">
                                       <p:cBhvr>
-                                        <p:cTn id="60" dur="1000" fill="hold"/>
+                                        <p:cTn id="59" dur="1000" fill="hold"/>
                                         <p:tgtEl>
                                           <p:spTgt spid="218"/>
                                         </p:tgtEl>
@@ -14133,7 +13159,7 @@
                                     </p:anim>
                                     <p:anim calcmode="lin" valueType="num">
                                       <p:cBhvr>
-                                        <p:cTn id="61" dur="1000" fill="hold"/>
+                                        <p:cTn id="60" dur="1000" fill="hold"/>
                                         <p:tgtEl>
                                           <p:spTgt spid="218"/>
                                         </p:tgtEl>
@@ -14156,7 +13182,7 @@
                                     </p:anim>
                                     <p:anim calcmode="lin" valueType="num">
                                       <p:cBhvr>
-                                        <p:cTn id="62" dur="1000" fill="hold"/>
+                                        <p:cTn id="61" dur="1000" fill="hold"/>
                                         <p:tgtEl>
                                           <p:spTgt spid="218"/>
                                         </p:tgtEl>
@@ -14181,14 +13207,14 @@
                                 </p:cTn>
                               </p:par>
                               <p:par>
-                                <p:cTn id="63" presetID="35" presetClass="entr" presetSubtype="0" fill="hold" nodeType="withEffect">
+                                <p:cTn id="62" presetID="35" presetClass="entr" presetSubtype="0" fill="hold" nodeType="withEffect">
                                   <p:stCondLst>
-                                    <p:cond delay="1000"/>
+                                    <p:cond delay="500"/>
                                   </p:stCondLst>
                                   <p:childTnLst>
                                     <p:set>
                                       <p:cBhvr>
-                                        <p:cTn id="64" dur="1" fill="hold">
+                                        <p:cTn id="63" dur="1" fill="hold">
                                           <p:stCondLst>
                                             <p:cond delay="0"/>
                                           </p:stCondLst>
@@ -14206,7 +13232,7 @@
                                     </p:set>
                                     <p:animEffect transition="in" filter="fade">
                                       <p:cBhvr>
-                                        <p:cTn id="65" dur="1000"/>
+                                        <p:cTn id="64" dur="1000"/>
                                         <p:tgtEl>
                                           <p:spTgt spid="222"/>
                                         </p:tgtEl>
@@ -14214,7 +13240,7 @@
                                     </p:animEffect>
                                     <p:anim calcmode="lin" valueType="num">
                                       <p:cBhvr>
-                                        <p:cTn id="66" dur="1000" fill="hold"/>
+                                        <p:cTn id="65" dur="1000" fill="hold"/>
                                         <p:tgtEl>
                                           <p:spTgt spid="222"/>
                                         </p:tgtEl>
@@ -14237,7 +13263,7 @@
                                     </p:anim>
                                     <p:anim calcmode="lin" valueType="num">
                                       <p:cBhvr>
-                                        <p:cTn id="67" dur="1000" fill="hold"/>
+                                        <p:cTn id="66" dur="1000" fill="hold"/>
                                         <p:tgtEl>
                                           <p:spTgt spid="222"/>
                                         </p:tgtEl>
@@ -14260,7 +13286,7 @@
                                     </p:anim>
                                     <p:anim calcmode="lin" valueType="num">
                                       <p:cBhvr>
-                                        <p:cTn id="68" dur="1000" fill="hold"/>
+                                        <p:cTn id="67" dur="1000" fill="hold"/>
                                         <p:tgtEl>
                                           <p:spTgt spid="222"/>
                                         </p:tgtEl>
@@ -14285,14 +13311,14 @@
                                 </p:cTn>
                               </p:par>
                               <p:par>
-                                <p:cTn id="69" presetID="35" presetClass="entr" presetSubtype="0" fill="hold" nodeType="withEffect">
+                                <p:cTn id="68" presetID="35" presetClass="entr" presetSubtype="0" fill="hold" nodeType="withEffect">
                                   <p:stCondLst>
-                                    <p:cond delay="1000"/>
+                                    <p:cond delay="500"/>
                                   </p:stCondLst>
                                   <p:childTnLst>
                                     <p:set>
                                       <p:cBhvr>
-                                        <p:cTn id="70" dur="1" fill="hold">
+                                        <p:cTn id="69" dur="1" fill="hold">
                                           <p:stCondLst>
                                             <p:cond delay="0"/>
                                           </p:stCondLst>
@@ -14310,7 +13336,7 @@
                                     </p:set>
                                     <p:animEffect transition="in" filter="fade">
                                       <p:cBhvr>
-                                        <p:cTn id="71" dur="1000"/>
+                                        <p:cTn id="70" dur="1000"/>
                                         <p:tgtEl>
                                           <p:spTgt spid="225"/>
                                         </p:tgtEl>
@@ -14318,7 +13344,7 @@
                                     </p:animEffect>
                                     <p:anim calcmode="lin" valueType="num">
                                       <p:cBhvr>
-                                        <p:cTn id="72" dur="1000" fill="hold"/>
+                                        <p:cTn id="71" dur="1000" fill="hold"/>
                                         <p:tgtEl>
                                           <p:spTgt spid="225"/>
                                         </p:tgtEl>
@@ -14341,7 +13367,7 @@
                                     </p:anim>
                                     <p:anim calcmode="lin" valueType="num">
                                       <p:cBhvr>
-                                        <p:cTn id="73" dur="1000" fill="hold"/>
+                                        <p:cTn id="72" dur="1000" fill="hold"/>
                                         <p:tgtEl>
                                           <p:spTgt spid="225"/>
                                         </p:tgtEl>
@@ -14364,7 +13390,7 @@
                                     </p:anim>
                                     <p:anim calcmode="lin" valueType="num">
                                       <p:cBhvr>
-                                        <p:cTn id="74" dur="1000" fill="hold"/>
+                                        <p:cTn id="73" dur="1000" fill="hold"/>
                                         <p:tgtEl>
                                           <p:spTgt spid="225"/>
                                         </p:tgtEl>
@@ -14389,14 +13415,14 @@
                                 </p:cTn>
                               </p:par>
                               <p:par>
-                                <p:cTn id="75" presetID="35" presetClass="entr" presetSubtype="0" fill="hold" nodeType="withEffect">
+                                <p:cTn id="74" presetID="35" presetClass="entr" presetSubtype="0" fill="hold" nodeType="withEffect">
                                   <p:stCondLst>
-                                    <p:cond delay="1000"/>
+                                    <p:cond delay="500"/>
                                   </p:stCondLst>
                                   <p:childTnLst>
                                     <p:set>
                                       <p:cBhvr>
-                                        <p:cTn id="76" dur="1" fill="hold">
+                                        <p:cTn id="75" dur="1" fill="hold">
                                           <p:stCondLst>
                                             <p:cond delay="0"/>
                                           </p:stCondLst>
@@ -14414,7 +13440,7 @@
                                     </p:set>
                                     <p:animEffect transition="in" filter="fade">
                                       <p:cBhvr>
-                                        <p:cTn id="77" dur="1000"/>
+                                        <p:cTn id="76" dur="1000"/>
                                         <p:tgtEl>
                                           <p:spTgt spid="228"/>
                                         </p:tgtEl>
@@ -14422,7 +13448,7 @@
                                     </p:animEffect>
                                     <p:anim calcmode="lin" valueType="num">
                                       <p:cBhvr>
-                                        <p:cTn id="78" dur="1000" fill="hold"/>
+                                        <p:cTn id="77" dur="1000" fill="hold"/>
                                         <p:tgtEl>
                                           <p:spTgt spid="228"/>
                                         </p:tgtEl>
@@ -14445,7 +13471,7 @@
                                     </p:anim>
                                     <p:anim calcmode="lin" valueType="num">
                                       <p:cBhvr>
-                                        <p:cTn id="79" dur="1000" fill="hold"/>
+                                        <p:cTn id="78" dur="1000" fill="hold"/>
                                         <p:tgtEl>
                                           <p:spTgt spid="228"/>
                                         </p:tgtEl>
@@ -14468,7 +13494,7 @@
                                     </p:anim>
                                     <p:anim calcmode="lin" valueType="num">
                                       <p:cBhvr>
-                                        <p:cTn id="80" dur="1000" fill="hold"/>
+                                        <p:cTn id="79" dur="1000" fill="hold"/>
                                         <p:tgtEl>
                                           <p:spTgt spid="228"/>
                                         </p:tgtEl>
@@ -14493,14 +13519,14 @@
                                 </p:cTn>
                               </p:par>
                               <p:par>
-                                <p:cTn id="81" presetID="35" presetClass="entr" presetSubtype="0" fill="hold" nodeType="withEffect">
+                                <p:cTn id="80" presetID="35" presetClass="entr" presetSubtype="0" fill="hold" nodeType="withEffect">
                                   <p:stCondLst>
-                                    <p:cond delay="1000"/>
+                                    <p:cond delay="500"/>
                                   </p:stCondLst>
                                   <p:childTnLst>
                                     <p:set>
                                       <p:cBhvr>
-                                        <p:cTn id="82" dur="1" fill="hold">
+                                        <p:cTn id="81" dur="1" fill="hold">
                                           <p:stCondLst>
                                             <p:cond delay="0"/>
                                           </p:stCondLst>
@@ -14518,7 +13544,7 @@
                                     </p:set>
                                     <p:animEffect transition="in" filter="fade">
                                       <p:cBhvr>
-                                        <p:cTn id="83" dur="1000"/>
+                                        <p:cTn id="82" dur="1000"/>
                                         <p:tgtEl>
                                           <p:spTgt spid="231"/>
                                         </p:tgtEl>
@@ -14526,7 +13552,7 @@
                                     </p:animEffect>
                                     <p:anim calcmode="lin" valueType="num">
                                       <p:cBhvr>
-                                        <p:cTn id="84" dur="1000" fill="hold"/>
+                                        <p:cTn id="83" dur="1000" fill="hold"/>
                                         <p:tgtEl>
                                           <p:spTgt spid="231"/>
                                         </p:tgtEl>
@@ -14549,7 +13575,7 @@
                                     </p:anim>
                                     <p:anim calcmode="lin" valueType="num">
                                       <p:cBhvr>
-                                        <p:cTn id="85" dur="1000" fill="hold"/>
+                                        <p:cTn id="84" dur="1000" fill="hold"/>
                                         <p:tgtEl>
                                           <p:spTgt spid="231"/>
                                         </p:tgtEl>
@@ -14572,7 +13598,7 @@
                                     </p:anim>
                                     <p:anim calcmode="lin" valueType="num">
                                       <p:cBhvr>
-                                        <p:cTn id="86" dur="1000" fill="hold"/>
+                                        <p:cTn id="85" dur="1000" fill="hold"/>
                                         <p:tgtEl>
                                           <p:spTgt spid="231"/>
                                         </p:tgtEl>
@@ -14597,14 +13623,14 @@
                                 </p:cTn>
                               </p:par>
                               <p:par>
-                                <p:cTn id="87" presetID="35" presetClass="entr" presetSubtype="0" fill="hold" nodeType="withEffect">
+                                <p:cTn id="86" presetID="35" presetClass="entr" presetSubtype="0" fill="hold" nodeType="withEffect">
                                   <p:stCondLst>
-                                    <p:cond delay="1000"/>
+                                    <p:cond delay="500"/>
                                   </p:stCondLst>
                                   <p:childTnLst>
                                     <p:set>
                                       <p:cBhvr>
-                                        <p:cTn id="88" dur="1" fill="hold">
+                                        <p:cTn id="87" dur="1" fill="hold">
                                           <p:stCondLst>
                                             <p:cond delay="0"/>
                                           </p:stCondLst>
@@ -14622,7 +13648,7 @@
                                     </p:set>
                                     <p:animEffect transition="in" filter="fade">
                                       <p:cBhvr>
-                                        <p:cTn id="89" dur="1000"/>
+                                        <p:cTn id="88" dur="1000"/>
                                         <p:tgtEl>
                                           <p:spTgt spid="234"/>
                                         </p:tgtEl>
@@ -14630,7 +13656,7 @@
                                     </p:animEffect>
                                     <p:anim calcmode="lin" valueType="num">
                                       <p:cBhvr>
-                                        <p:cTn id="90" dur="1000" fill="hold"/>
+                                        <p:cTn id="89" dur="1000" fill="hold"/>
                                         <p:tgtEl>
                                           <p:spTgt spid="234"/>
                                         </p:tgtEl>
@@ -14653,7 +13679,7 @@
                                     </p:anim>
                                     <p:anim calcmode="lin" valueType="num">
                                       <p:cBhvr>
-                                        <p:cTn id="91" dur="1000" fill="hold"/>
+                                        <p:cTn id="90" dur="1000" fill="hold"/>
                                         <p:tgtEl>
                                           <p:spTgt spid="234"/>
                                         </p:tgtEl>
@@ -14676,7 +13702,7 @@
                                     </p:anim>
                                     <p:anim calcmode="lin" valueType="num">
                                       <p:cBhvr>
-                                        <p:cTn id="92" dur="1000" fill="hold"/>
+                                        <p:cTn id="91" dur="1000" fill="hold"/>
                                         <p:tgtEl>
                                           <p:spTgt spid="234"/>
                                         </p:tgtEl>
@@ -14704,20 +13730,20 @@
                           </p:cTn>
                         </p:par>
                         <p:par>
-                          <p:cTn id="93" fill="hold">
+                          <p:cTn id="92" fill="hold">
                             <p:stCondLst>
-                              <p:cond delay="13000"/>
+                              <p:cond delay="9000"/>
                             </p:stCondLst>
                             <p:childTnLst>
                               <p:par>
-                                <p:cTn id="94" presetID="53" presetClass="exit" presetSubtype="32" fill="hold" nodeType="afterEffect">
+                                <p:cTn id="93" presetID="53" presetClass="exit" presetSubtype="32" fill="hold" nodeType="afterEffect">
                                   <p:stCondLst>
                                     <p:cond delay="0"/>
                                   </p:stCondLst>
                                   <p:childTnLst>
                                     <p:anim calcmode="lin" valueType="num">
                                       <p:cBhvr>
-                                        <p:cTn id="95" dur="500"/>
+                                        <p:cTn id="94" dur="500"/>
                                         <p:tgtEl>
                                           <p:spTgt spid="23"/>
                                         </p:tgtEl>
@@ -14740,7 +13766,7 @@
                                     </p:anim>
                                     <p:anim calcmode="lin" valueType="num">
                                       <p:cBhvr>
-                                        <p:cTn id="96" dur="500"/>
+                                        <p:cTn id="95" dur="500"/>
                                         <p:tgtEl>
                                           <p:spTgt spid="23"/>
                                         </p:tgtEl>
@@ -14763,7 +13789,7 @@
                                     </p:anim>
                                     <p:animEffect transition="out" filter="fade">
                                       <p:cBhvr>
-                                        <p:cTn id="97" dur="500"/>
+                                        <p:cTn id="96" dur="500"/>
                                         <p:tgtEl>
                                           <p:spTgt spid="23"/>
                                         </p:tgtEl>
@@ -14771,7 +13797,7 @@
                                     </p:animEffect>
                                     <p:set>
                                       <p:cBhvr>
-                                        <p:cTn id="98" dur="1" fill="hold">
+                                        <p:cTn id="97" dur="1" fill="hold">
                                           <p:stCondLst>
                                             <p:cond delay="499"/>
                                           </p:stCondLst>
@@ -14848,6 +13874,64 @@
       </p:grpSpPr>
       <p:sp>
         <p:nvSpPr>
+          <p:cNvPr id="24" name="Flowchart: Connector 12">
+            <a:extLst>
+              <a:ext uri="{FF2B5EF4-FFF2-40B4-BE49-F238E27FC236}">
+                <a16:creationId xmlns:a16="http://schemas.microsoft.com/office/drawing/2014/main" id="{FE9F4FC9-72BC-414F-A61E-4A1BAEABC348}"/>
+              </a:ext>
+            </a:extLst>
+          </p:cNvPr>
+          <p:cNvSpPr>
+            <a:spLocks noChangeAspect="1"/>
+          </p:cNvSpPr>
+          <p:nvPr/>
+        </p:nvSpPr>
+        <p:spPr>
+          <a:xfrm>
+            <a:off x="5488827" y="161317"/>
+            <a:ext cx="6579953" cy="6579953"/>
+          </a:xfrm>
+          <a:prstGeom prst="flowChartConnector">
+            <a:avLst/>
+          </a:prstGeom>
+          <a:solidFill>
+            <a:srgbClr val="FF0000">
+              <a:alpha val="16000"/>
+            </a:srgbClr>
+          </a:solidFill>
+          <a:ln w="38100">
+            <a:solidFill>
+              <a:srgbClr val="FF0000"/>
+            </a:solidFill>
+          </a:ln>
+        </p:spPr>
+        <p:style>
+          <a:lnRef idx="2">
+            <a:schemeClr val="accent1">
+              <a:shade val="50000"/>
+            </a:schemeClr>
+          </a:lnRef>
+          <a:fillRef idx="1">
+            <a:schemeClr val="accent1"/>
+          </a:fillRef>
+          <a:effectRef idx="0">
+            <a:schemeClr val="accent1"/>
+          </a:effectRef>
+          <a:fontRef idx="minor">
+            <a:schemeClr val="lt1"/>
+          </a:fontRef>
+        </p:style>
+        <p:txBody>
+          <a:bodyPr wrap="none" rtlCol="0" anchor="ctr"/>
+          <a:lstStyle/>
+          <a:p>
+            <a:pPr algn="ctr"/>
+            <a:endParaRPr lang="en-US" sz="1234"/>
+          </a:p>
+        </p:txBody>
+      </p:sp>
+      <p:sp>
+        <p:nvSpPr>
           <p:cNvPr id="22" name="Content Placeholder 4">
             <a:extLst>
               <a:ext uri="{FF2B5EF4-FFF2-40B4-BE49-F238E27FC236}">
@@ -15104,10 +14188,10 @@
       </p:sp>
       <p:sp>
         <p:nvSpPr>
-          <p:cNvPr id="6" name="Title 1">
+          <p:cNvPr id="18" name="Title 3">
             <a:extLst>
               <a:ext uri="{FF2B5EF4-FFF2-40B4-BE49-F238E27FC236}">
-                <a16:creationId xmlns:a16="http://schemas.microsoft.com/office/drawing/2014/main" id="{B0A62286-0446-5248-A8D2-FDE8AD292547}"/>
+                <a16:creationId xmlns:a16="http://schemas.microsoft.com/office/drawing/2014/main" id="{0E60B70D-C262-A54A-B5D8-3A36AA8F31FF}"/>
               </a:ext>
             </a:extLst>
           </p:cNvPr>
@@ -15116,191 +14200,220 @@
           </p:cNvSpPr>
           <p:nvPr/>
         </p:nvSpPr>
-        <p:spPr bwMode="auto">
+        <p:spPr>
           <a:xfrm>
-            <a:off x="7391400" y="33853438"/>
-            <a:ext cx="11353800" cy="1176337"/>
+            <a:off x="13845" y="-32425"/>
+            <a:ext cx="4902383" cy="800287"/>
           </a:xfrm>
           <a:prstGeom prst="rect">
             <a:avLst/>
           </a:prstGeom>
-          <a:noFill/>
-          <a:ln>
-            <a:noFill/>
-          </a:ln>
-          <a:extLst>
-            <a:ext uri="{909E8E84-426E-40DD-AFC4-6F175D3DCCD1}">
-              <a14:hiddenFill xmlns:a14="http://schemas.microsoft.com/office/drawing/2010/main">
-                <a:solidFill>
-                  <a:srgbClr val="FFFFFF"/>
-                </a:solidFill>
-              </a14:hiddenFill>
-            </a:ext>
-            <a:ext uri="{91240B29-F687-4F45-9708-019B960494DF}">
-              <a14:hiddenLine xmlns:a14="http://schemas.microsoft.com/office/drawing/2010/main" w="9525">
-                <a:solidFill>
-                  <a:srgbClr val="000000"/>
-                </a:solidFill>
-                <a:miter lim="800000"/>
-                <a:headEnd/>
-                <a:tailEnd/>
-              </a14:hiddenLine>
-            </a:ext>
-          </a:extLst>
         </p:spPr>
         <p:txBody>
-          <a:bodyPr lIns="365760" tIns="182880" rIns="365760" bIns="182880" anchor="ctr"/>
+          <a:bodyPr vert="horz" lIns="91440" tIns="45720" rIns="91440" bIns="45720" rtlCol="0" anchor="ctr">
+            <a:noAutofit/>
+          </a:bodyPr>
           <a:lstStyle>
-            <a:lvl1pPr eaLnBrk="0" hangingPunct="0">
-              <a:defRPr sz="7200">
-                <a:solidFill>
-                  <a:schemeClr val="tx1"/>
-                </a:solidFill>
-                <a:latin typeface="Arial" charset="0"/>
-                <a:ea typeface="ＭＳ Ｐゴシック" pitchFamily="34" charset="-128"/>
-              </a:defRPr>
-            </a:lvl1pPr>
-            <a:lvl2pPr marL="742950" indent="-285750" eaLnBrk="0" hangingPunct="0">
-              <a:defRPr sz="7200">
-                <a:solidFill>
-                  <a:schemeClr val="tx1"/>
-                </a:solidFill>
-                <a:latin typeface="Arial" charset="0"/>
-                <a:ea typeface="ＭＳ Ｐゴシック" pitchFamily="34" charset="-128"/>
-              </a:defRPr>
-            </a:lvl2pPr>
-            <a:lvl3pPr marL="1143000" indent="-228600" eaLnBrk="0" hangingPunct="0">
-              <a:defRPr sz="7200">
-                <a:solidFill>
-                  <a:schemeClr val="tx1"/>
-                </a:solidFill>
-                <a:latin typeface="Arial" charset="0"/>
-                <a:ea typeface="ＭＳ Ｐゴシック" pitchFamily="34" charset="-128"/>
-              </a:defRPr>
-            </a:lvl3pPr>
-            <a:lvl4pPr marL="1600200" indent="-228600" eaLnBrk="0" hangingPunct="0">
-              <a:defRPr sz="7200">
-                <a:solidFill>
-                  <a:schemeClr val="tx1"/>
-                </a:solidFill>
-                <a:latin typeface="Arial" charset="0"/>
-                <a:ea typeface="ＭＳ Ｐゴシック" pitchFamily="34" charset="-128"/>
-              </a:defRPr>
-            </a:lvl4pPr>
-            <a:lvl5pPr marL="2057400" indent="-228600" eaLnBrk="0" hangingPunct="0">
-              <a:defRPr sz="7200">
-                <a:solidFill>
-                  <a:schemeClr val="tx1"/>
-                </a:solidFill>
-                <a:latin typeface="Arial" charset="0"/>
-                <a:ea typeface="ＭＳ Ｐゴシック" pitchFamily="34" charset="-128"/>
-              </a:defRPr>
-            </a:lvl5pPr>
-            <a:lvl6pPr marL="2514600" indent="-228600" defTabSz="1828800" eaLnBrk="0" fontAlgn="base" hangingPunct="0">
+            <a:lvl1pPr algn="l" defTabSz="914400" rtl="0" eaLnBrk="1" latinLnBrk="0" hangingPunct="1">
+              <a:lnSpc>
+                <a:spcPct val="90000"/>
+              </a:lnSpc>
               <a:spcBef>
                 <a:spcPct val="0"/>
               </a:spcBef>
-              <a:spcAft>
-                <a:spcPct val="0"/>
-              </a:spcAft>
-              <a:defRPr sz="7200">
+              <a:buNone/>
+              <a:defRPr sz="4400" kern="1200">
                 <a:solidFill>
                   <a:schemeClr val="tx1"/>
                 </a:solidFill>
-                <a:latin typeface="Arial" charset="0"/>
-                <a:ea typeface="ＭＳ Ｐゴシック" pitchFamily="34" charset="-128"/>
+                <a:latin typeface="+mj-lt"/>
+                <a:ea typeface="+mj-ea"/>
+                <a:cs typeface="+mj-cs"/>
               </a:defRPr>
-            </a:lvl6pPr>
-            <a:lvl7pPr marL="2971800" indent="-228600" defTabSz="1828800" eaLnBrk="0" fontAlgn="base" hangingPunct="0">
-              <a:spcBef>
-                <a:spcPct val="0"/>
-              </a:spcBef>
-              <a:spcAft>
-                <a:spcPct val="0"/>
-              </a:spcAft>
-              <a:defRPr sz="7200">
-                <a:solidFill>
-                  <a:schemeClr val="tx1"/>
-                </a:solidFill>
-                <a:latin typeface="Arial" charset="0"/>
-                <a:ea typeface="ＭＳ Ｐゴシック" pitchFamily="34" charset="-128"/>
-              </a:defRPr>
-            </a:lvl7pPr>
-            <a:lvl8pPr marL="3429000" indent="-228600" defTabSz="1828800" eaLnBrk="0" fontAlgn="base" hangingPunct="0">
-              <a:spcBef>
-                <a:spcPct val="0"/>
-              </a:spcBef>
-              <a:spcAft>
-                <a:spcPct val="0"/>
-              </a:spcAft>
-              <a:defRPr sz="7200">
-                <a:solidFill>
-                  <a:schemeClr val="tx1"/>
-                </a:solidFill>
-                <a:latin typeface="Arial" charset="0"/>
-                <a:ea typeface="ＭＳ Ｐゴシック" pitchFamily="34" charset="-128"/>
-              </a:defRPr>
-            </a:lvl8pPr>
-            <a:lvl9pPr marL="3886200" indent="-228600" defTabSz="1828800" eaLnBrk="0" fontAlgn="base" hangingPunct="0">
-              <a:spcBef>
-                <a:spcPct val="0"/>
-              </a:spcBef>
-              <a:spcAft>
-                <a:spcPct val="0"/>
-              </a:spcAft>
-              <a:defRPr sz="7200">
-                <a:solidFill>
-                  <a:schemeClr val="tx1"/>
-                </a:solidFill>
-                <a:latin typeface="Arial" charset="0"/>
-                <a:ea typeface="ＭＳ Ｐゴシック" pitchFamily="34" charset="-128"/>
-              </a:defRPr>
-            </a:lvl9pPr>
+            </a:lvl1pPr>
           </a:lstStyle>
           <a:p>
-            <a:pPr algn="ctr" eaLnBrk="1" hangingPunct="1">
-              <a:defRPr/>
-            </a:pPr>
-            <a:endParaRPr lang="en-US" altLang="en-US" sz="1800" dirty="0">
-              <a:solidFill>
-                <a:schemeClr val="bg1"/>
-              </a:solidFill>
-              <a:latin typeface="+mj-lt"/>
-            </a:endParaRPr>
-          </a:p>
-          <a:p>
-            <a:pPr algn="ctr" eaLnBrk="1" hangingPunct="1">
-              <a:defRPr/>
-            </a:pPr>
             <a:r>
-              <a:rPr lang="en-US" sz="1800" dirty="0">
-                <a:solidFill>
-                  <a:schemeClr val="bg1"/>
-                </a:solidFill>
-                <a:latin typeface="+mj-lt"/>
-              </a:rPr>
-              <a:t>Sandia National Laboratories is a multimission laboratory managed and operated by National Technology and Engineering Solutions of Sandia, LLC., a wholly owned subsidiary of Honeywell International, Inc., for the U.S. Department of Energy’s National Nuclear Security Administration under Contract DE-NA0003525.</a:t>
+              <a:rPr lang="en-US" sz="3600" b="1" dirty="0" err="1"/>
+              <a:t>Bridson</a:t>
             </a:r>
-          </a:p>
-          <a:p>
-            <a:pPr algn="ctr" eaLnBrk="1" hangingPunct="1">
-              <a:defRPr/>
-            </a:pPr>
-            <a:endParaRPr lang="en-US" altLang="en-US" sz="1800" dirty="0">
-              <a:solidFill>
-                <a:schemeClr val="bg1"/>
-              </a:solidFill>
-              <a:latin typeface="+mj-lt"/>
-            </a:endParaRPr>
+            <a:r>
+              <a:rPr lang="en-US" sz="3600" b="1" dirty="0"/>
+              <a:t>, SIGGRAPH 2007</a:t>
+            </a:r>
           </a:p>
         </p:txBody>
       </p:sp>
+      <p:pic>
+        <p:nvPicPr>
+          <p:cNvPr id="8" name="Picture 7">
+            <a:extLst>
+              <a:ext uri="{FF2B5EF4-FFF2-40B4-BE49-F238E27FC236}">
+                <a16:creationId xmlns:a16="http://schemas.microsoft.com/office/drawing/2014/main" id="{CEF53753-79B2-3041-8979-842F89E7E662}"/>
+              </a:ext>
+            </a:extLst>
+          </p:cNvPr>
+          <p:cNvPicPr>
+            <a:picLocks noChangeAspect="1"/>
+          </p:cNvPicPr>
+          <p:nvPr/>
+        </p:nvPicPr>
+        <p:blipFill>
+          <a:blip r:embed="rId2"/>
+          <a:stretch>
+            <a:fillRect/>
+          </a:stretch>
+        </p:blipFill>
+        <p:spPr>
+          <a:xfrm>
+            <a:off x="846209" y="6220570"/>
+            <a:ext cx="1371600" cy="520700"/>
+          </a:xfrm>
+          <a:prstGeom prst="rect">
+            <a:avLst/>
+          </a:prstGeom>
+        </p:spPr>
+      </p:pic>
+      <p:grpSp>
+        <p:nvGrpSpPr>
+          <p:cNvPr id="2" name="Group 1">
+            <a:extLst>
+              <a:ext uri="{FF2B5EF4-FFF2-40B4-BE49-F238E27FC236}">
+                <a16:creationId xmlns:a16="http://schemas.microsoft.com/office/drawing/2014/main" id="{D51E7611-0E37-3D44-ABC1-5F29DDD8EE72}"/>
+              </a:ext>
+            </a:extLst>
+          </p:cNvPr>
+          <p:cNvGrpSpPr/>
+          <p:nvPr/>
+        </p:nvGrpSpPr>
+        <p:grpSpPr>
+          <a:xfrm>
+            <a:off x="7196328" y="1865377"/>
+            <a:ext cx="3163823" cy="3163823"/>
+            <a:chOff x="7196328" y="1865377"/>
+            <a:chExt cx="3163823" cy="3163823"/>
+          </a:xfrm>
+        </p:grpSpPr>
+        <p:sp>
+          <p:nvSpPr>
+            <p:cNvPr id="27" name="Flowchart: Connector 3">
+              <a:extLst>
+                <a:ext uri="{FF2B5EF4-FFF2-40B4-BE49-F238E27FC236}">
+                  <a16:creationId xmlns:a16="http://schemas.microsoft.com/office/drawing/2014/main" id="{6929BC8C-D609-AC41-BDD6-091E64DC774D}"/>
+                </a:ext>
+              </a:extLst>
+            </p:cNvPr>
+            <p:cNvSpPr>
+              <a:spLocks noChangeAspect="1"/>
+            </p:cNvSpPr>
+            <p:nvPr/>
+          </p:nvSpPr>
+          <p:spPr>
+            <a:xfrm>
+              <a:off x="7196328" y="1865377"/>
+              <a:ext cx="3163823" cy="3163823"/>
+            </a:xfrm>
+            <a:prstGeom prst="flowChartConnector">
+              <a:avLst/>
+            </a:prstGeom>
+            <a:solidFill>
+              <a:srgbClr val="0000FF">
+                <a:alpha val="25000"/>
+              </a:srgbClr>
+            </a:solidFill>
+            <a:ln w="25400">
+              <a:solidFill>
+                <a:srgbClr val="0000FF"/>
+              </a:solidFill>
+            </a:ln>
+          </p:spPr>
+          <p:style>
+            <a:lnRef idx="2">
+              <a:schemeClr val="accent1">
+                <a:shade val="50000"/>
+              </a:schemeClr>
+            </a:lnRef>
+            <a:fillRef idx="1">
+              <a:schemeClr val="accent1"/>
+            </a:fillRef>
+            <a:effectRef idx="0">
+              <a:schemeClr val="accent1"/>
+            </a:effectRef>
+            <a:fontRef idx="minor">
+              <a:schemeClr val="lt1"/>
+            </a:fontRef>
+          </p:style>
+          <p:txBody>
+            <a:bodyPr wrap="none" rtlCol="0" anchor="ctr"/>
+            <a:lstStyle/>
+            <a:p>
+              <a:pPr algn="ctr"/>
+              <a:endParaRPr lang="en-US" sz="1234"/>
+            </a:p>
+          </p:txBody>
+        </p:sp>
+        <p:sp>
+          <p:nvSpPr>
+            <p:cNvPr id="34" name="Oval 33">
+              <a:extLst>
+                <a:ext uri="{FF2B5EF4-FFF2-40B4-BE49-F238E27FC236}">
+                  <a16:creationId xmlns:a16="http://schemas.microsoft.com/office/drawing/2014/main" id="{6F3F0D03-1E46-E143-A82D-08A425EE7867}"/>
+                </a:ext>
+              </a:extLst>
+            </p:cNvPr>
+            <p:cNvSpPr>
+              <a:spLocks noChangeAspect="1"/>
+            </p:cNvSpPr>
+            <p:nvPr/>
+          </p:nvSpPr>
+          <p:spPr>
+            <a:xfrm>
+              <a:off x="8699490" y="3376955"/>
+              <a:ext cx="157919" cy="157919"/>
+            </a:xfrm>
+            <a:prstGeom prst="ellipse">
+              <a:avLst/>
+            </a:prstGeom>
+            <a:solidFill>
+              <a:schemeClr val="tx1"/>
+            </a:solidFill>
+            <a:ln>
+              <a:solidFill>
+                <a:schemeClr val="tx1"/>
+              </a:solidFill>
+            </a:ln>
+            <a:effectLst/>
+          </p:spPr>
+          <p:style>
+            <a:lnRef idx="1">
+              <a:schemeClr val="accent1"/>
+            </a:lnRef>
+            <a:fillRef idx="3">
+              <a:schemeClr val="accent1"/>
+            </a:fillRef>
+            <a:effectRef idx="2">
+              <a:schemeClr val="accent1"/>
+            </a:effectRef>
+            <a:fontRef idx="minor">
+              <a:schemeClr val="lt1"/>
+            </a:fontRef>
+          </p:style>
+          <p:txBody>
+            <a:bodyPr rtlCol="0" anchor="ctr"/>
+            <a:lstStyle/>
+            <a:p>
+              <a:pPr algn="ctr"/>
+              <a:endParaRPr lang="en-US" sz="1234"/>
+            </a:p>
+          </p:txBody>
+        </p:sp>
+      </p:grpSp>
       <p:sp>
         <p:nvSpPr>
-          <p:cNvPr id="7" name="Title 1">
+          <p:cNvPr id="42" name="Content Placeholder 4">
             <a:extLst>
               <a:ext uri="{FF2B5EF4-FFF2-40B4-BE49-F238E27FC236}">
-                <a16:creationId xmlns:a16="http://schemas.microsoft.com/office/drawing/2014/main" id="{606DAE0A-2A3C-F14F-90F8-26A6E2EFD9FB}"/>
+                <a16:creationId xmlns:a16="http://schemas.microsoft.com/office/drawing/2014/main" id="{BF8068B7-25E4-7C4A-B762-1B547F951843}"/>
               </a:ext>
             </a:extLst>
           </p:cNvPr>
@@ -15309,191 +14422,2204 @@
           </p:cNvSpPr>
           <p:nvPr/>
         </p:nvSpPr>
-        <p:spPr bwMode="auto">
+        <p:spPr>
           <a:xfrm>
-            <a:off x="7543800" y="34005838"/>
-            <a:ext cx="11353800" cy="1176337"/>
+            <a:off x="123573" y="3638144"/>
+            <a:ext cx="5016833" cy="3210619"/>
           </a:xfrm>
           <a:prstGeom prst="rect">
             <a:avLst/>
           </a:prstGeom>
-          <a:noFill/>
-          <a:ln>
-            <a:noFill/>
-          </a:ln>
-          <a:extLst>
-            <a:ext uri="{909E8E84-426E-40DD-AFC4-6F175D3DCCD1}">
-              <a14:hiddenFill xmlns:a14="http://schemas.microsoft.com/office/drawing/2010/main">
-                <a:solidFill>
-                  <a:srgbClr val="FFFFFF"/>
-                </a:solidFill>
-              </a14:hiddenFill>
-            </a:ext>
-            <a:ext uri="{91240B29-F687-4F45-9708-019B960494DF}">
-              <a14:hiddenLine xmlns:a14="http://schemas.microsoft.com/office/drawing/2010/main" w="9525">
-                <a:solidFill>
-                  <a:srgbClr val="000000"/>
-                </a:solidFill>
-                <a:miter lim="800000"/>
-                <a:headEnd/>
-                <a:tailEnd/>
-              </a14:hiddenLine>
-            </a:ext>
-          </a:extLst>
         </p:spPr>
         <p:txBody>
-          <a:bodyPr lIns="365760" tIns="182880" rIns="365760" bIns="182880" anchor="ctr"/>
+          <a:bodyPr vert="horz" lIns="91440" tIns="45720" rIns="91440" bIns="45720" rtlCol="0">
+            <a:normAutofit/>
+          </a:bodyPr>
           <a:lstStyle>
-            <a:lvl1pPr eaLnBrk="0" hangingPunct="0">
-              <a:defRPr sz="7200">
+            <a:lvl1pPr marL="228600" indent="-228600" algn="l" defTabSz="914400" rtl="0" eaLnBrk="1" latinLnBrk="0" hangingPunct="1">
+              <a:lnSpc>
+                <a:spcPct val="90000"/>
+              </a:lnSpc>
+              <a:spcBef>
+                <a:spcPts val="1000"/>
+              </a:spcBef>
+              <a:buFont typeface="Arial" panose="020B0604020202020204" pitchFamily="34" charset="0"/>
+              <a:buChar char="•"/>
+              <a:defRPr sz="2800" kern="1200">
                 <a:solidFill>
                   <a:schemeClr val="tx1"/>
                 </a:solidFill>
-                <a:latin typeface="Arial" charset="0"/>
-                <a:ea typeface="ＭＳ Ｐゴシック" pitchFamily="34" charset="-128"/>
+                <a:latin typeface="+mn-lt"/>
+                <a:ea typeface="+mn-ea"/>
+                <a:cs typeface="+mn-cs"/>
               </a:defRPr>
             </a:lvl1pPr>
-            <a:lvl2pPr marL="742950" indent="-285750" eaLnBrk="0" hangingPunct="0">
-              <a:defRPr sz="7200">
+            <a:lvl2pPr marL="685800" indent="-228600" algn="l" defTabSz="914400" rtl="0" eaLnBrk="1" latinLnBrk="0" hangingPunct="1">
+              <a:lnSpc>
+                <a:spcPct val="90000"/>
+              </a:lnSpc>
+              <a:spcBef>
+                <a:spcPts val="500"/>
+              </a:spcBef>
+              <a:buFont typeface="Arial" panose="020B0604020202020204" pitchFamily="34" charset="0"/>
+              <a:buChar char="•"/>
+              <a:defRPr sz="2400" kern="1200">
                 <a:solidFill>
                   <a:schemeClr val="tx1"/>
                 </a:solidFill>
-                <a:latin typeface="Arial" charset="0"/>
-                <a:ea typeface="ＭＳ Ｐゴシック" pitchFamily="34" charset="-128"/>
+                <a:latin typeface="+mn-lt"/>
+                <a:ea typeface="+mn-ea"/>
+                <a:cs typeface="+mn-cs"/>
               </a:defRPr>
             </a:lvl2pPr>
-            <a:lvl3pPr marL="1143000" indent="-228600" eaLnBrk="0" hangingPunct="0">
-              <a:defRPr sz="7200">
+            <a:lvl3pPr marL="1143000" indent="-228600" algn="l" defTabSz="914400" rtl="0" eaLnBrk="1" latinLnBrk="0" hangingPunct="1">
+              <a:lnSpc>
+                <a:spcPct val="90000"/>
+              </a:lnSpc>
+              <a:spcBef>
+                <a:spcPts val="500"/>
+              </a:spcBef>
+              <a:buFont typeface="Arial" panose="020B0604020202020204" pitchFamily="34" charset="0"/>
+              <a:buChar char="•"/>
+              <a:defRPr sz="2000" kern="1200">
                 <a:solidFill>
                   <a:schemeClr val="tx1"/>
                 </a:solidFill>
-                <a:latin typeface="Arial" charset="0"/>
-                <a:ea typeface="ＭＳ Ｐゴシック" pitchFamily="34" charset="-128"/>
+                <a:latin typeface="+mn-lt"/>
+                <a:ea typeface="+mn-ea"/>
+                <a:cs typeface="+mn-cs"/>
               </a:defRPr>
             </a:lvl3pPr>
-            <a:lvl4pPr marL="1600200" indent="-228600" eaLnBrk="0" hangingPunct="0">
-              <a:defRPr sz="7200">
+            <a:lvl4pPr marL="1600200" indent="-228600" algn="l" defTabSz="914400" rtl="0" eaLnBrk="1" latinLnBrk="0" hangingPunct="1">
+              <a:lnSpc>
+                <a:spcPct val="90000"/>
+              </a:lnSpc>
+              <a:spcBef>
+                <a:spcPts val="500"/>
+              </a:spcBef>
+              <a:buFont typeface="Arial" panose="020B0604020202020204" pitchFamily="34" charset="0"/>
+              <a:buChar char="•"/>
+              <a:defRPr sz="1800" kern="1200">
                 <a:solidFill>
                   <a:schemeClr val="tx1"/>
                 </a:solidFill>
-                <a:latin typeface="Arial" charset="0"/>
-                <a:ea typeface="ＭＳ Ｐゴシック" pitchFamily="34" charset="-128"/>
+                <a:latin typeface="+mn-lt"/>
+                <a:ea typeface="+mn-ea"/>
+                <a:cs typeface="+mn-cs"/>
               </a:defRPr>
             </a:lvl4pPr>
-            <a:lvl5pPr marL="2057400" indent="-228600" eaLnBrk="0" hangingPunct="0">
-              <a:defRPr sz="7200">
+            <a:lvl5pPr marL="2057400" indent="-228600" algn="l" defTabSz="914400" rtl="0" eaLnBrk="1" latinLnBrk="0" hangingPunct="1">
+              <a:lnSpc>
+                <a:spcPct val="90000"/>
+              </a:lnSpc>
+              <a:spcBef>
+                <a:spcPts val="500"/>
+              </a:spcBef>
+              <a:buFont typeface="Arial" panose="020B0604020202020204" pitchFamily="34" charset="0"/>
+              <a:buChar char="•"/>
+              <a:defRPr sz="1800" kern="1200">
                 <a:solidFill>
                   <a:schemeClr val="tx1"/>
                 </a:solidFill>
-                <a:latin typeface="Arial" charset="0"/>
-                <a:ea typeface="ＭＳ Ｐゴシック" pitchFamily="34" charset="-128"/>
+                <a:latin typeface="+mn-lt"/>
+                <a:ea typeface="+mn-ea"/>
+                <a:cs typeface="+mn-cs"/>
               </a:defRPr>
             </a:lvl5pPr>
-            <a:lvl6pPr marL="2514600" indent="-228600" defTabSz="1828800" eaLnBrk="0" fontAlgn="base" hangingPunct="0">
+            <a:lvl6pPr marL="2514600" indent="-228600" algn="l" defTabSz="914400" rtl="0" eaLnBrk="1" latinLnBrk="0" hangingPunct="1">
+              <a:lnSpc>
+                <a:spcPct val="90000"/>
+              </a:lnSpc>
               <a:spcBef>
-                <a:spcPct val="0"/>
+                <a:spcPts val="500"/>
               </a:spcBef>
-              <a:spcAft>
-                <a:spcPct val="0"/>
-              </a:spcAft>
-              <a:defRPr sz="7200">
+              <a:buFont typeface="Arial" panose="020B0604020202020204" pitchFamily="34" charset="0"/>
+              <a:buChar char="•"/>
+              <a:defRPr sz="1800" kern="1200">
                 <a:solidFill>
                   <a:schemeClr val="tx1"/>
                 </a:solidFill>
-                <a:latin typeface="Arial" charset="0"/>
-                <a:ea typeface="ＭＳ Ｐゴシック" pitchFamily="34" charset="-128"/>
+                <a:latin typeface="+mn-lt"/>
+                <a:ea typeface="+mn-ea"/>
+                <a:cs typeface="+mn-cs"/>
               </a:defRPr>
             </a:lvl6pPr>
-            <a:lvl7pPr marL="2971800" indent="-228600" defTabSz="1828800" eaLnBrk="0" fontAlgn="base" hangingPunct="0">
+            <a:lvl7pPr marL="2971800" indent="-228600" algn="l" defTabSz="914400" rtl="0" eaLnBrk="1" latinLnBrk="0" hangingPunct="1">
+              <a:lnSpc>
+                <a:spcPct val="90000"/>
+              </a:lnSpc>
               <a:spcBef>
-                <a:spcPct val="0"/>
+                <a:spcPts val="500"/>
               </a:spcBef>
-              <a:spcAft>
-                <a:spcPct val="0"/>
-              </a:spcAft>
-              <a:defRPr sz="7200">
+              <a:buFont typeface="Arial" panose="020B0604020202020204" pitchFamily="34" charset="0"/>
+              <a:buChar char="•"/>
+              <a:defRPr sz="1800" kern="1200">
                 <a:solidFill>
                   <a:schemeClr val="tx1"/>
                 </a:solidFill>
-                <a:latin typeface="Arial" charset="0"/>
-                <a:ea typeface="ＭＳ Ｐゴシック" pitchFamily="34" charset="-128"/>
+                <a:latin typeface="+mn-lt"/>
+                <a:ea typeface="+mn-ea"/>
+                <a:cs typeface="+mn-cs"/>
               </a:defRPr>
             </a:lvl7pPr>
-            <a:lvl8pPr marL="3429000" indent="-228600" defTabSz="1828800" eaLnBrk="0" fontAlgn="base" hangingPunct="0">
+            <a:lvl8pPr marL="3429000" indent="-228600" algn="l" defTabSz="914400" rtl="0" eaLnBrk="1" latinLnBrk="0" hangingPunct="1">
+              <a:lnSpc>
+                <a:spcPct val="90000"/>
+              </a:lnSpc>
               <a:spcBef>
-                <a:spcPct val="0"/>
+                <a:spcPts val="500"/>
               </a:spcBef>
-              <a:spcAft>
-                <a:spcPct val="0"/>
-              </a:spcAft>
-              <a:defRPr sz="7200">
+              <a:buFont typeface="Arial" panose="020B0604020202020204" pitchFamily="34" charset="0"/>
+              <a:buChar char="•"/>
+              <a:defRPr sz="1800" kern="1200">
                 <a:solidFill>
                   <a:schemeClr val="tx1"/>
                 </a:solidFill>
-                <a:latin typeface="Arial" charset="0"/>
-                <a:ea typeface="ＭＳ Ｐゴシック" pitchFamily="34" charset="-128"/>
+                <a:latin typeface="+mn-lt"/>
+                <a:ea typeface="+mn-ea"/>
+                <a:cs typeface="+mn-cs"/>
               </a:defRPr>
             </a:lvl8pPr>
-            <a:lvl9pPr marL="3886200" indent="-228600" defTabSz="1828800" eaLnBrk="0" fontAlgn="base" hangingPunct="0">
+            <a:lvl9pPr marL="3886200" indent="-228600" algn="l" defTabSz="914400" rtl="0" eaLnBrk="1" latinLnBrk="0" hangingPunct="1">
+              <a:lnSpc>
+                <a:spcPct val="90000"/>
+              </a:lnSpc>
               <a:spcBef>
-                <a:spcPct val="0"/>
+                <a:spcPts val="500"/>
               </a:spcBef>
-              <a:spcAft>
-                <a:spcPct val="0"/>
-              </a:spcAft>
-              <a:defRPr sz="7200">
+              <a:buFont typeface="Arial" panose="020B0604020202020204" pitchFamily="34" charset="0"/>
+              <a:buChar char="•"/>
+              <a:defRPr sz="1800" kern="1200">
                 <a:solidFill>
                   <a:schemeClr val="tx1"/>
                 </a:solidFill>
-                <a:latin typeface="Arial" charset="0"/>
-                <a:ea typeface="ＭＳ Ｐゴシック" pitchFamily="34" charset="-128"/>
+                <a:latin typeface="+mn-lt"/>
+                <a:ea typeface="+mn-ea"/>
+                <a:cs typeface="+mn-cs"/>
               </a:defRPr>
             </a:lvl9pPr>
           </a:lstStyle>
           <a:p>
-            <a:pPr algn="ctr" eaLnBrk="1" hangingPunct="1">
-              <a:defRPr/>
-            </a:pPr>
-            <a:endParaRPr lang="en-US" altLang="en-US" sz="1800" dirty="0">
-              <a:solidFill>
-                <a:schemeClr val="bg1"/>
-              </a:solidFill>
-              <a:latin typeface="+mj-lt"/>
-            </a:endParaRPr>
-          </a:p>
-          <a:p>
-            <a:pPr algn="ctr" eaLnBrk="1" hangingPunct="1">
-              <a:defRPr/>
+            <a:pPr marL="0" indent="0">
+              <a:buNone/>
             </a:pPr>
             <a:r>
-              <a:rPr lang="en-US" sz="1800" dirty="0">
-                <a:solidFill>
-                  <a:schemeClr val="bg1"/>
-                </a:solidFill>
-                <a:latin typeface="+mj-lt"/>
+              <a:rPr lang="en-US" sz="3200" b="1" dirty="0">
+                <a:solidFill>
+                  <a:prstClr val="black"/>
+                </a:solidFill>
+                <a:latin typeface="Calibri Light" panose="020F0302020204030204"/>
+                <a:ea typeface="+mj-ea"/>
+                <a:cs typeface="+mj-cs"/>
               </a:rPr>
-              <a:t>Sandia National Laboratories is a multimission laboratory managed and operated by National Technology and Engineering Solutions of Sandia, LLC., a wholly owned subsidiary of Honeywell International, Inc., for the U.S. Department of Energy’s National Nuclear Security Administration under Contract DE-NA0003525.</a:t>
+              <a:t>Features:</a:t>
             </a:r>
           </a:p>
           <a:p>
-            <a:pPr algn="ctr" eaLnBrk="1" hangingPunct="1">
-              <a:defRPr/>
-            </a:pPr>
-            <a:endParaRPr lang="en-US" altLang="en-US" sz="1800" dirty="0">
-              <a:solidFill>
-                <a:schemeClr val="bg1"/>
-              </a:solidFill>
-              <a:latin typeface="+mj-lt"/>
-            </a:endParaRPr>
+            <a:r>
+              <a:rPr lang="en-US" sz="3200" b="1" dirty="0">
+                <a:solidFill>
+                  <a:srgbClr val="FF0000"/>
+                </a:solidFill>
+                <a:latin typeface="Calibri Light" panose="020F0302020204030204"/>
+                <a:ea typeface="+mj-ea"/>
+                <a:cs typeface="+mj-cs"/>
+              </a:rPr>
+              <a:t>Big gaps? </a:t>
+            </a:r>
+            <a:br>
+              <a:rPr lang="en-US" sz="3200" b="1" dirty="0">
+                <a:solidFill>
+                  <a:srgbClr val="FF0000"/>
+                </a:solidFill>
+                <a:latin typeface="Calibri Light" panose="020F0302020204030204"/>
+                <a:ea typeface="+mj-ea"/>
+                <a:cs typeface="+mj-cs"/>
+              </a:rPr>
+            </a:br>
+            <a:r>
+              <a:rPr lang="en-US" sz="3200" b="1" dirty="0">
+                <a:solidFill>
+                  <a:srgbClr val="FF0000"/>
+                </a:solidFill>
+                <a:latin typeface="Calibri Light" panose="020F0302020204030204"/>
+                <a:ea typeface="+mj-ea"/>
+                <a:cs typeface="+mj-cs"/>
+              </a:rPr>
+              <a:t>      Unknown?</a:t>
+            </a:r>
+            <a:br>
+              <a:rPr lang="en-US" sz="3200" b="1" dirty="0">
+                <a:solidFill>
+                  <a:srgbClr val="FF0000"/>
+                </a:solidFill>
+                <a:latin typeface="Calibri Light" panose="020F0302020204030204"/>
+                <a:ea typeface="+mj-ea"/>
+                <a:cs typeface="+mj-cs"/>
+              </a:rPr>
+            </a:br>
+            <a:r>
+              <a:rPr lang="en-US" sz="3200" b="1" dirty="0">
+                <a:solidFill>
+                  <a:srgbClr val="FF0000"/>
+                </a:solidFill>
+                <a:latin typeface="Calibri Light" panose="020F0302020204030204"/>
+                <a:ea typeface="+mj-ea"/>
+                <a:cs typeface="+mj-cs"/>
+              </a:rPr>
+              <a:t>      Depends on dimension?</a:t>
+            </a:r>
+          </a:p>
+          <a:p>
+            <a:r>
+              <a:rPr lang="en-US" sz="3200" b="1" dirty="0">
+                <a:solidFill>
+                  <a:prstClr val="black"/>
+                </a:solidFill>
+                <a:latin typeface="Calibri Light" panose="020F0302020204030204"/>
+                <a:ea typeface="+mj-ea"/>
+                <a:cs typeface="+mj-cs"/>
+              </a:rPr>
+              <a:t>scalable algorithm</a:t>
+            </a:r>
           </a:p>
         </p:txBody>
       </p:sp>
+      <p:grpSp>
+        <p:nvGrpSpPr>
+          <p:cNvPr id="38" name="Group 37">
+            <a:extLst>
+              <a:ext uri="{FF2B5EF4-FFF2-40B4-BE49-F238E27FC236}">
+                <a16:creationId xmlns:a16="http://schemas.microsoft.com/office/drawing/2014/main" id="{5AE21D18-9F69-644C-BA15-6CA6487C194A}"/>
+              </a:ext>
+            </a:extLst>
+          </p:cNvPr>
+          <p:cNvGrpSpPr/>
+          <p:nvPr/>
+        </p:nvGrpSpPr>
+        <p:grpSpPr>
+          <a:xfrm>
+            <a:off x="6730149" y="142955"/>
+            <a:ext cx="3163823" cy="3163823"/>
+            <a:chOff x="7196328" y="1865377"/>
+            <a:chExt cx="3163823" cy="3163823"/>
+          </a:xfrm>
+        </p:grpSpPr>
+        <p:sp>
+          <p:nvSpPr>
+            <p:cNvPr id="39" name="Flowchart: Connector 3">
+              <a:extLst>
+                <a:ext uri="{FF2B5EF4-FFF2-40B4-BE49-F238E27FC236}">
+                  <a16:creationId xmlns:a16="http://schemas.microsoft.com/office/drawing/2014/main" id="{7FC93EEC-A74F-C849-9911-D43C1D34F84B}"/>
+                </a:ext>
+              </a:extLst>
+            </p:cNvPr>
+            <p:cNvSpPr>
+              <a:spLocks noChangeAspect="1"/>
+            </p:cNvSpPr>
+            <p:nvPr/>
+          </p:nvSpPr>
+          <p:spPr>
+            <a:xfrm>
+              <a:off x="7196328" y="1865377"/>
+              <a:ext cx="3163823" cy="3163823"/>
+            </a:xfrm>
+            <a:prstGeom prst="flowChartConnector">
+              <a:avLst/>
+            </a:prstGeom>
+            <a:solidFill>
+              <a:srgbClr val="0000FF">
+                <a:alpha val="15000"/>
+              </a:srgbClr>
+            </a:solidFill>
+            <a:ln w="25400">
+              <a:solidFill>
+                <a:srgbClr val="0000FF"/>
+              </a:solidFill>
+            </a:ln>
+          </p:spPr>
+          <p:style>
+            <a:lnRef idx="2">
+              <a:schemeClr val="accent1">
+                <a:shade val="50000"/>
+              </a:schemeClr>
+            </a:lnRef>
+            <a:fillRef idx="1">
+              <a:schemeClr val="accent1"/>
+            </a:fillRef>
+            <a:effectRef idx="0">
+              <a:schemeClr val="accent1"/>
+            </a:effectRef>
+            <a:fontRef idx="minor">
+              <a:schemeClr val="lt1"/>
+            </a:fontRef>
+          </p:style>
+          <p:txBody>
+            <a:bodyPr wrap="none" rtlCol="0" anchor="ctr"/>
+            <a:lstStyle/>
+            <a:p>
+              <a:pPr algn="ctr"/>
+              <a:endParaRPr lang="en-US" sz="1234"/>
+            </a:p>
+          </p:txBody>
+        </p:sp>
+        <p:sp>
+          <p:nvSpPr>
+            <p:cNvPr id="40" name="Oval 39">
+              <a:extLst>
+                <a:ext uri="{FF2B5EF4-FFF2-40B4-BE49-F238E27FC236}">
+                  <a16:creationId xmlns:a16="http://schemas.microsoft.com/office/drawing/2014/main" id="{0C2D5BE8-24AF-0A4A-8CAB-3749F39ACD16}"/>
+                </a:ext>
+              </a:extLst>
+            </p:cNvPr>
+            <p:cNvSpPr>
+              <a:spLocks noChangeAspect="1"/>
+            </p:cNvSpPr>
+            <p:nvPr/>
+          </p:nvSpPr>
+          <p:spPr>
+            <a:xfrm>
+              <a:off x="8699490" y="3376955"/>
+              <a:ext cx="157919" cy="157919"/>
+            </a:xfrm>
+            <a:prstGeom prst="ellipse">
+              <a:avLst/>
+            </a:prstGeom>
+            <a:solidFill>
+              <a:srgbClr val="1700FF"/>
+            </a:solidFill>
+            <a:ln>
+              <a:solidFill>
+                <a:schemeClr val="tx1"/>
+              </a:solidFill>
+            </a:ln>
+            <a:effectLst/>
+          </p:spPr>
+          <p:style>
+            <a:lnRef idx="1">
+              <a:schemeClr val="accent1"/>
+            </a:lnRef>
+            <a:fillRef idx="3">
+              <a:schemeClr val="accent1"/>
+            </a:fillRef>
+            <a:effectRef idx="2">
+              <a:schemeClr val="accent1"/>
+            </a:effectRef>
+            <a:fontRef idx="minor">
+              <a:schemeClr val="lt1"/>
+            </a:fontRef>
+          </p:style>
+          <p:txBody>
+            <a:bodyPr rtlCol="0" anchor="ctr"/>
+            <a:lstStyle/>
+            <a:p>
+              <a:pPr algn="ctr"/>
+              <a:endParaRPr lang="en-US" sz="1234"/>
+            </a:p>
+          </p:txBody>
+        </p:sp>
+      </p:grpSp>
+      <p:grpSp>
+        <p:nvGrpSpPr>
+          <p:cNvPr id="43" name="Group 42">
+            <a:extLst>
+              <a:ext uri="{FF2B5EF4-FFF2-40B4-BE49-F238E27FC236}">
+                <a16:creationId xmlns:a16="http://schemas.microsoft.com/office/drawing/2014/main" id="{2CBAF60A-32DA-7C46-857E-A9ED328ADD93}"/>
+              </a:ext>
+            </a:extLst>
+          </p:cNvPr>
+          <p:cNvGrpSpPr/>
+          <p:nvPr/>
+        </p:nvGrpSpPr>
+        <p:grpSpPr>
+          <a:xfrm>
+            <a:off x="8390297" y="-209478"/>
+            <a:ext cx="3163823" cy="3163823"/>
+            <a:chOff x="7196328" y="1865377"/>
+            <a:chExt cx="3163823" cy="3163823"/>
+          </a:xfrm>
+        </p:grpSpPr>
+        <p:sp>
+          <p:nvSpPr>
+            <p:cNvPr id="44" name="Flowchart: Connector 3">
+              <a:extLst>
+                <a:ext uri="{FF2B5EF4-FFF2-40B4-BE49-F238E27FC236}">
+                  <a16:creationId xmlns:a16="http://schemas.microsoft.com/office/drawing/2014/main" id="{0809158F-DE96-3C4B-9DB1-DBA22F981E18}"/>
+                </a:ext>
+              </a:extLst>
+            </p:cNvPr>
+            <p:cNvSpPr>
+              <a:spLocks noChangeAspect="1"/>
+            </p:cNvSpPr>
+            <p:nvPr/>
+          </p:nvSpPr>
+          <p:spPr>
+            <a:xfrm>
+              <a:off x="7196328" y="1865377"/>
+              <a:ext cx="3163823" cy="3163823"/>
+            </a:xfrm>
+            <a:prstGeom prst="flowChartConnector">
+              <a:avLst/>
+            </a:prstGeom>
+            <a:solidFill>
+              <a:srgbClr val="0000FF">
+                <a:alpha val="15000"/>
+              </a:srgbClr>
+            </a:solidFill>
+            <a:ln w="25400">
+              <a:solidFill>
+                <a:srgbClr val="0000FF"/>
+              </a:solidFill>
+            </a:ln>
+          </p:spPr>
+          <p:style>
+            <a:lnRef idx="2">
+              <a:schemeClr val="accent1">
+                <a:shade val="50000"/>
+              </a:schemeClr>
+            </a:lnRef>
+            <a:fillRef idx="1">
+              <a:schemeClr val="accent1"/>
+            </a:fillRef>
+            <a:effectRef idx="0">
+              <a:schemeClr val="accent1"/>
+            </a:effectRef>
+            <a:fontRef idx="minor">
+              <a:schemeClr val="lt1"/>
+            </a:fontRef>
+          </p:style>
+          <p:txBody>
+            <a:bodyPr wrap="none" rtlCol="0" anchor="ctr"/>
+            <a:lstStyle/>
+            <a:p>
+              <a:pPr algn="ctr"/>
+              <a:endParaRPr lang="en-US" sz="1234"/>
+            </a:p>
+          </p:txBody>
+        </p:sp>
+        <p:sp>
+          <p:nvSpPr>
+            <p:cNvPr id="45" name="Oval 44">
+              <a:extLst>
+                <a:ext uri="{FF2B5EF4-FFF2-40B4-BE49-F238E27FC236}">
+                  <a16:creationId xmlns:a16="http://schemas.microsoft.com/office/drawing/2014/main" id="{91123B7E-D8BF-9044-8BEE-7384669EB59B}"/>
+                </a:ext>
+              </a:extLst>
+            </p:cNvPr>
+            <p:cNvSpPr>
+              <a:spLocks noChangeAspect="1"/>
+            </p:cNvSpPr>
+            <p:nvPr/>
+          </p:nvSpPr>
+          <p:spPr>
+            <a:xfrm>
+              <a:off x="8699490" y="3376955"/>
+              <a:ext cx="157919" cy="157919"/>
+            </a:xfrm>
+            <a:prstGeom prst="ellipse">
+              <a:avLst/>
+            </a:prstGeom>
+            <a:solidFill>
+              <a:srgbClr val="1700FF"/>
+            </a:solidFill>
+            <a:ln>
+              <a:solidFill>
+                <a:schemeClr val="tx1"/>
+              </a:solidFill>
+            </a:ln>
+            <a:effectLst/>
+          </p:spPr>
+          <p:style>
+            <a:lnRef idx="1">
+              <a:schemeClr val="accent1"/>
+            </a:lnRef>
+            <a:fillRef idx="3">
+              <a:schemeClr val="accent1"/>
+            </a:fillRef>
+            <a:effectRef idx="2">
+              <a:schemeClr val="accent1"/>
+            </a:effectRef>
+            <a:fontRef idx="minor">
+              <a:schemeClr val="lt1"/>
+            </a:fontRef>
+          </p:style>
+          <p:txBody>
+            <a:bodyPr rtlCol="0" anchor="ctr"/>
+            <a:lstStyle/>
+            <a:p>
+              <a:pPr algn="ctr"/>
+              <a:endParaRPr lang="en-US" sz="1234"/>
+            </a:p>
+          </p:txBody>
+        </p:sp>
+      </p:grpSp>
+      <p:grpSp>
+        <p:nvGrpSpPr>
+          <p:cNvPr id="46" name="Group 45">
+            <a:extLst>
+              <a:ext uri="{FF2B5EF4-FFF2-40B4-BE49-F238E27FC236}">
+                <a16:creationId xmlns:a16="http://schemas.microsoft.com/office/drawing/2014/main" id="{1B558C5D-10C8-1E47-A77C-C7BA88D07B5C}"/>
+              </a:ext>
+            </a:extLst>
+          </p:cNvPr>
+          <p:cNvGrpSpPr/>
+          <p:nvPr/>
+        </p:nvGrpSpPr>
+        <p:grpSpPr>
+          <a:xfrm>
+            <a:off x="5020188" y="-200853"/>
+            <a:ext cx="3163823" cy="3163823"/>
+            <a:chOff x="7196328" y="1865377"/>
+            <a:chExt cx="3163823" cy="3163823"/>
+          </a:xfrm>
+        </p:grpSpPr>
+        <p:sp>
+          <p:nvSpPr>
+            <p:cNvPr id="47" name="Flowchart: Connector 3">
+              <a:extLst>
+                <a:ext uri="{FF2B5EF4-FFF2-40B4-BE49-F238E27FC236}">
+                  <a16:creationId xmlns:a16="http://schemas.microsoft.com/office/drawing/2014/main" id="{913E3384-9DAC-8144-ACDB-B17F7CAE8A40}"/>
+                </a:ext>
+              </a:extLst>
+            </p:cNvPr>
+            <p:cNvSpPr>
+              <a:spLocks noChangeAspect="1"/>
+            </p:cNvSpPr>
+            <p:nvPr/>
+          </p:nvSpPr>
+          <p:spPr>
+            <a:xfrm>
+              <a:off x="7196328" y="1865377"/>
+              <a:ext cx="3163823" cy="3163823"/>
+            </a:xfrm>
+            <a:prstGeom prst="flowChartConnector">
+              <a:avLst/>
+            </a:prstGeom>
+            <a:solidFill>
+              <a:srgbClr val="0000FF">
+                <a:alpha val="15000"/>
+              </a:srgbClr>
+            </a:solidFill>
+            <a:ln w="25400">
+              <a:solidFill>
+                <a:srgbClr val="0000FF"/>
+              </a:solidFill>
+            </a:ln>
+          </p:spPr>
+          <p:style>
+            <a:lnRef idx="2">
+              <a:schemeClr val="accent1">
+                <a:shade val="50000"/>
+              </a:schemeClr>
+            </a:lnRef>
+            <a:fillRef idx="1">
+              <a:schemeClr val="accent1"/>
+            </a:fillRef>
+            <a:effectRef idx="0">
+              <a:schemeClr val="accent1"/>
+            </a:effectRef>
+            <a:fontRef idx="minor">
+              <a:schemeClr val="lt1"/>
+            </a:fontRef>
+          </p:style>
+          <p:txBody>
+            <a:bodyPr wrap="none" rtlCol="0" anchor="ctr"/>
+            <a:lstStyle/>
+            <a:p>
+              <a:pPr algn="ctr"/>
+              <a:endParaRPr lang="en-US" sz="1234"/>
+            </a:p>
+          </p:txBody>
+        </p:sp>
+        <p:sp>
+          <p:nvSpPr>
+            <p:cNvPr id="48" name="Oval 47">
+              <a:extLst>
+                <a:ext uri="{FF2B5EF4-FFF2-40B4-BE49-F238E27FC236}">
+                  <a16:creationId xmlns:a16="http://schemas.microsoft.com/office/drawing/2014/main" id="{BA7C2FBD-C079-6048-89B6-FDCC02E425B9}"/>
+                </a:ext>
+              </a:extLst>
+            </p:cNvPr>
+            <p:cNvSpPr>
+              <a:spLocks noChangeAspect="1"/>
+            </p:cNvSpPr>
+            <p:nvPr/>
+          </p:nvSpPr>
+          <p:spPr>
+            <a:xfrm>
+              <a:off x="8699490" y="3376955"/>
+              <a:ext cx="157919" cy="157919"/>
+            </a:xfrm>
+            <a:prstGeom prst="ellipse">
+              <a:avLst/>
+            </a:prstGeom>
+            <a:solidFill>
+              <a:srgbClr val="1700FF"/>
+            </a:solidFill>
+            <a:ln>
+              <a:solidFill>
+                <a:schemeClr val="tx1"/>
+              </a:solidFill>
+            </a:ln>
+            <a:effectLst/>
+          </p:spPr>
+          <p:style>
+            <a:lnRef idx="1">
+              <a:schemeClr val="accent1"/>
+            </a:lnRef>
+            <a:fillRef idx="3">
+              <a:schemeClr val="accent1"/>
+            </a:fillRef>
+            <a:effectRef idx="2">
+              <a:schemeClr val="accent1"/>
+            </a:effectRef>
+            <a:fontRef idx="minor">
+              <a:schemeClr val="lt1"/>
+            </a:fontRef>
+          </p:style>
+          <p:txBody>
+            <a:bodyPr rtlCol="0" anchor="ctr"/>
+            <a:lstStyle/>
+            <a:p>
+              <a:pPr algn="ctr"/>
+              <a:endParaRPr lang="en-US" sz="1234"/>
+            </a:p>
+          </p:txBody>
+        </p:sp>
+      </p:grpSp>
+      <p:grpSp>
+        <p:nvGrpSpPr>
+          <p:cNvPr id="49" name="Group 48">
+            <a:extLst>
+              <a:ext uri="{FF2B5EF4-FFF2-40B4-BE49-F238E27FC236}">
+                <a16:creationId xmlns:a16="http://schemas.microsoft.com/office/drawing/2014/main" id="{BAFE3952-DEDB-CF4B-A927-5441F08DAF95}"/>
+              </a:ext>
+            </a:extLst>
+          </p:cNvPr>
+          <p:cNvGrpSpPr/>
+          <p:nvPr/>
+        </p:nvGrpSpPr>
+        <p:grpSpPr>
+          <a:xfrm>
+            <a:off x="6389981" y="4906099"/>
+            <a:ext cx="3163823" cy="3163823"/>
+            <a:chOff x="7196328" y="1865377"/>
+            <a:chExt cx="3163823" cy="3163823"/>
+          </a:xfrm>
+        </p:grpSpPr>
+        <p:sp>
+          <p:nvSpPr>
+            <p:cNvPr id="50" name="Flowchart: Connector 3">
+              <a:extLst>
+                <a:ext uri="{FF2B5EF4-FFF2-40B4-BE49-F238E27FC236}">
+                  <a16:creationId xmlns:a16="http://schemas.microsoft.com/office/drawing/2014/main" id="{9226AE01-7EBC-8646-96FF-434CF89D5A2B}"/>
+                </a:ext>
+              </a:extLst>
+            </p:cNvPr>
+            <p:cNvSpPr>
+              <a:spLocks noChangeAspect="1"/>
+            </p:cNvSpPr>
+            <p:nvPr/>
+          </p:nvSpPr>
+          <p:spPr>
+            <a:xfrm>
+              <a:off x="7196328" y="1865377"/>
+              <a:ext cx="3163823" cy="3163823"/>
+            </a:xfrm>
+            <a:prstGeom prst="flowChartConnector">
+              <a:avLst/>
+            </a:prstGeom>
+            <a:solidFill>
+              <a:srgbClr val="0000FF">
+                <a:alpha val="15000"/>
+              </a:srgbClr>
+            </a:solidFill>
+            <a:ln w="25400">
+              <a:solidFill>
+                <a:srgbClr val="0000FF"/>
+              </a:solidFill>
+            </a:ln>
+          </p:spPr>
+          <p:style>
+            <a:lnRef idx="2">
+              <a:schemeClr val="accent1">
+                <a:shade val="50000"/>
+              </a:schemeClr>
+            </a:lnRef>
+            <a:fillRef idx="1">
+              <a:schemeClr val="accent1"/>
+            </a:fillRef>
+            <a:effectRef idx="0">
+              <a:schemeClr val="accent1"/>
+            </a:effectRef>
+            <a:fontRef idx="minor">
+              <a:schemeClr val="lt1"/>
+            </a:fontRef>
+          </p:style>
+          <p:txBody>
+            <a:bodyPr wrap="none" rtlCol="0" anchor="ctr"/>
+            <a:lstStyle/>
+            <a:p>
+              <a:pPr algn="ctr"/>
+              <a:endParaRPr lang="en-US" sz="1234"/>
+            </a:p>
+          </p:txBody>
+        </p:sp>
+        <p:sp>
+          <p:nvSpPr>
+            <p:cNvPr id="51" name="Oval 50">
+              <a:extLst>
+                <a:ext uri="{FF2B5EF4-FFF2-40B4-BE49-F238E27FC236}">
+                  <a16:creationId xmlns:a16="http://schemas.microsoft.com/office/drawing/2014/main" id="{85C85BD2-39EE-D14A-A3A2-C6A17309220B}"/>
+                </a:ext>
+              </a:extLst>
+            </p:cNvPr>
+            <p:cNvSpPr>
+              <a:spLocks noChangeAspect="1"/>
+            </p:cNvSpPr>
+            <p:nvPr/>
+          </p:nvSpPr>
+          <p:spPr>
+            <a:xfrm>
+              <a:off x="8699490" y="3376955"/>
+              <a:ext cx="157919" cy="157919"/>
+            </a:xfrm>
+            <a:prstGeom prst="ellipse">
+              <a:avLst/>
+            </a:prstGeom>
+            <a:solidFill>
+              <a:srgbClr val="1700FF"/>
+            </a:solidFill>
+            <a:ln>
+              <a:solidFill>
+                <a:schemeClr val="tx1"/>
+              </a:solidFill>
+            </a:ln>
+            <a:effectLst/>
+          </p:spPr>
+          <p:style>
+            <a:lnRef idx="1">
+              <a:schemeClr val="accent1"/>
+            </a:lnRef>
+            <a:fillRef idx="3">
+              <a:schemeClr val="accent1"/>
+            </a:fillRef>
+            <a:effectRef idx="2">
+              <a:schemeClr val="accent1"/>
+            </a:effectRef>
+            <a:fontRef idx="minor">
+              <a:schemeClr val="lt1"/>
+            </a:fontRef>
+          </p:style>
+          <p:txBody>
+            <a:bodyPr rtlCol="0" anchor="ctr"/>
+            <a:lstStyle/>
+            <a:p>
+              <a:pPr algn="ctr"/>
+              <a:endParaRPr lang="en-US" sz="1234"/>
+            </a:p>
+          </p:txBody>
+        </p:sp>
+      </p:grpSp>
+      <p:grpSp>
+        <p:nvGrpSpPr>
+          <p:cNvPr id="52" name="Group 51">
+            <a:extLst>
+              <a:ext uri="{FF2B5EF4-FFF2-40B4-BE49-F238E27FC236}">
+                <a16:creationId xmlns:a16="http://schemas.microsoft.com/office/drawing/2014/main" id="{C5014B30-F7FD-9540-97C1-F852E40CC252}"/>
+              </a:ext>
+            </a:extLst>
+          </p:cNvPr>
+          <p:cNvGrpSpPr/>
+          <p:nvPr/>
+        </p:nvGrpSpPr>
+        <p:grpSpPr>
+          <a:xfrm>
+            <a:off x="9157919" y="4037244"/>
+            <a:ext cx="3163823" cy="3163823"/>
+            <a:chOff x="7196328" y="1865377"/>
+            <a:chExt cx="3163823" cy="3163823"/>
+          </a:xfrm>
+        </p:grpSpPr>
+        <p:sp>
+          <p:nvSpPr>
+            <p:cNvPr id="53" name="Flowchart: Connector 3">
+              <a:extLst>
+                <a:ext uri="{FF2B5EF4-FFF2-40B4-BE49-F238E27FC236}">
+                  <a16:creationId xmlns:a16="http://schemas.microsoft.com/office/drawing/2014/main" id="{AF6F257F-3A66-004B-BC45-82CEEF427412}"/>
+                </a:ext>
+              </a:extLst>
+            </p:cNvPr>
+            <p:cNvSpPr>
+              <a:spLocks noChangeAspect="1"/>
+            </p:cNvSpPr>
+            <p:nvPr/>
+          </p:nvSpPr>
+          <p:spPr>
+            <a:xfrm>
+              <a:off x="7196328" y="1865377"/>
+              <a:ext cx="3163823" cy="3163823"/>
+            </a:xfrm>
+            <a:prstGeom prst="flowChartConnector">
+              <a:avLst/>
+            </a:prstGeom>
+            <a:solidFill>
+              <a:srgbClr val="0000FF">
+                <a:alpha val="15000"/>
+              </a:srgbClr>
+            </a:solidFill>
+            <a:ln w="25400">
+              <a:solidFill>
+                <a:srgbClr val="0000FF"/>
+              </a:solidFill>
+            </a:ln>
+          </p:spPr>
+          <p:style>
+            <a:lnRef idx="2">
+              <a:schemeClr val="accent1">
+                <a:shade val="50000"/>
+              </a:schemeClr>
+            </a:lnRef>
+            <a:fillRef idx="1">
+              <a:schemeClr val="accent1"/>
+            </a:fillRef>
+            <a:effectRef idx="0">
+              <a:schemeClr val="accent1"/>
+            </a:effectRef>
+            <a:fontRef idx="minor">
+              <a:schemeClr val="lt1"/>
+            </a:fontRef>
+          </p:style>
+          <p:txBody>
+            <a:bodyPr wrap="none" rtlCol="0" anchor="ctr"/>
+            <a:lstStyle/>
+            <a:p>
+              <a:pPr algn="ctr"/>
+              <a:endParaRPr lang="en-US" sz="1234"/>
+            </a:p>
+          </p:txBody>
+        </p:sp>
+        <p:sp>
+          <p:nvSpPr>
+            <p:cNvPr id="54" name="Oval 53">
+              <a:extLst>
+                <a:ext uri="{FF2B5EF4-FFF2-40B4-BE49-F238E27FC236}">
+                  <a16:creationId xmlns:a16="http://schemas.microsoft.com/office/drawing/2014/main" id="{0D14B2AB-7043-D048-AFB9-7DD95CA65B8E}"/>
+                </a:ext>
+              </a:extLst>
+            </p:cNvPr>
+            <p:cNvSpPr>
+              <a:spLocks noChangeAspect="1"/>
+            </p:cNvSpPr>
+            <p:nvPr/>
+          </p:nvSpPr>
+          <p:spPr>
+            <a:xfrm>
+              <a:off x="8699490" y="3376955"/>
+              <a:ext cx="157919" cy="157919"/>
+            </a:xfrm>
+            <a:prstGeom prst="ellipse">
+              <a:avLst/>
+            </a:prstGeom>
+            <a:solidFill>
+              <a:srgbClr val="1700FF"/>
+            </a:solidFill>
+            <a:ln>
+              <a:solidFill>
+                <a:schemeClr val="tx1"/>
+              </a:solidFill>
+            </a:ln>
+            <a:effectLst/>
+          </p:spPr>
+          <p:style>
+            <a:lnRef idx="1">
+              <a:schemeClr val="accent1"/>
+            </a:lnRef>
+            <a:fillRef idx="3">
+              <a:schemeClr val="accent1"/>
+            </a:fillRef>
+            <a:effectRef idx="2">
+              <a:schemeClr val="accent1"/>
+            </a:effectRef>
+            <a:fontRef idx="minor">
+              <a:schemeClr val="lt1"/>
+            </a:fontRef>
+          </p:style>
+          <p:txBody>
+            <a:bodyPr rtlCol="0" anchor="ctr"/>
+            <a:lstStyle/>
+            <a:p>
+              <a:pPr algn="ctr"/>
+              <a:endParaRPr lang="en-US" sz="1234"/>
+            </a:p>
+          </p:txBody>
+        </p:sp>
+      </p:grpSp>
+      <p:grpSp>
+        <p:nvGrpSpPr>
+          <p:cNvPr id="55" name="Group 54">
+            <a:extLst>
+              <a:ext uri="{FF2B5EF4-FFF2-40B4-BE49-F238E27FC236}">
+                <a16:creationId xmlns:a16="http://schemas.microsoft.com/office/drawing/2014/main" id="{83C6CB44-0362-564F-9B81-A665BB8077DF}"/>
+              </a:ext>
+            </a:extLst>
+          </p:cNvPr>
+          <p:cNvGrpSpPr/>
+          <p:nvPr/>
+        </p:nvGrpSpPr>
+        <p:grpSpPr>
+          <a:xfrm>
+            <a:off x="10030018" y="426384"/>
+            <a:ext cx="3163823" cy="3163823"/>
+            <a:chOff x="7196328" y="1865377"/>
+            <a:chExt cx="3163823" cy="3163823"/>
+          </a:xfrm>
+        </p:grpSpPr>
+        <p:sp>
+          <p:nvSpPr>
+            <p:cNvPr id="56" name="Flowchart: Connector 3">
+              <a:extLst>
+                <a:ext uri="{FF2B5EF4-FFF2-40B4-BE49-F238E27FC236}">
+                  <a16:creationId xmlns:a16="http://schemas.microsoft.com/office/drawing/2014/main" id="{51FF24C2-2EF7-BB49-AB38-1E40571E21BB}"/>
+                </a:ext>
+              </a:extLst>
+            </p:cNvPr>
+            <p:cNvSpPr>
+              <a:spLocks noChangeAspect="1"/>
+            </p:cNvSpPr>
+            <p:nvPr/>
+          </p:nvSpPr>
+          <p:spPr>
+            <a:xfrm>
+              <a:off x="7196328" y="1865377"/>
+              <a:ext cx="3163823" cy="3163823"/>
+            </a:xfrm>
+            <a:prstGeom prst="flowChartConnector">
+              <a:avLst/>
+            </a:prstGeom>
+            <a:solidFill>
+              <a:srgbClr val="0000FF">
+                <a:alpha val="15000"/>
+              </a:srgbClr>
+            </a:solidFill>
+            <a:ln w="25400">
+              <a:solidFill>
+                <a:srgbClr val="0000FF"/>
+              </a:solidFill>
+            </a:ln>
+          </p:spPr>
+          <p:style>
+            <a:lnRef idx="2">
+              <a:schemeClr val="accent1">
+                <a:shade val="50000"/>
+              </a:schemeClr>
+            </a:lnRef>
+            <a:fillRef idx="1">
+              <a:schemeClr val="accent1"/>
+            </a:fillRef>
+            <a:effectRef idx="0">
+              <a:schemeClr val="accent1"/>
+            </a:effectRef>
+            <a:fontRef idx="minor">
+              <a:schemeClr val="lt1"/>
+            </a:fontRef>
+          </p:style>
+          <p:txBody>
+            <a:bodyPr wrap="none" rtlCol="0" anchor="ctr"/>
+            <a:lstStyle/>
+            <a:p>
+              <a:pPr algn="ctr"/>
+              <a:endParaRPr lang="en-US" sz="1234"/>
+            </a:p>
+          </p:txBody>
+        </p:sp>
+        <p:sp>
+          <p:nvSpPr>
+            <p:cNvPr id="57" name="Oval 56">
+              <a:extLst>
+                <a:ext uri="{FF2B5EF4-FFF2-40B4-BE49-F238E27FC236}">
+                  <a16:creationId xmlns:a16="http://schemas.microsoft.com/office/drawing/2014/main" id="{D877F6E3-CBF7-7740-B337-D2A6C6233043}"/>
+                </a:ext>
+              </a:extLst>
+            </p:cNvPr>
+            <p:cNvSpPr>
+              <a:spLocks noChangeAspect="1"/>
+            </p:cNvSpPr>
+            <p:nvPr/>
+          </p:nvSpPr>
+          <p:spPr>
+            <a:xfrm>
+              <a:off x="8699490" y="3376955"/>
+              <a:ext cx="157919" cy="157919"/>
+            </a:xfrm>
+            <a:prstGeom prst="ellipse">
+              <a:avLst/>
+            </a:prstGeom>
+            <a:solidFill>
+              <a:srgbClr val="1700FF"/>
+            </a:solidFill>
+            <a:ln>
+              <a:solidFill>
+                <a:schemeClr val="tx1"/>
+              </a:solidFill>
+            </a:ln>
+            <a:effectLst/>
+          </p:spPr>
+          <p:style>
+            <a:lnRef idx="1">
+              <a:schemeClr val="accent1"/>
+            </a:lnRef>
+            <a:fillRef idx="3">
+              <a:schemeClr val="accent1"/>
+            </a:fillRef>
+            <a:effectRef idx="2">
+              <a:schemeClr val="accent1"/>
+            </a:effectRef>
+            <a:fontRef idx="minor">
+              <a:schemeClr val="lt1"/>
+            </a:fontRef>
+          </p:style>
+          <p:txBody>
+            <a:bodyPr rtlCol="0" anchor="ctr"/>
+            <a:lstStyle/>
+            <a:p>
+              <a:pPr algn="ctr"/>
+              <a:endParaRPr lang="en-US" sz="1234"/>
+            </a:p>
+          </p:txBody>
+        </p:sp>
+      </p:grpSp>
+      <p:grpSp>
+        <p:nvGrpSpPr>
+          <p:cNvPr id="58" name="Group 57">
+            <a:extLst>
+              <a:ext uri="{FF2B5EF4-FFF2-40B4-BE49-F238E27FC236}">
+                <a16:creationId xmlns:a16="http://schemas.microsoft.com/office/drawing/2014/main" id="{BBE38ECE-F866-3543-9270-CBE8A0D8A6D9}"/>
+              </a:ext>
+            </a:extLst>
+          </p:cNvPr>
+          <p:cNvGrpSpPr/>
+          <p:nvPr/>
+        </p:nvGrpSpPr>
+        <p:grpSpPr>
+          <a:xfrm>
+            <a:off x="5332353" y="3534874"/>
+            <a:ext cx="3163823" cy="3163823"/>
+            <a:chOff x="7196328" y="1865377"/>
+            <a:chExt cx="3163823" cy="3163823"/>
+          </a:xfrm>
+        </p:grpSpPr>
+        <p:sp>
+          <p:nvSpPr>
+            <p:cNvPr id="59" name="Flowchart: Connector 3">
+              <a:extLst>
+                <a:ext uri="{FF2B5EF4-FFF2-40B4-BE49-F238E27FC236}">
+                  <a16:creationId xmlns:a16="http://schemas.microsoft.com/office/drawing/2014/main" id="{748A3872-E2B1-6C49-93F8-E793E07B5935}"/>
+                </a:ext>
+              </a:extLst>
+            </p:cNvPr>
+            <p:cNvSpPr>
+              <a:spLocks noChangeAspect="1"/>
+            </p:cNvSpPr>
+            <p:nvPr/>
+          </p:nvSpPr>
+          <p:spPr>
+            <a:xfrm>
+              <a:off x="7196328" y="1865377"/>
+              <a:ext cx="3163823" cy="3163823"/>
+            </a:xfrm>
+            <a:prstGeom prst="flowChartConnector">
+              <a:avLst/>
+            </a:prstGeom>
+            <a:solidFill>
+              <a:srgbClr val="0000FF">
+                <a:alpha val="15000"/>
+              </a:srgbClr>
+            </a:solidFill>
+            <a:ln w="25400">
+              <a:solidFill>
+                <a:srgbClr val="0000FF"/>
+              </a:solidFill>
+            </a:ln>
+          </p:spPr>
+          <p:style>
+            <a:lnRef idx="2">
+              <a:schemeClr val="accent1">
+                <a:shade val="50000"/>
+              </a:schemeClr>
+            </a:lnRef>
+            <a:fillRef idx="1">
+              <a:schemeClr val="accent1"/>
+            </a:fillRef>
+            <a:effectRef idx="0">
+              <a:schemeClr val="accent1"/>
+            </a:effectRef>
+            <a:fontRef idx="minor">
+              <a:schemeClr val="lt1"/>
+            </a:fontRef>
+          </p:style>
+          <p:txBody>
+            <a:bodyPr wrap="none" rtlCol="0" anchor="ctr"/>
+            <a:lstStyle/>
+            <a:p>
+              <a:pPr algn="ctr"/>
+              <a:endParaRPr lang="en-US" sz="1234"/>
+            </a:p>
+          </p:txBody>
+        </p:sp>
+        <p:sp>
+          <p:nvSpPr>
+            <p:cNvPr id="60" name="Oval 59">
+              <a:extLst>
+                <a:ext uri="{FF2B5EF4-FFF2-40B4-BE49-F238E27FC236}">
+                  <a16:creationId xmlns:a16="http://schemas.microsoft.com/office/drawing/2014/main" id="{8F76A8ED-9B68-D44D-BE03-3B43F2CA7209}"/>
+                </a:ext>
+              </a:extLst>
+            </p:cNvPr>
+            <p:cNvSpPr>
+              <a:spLocks noChangeAspect="1"/>
+            </p:cNvSpPr>
+            <p:nvPr/>
+          </p:nvSpPr>
+          <p:spPr>
+            <a:xfrm>
+              <a:off x="8699490" y="3376955"/>
+              <a:ext cx="157919" cy="157919"/>
+            </a:xfrm>
+            <a:prstGeom prst="ellipse">
+              <a:avLst/>
+            </a:prstGeom>
+            <a:solidFill>
+              <a:srgbClr val="1700FF"/>
+            </a:solidFill>
+            <a:ln>
+              <a:solidFill>
+                <a:schemeClr val="tx1"/>
+              </a:solidFill>
+            </a:ln>
+            <a:effectLst/>
+          </p:spPr>
+          <p:style>
+            <a:lnRef idx="1">
+              <a:schemeClr val="accent1"/>
+            </a:lnRef>
+            <a:fillRef idx="3">
+              <a:schemeClr val="accent1"/>
+            </a:fillRef>
+            <a:effectRef idx="2">
+              <a:schemeClr val="accent1"/>
+            </a:effectRef>
+            <a:fontRef idx="minor">
+              <a:schemeClr val="lt1"/>
+            </a:fontRef>
+          </p:style>
+          <p:txBody>
+            <a:bodyPr rtlCol="0" anchor="ctr"/>
+            <a:lstStyle/>
+            <a:p>
+              <a:pPr algn="ctr"/>
+              <a:endParaRPr lang="en-US" sz="1234"/>
+            </a:p>
+          </p:txBody>
+        </p:sp>
+      </p:grpSp>
+      <p:grpSp>
+        <p:nvGrpSpPr>
+          <p:cNvPr id="61" name="Group 60">
+            <a:extLst>
+              <a:ext uri="{FF2B5EF4-FFF2-40B4-BE49-F238E27FC236}">
+                <a16:creationId xmlns:a16="http://schemas.microsoft.com/office/drawing/2014/main" id="{F660CC36-BC97-A342-8A6C-2D3C7FF0593E}"/>
+              </a:ext>
+            </a:extLst>
+          </p:cNvPr>
+          <p:cNvGrpSpPr/>
+          <p:nvPr/>
+        </p:nvGrpSpPr>
+        <p:grpSpPr>
+          <a:xfrm>
+            <a:off x="6261954" y="169942"/>
+            <a:ext cx="3163823" cy="3163823"/>
+            <a:chOff x="7196328" y="1865377"/>
+            <a:chExt cx="3163823" cy="3163823"/>
+          </a:xfrm>
+        </p:grpSpPr>
+        <p:sp>
+          <p:nvSpPr>
+            <p:cNvPr id="62" name="Flowchart: Connector 3">
+              <a:extLst>
+                <a:ext uri="{FF2B5EF4-FFF2-40B4-BE49-F238E27FC236}">
+                  <a16:creationId xmlns:a16="http://schemas.microsoft.com/office/drawing/2014/main" id="{95AAE731-4493-6B46-9790-314DEC439B41}"/>
+                </a:ext>
+              </a:extLst>
+            </p:cNvPr>
+            <p:cNvSpPr>
+              <a:spLocks noChangeAspect="1"/>
+            </p:cNvSpPr>
+            <p:nvPr/>
+          </p:nvSpPr>
+          <p:spPr>
+            <a:xfrm>
+              <a:off x="7196328" y="1865377"/>
+              <a:ext cx="3163823" cy="3163823"/>
+            </a:xfrm>
+            <a:prstGeom prst="flowChartConnector">
+              <a:avLst/>
+            </a:prstGeom>
+            <a:solidFill>
+              <a:srgbClr val="0000FF">
+                <a:alpha val="15000"/>
+              </a:srgbClr>
+            </a:solidFill>
+            <a:ln w="25400">
+              <a:solidFill>
+                <a:srgbClr val="0000FF"/>
+              </a:solidFill>
+            </a:ln>
+          </p:spPr>
+          <p:style>
+            <a:lnRef idx="2">
+              <a:schemeClr val="accent1">
+                <a:shade val="50000"/>
+              </a:schemeClr>
+            </a:lnRef>
+            <a:fillRef idx="1">
+              <a:schemeClr val="accent1"/>
+            </a:fillRef>
+            <a:effectRef idx="0">
+              <a:schemeClr val="accent1"/>
+            </a:effectRef>
+            <a:fontRef idx="minor">
+              <a:schemeClr val="lt1"/>
+            </a:fontRef>
+          </p:style>
+          <p:txBody>
+            <a:bodyPr wrap="none" rtlCol="0" anchor="ctr"/>
+            <a:lstStyle/>
+            <a:p>
+              <a:pPr algn="ctr"/>
+              <a:endParaRPr lang="en-US" sz="1234"/>
+            </a:p>
+          </p:txBody>
+        </p:sp>
+        <p:sp>
+          <p:nvSpPr>
+            <p:cNvPr id="63" name="Oval 62">
+              <a:extLst>
+                <a:ext uri="{FF2B5EF4-FFF2-40B4-BE49-F238E27FC236}">
+                  <a16:creationId xmlns:a16="http://schemas.microsoft.com/office/drawing/2014/main" id="{38C8635B-8990-D249-B281-685B17F4AF70}"/>
+                </a:ext>
+              </a:extLst>
+            </p:cNvPr>
+            <p:cNvSpPr>
+              <a:spLocks noChangeAspect="1"/>
+            </p:cNvSpPr>
+            <p:nvPr/>
+          </p:nvSpPr>
+          <p:spPr>
+            <a:xfrm>
+              <a:off x="8699490" y="3376955"/>
+              <a:ext cx="157919" cy="157919"/>
+            </a:xfrm>
+            <a:prstGeom prst="ellipse">
+              <a:avLst/>
+            </a:prstGeom>
+            <a:solidFill>
+              <a:srgbClr val="1700FF"/>
+            </a:solidFill>
+            <a:ln>
+              <a:solidFill>
+                <a:schemeClr val="tx1"/>
+              </a:solidFill>
+            </a:ln>
+            <a:effectLst/>
+          </p:spPr>
+          <p:style>
+            <a:lnRef idx="1">
+              <a:schemeClr val="accent1"/>
+            </a:lnRef>
+            <a:fillRef idx="3">
+              <a:schemeClr val="accent1"/>
+            </a:fillRef>
+            <a:effectRef idx="2">
+              <a:schemeClr val="accent1"/>
+            </a:effectRef>
+            <a:fontRef idx="minor">
+              <a:schemeClr val="lt1"/>
+            </a:fontRef>
+          </p:style>
+          <p:txBody>
+            <a:bodyPr rtlCol="0" anchor="ctr"/>
+            <a:lstStyle/>
+            <a:p>
+              <a:pPr algn="ctr"/>
+              <a:endParaRPr lang="en-US" sz="1234"/>
+            </a:p>
+          </p:txBody>
+        </p:sp>
+      </p:grpSp>
+      <p:pic>
+        <p:nvPicPr>
+          <p:cNvPr id="64" name="Picture 63">
+            <a:extLst>
+              <a:ext uri="{FF2B5EF4-FFF2-40B4-BE49-F238E27FC236}">
+                <a16:creationId xmlns:a16="http://schemas.microsoft.com/office/drawing/2014/main" id="{FF5248EC-0020-EB46-BA06-B696B1EB8B75}"/>
+              </a:ext>
+            </a:extLst>
+          </p:cNvPr>
+          <p:cNvPicPr>
+            <a:picLocks noChangeAspect="1"/>
+          </p:cNvPicPr>
+          <p:nvPr/>
+        </p:nvPicPr>
+        <p:blipFill>
+          <a:blip r:embed="rId3"/>
+          <a:stretch>
+            <a:fillRect/>
+          </a:stretch>
+        </p:blipFill>
+        <p:spPr>
+          <a:xfrm>
+            <a:off x="5352486" y="2518340"/>
+            <a:ext cx="1760722" cy="1679207"/>
+          </a:xfrm>
+          <a:prstGeom prst="rect">
+            <a:avLst/>
+          </a:prstGeom>
+        </p:spPr>
+      </p:pic>
+      <p:pic>
+        <p:nvPicPr>
+          <p:cNvPr id="65" name="Picture 64">
+            <a:extLst>
+              <a:ext uri="{FF2B5EF4-FFF2-40B4-BE49-F238E27FC236}">
+                <a16:creationId xmlns:a16="http://schemas.microsoft.com/office/drawing/2014/main" id="{F65AC752-6AD1-5B41-8C39-7E2FD40F1878}"/>
+              </a:ext>
+            </a:extLst>
+          </p:cNvPr>
+          <p:cNvPicPr>
+            <a:picLocks noChangeAspect="1"/>
+          </p:cNvPicPr>
+          <p:nvPr/>
+        </p:nvPicPr>
+        <p:blipFill>
+          <a:blip r:embed="rId3"/>
+          <a:stretch>
+            <a:fillRect/>
+          </a:stretch>
+        </p:blipFill>
+        <p:spPr>
+          <a:xfrm>
+            <a:off x="8281306" y="4446643"/>
+            <a:ext cx="1423436" cy="1357536"/>
+          </a:xfrm>
+          <a:prstGeom prst="rect">
+            <a:avLst/>
+          </a:prstGeom>
+        </p:spPr>
+      </p:pic>
+      <p:pic>
+        <p:nvPicPr>
+          <p:cNvPr id="66" name="Picture 65">
+            <a:extLst>
+              <a:ext uri="{FF2B5EF4-FFF2-40B4-BE49-F238E27FC236}">
+                <a16:creationId xmlns:a16="http://schemas.microsoft.com/office/drawing/2014/main" id="{06B957A9-9128-A541-A1B3-22D427DF1497}"/>
+              </a:ext>
+            </a:extLst>
+          </p:cNvPr>
+          <p:cNvPicPr>
+            <a:picLocks noChangeAspect="1"/>
+          </p:cNvPicPr>
+          <p:nvPr/>
+        </p:nvPicPr>
+        <p:blipFill>
+          <a:blip r:embed="rId3"/>
+          <a:stretch>
+            <a:fillRect/>
+          </a:stretch>
+        </p:blipFill>
+        <p:spPr>
+          <a:xfrm>
+            <a:off x="10113604" y="2901738"/>
+            <a:ext cx="2009447" cy="1916417"/>
+          </a:xfrm>
+          <a:prstGeom prst="rect">
+            <a:avLst/>
+          </a:prstGeom>
+        </p:spPr>
+      </p:pic>
+      <p:pic>
+        <p:nvPicPr>
+          <p:cNvPr id="67" name="Picture 66">
+            <a:extLst>
+              <a:ext uri="{FF2B5EF4-FFF2-40B4-BE49-F238E27FC236}">
+                <a16:creationId xmlns:a16="http://schemas.microsoft.com/office/drawing/2014/main" id="{9F96E184-FDDC-2A4E-8928-24B2870FD3B1}"/>
+              </a:ext>
+            </a:extLst>
+          </p:cNvPr>
+          <p:cNvPicPr>
+            <a:picLocks noChangeAspect="1"/>
+          </p:cNvPicPr>
+          <p:nvPr/>
+        </p:nvPicPr>
+        <p:blipFill>
+          <a:blip r:embed="rId3"/>
+          <a:stretch>
+            <a:fillRect/>
+          </a:stretch>
+        </p:blipFill>
+        <p:spPr>
+          <a:xfrm>
+            <a:off x="7940784" y="14011"/>
+            <a:ext cx="1521025" cy="1450607"/>
+          </a:xfrm>
+          <a:prstGeom prst="rect">
+            <a:avLst/>
+          </a:prstGeom>
+        </p:spPr>
+      </p:pic>
+    </p:spTree>
+    <p:extLst>
+      <p:ext uri="{BB962C8B-B14F-4D97-AF65-F5344CB8AC3E}">
+        <p14:creationId xmlns:p14="http://schemas.microsoft.com/office/powerpoint/2010/main" val="1786535079"/>
+      </p:ext>
+    </p:extLst>
+  </p:cSld>
+  <p:clrMapOvr>
+    <a:masterClrMapping/>
+  </p:clrMapOvr>
+  <p:timing>
+    <p:tnLst>
+      <p:par>
+        <p:cTn id="1" dur="indefinite" restart="never" nodeType="tmRoot">
+          <p:childTnLst>
+            <p:seq concurrent="1" nextAc="seek">
+              <p:cTn id="2" dur="indefinite" nodeType="mainSeq">
+                <p:childTnLst>
+                  <p:par>
+                    <p:cTn id="3" fill="hold">
+                      <p:stCondLst>
+                        <p:cond delay="indefinite"/>
+                        <p:cond evt="onBegin" delay="0">
+                          <p:tn val="2"/>
+                        </p:cond>
+                      </p:stCondLst>
+                      <p:childTnLst>
+                        <p:par>
+                          <p:cTn id="4" fill="hold">
+                            <p:stCondLst>
+                              <p:cond delay="0"/>
+                            </p:stCondLst>
+                            <p:childTnLst>
+                              <p:par>
+                                <p:cTn id="5" presetID="1" presetClass="entr" presetSubtype="0" fill="hold" nodeType="afterEffect">
+                                  <p:stCondLst>
+                                    <p:cond delay="1500"/>
+                                  </p:stCondLst>
+                                  <p:childTnLst>
+                                    <p:set>
+                                      <p:cBhvr>
+                                        <p:cTn id="6" dur="1" fill="hold">
+                                          <p:stCondLst>
+                                            <p:cond delay="0"/>
+                                          </p:stCondLst>
+                                        </p:cTn>
+                                        <p:tgtEl>
+                                          <p:spTgt spid="46"/>
+                                        </p:tgtEl>
+                                        <p:attrNameLst>
+                                          <p:attrName>style.visibility</p:attrName>
+                                        </p:attrNameLst>
+                                      </p:cBhvr>
+                                      <p:to>
+                                        <p:strVal val="visible"/>
+                                      </p:to>
+                                    </p:set>
+                                  </p:childTnLst>
+                                </p:cTn>
+                              </p:par>
+                            </p:childTnLst>
+                          </p:cTn>
+                        </p:par>
+                        <p:par>
+                          <p:cTn id="7" fill="hold">
+                            <p:stCondLst>
+                              <p:cond delay="1500"/>
+                            </p:stCondLst>
+                            <p:childTnLst>
+                              <p:par>
+                                <p:cTn id="8" presetID="1" presetClass="entr" presetSubtype="0" fill="hold" nodeType="afterEffect">
+                                  <p:stCondLst>
+                                    <p:cond delay="200"/>
+                                  </p:stCondLst>
+                                  <p:childTnLst>
+                                    <p:set>
+                                      <p:cBhvr>
+                                        <p:cTn id="9" dur="1" fill="hold">
+                                          <p:stCondLst>
+                                            <p:cond delay="0"/>
+                                          </p:stCondLst>
+                                        </p:cTn>
+                                        <p:tgtEl>
+                                          <p:spTgt spid="52"/>
+                                        </p:tgtEl>
+                                        <p:attrNameLst>
+                                          <p:attrName>style.visibility</p:attrName>
+                                        </p:attrNameLst>
+                                      </p:cBhvr>
+                                      <p:to>
+                                        <p:strVal val="visible"/>
+                                      </p:to>
+                                    </p:set>
+                                  </p:childTnLst>
+                                </p:cTn>
+                              </p:par>
+                            </p:childTnLst>
+                          </p:cTn>
+                        </p:par>
+                        <p:par>
+                          <p:cTn id="10" fill="hold">
+                            <p:stCondLst>
+                              <p:cond delay="1700"/>
+                            </p:stCondLst>
+                            <p:childTnLst>
+                              <p:par>
+                                <p:cTn id="11" presetID="1" presetClass="entr" presetSubtype="0" fill="hold" nodeType="afterEffect">
+                                  <p:stCondLst>
+                                    <p:cond delay="200"/>
+                                  </p:stCondLst>
+                                  <p:childTnLst>
+                                    <p:set>
+                                      <p:cBhvr>
+                                        <p:cTn id="12" dur="1" fill="hold">
+                                          <p:stCondLst>
+                                            <p:cond delay="0"/>
+                                          </p:stCondLst>
+                                        </p:cTn>
+                                        <p:tgtEl>
+                                          <p:spTgt spid="38"/>
+                                        </p:tgtEl>
+                                        <p:attrNameLst>
+                                          <p:attrName>style.visibility</p:attrName>
+                                        </p:attrNameLst>
+                                      </p:cBhvr>
+                                      <p:to>
+                                        <p:strVal val="visible"/>
+                                      </p:to>
+                                    </p:set>
+                                  </p:childTnLst>
+                                </p:cTn>
+                              </p:par>
+                            </p:childTnLst>
+                          </p:cTn>
+                        </p:par>
+                        <p:par>
+                          <p:cTn id="13" fill="hold">
+                            <p:stCondLst>
+                              <p:cond delay="1900"/>
+                            </p:stCondLst>
+                            <p:childTnLst>
+                              <p:par>
+                                <p:cTn id="14" presetID="1" presetClass="entr" presetSubtype="0" fill="hold" nodeType="afterEffect">
+                                  <p:stCondLst>
+                                    <p:cond delay="200"/>
+                                  </p:stCondLst>
+                                  <p:childTnLst>
+                                    <p:set>
+                                      <p:cBhvr>
+                                        <p:cTn id="15" dur="1" fill="hold">
+                                          <p:stCondLst>
+                                            <p:cond delay="0"/>
+                                          </p:stCondLst>
+                                        </p:cTn>
+                                        <p:tgtEl>
+                                          <p:spTgt spid="61"/>
+                                        </p:tgtEl>
+                                        <p:attrNameLst>
+                                          <p:attrName>style.visibility</p:attrName>
+                                        </p:attrNameLst>
+                                      </p:cBhvr>
+                                      <p:to>
+                                        <p:strVal val="visible"/>
+                                      </p:to>
+                                    </p:set>
+                                  </p:childTnLst>
+                                </p:cTn>
+                              </p:par>
+                            </p:childTnLst>
+                          </p:cTn>
+                        </p:par>
+                        <p:par>
+                          <p:cTn id="16" fill="hold">
+                            <p:stCondLst>
+                              <p:cond delay="2100"/>
+                            </p:stCondLst>
+                            <p:childTnLst>
+                              <p:par>
+                                <p:cTn id="17" presetID="9" presetClass="exit" presetSubtype="0" fill="hold" nodeType="afterEffect">
+                                  <p:stCondLst>
+                                    <p:cond delay="200"/>
+                                  </p:stCondLst>
+                                  <p:childTnLst>
+                                    <p:animEffect transition="out" filter="dissolve">
+                                      <p:cBhvr>
+                                        <p:cTn id="18" dur="500"/>
+                                        <p:tgtEl>
+                                          <p:spTgt spid="61"/>
+                                        </p:tgtEl>
+                                      </p:cBhvr>
+                                    </p:animEffect>
+                                    <p:set>
+                                      <p:cBhvr>
+                                        <p:cTn id="19" dur="1" fill="hold">
+                                          <p:stCondLst>
+                                            <p:cond delay="499"/>
+                                          </p:stCondLst>
+                                        </p:cTn>
+                                        <p:tgtEl>
+                                          <p:spTgt spid="61"/>
+                                        </p:tgtEl>
+                                        <p:attrNameLst>
+                                          <p:attrName>style.visibility</p:attrName>
+                                        </p:attrNameLst>
+                                      </p:cBhvr>
+                                      <p:to>
+                                        <p:strVal val="hidden"/>
+                                      </p:to>
+                                    </p:set>
+                                  </p:childTnLst>
+                                </p:cTn>
+                              </p:par>
+                            </p:childTnLst>
+                          </p:cTn>
+                        </p:par>
+                        <p:par>
+                          <p:cTn id="20" fill="hold">
+                            <p:stCondLst>
+                              <p:cond delay="2800"/>
+                            </p:stCondLst>
+                            <p:childTnLst>
+                              <p:par>
+                                <p:cTn id="21" presetID="1" presetClass="entr" presetSubtype="0" fill="hold" nodeType="afterEffect">
+                                  <p:stCondLst>
+                                    <p:cond delay="200"/>
+                                  </p:stCondLst>
+                                  <p:childTnLst>
+                                    <p:set>
+                                      <p:cBhvr>
+                                        <p:cTn id="22" dur="1" fill="hold">
+                                          <p:stCondLst>
+                                            <p:cond delay="0"/>
+                                          </p:stCondLst>
+                                        </p:cTn>
+                                        <p:tgtEl>
+                                          <p:spTgt spid="43"/>
+                                        </p:tgtEl>
+                                        <p:attrNameLst>
+                                          <p:attrName>style.visibility</p:attrName>
+                                        </p:attrNameLst>
+                                      </p:cBhvr>
+                                      <p:to>
+                                        <p:strVal val="visible"/>
+                                      </p:to>
+                                    </p:set>
+                                  </p:childTnLst>
+                                </p:cTn>
+                              </p:par>
+                            </p:childTnLst>
+                          </p:cTn>
+                        </p:par>
+                        <p:par>
+                          <p:cTn id="23" fill="hold">
+                            <p:stCondLst>
+                              <p:cond delay="3000"/>
+                            </p:stCondLst>
+                            <p:childTnLst>
+                              <p:par>
+                                <p:cTn id="24" presetID="1" presetClass="entr" presetSubtype="0" fill="hold" nodeType="afterEffect">
+                                  <p:stCondLst>
+                                    <p:cond delay="200"/>
+                                  </p:stCondLst>
+                                  <p:childTnLst>
+                                    <p:set>
+                                      <p:cBhvr>
+                                        <p:cTn id="25" dur="1" fill="hold">
+                                          <p:stCondLst>
+                                            <p:cond delay="0"/>
+                                          </p:stCondLst>
+                                        </p:cTn>
+                                        <p:tgtEl>
+                                          <p:spTgt spid="55"/>
+                                        </p:tgtEl>
+                                        <p:attrNameLst>
+                                          <p:attrName>style.visibility</p:attrName>
+                                        </p:attrNameLst>
+                                      </p:cBhvr>
+                                      <p:to>
+                                        <p:strVal val="visible"/>
+                                      </p:to>
+                                    </p:set>
+                                  </p:childTnLst>
+                                </p:cTn>
+                              </p:par>
+                            </p:childTnLst>
+                          </p:cTn>
+                        </p:par>
+                        <p:par>
+                          <p:cTn id="26" fill="hold">
+                            <p:stCondLst>
+                              <p:cond delay="3200"/>
+                            </p:stCondLst>
+                            <p:childTnLst>
+                              <p:par>
+                                <p:cTn id="27" presetID="1" presetClass="entr" presetSubtype="0" fill="hold" nodeType="afterEffect">
+                                  <p:stCondLst>
+                                    <p:cond delay="200"/>
+                                  </p:stCondLst>
+                                  <p:childTnLst>
+                                    <p:set>
+                                      <p:cBhvr>
+                                        <p:cTn id="28" dur="1" fill="hold">
+                                          <p:stCondLst>
+                                            <p:cond delay="0"/>
+                                          </p:stCondLst>
+                                        </p:cTn>
+                                        <p:tgtEl>
+                                          <p:spTgt spid="58"/>
+                                        </p:tgtEl>
+                                        <p:attrNameLst>
+                                          <p:attrName>style.visibility</p:attrName>
+                                        </p:attrNameLst>
+                                      </p:cBhvr>
+                                      <p:to>
+                                        <p:strVal val="visible"/>
+                                      </p:to>
+                                    </p:set>
+                                  </p:childTnLst>
+                                </p:cTn>
+                              </p:par>
+                            </p:childTnLst>
+                          </p:cTn>
+                        </p:par>
+                        <p:par>
+                          <p:cTn id="29" fill="hold">
+                            <p:stCondLst>
+                              <p:cond delay="3400"/>
+                            </p:stCondLst>
+                            <p:childTnLst>
+                              <p:par>
+                                <p:cTn id="30" presetID="1" presetClass="entr" presetSubtype="0" fill="hold" nodeType="afterEffect">
+                                  <p:stCondLst>
+                                    <p:cond delay="200"/>
+                                  </p:stCondLst>
+                                  <p:childTnLst>
+                                    <p:set>
+                                      <p:cBhvr>
+                                        <p:cTn id="31" dur="1" fill="hold">
+                                          <p:stCondLst>
+                                            <p:cond delay="0"/>
+                                          </p:stCondLst>
+                                        </p:cTn>
+                                        <p:tgtEl>
+                                          <p:spTgt spid="49"/>
+                                        </p:tgtEl>
+                                        <p:attrNameLst>
+                                          <p:attrName>style.visibility</p:attrName>
+                                        </p:attrNameLst>
+                                      </p:cBhvr>
+                                      <p:to>
+                                        <p:strVal val="visible"/>
+                                      </p:to>
+                                    </p:set>
+                                  </p:childTnLst>
+                                </p:cTn>
+                              </p:par>
+                            </p:childTnLst>
+                          </p:cTn>
+                        </p:par>
+                        <p:par>
+                          <p:cTn id="32" fill="hold">
+                            <p:stCondLst>
+                              <p:cond delay="3600"/>
+                            </p:stCondLst>
+                            <p:childTnLst>
+                              <p:par>
+                                <p:cTn id="33" presetID="53" presetClass="entr" presetSubtype="16" fill="hold" nodeType="afterEffect">
+                                  <p:stCondLst>
+                                    <p:cond delay="0"/>
+                                  </p:stCondLst>
+                                  <p:childTnLst>
+                                    <p:set>
+                                      <p:cBhvr>
+                                        <p:cTn id="34" dur="1" fill="hold">
+                                          <p:stCondLst>
+                                            <p:cond delay="0"/>
+                                          </p:stCondLst>
+                                        </p:cTn>
+                                        <p:tgtEl>
+                                          <p:spTgt spid="64"/>
+                                        </p:tgtEl>
+                                        <p:attrNameLst>
+                                          <p:attrName>style.visibility</p:attrName>
+                                        </p:attrNameLst>
+                                      </p:cBhvr>
+                                      <p:to>
+                                        <p:strVal val="visible"/>
+                                      </p:to>
+                                    </p:set>
+                                    <p:anim calcmode="lin" valueType="num">
+                                      <p:cBhvr>
+                                        <p:cTn id="35" dur="1000" fill="hold"/>
+                                        <p:tgtEl>
+                                          <p:spTgt spid="64"/>
+                                        </p:tgtEl>
+                                        <p:attrNameLst>
+                                          <p:attrName>ppt_w</p:attrName>
+                                        </p:attrNameLst>
+                                      </p:cBhvr>
+                                      <p:tavLst>
+                                        <p:tav tm="0">
+                                          <p:val>
+                                            <p:fltVal val="0"/>
+                                          </p:val>
+                                        </p:tav>
+                                        <p:tav tm="100000">
+                                          <p:val>
+                                            <p:strVal val="#ppt_w"/>
+                                          </p:val>
+                                        </p:tav>
+                                      </p:tavLst>
+                                    </p:anim>
+                                    <p:anim calcmode="lin" valueType="num">
+                                      <p:cBhvr>
+                                        <p:cTn id="36" dur="1000" fill="hold"/>
+                                        <p:tgtEl>
+                                          <p:spTgt spid="64"/>
+                                        </p:tgtEl>
+                                        <p:attrNameLst>
+                                          <p:attrName>ppt_h</p:attrName>
+                                        </p:attrNameLst>
+                                      </p:cBhvr>
+                                      <p:tavLst>
+                                        <p:tav tm="0">
+                                          <p:val>
+                                            <p:fltVal val="0"/>
+                                          </p:val>
+                                        </p:tav>
+                                        <p:tav tm="100000">
+                                          <p:val>
+                                            <p:strVal val="#ppt_h"/>
+                                          </p:val>
+                                        </p:tav>
+                                      </p:tavLst>
+                                    </p:anim>
+                                    <p:animEffect transition="in" filter="fade">
+                                      <p:cBhvr>
+                                        <p:cTn id="37" dur="1000"/>
+                                        <p:tgtEl>
+                                          <p:spTgt spid="64"/>
+                                        </p:tgtEl>
+                                      </p:cBhvr>
+                                    </p:animEffect>
+                                  </p:childTnLst>
+                                </p:cTn>
+                              </p:par>
+                              <p:par>
+                                <p:cTn id="38" presetID="53" presetClass="entr" presetSubtype="16" fill="hold" nodeType="withEffect">
+                                  <p:stCondLst>
+                                    <p:cond delay="0"/>
+                                  </p:stCondLst>
+                                  <p:childTnLst>
+                                    <p:set>
+                                      <p:cBhvr>
+                                        <p:cTn id="39" dur="1" fill="hold">
+                                          <p:stCondLst>
+                                            <p:cond delay="0"/>
+                                          </p:stCondLst>
+                                        </p:cTn>
+                                        <p:tgtEl>
+                                          <p:spTgt spid="65"/>
+                                        </p:tgtEl>
+                                        <p:attrNameLst>
+                                          <p:attrName>style.visibility</p:attrName>
+                                        </p:attrNameLst>
+                                      </p:cBhvr>
+                                      <p:to>
+                                        <p:strVal val="visible"/>
+                                      </p:to>
+                                    </p:set>
+                                    <p:anim calcmode="lin" valueType="num">
+                                      <p:cBhvr>
+                                        <p:cTn id="40" dur="1000" fill="hold"/>
+                                        <p:tgtEl>
+                                          <p:spTgt spid="65"/>
+                                        </p:tgtEl>
+                                        <p:attrNameLst>
+                                          <p:attrName>ppt_w</p:attrName>
+                                        </p:attrNameLst>
+                                      </p:cBhvr>
+                                      <p:tavLst>
+                                        <p:tav tm="0">
+                                          <p:val>
+                                            <p:fltVal val="0"/>
+                                          </p:val>
+                                        </p:tav>
+                                        <p:tav tm="100000">
+                                          <p:val>
+                                            <p:strVal val="#ppt_w"/>
+                                          </p:val>
+                                        </p:tav>
+                                      </p:tavLst>
+                                    </p:anim>
+                                    <p:anim calcmode="lin" valueType="num">
+                                      <p:cBhvr>
+                                        <p:cTn id="41" dur="1000" fill="hold"/>
+                                        <p:tgtEl>
+                                          <p:spTgt spid="65"/>
+                                        </p:tgtEl>
+                                        <p:attrNameLst>
+                                          <p:attrName>ppt_h</p:attrName>
+                                        </p:attrNameLst>
+                                      </p:cBhvr>
+                                      <p:tavLst>
+                                        <p:tav tm="0">
+                                          <p:val>
+                                            <p:fltVal val="0"/>
+                                          </p:val>
+                                        </p:tav>
+                                        <p:tav tm="100000">
+                                          <p:val>
+                                            <p:strVal val="#ppt_h"/>
+                                          </p:val>
+                                        </p:tav>
+                                      </p:tavLst>
+                                    </p:anim>
+                                    <p:animEffect transition="in" filter="fade">
+                                      <p:cBhvr>
+                                        <p:cTn id="42" dur="1000"/>
+                                        <p:tgtEl>
+                                          <p:spTgt spid="65"/>
+                                        </p:tgtEl>
+                                      </p:cBhvr>
+                                    </p:animEffect>
+                                  </p:childTnLst>
+                                </p:cTn>
+                              </p:par>
+                              <p:par>
+                                <p:cTn id="43" presetID="53" presetClass="entr" presetSubtype="16" fill="hold" nodeType="withEffect">
+                                  <p:stCondLst>
+                                    <p:cond delay="0"/>
+                                  </p:stCondLst>
+                                  <p:childTnLst>
+                                    <p:set>
+                                      <p:cBhvr>
+                                        <p:cTn id="44" dur="1" fill="hold">
+                                          <p:stCondLst>
+                                            <p:cond delay="0"/>
+                                          </p:stCondLst>
+                                        </p:cTn>
+                                        <p:tgtEl>
+                                          <p:spTgt spid="66"/>
+                                        </p:tgtEl>
+                                        <p:attrNameLst>
+                                          <p:attrName>style.visibility</p:attrName>
+                                        </p:attrNameLst>
+                                      </p:cBhvr>
+                                      <p:to>
+                                        <p:strVal val="visible"/>
+                                      </p:to>
+                                    </p:set>
+                                    <p:anim calcmode="lin" valueType="num">
+                                      <p:cBhvr>
+                                        <p:cTn id="45" dur="1000" fill="hold"/>
+                                        <p:tgtEl>
+                                          <p:spTgt spid="66"/>
+                                        </p:tgtEl>
+                                        <p:attrNameLst>
+                                          <p:attrName>ppt_w</p:attrName>
+                                        </p:attrNameLst>
+                                      </p:cBhvr>
+                                      <p:tavLst>
+                                        <p:tav tm="0">
+                                          <p:val>
+                                            <p:fltVal val="0"/>
+                                          </p:val>
+                                        </p:tav>
+                                        <p:tav tm="100000">
+                                          <p:val>
+                                            <p:strVal val="#ppt_w"/>
+                                          </p:val>
+                                        </p:tav>
+                                      </p:tavLst>
+                                    </p:anim>
+                                    <p:anim calcmode="lin" valueType="num">
+                                      <p:cBhvr>
+                                        <p:cTn id="46" dur="1000" fill="hold"/>
+                                        <p:tgtEl>
+                                          <p:spTgt spid="66"/>
+                                        </p:tgtEl>
+                                        <p:attrNameLst>
+                                          <p:attrName>ppt_h</p:attrName>
+                                        </p:attrNameLst>
+                                      </p:cBhvr>
+                                      <p:tavLst>
+                                        <p:tav tm="0">
+                                          <p:val>
+                                            <p:fltVal val="0"/>
+                                          </p:val>
+                                        </p:tav>
+                                        <p:tav tm="100000">
+                                          <p:val>
+                                            <p:strVal val="#ppt_h"/>
+                                          </p:val>
+                                        </p:tav>
+                                      </p:tavLst>
+                                    </p:anim>
+                                    <p:animEffect transition="in" filter="fade">
+                                      <p:cBhvr>
+                                        <p:cTn id="47" dur="1000"/>
+                                        <p:tgtEl>
+                                          <p:spTgt spid="66"/>
+                                        </p:tgtEl>
+                                      </p:cBhvr>
+                                    </p:animEffect>
+                                  </p:childTnLst>
+                                </p:cTn>
+                              </p:par>
+                              <p:par>
+                                <p:cTn id="48" presetID="53" presetClass="entr" presetSubtype="16" fill="hold" nodeType="withEffect">
+                                  <p:stCondLst>
+                                    <p:cond delay="0"/>
+                                  </p:stCondLst>
+                                  <p:childTnLst>
+                                    <p:set>
+                                      <p:cBhvr>
+                                        <p:cTn id="49" dur="1" fill="hold">
+                                          <p:stCondLst>
+                                            <p:cond delay="0"/>
+                                          </p:stCondLst>
+                                        </p:cTn>
+                                        <p:tgtEl>
+                                          <p:spTgt spid="67"/>
+                                        </p:tgtEl>
+                                        <p:attrNameLst>
+                                          <p:attrName>style.visibility</p:attrName>
+                                        </p:attrNameLst>
+                                      </p:cBhvr>
+                                      <p:to>
+                                        <p:strVal val="visible"/>
+                                      </p:to>
+                                    </p:set>
+                                    <p:anim calcmode="lin" valueType="num">
+                                      <p:cBhvr>
+                                        <p:cTn id="50" dur="1000" fill="hold"/>
+                                        <p:tgtEl>
+                                          <p:spTgt spid="67"/>
+                                        </p:tgtEl>
+                                        <p:attrNameLst>
+                                          <p:attrName>ppt_w</p:attrName>
+                                        </p:attrNameLst>
+                                      </p:cBhvr>
+                                      <p:tavLst>
+                                        <p:tav tm="0">
+                                          <p:val>
+                                            <p:fltVal val="0"/>
+                                          </p:val>
+                                        </p:tav>
+                                        <p:tav tm="100000">
+                                          <p:val>
+                                            <p:strVal val="#ppt_w"/>
+                                          </p:val>
+                                        </p:tav>
+                                      </p:tavLst>
+                                    </p:anim>
+                                    <p:anim calcmode="lin" valueType="num">
+                                      <p:cBhvr>
+                                        <p:cTn id="51" dur="1000" fill="hold"/>
+                                        <p:tgtEl>
+                                          <p:spTgt spid="67"/>
+                                        </p:tgtEl>
+                                        <p:attrNameLst>
+                                          <p:attrName>ppt_h</p:attrName>
+                                        </p:attrNameLst>
+                                      </p:cBhvr>
+                                      <p:tavLst>
+                                        <p:tav tm="0">
+                                          <p:val>
+                                            <p:fltVal val="0"/>
+                                          </p:val>
+                                        </p:tav>
+                                        <p:tav tm="100000">
+                                          <p:val>
+                                            <p:strVal val="#ppt_h"/>
+                                          </p:val>
+                                        </p:tav>
+                                      </p:tavLst>
+                                    </p:anim>
+                                    <p:animEffect transition="in" filter="fade">
+                                      <p:cBhvr>
+                                        <p:cTn id="52" dur="1000"/>
+                                        <p:tgtEl>
+                                          <p:spTgt spid="67"/>
+                                        </p:tgtEl>
+                                      </p:cBhvr>
+                                    </p:animEffect>
+                                  </p:childTnLst>
+                                </p:cTn>
+                              </p:par>
+                            </p:childTnLst>
+                          </p:cTn>
+                        </p:par>
+                      </p:childTnLst>
+                    </p:cTn>
+                  </p:par>
+                </p:childTnLst>
+              </p:cTn>
+              <p:prevCondLst>
+                <p:cond evt="onPrev" delay="0">
+                  <p:tgtEl>
+                    <p:sldTgt/>
+                  </p:tgtEl>
+                </p:cond>
+              </p:prevCondLst>
+              <p:nextCondLst>
+                <p:cond evt="onNext" delay="0">
+                  <p:tgtEl>
+                    <p:sldTgt/>
+                  </p:tgtEl>
+                </p:cond>
+              </p:nextCondLst>
+            </p:seq>
+          </p:childTnLst>
+        </p:cTn>
+      </p:par>
+    </p:tnLst>
+  </p:timing>
+</p:sld>
+</file>
+
+<file path=ppt/slides/slide3.xml><?xml version="1.0" encoding="utf-8"?>
+<p:sld xmlns:a="http://schemas.openxmlformats.org/drawingml/2006/main" xmlns:r="http://schemas.openxmlformats.org/officeDocument/2006/relationships" xmlns:p="http://schemas.openxmlformats.org/presentationml/2006/main">
+  <p:cSld>
+    <p:spTree>
+      <p:nvGrpSpPr>
+        <p:cNvPr id="1" name=""/>
+        <p:cNvGrpSpPr/>
+        <p:nvPr/>
+      </p:nvGrpSpPr>
+      <p:grpSpPr>
+        <a:xfrm>
+          <a:off x="0" y="0"/>
+          <a:ext cx="0" cy="0"/>
+          <a:chOff x="0" y="0"/>
+          <a:chExt cx="0" cy="0"/>
+        </a:xfrm>
+      </p:grpSpPr>
       <p:sp>
         <p:nvSpPr>
-          <p:cNvPr id="9" name="Title 1">
+          <p:cNvPr id="22" name="Content Placeholder 4">
             <a:extLst>
               <a:ext uri="{FF2B5EF4-FFF2-40B4-BE49-F238E27FC236}">
-                <a16:creationId xmlns:a16="http://schemas.microsoft.com/office/drawing/2014/main" id="{BB9D3833-2E5E-684A-B67C-7B0490605A21}"/>
+                <a16:creationId xmlns:a16="http://schemas.microsoft.com/office/drawing/2014/main" id="{D95B315D-47CF-4648-8118-E146949319A1}"/>
               </a:ext>
             </a:extLst>
           </p:cNvPr>
@@ -15502,568 +16628,245 @@
           </p:cNvSpPr>
           <p:nvPr/>
         </p:nvSpPr>
-        <p:spPr bwMode="auto">
+        <p:spPr>
           <a:xfrm>
-            <a:off x="7696200" y="34158238"/>
-            <a:ext cx="11353800" cy="1176337"/>
+            <a:off x="132339" y="659826"/>
+            <a:ext cx="5016833" cy="3464702"/>
           </a:xfrm>
           <a:prstGeom prst="rect">
             <a:avLst/>
           </a:prstGeom>
-          <a:noFill/>
-          <a:ln>
-            <a:noFill/>
-          </a:ln>
-          <a:extLst>
-            <a:ext uri="{909E8E84-426E-40DD-AFC4-6F175D3DCCD1}">
-              <a14:hiddenFill xmlns:a14="http://schemas.microsoft.com/office/drawing/2010/main">
-                <a:solidFill>
-                  <a:srgbClr val="FFFFFF"/>
-                </a:solidFill>
-              </a14:hiddenFill>
-            </a:ext>
-            <a:ext uri="{91240B29-F687-4F45-9708-019B960494DF}">
-              <a14:hiddenLine xmlns:a14="http://schemas.microsoft.com/office/drawing/2010/main" w="9525">
-                <a:solidFill>
-                  <a:srgbClr val="000000"/>
-                </a:solidFill>
-                <a:miter lim="800000"/>
-                <a:headEnd/>
-                <a:tailEnd/>
-              </a14:hiddenLine>
-            </a:ext>
-          </a:extLst>
         </p:spPr>
         <p:txBody>
-          <a:bodyPr lIns="365760" tIns="182880" rIns="365760" bIns="182880" anchor="ctr"/>
+          <a:bodyPr vert="horz" lIns="91440" tIns="45720" rIns="91440" bIns="45720" rtlCol="0">
+            <a:normAutofit/>
+          </a:bodyPr>
           <a:lstStyle>
-            <a:lvl1pPr eaLnBrk="0" hangingPunct="0">
-              <a:defRPr sz="7200">
+            <a:lvl1pPr marL="228600" indent="-228600" algn="l" defTabSz="914400" rtl="0" eaLnBrk="1" latinLnBrk="0" hangingPunct="1">
+              <a:lnSpc>
+                <a:spcPct val="90000"/>
+              </a:lnSpc>
+              <a:spcBef>
+                <a:spcPts val="1000"/>
+              </a:spcBef>
+              <a:buFont typeface="Arial" panose="020B0604020202020204" pitchFamily="34" charset="0"/>
+              <a:buChar char="•"/>
+              <a:defRPr sz="2800" kern="1200">
                 <a:solidFill>
                   <a:schemeClr val="tx1"/>
                 </a:solidFill>
-                <a:latin typeface="Arial" charset="0"/>
-                <a:ea typeface="ＭＳ Ｐゴシック" pitchFamily="34" charset="-128"/>
+                <a:latin typeface="+mn-lt"/>
+                <a:ea typeface="+mn-ea"/>
+                <a:cs typeface="+mn-cs"/>
               </a:defRPr>
             </a:lvl1pPr>
-            <a:lvl2pPr marL="742950" indent="-285750" eaLnBrk="0" hangingPunct="0">
-              <a:defRPr sz="7200">
+            <a:lvl2pPr marL="685800" indent="-228600" algn="l" defTabSz="914400" rtl="0" eaLnBrk="1" latinLnBrk="0" hangingPunct="1">
+              <a:lnSpc>
+                <a:spcPct val="90000"/>
+              </a:lnSpc>
+              <a:spcBef>
+                <a:spcPts val="500"/>
+              </a:spcBef>
+              <a:buFont typeface="Arial" panose="020B0604020202020204" pitchFamily="34" charset="0"/>
+              <a:buChar char="•"/>
+              <a:defRPr sz="2400" kern="1200">
                 <a:solidFill>
                   <a:schemeClr val="tx1"/>
                 </a:solidFill>
-                <a:latin typeface="Arial" charset="0"/>
-                <a:ea typeface="ＭＳ Ｐゴシック" pitchFamily="34" charset="-128"/>
+                <a:latin typeface="+mn-lt"/>
+                <a:ea typeface="+mn-ea"/>
+                <a:cs typeface="+mn-cs"/>
               </a:defRPr>
             </a:lvl2pPr>
-            <a:lvl3pPr marL="1143000" indent="-228600" eaLnBrk="0" hangingPunct="0">
-              <a:defRPr sz="7200">
+            <a:lvl3pPr marL="1143000" indent="-228600" algn="l" defTabSz="914400" rtl="0" eaLnBrk="1" latinLnBrk="0" hangingPunct="1">
+              <a:lnSpc>
+                <a:spcPct val="90000"/>
+              </a:lnSpc>
+              <a:spcBef>
+                <a:spcPts val="500"/>
+              </a:spcBef>
+              <a:buFont typeface="Arial" panose="020B0604020202020204" pitchFamily="34" charset="0"/>
+              <a:buChar char="•"/>
+              <a:defRPr sz="2000" kern="1200">
                 <a:solidFill>
                   <a:schemeClr val="tx1"/>
                 </a:solidFill>
-                <a:latin typeface="Arial" charset="0"/>
-                <a:ea typeface="ＭＳ Ｐゴシック" pitchFamily="34" charset="-128"/>
+                <a:latin typeface="+mn-lt"/>
+                <a:ea typeface="+mn-ea"/>
+                <a:cs typeface="+mn-cs"/>
               </a:defRPr>
             </a:lvl3pPr>
-            <a:lvl4pPr marL="1600200" indent="-228600" eaLnBrk="0" hangingPunct="0">
-              <a:defRPr sz="7200">
+            <a:lvl4pPr marL="1600200" indent="-228600" algn="l" defTabSz="914400" rtl="0" eaLnBrk="1" latinLnBrk="0" hangingPunct="1">
+              <a:lnSpc>
+                <a:spcPct val="90000"/>
+              </a:lnSpc>
+              <a:spcBef>
+                <a:spcPts val="500"/>
+              </a:spcBef>
+              <a:buFont typeface="Arial" panose="020B0604020202020204" pitchFamily="34" charset="0"/>
+              <a:buChar char="•"/>
+              <a:defRPr sz="1800" kern="1200">
                 <a:solidFill>
                   <a:schemeClr val="tx1"/>
                 </a:solidFill>
-                <a:latin typeface="Arial" charset="0"/>
-                <a:ea typeface="ＭＳ Ｐゴシック" pitchFamily="34" charset="-128"/>
+                <a:latin typeface="+mn-lt"/>
+                <a:ea typeface="+mn-ea"/>
+                <a:cs typeface="+mn-cs"/>
               </a:defRPr>
             </a:lvl4pPr>
-            <a:lvl5pPr marL="2057400" indent="-228600" eaLnBrk="0" hangingPunct="0">
-              <a:defRPr sz="7200">
+            <a:lvl5pPr marL="2057400" indent="-228600" algn="l" defTabSz="914400" rtl="0" eaLnBrk="1" latinLnBrk="0" hangingPunct="1">
+              <a:lnSpc>
+                <a:spcPct val="90000"/>
+              </a:lnSpc>
+              <a:spcBef>
+                <a:spcPts val="500"/>
+              </a:spcBef>
+              <a:buFont typeface="Arial" panose="020B0604020202020204" pitchFamily="34" charset="0"/>
+              <a:buChar char="•"/>
+              <a:defRPr sz="1800" kern="1200">
                 <a:solidFill>
                   <a:schemeClr val="tx1"/>
                 </a:solidFill>
-                <a:latin typeface="Arial" charset="0"/>
-                <a:ea typeface="ＭＳ Ｐゴシック" pitchFamily="34" charset="-128"/>
+                <a:latin typeface="+mn-lt"/>
+                <a:ea typeface="+mn-ea"/>
+                <a:cs typeface="+mn-cs"/>
               </a:defRPr>
             </a:lvl5pPr>
-            <a:lvl6pPr marL="2514600" indent="-228600" defTabSz="1828800" eaLnBrk="0" fontAlgn="base" hangingPunct="0">
+            <a:lvl6pPr marL="2514600" indent="-228600" algn="l" defTabSz="914400" rtl="0" eaLnBrk="1" latinLnBrk="0" hangingPunct="1">
+              <a:lnSpc>
+                <a:spcPct val="90000"/>
+              </a:lnSpc>
               <a:spcBef>
-                <a:spcPct val="0"/>
+                <a:spcPts val="500"/>
               </a:spcBef>
-              <a:spcAft>
-                <a:spcPct val="0"/>
-              </a:spcAft>
-              <a:defRPr sz="7200">
+              <a:buFont typeface="Arial" panose="020B0604020202020204" pitchFamily="34" charset="0"/>
+              <a:buChar char="•"/>
+              <a:defRPr sz="1800" kern="1200">
                 <a:solidFill>
                   <a:schemeClr val="tx1"/>
                 </a:solidFill>
-                <a:latin typeface="Arial" charset="0"/>
-                <a:ea typeface="ＭＳ Ｐゴシック" pitchFamily="34" charset="-128"/>
+                <a:latin typeface="+mn-lt"/>
+                <a:ea typeface="+mn-ea"/>
+                <a:cs typeface="+mn-cs"/>
               </a:defRPr>
             </a:lvl6pPr>
-            <a:lvl7pPr marL="2971800" indent="-228600" defTabSz="1828800" eaLnBrk="0" fontAlgn="base" hangingPunct="0">
+            <a:lvl7pPr marL="2971800" indent="-228600" algn="l" defTabSz="914400" rtl="0" eaLnBrk="1" latinLnBrk="0" hangingPunct="1">
+              <a:lnSpc>
+                <a:spcPct val="90000"/>
+              </a:lnSpc>
               <a:spcBef>
-                <a:spcPct val="0"/>
+                <a:spcPts val="500"/>
               </a:spcBef>
-              <a:spcAft>
-                <a:spcPct val="0"/>
-              </a:spcAft>
-              <a:defRPr sz="7200">
+              <a:buFont typeface="Arial" panose="020B0604020202020204" pitchFamily="34" charset="0"/>
+              <a:buChar char="•"/>
+              <a:defRPr sz="1800" kern="1200">
                 <a:solidFill>
                   <a:schemeClr val="tx1"/>
                 </a:solidFill>
-                <a:latin typeface="Arial" charset="0"/>
-                <a:ea typeface="ＭＳ Ｐゴシック" pitchFamily="34" charset="-128"/>
+                <a:latin typeface="+mn-lt"/>
+                <a:ea typeface="+mn-ea"/>
+                <a:cs typeface="+mn-cs"/>
               </a:defRPr>
             </a:lvl7pPr>
-            <a:lvl8pPr marL="3429000" indent="-228600" defTabSz="1828800" eaLnBrk="0" fontAlgn="base" hangingPunct="0">
+            <a:lvl8pPr marL="3429000" indent="-228600" algn="l" defTabSz="914400" rtl="0" eaLnBrk="1" latinLnBrk="0" hangingPunct="1">
+              <a:lnSpc>
+                <a:spcPct val="90000"/>
+              </a:lnSpc>
               <a:spcBef>
-                <a:spcPct val="0"/>
+                <a:spcPts val="500"/>
               </a:spcBef>
-              <a:spcAft>
-                <a:spcPct val="0"/>
-              </a:spcAft>
-              <a:defRPr sz="7200">
+              <a:buFont typeface="Arial" panose="020B0604020202020204" pitchFamily="34" charset="0"/>
+              <a:buChar char="•"/>
+              <a:defRPr sz="1800" kern="1200">
                 <a:solidFill>
                   <a:schemeClr val="tx1"/>
                 </a:solidFill>
-                <a:latin typeface="Arial" charset="0"/>
-                <a:ea typeface="ＭＳ Ｐゴシック" pitchFamily="34" charset="-128"/>
+                <a:latin typeface="+mn-lt"/>
+                <a:ea typeface="+mn-ea"/>
+                <a:cs typeface="+mn-cs"/>
               </a:defRPr>
             </a:lvl8pPr>
-            <a:lvl9pPr marL="3886200" indent="-228600" defTabSz="1828800" eaLnBrk="0" fontAlgn="base" hangingPunct="0">
+            <a:lvl9pPr marL="3886200" indent="-228600" algn="l" defTabSz="914400" rtl="0" eaLnBrk="1" latinLnBrk="0" hangingPunct="1">
+              <a:lnSpc>
+                <a:spcPct val="90000"/>
+              </a:lnSpc>
               <a:spcBef>
-                <a:spcPct val="0"/>
+                <a:spcPts val="500"/>
               </a:spcBef>
-              <a:spcAft>
-                <a:spcPct val="0"/>
-              </a:spcAft>
-              <a:defRPr sz="7200">
+              <a:buFont typeface="Arial" panose="020B0604020202020204" pitchFamily="34" charset="0"/>
+              <a:buChar char="•"/>
+              <a:defRPr sz="1800" kern="1200">
                 <a:solidFill>
                   <a:schemeClr val="tx1"/>
                 </a:solidFill>
-                <a:latin typeface="Arial" charset="0"/>
-                <a:ea typeface="ＭＳ Ｐゴシック" pitchFamily="34" charset="-128"/>
+                <a:latin typeface="+mn-lt"/>
+                <a:ea typeface="+mn-ea"/>
+                <a:cs typeface="+mn-cs"/>
               </a:defRPr>
             </a:lvl9pPr>
           </a:lstStyle>
           <a:p>
-            <a:pPr algn="ctr" eaLnBrk="1" hangingPunct="1">
-              <a:defRPr/>
-            </a:pPr>
-            <a:endParaRPr lang="en-US" altLang="en-US" sz="1800" dirty="0">
-              <a:solidFill>
-                <a:schemeClr val="bg1"/>
-              </a:solidFill>
-              <a:latin typeface="+mj-lt"/>
-            </a:endParaRPr>
-          </a:p>
-          <a:p>
-            <a:pPr algn="ctr" eaLnBrk="1" hangingPunct="1">
-              <a:defRPr/>
+            <a:pPr marL="0" indent="0">
+              <a:buNone/>
             </a:pPr>
             <a:r>
-              <a:rPr lang="en-US" sz="1800" dirty="0">
-                <a:solidFill>
-                  <a:schemeClr val="bg1"/>
-                </a:solidFill>
-                <a:latin typeface="+mj-lt"/>
+              <a:rPr lang="en-US" sz="3200" b="1" dirty="0">
+                <a:solidFill>
+                  <a:prstClr val="black"/>
+                </a:solidFill>
+                <a:latin typeface="Calibri Light" panose="020F0302020204030204"/>
+                <a:ea typeface="+mj-ea"/>
+                <a:cs typeface="+mj-cs"/>
               </a:rPr>
-              <a:t>Sandia National Laboratories is a multimission laboratory managed and operated by National Technology and Engineering Solutions of Sandia, LLC., a wholly owned subsidiary of Honeywell International, Inc., for the U.S. Department of Energy’s National Nuclear Security Administration under Contract DE-NA0003525.</a:t>
+              <a:t>Solution:</a:t>
             </a:r>
           </a:p>
           <a:p>
-            <a:pPr algn="ctr" eaLnBrk="1" hangingPunct="1">
-              <a:defRPr/>
-            </a:pPr>
-            <a:endParaRPr lang="en-US" altLang="en-US" sz="1800" dirty="0">
-              <a:solidFill>
-                <a:schemeClr val="bg1"/>
-              </a:solidFill>
-              <a:latin typeface="+mj-lt"/>
-            </a:endParaRPr>
-          </a:p>
-        </p:txBody>
-      </p:sp>
-      <p:sp>
-        <p:nvSpPr>
-          <p:cNvPr id="10" name="Title 1">
-            <a:extLst>
-              <a:ext uri="{FF2B5EF4-FFF2-40B4-BE49-F238E27FC236}">
-                <a16:creationId xmlns:a16="http://schemas.microsoft.com/office/drawing/2014/main" id="{89E4D917-E58F-6C48-A545-0B17C6762859}"/>
-              </a:ext>
-            </a:extLst>
-          </p:cNvPr>
-          <p:cNvSpPr txBox="1">
-            <a:spLocks/>
-          </p:cNvSpPr>
-          <p:nvPr/>
-        </p:nvSpPr>
-        <p:spPr bwMode="auto">
-          <a:xfrm>
-            <a:off x="9982200" y="29946600"/>
-            <a:ext cx="11353800" cy="1176337"/>
-          </a:xfrm>
-          <a:prstGeom prst="rect">
-            <a:avLst/>
-          </a:prstGeom>
-          <a:noFill/>
-          <a:ln>
-            <a:noFill/>
-          </a:ln>
-          <a:extLst>
-            <a:ext uri="{909E8E84-426E-40DD-AFC4-6F175D3DCCD1}">
-              <a14:hiddenFill xmlns:a14="http://schemas.microsoft.com/office/drawing/2010/main">
-                <a:solidFill>
-                  <a:srgbClr val="FFFFFF"/>
-                </a:solidFill>
-              </a14:hiddenFill>
-            </a:ext>
-            <a:ext uri="{91240B29-F687-4F45-9708-019B960494DF}">
-              <a14:hiddenLine xmlns:a14="http://schemas.microsoft.com/office/drawing/2010/main" w="9525">
-                <a:solidFill>
-                  <a:srgbClr val="000000"/>
-                </a:solidFill>
-                <a:miter lim="800000"/>
-                <a:headEnd/>
-                <a:tailEnd/>
-              </a14:hiddenLine>
-            </a:ext>
-          </a:extLst>
-        </p:spPr>
-        <p:txBody>
-          <a:bodyPr lIns="365760" tIns="182880" rIns="365760" bIns="182880" anchor="ctr"/>
-          <a:lstStyle>
-            <a:lvl1pPr eaLnBrk="0" hangingPunct="0">
-              <a:defRPr sz="7200">
-                <a:solidFill>
-                  <a:schemeClr val="tx1"/>
-                </a:solidFill>
-                <a:latin typeface="Arial" charset="0"/>
-                <a:ea typeface="ＭＳ Ｐゴシック" pitchFamily="34" charset="-128"/>
-              </a:defRPr>
-            </a:lvl1pPr>
-            <a:lvl2pPr marL="742950" indent="-285750" eaLnBrk="0" hangingPunct="0">
-              <a:defRPr sz="7200">
-                <a:solidFill>
-                  <a:schemeClr val="tx1"/>
-                </a:solidFill>
-                <a:latin typeface="Arial" charset="0"/>
-                <a:ea typeface="ＭＳ Ｐゴシック" pitchFamily="34" charset="-128"/>
-              </a:defRPr>
-            </a:lvl2pPr>
-            <a:lvl3pPr marL="1143000" indent="-228600" eaLnBrk="0" hangingPunct="0">
-              <a:defRPr sz="7200">
-                <a:solidFill>
-                  <a:schemeClr val="tx1"/>
-                </a:solidFill>
-                <a:latin typeface="Arial" charset="0"/>
-                <a:ea typeface="ＭＳ Ｐゴシック" pitchFamily="34" charset="-128"/>
-              </a:defRPr>
-            </a:lvl3pPr>
-            <a:lvl4pPr marL="1600200" indent="-228600" eaLnBrk="0" hangingPunct="0">
-              <a:defRPr sz="7200">
-                <a:solidFill>
-                  <a:schemeClr val="tx1"/>
-                </a:solidFill>
-                <a:latin typeface="Arial" charset="0"/>
-                <a:ea typeface="ＭＳ Ｐゴシック" pitchFamily="34" charset="-128"/>
-              </a:defRPr>
-            </a:lvl4pPr>
-            <a:lvl5pPr marL="2057400" indent="-228600" eaLnBrk="0" hangingPunct="0">
-              <a:defRPr sz="7200">
-                <a:solidFill>
-                  <a:schemeClr val="tx1"/>
-                </a:solidFill>
-                <a:latin typeface="Arial" charset="0"/>
-                <a:ea typeface="ＭＳ Ｐゴシック" pitchFamily="34" charset="-128"/>
-              </a:defRPr>
-            </a:lvl5pPr>
-            <a:lvl6pPr marL="2514600" indent="-228600" defTabSz="1828800" eaLnBrk="0" fontAlgn="base" hangingPunct="0">
-              <a:spcBef>
-                <a:spcPct val="0"/>
-              </a:spcBef>
-              <a:spcAft>
-                <a:spcPct val="0"/>
-              </a:spcAft>
-              <a:defRPr sz="7200">
-                <a:solidFill>
-                  <a:schemeClr val="tx1"/>
-                </a:solidFill>
-                <a:latin typeface="Arial" charset="0"/>
-                <a:ea typeface="ＭＳ Ｐゴシック" pitchFamily="34" charset="-128"/>
-              </a:defRPr>
-            </a:lvl6pPr>
-            <a:lvl7pPr marL="2971800" indent="-228600" defTabSz="1828800" eaLnBrk="0" fontAlgn="base" hangingPunct="0">
-              <a:spcBef>
-                <a:spcPct val="0"/>
-              </a:spcBef>
-              <a:spcAft>
-                <a:spcPct val="0"/>
-              </a:spcAft>
-              <a:defRPr sz="7200">
-                <a:solidFill>
-                  <a:schemeClr val="tx1"/>
-                </a:solidFill>
-                <a:latin typeface="Arial" charset="0"/>
-                <a:ea typeface="ＭＳ Ｐゴシック" pitchFamily="34" charset="-128"/>
-              </a:defRPr>
-            </a:lvl7pPr>
-            <a:lvl8pPr marL="3429000" indent="-228600" defTabSz="1828800" eaLnBrk="0" fontAlgn="base" hangingPunct="0">
-              <a:spcBef>
-                <a:spcPct val="0"/>
-              </a:spcBef>
-              <a:spcAft>
-                <a:spcPct val="0"/>
-              </a:spcAft>
-              <a:defRPr sz="7200">
-                <a:solidFill>
-                  <a:schemeClr val="tx1"/>
-                </a:solidFill>
-                <a:latin typeface="Arial" charset="0"/>
-                <a:ea typeface="ＭＳ Ｐゴシック" pitchFamily="34" charset="-128"/>
-              </a:defRPr>
-            </a:lvl8pPr>
-            <a:lvl9pPr marL="3886200" indent="-228600" defTabSz="1828800" eaLnBrk="0" fontAlgn="base" hangingPunct="0">
-              <a:spcBef>
-                <a:spcPct val="0"/>
-              </a:spcBef>
-              <a:spcAft>
-                <a:spcPct val="0"/>
-              </a:spcAft>
-              <a:defRPr sz="7200">
-                <a:solidFill>
-                  <a:schemeClr val="tx1"/>
-                </a:solidFill>
-                <a:latin typeface="Arial" charset="0"/>
-                <a:ea typeface="ＭＳ Ｐゴシック" pitchFamily="34" charset="-128"/>
-              </a:defRPr>
-            </a:lvl9pPr>
-          </a:lstStyle>
-          <a:p>
-            <a:pPr algn="ctr" eaLnBrk="1" hangingPunct="1">
-              <a:defRPr/>
-            </a:pPr>
-            <a:endParaRPr lang="en-US" altLang="en-US" sz="1800" dirty="0">
-              <a:solidFill>
-                <a:schemeClr val="tx1"/>
-              </a:solidFill>
-              <a:latin typeface="+mj-lt"/>
-            </a:endParaRPr>
-          </a:p>
-          <a:p>
-            <a:pPr algn="ctr" eaLnBrk="1" hangingPunct="1">
-              <a:defRPr/>
-            </a:pPr>
             <a:r>
-              <a:rPr lang="en-US" sz="1800" dirty="0">
-                <a:solidFill>
-                  <a:schemeClr val="tx1"/>
-                </a:solidFill>
-                <a:latin typeface="+mj-lt"/>
+              <a:rPr lang="en-US" sz="3200" b="1" dirty="0">
+                <a:solidFill>
+                  <a:prstClr val="black"/>
+                </a:solidFill>
+                <a:latin typeface="Calibri Light" panose="020F0302020204030204"/>
+                <a:ea typeface="+mj-ea"/>
+                <a:cs typeface="+mj-cs"/>
               </a:rPr>
-              <a:t>Sandia National Laboratories is a multimission laboratory managed and operated by National Technology and Engineering Solutions of Sandia, LLC., a wholly owned subsidiary of Honeywell International, Inc., for the U.S. Department of Energy’s National Nuclear Security Administration under Contract DE-NA0003525.</a:t>
+              <a:t>local annular neighborhood around prior samples</a:t>
             </a:r>
           </a:p>
           <a:p>
-            <a:pPr algn="ctr" eaLnBrk="1" hangingPunct="1">
-              <a:defRPr/>
-            </a:pPr>
-            <a:endParaRPr lang="en-US" altLang="en-US" sz="1800" dirty="0">
-              <a:solidFill>
-                <a:schemeClr val="tx1"/>
-              </a:solidFill>
-              <a:latin typeface="+mj-lt"/>
-            </a:endParaRPr>
-          </a:p>
-        </p:txBody>
-      </p:sp>
-      <p:sp>
-        <p:nvSpPr>
-          <p:cNvPr id="11" name="Title 1">
-            <a:extLst>
-              <a:ext uri="{FF2B5EF4-FFF2-40B4-BE49-F238E27FC236}">
-                <a16:creationId xmlns:a16="http://schemas.microsoft.com/office/drawing/2014/main" id="{D2B1E78B-06B4-0345-B3DC-C389D405CA39}"/>
-              </a:ext>
-            </a:extLst>
-          </p:cNvPr>
-          <p:cNvSpPr txBox="1">
-            <a:spLocks/>
-          </p:cNvSpPr>
-          <p:nvPr/>
-        </p:nvSpPr>
-        <p:spPr bwMode="auto">
-          <a:xfrm>
-            <a:off x="10134600" y="30099000"/>
-            <a:ext cx="11353800" cy="1176337"/>
-          </a:xfrm>
-          <a:prstGeom prst="rect">
-            <a:avLst/>
-          </a:prstGeom>
-          <a:noFill/>
-          <a:ln>
-            <a:noFill/>
-          </a:ln>
-          <a:extLst>
-            <a:ext uri="{909E8E84-426E-40DD-AFC4-6F175D3DCCD1}">
-              <a14:hiddenFill xmlns:a14="http://schemas.microsoft.com/office/drawing/2010/main">
-                <a:solidFill>
-                  <a:srgbClr val="FFFFFF"/>
-                </a:solidFill>
-              </a14:hiddenFill>
-            </a:ext>
-            <a:ext uri="{91240B29-F687-4F45-9708-019B960494DF}">
-              <a14:hiddenLine xmlns:a14="http://schemas.microsoft.com/office/drawing/2010/main" w="9525">
-                <a:solidFill>
-                  <a:srgbClr val="000000"/>
-                </a:solidFill>
-                <a:miter lim="800000"/>
-                <a:headEnd/>
-                <a:tailEnd/>
-              </a14:hiddenLine>
-            </a:ext>
-          </a:extLst>
-        </p:spPr>
-        <p:txBody>
-          <a:bodyPr lIns="365760" tIns="182880" rIns="365760" bIns="182880" anchor="ctr"/>
-          <a:lstStyle>
-            <a:lvl1pPr eaLnBrk="0" hangingPunct="0">
-              <a:defRPr sz="7200">
-                <a:solidFill>
-                  <a:schemeClr val="tx1"/>
-                </a:solidFill>
-                <a:latin typeface="Arial" charset="0"/>
-                <a:ea typeface="ＭＳ Ｐゴシック" pitchFamily="34" charset="-128"/>
-              </a:defRPr>
-            </a:lvl1pPr>
-            <a:lvl2pPr marL="742950" indent="-285750" eaLnBrk="0" hangingPunct="0">
-              <a:defRPr sz="7200">
-                <a:solidFill>
-                  <a:schemeClr val="tx1"/>
-                </a:solidFill>
-                <a:latin typeface="Arial" charset="0"/>
-                <a:ea typeface="ＭＳ Ｐゴシック" pitchFamily="34" charset="-128"/>
-              </a:defRPr>
-            </a:lvl2pPr>
-            <a:lvl3pPr marL="1143000" indent="-228600" eaLnBrk="0" hangingPunct="0">
-              <a:defRPr sz="7200">
-                <a:solidFill>
-                  <a:schemeClr val="tx1"/>
-                </a:solidFill>
-                <a:latin typeface="Arial" charset="0"/>
-                <a:ea typeface="ＭＳ Ｐゴシック" pitchFamily="34" charset="-128"/>
-              </a:defRPr>
-            </a:lvl3pPr>
-            <a:lvl4pPr marL="1600200" indent="-228600" eaLnBrk="0" hangingPunct="0">
-              <a:defRPr sz="7200">
-                <a:solidFill>
-                  <a:schemeClr val="tx1"/>
-                </a:solidFill>
-                <a:latin typeface="Arial" charset="0"/>
-                <a:ea typeface="ＭＳ Ｐゴシック" pitchFamily="34" charset="-128"/>
-              </a:defRPr>
-            </a:lvl4pPr>
-            <a:lvl5pPr marL="2057400" indent="-228600" eaLnBrk="0" hangingPunct="0">
-              <a:defRPr sz="7200">
-                <a:solidFill>
-                  <a:schemeClr val="tx1"/>
-                </a:solidFill>
-                <a:latin typeface="Arial" charset="0"/>
-                <a:ea typeface="ＭＳ Ｐゴシック" pitchFamily="34" charset="-128"/>
-              </a:defRPr>
-            </a:lvl5pPr>
-            <a:lvl6pPr marL="2514600" indent="-228600" defTabSz="1828800" eaLnBrk="0" fontAlgn="base" hangingPunct="0">
-              <a:spcBef>
-                <a:spcPct val="0"/>
-              </a:spcBef>
-              <a:spcAft>
-                <a:spcPct val="0"/>
-              </a:spcAft>
-              <a:defRPr sz="7200">
-                <a:solidFill>
-                  <a:schemeClr val="tx1"/>
-                </a:solidFill>
-                <a:latin typeface="Arial" charset="0"/>
-                <a:ea typeface="ＭＳ Ｐゴシック" pitchFamily="34" charset="-128"/>
-              </a:defRPr>
-            </a:lvl6pPr>
-            <a:lvl7pPr marL="2971800" indent="-228600" defTabSz="1828800" eaLnBrk="0" fontAlgn="base" hangingPunct="0">
-              <a:spcBef>
-                <a:spcPct val="0"/>
-              </a:spcBef>
-              <a:spcAft>
-                <a:spcPct val="0"/>
-              </a:spcAft>
-              <a:defRPr sz="7200">
-                <a:solidFill>
-                  <a:schemeClr val="tx1"/>
-                </a:solidFill>
-                <a:latin typeface="Arial" charset="0"/>
-                <a:ea typeface="ＭＳ Ｐゴシック" pitchFamily="34" charset="-128"/>
-              </a:defRPr>
-            </a:lvl7pPr>
-            <a:lvl8pPr marL="3429000" indent="-228600" defTabSz="1828800" eaLnBrk="0" fontAlgn="base" hangingPunct="0">
-              <a:spcBef>
-                <a:spcPct val="0"/>
-              </a:spcBef>
-              <a:spcAft>
-                <a:spcPct val="0"/>
-              </a:spcAft>
-              <a:defRPr sz="7200">
-                <a:solidFill>
-                  <a:schemeClr val="tx1"/>
-                </a:solidFill>
-                <a:latin typeface="Arial" charset="0"/>
-                <a:ea typeface="ＭＳ Ｐゴシック" pitchFamily="34" charset="-128"/>
-              </a:defRPr>
-            </a:lvl8pPr>
-            <a:lvl9pPr marL="3886200" indent="-228600" defTabSz="1828800" eaLnBrk="0" fontAlgn="base" hangingPunct="0">
-              <a:spcBef>
-                <a:spcPct val="0"/>
-              </a:spcBef>
-              <a:spcAft>
-                <a:spcPct val="0"/>
-              </a:spcAft>
-              <a:defRPr sz="7200">
-                <a:solidFill>
-                  <a:schemeClr val="tx1"/>
-                </a:solidFill>
-                <a:latin typeface="Arial" charset="0"/>
-                <a:ea typeface="ＭＳ Ｐゴシック" pitchFamily="34" charset="-128"/>
-              </a:defRPr>
-            </a:lvl9pPr>
-          </a:lstStyle>
-          <a:p>
-            <a:pPr algn="ctr" eaLnBrk="1" hangingPunct="1">
-              <a:defRPr/>
-            </a:pPr>
-            <a:endParaRPr lang="en-US" altLang="en-US" sz="1800" dirty="0">
-              <a:solidFill>
-                <a:schemeClr val="tx1"/>
-              </a:solidFill>
-              <a:latin typeface="+mj-lt"/>
-            </a:endParaRPr>
-          </a:p>
-          <a:p>
-            <a:pPr algn="ctr" eaLnBrk="1" hangingPunct="1">
-              <a:defRPr/>
-            </a:pPr>
             <a:r>
-              <a:rPr lang="en-US" sz="1800" dirty="0">
-                <a:solidFill>
-                  <a:schemeClr val="tx1"/>
-                </a:solidFill>
-                <a:latin typeface="+mj-lt"/>
+              <a:rPr lang="en-US" sz="3200" b="1" dirty="0">
+                <a:solidFill>
+                  <a:prstClr val="black"/>
+                </a:solidFill>
+                <a:latin typeface="Calibri Light" panose="020F0302020204030204"/>
               </a:rPr>
-              <a:t>Sandia National Laboratories is a multimission laboratory managed and operated by National Technology and Engineering Solutions of Sandia, LLC., a wholly owned subsidiary of Honeywell International, Inc., for the U.S. Department of Energy’s National Nuclear Security Administration under Contract DE-NA0003525.</a:t>
+              <a:t>rejection sampling, </a:t>
+            </a:r>
+            <a:r>
+              <a:rPr lang="en-US" sz="3200" b="1" dirty="0">
+                <a:solidFill>
+                  <a:srgbClr val="FF0000"/>
+                </a:solidFill>
+                <a:latin typeface="Calibri Light" panose="020F0302020204030204"/>
+              </a:rPr>
+              <a:t>30 tries</a:t>
             </a:r>
           </a:p>
           <a:p>
-            <a:pPr algn="ctr" eaLnBrk="1" hangingPunct="1">
-              <a:defRPr/>
-            </a:pPr>
-            <a:endParaRPr lang="en-US" altLang="en-US" sz="1800" dirty="0">
-              <a:solidFill>
-                <a:schemeClr val="tx1"/>
-              </a:solidFill>
-              <a:latin typeface="+mj-lt"/>
-            </a:endParaRPr>
+            <a:r>
+              <a:rPr lang="en-US" sz="3200" b="1" dirty="0">
+                <a:solidFill>
+                  <a:srgbClr val="FF0000"/>
+                </a:solidFill>
+                <a:latin typeface="Calibri Light" panose="020F0302020204030204"/>
+              </a:rPr>
+              <a:t>point-sampling</a:t>
+            </a:r>
+          </a:p>
+          <a:p>
+            <a:endParaRPr lang="en-US" dirty="0"/>
           </a:p>
         </p:txBody>
       </p:sp>
@@ -17105,2295 +17908,6 @@
           </a:p>
         </p:txBody>
       </p:sp>
-    </p:spTree>
-    <p:extLst>
-      <p:ext uri="{BB962C8B-B14F-4D97-AF65-F5344CB8AC3E}">
-        <p14:creationId xmlns:p14="http://schemas.microsoft.com/office/powerpoint/2010/main" val="1786535079"/>
-      </p:ext>
-    </p:extLst>
-  </p:cSld>
-  <p:clrMapOvr>
-    <a:masterClrMapping/>
-  </p:clrMapOvr>
-</p:sld>
-</file>
-
-<file path=ppt/slides/slide3.xml><?xml version="1.0" encoding="utf-8"?>
-<p:sld xmlns:a="http://schemas.openxmlformats.org/drawingml/2006/main" xmlns:r="http://schemas.openxmlformats.org/officeDocument/2006/relationships" xmlns:p="http://schemas.openxmlformats.org/presentationml/2006/main">
-  <p:cSld>
-    <p:spTree>
-      <p:nvGrpSpPr>
-        <p:cNvPr id="1" name=""/>
-        <p:cNvGrpSpPr/>
-        <p:nvPr/>
-      </p:nvGrpSpPr>
-      <p:grpSpPr>
-        <a:xfrm>
-          <a:off x="0" y="0"/>
-          <a:ext cx="0" cy="0"/>
-          <a:chOff x="0" y="0"/>
-          <a:chExt cx="0" cy="0"/>
-        </a:xfrm>
-      </p:grpSpPr>
-      <p:sp>
-        <p:nvSpPr>
-          <p:cNvPr id="22" name="Content Placeholder 4">
-            <a:extLst>
-              <a:ext uri="{FF2B5EF4-FFF2-40B4-BE49-F238E27FC236}">
-                <a16:creationId xmlns:a16="http://schemas.microsoft.com/office/drawing/2014/main" id="{D95B315D-47CF-4648-8118-E146949319A1}"/>
-              </a:ext>
-            </a:extLst>
-          </p:cNvPr>
-          <p:cNvSpPr txBox="1">
-            <a:spLocks/>
-          </p:cNvSpPr>
-          <p:nvPr/>
-        </p:nvSpPr>
-        <p:spPr>
-          <a:xfrm>
-            <a:off x="132339" y="659826"/>
-            <a:ext cx="5016833" cy="3464702"/>
-          </a:xfrm>
-          <a:prstGeom prst="rect">
-            <a:avLst/>
-          </a:prstGeom>
-        </p:spPr>
-        <p:txBody>
-          <a:bodyPr vert="horz" lIns="91440" tIns="45720" rIns="91440" bIns="45720" rtlCol="0">
-            <a:normAutofit/>
-          </a:bodyPr>
-          <a:lstStyle>
-            <a:lvl1pPr marL="228600" indent="-228600" algn="l" defTabSz="914400" rtl="0" eaLnBrk="1" latinLnBrk="0" hangingPunct="1">
-              <a:lnSpc>
-                <a:spcPct val="90000"/>
-              </a:lnSpc>
-              <a:spcBef>
-                <a:spcPts val="1000"/>
-              </a:spcBef>
-              <a:buFont typeface="Arial" panose="020B0604020202020204" pitchFamily="34" charset="0"/>
-              <a:buChar char="•"/>
-              <a:defRPr sz="2800" kern="1200">
-                <a:solidFill>
-                  <a:schemeClr val="tx1"/>
-                </a:solidFill>
-                <a:latin typeface="+mn-lt"/>
-                <a:ea typeface="+mn-ea"/>
-                <a:cs typeface="+mn-cs"/>
-              </a:defRPr>
-            </a:lvl1pPr>
-            <a:lvl2pPr marL="685800" indent="-228600" algn="l" defTabSz="914400" rtl="0" eaLnBrk="1" latinLnBrk="0" hangingPunct="1">
-              <a:lnSpc>
-                <a:spcPct val="90000"/>
-              </a:lnSpc>
-              <a:spcBef>
-                <a:spcPts val="500"/>
-              </a:spcBef>
-              <a:buFont typeface="Arial" panose="020B0604020202020204" pitchFamily="34" charset="0"/>
-              <a:buChar char="•"/>
-              <a:defRPr sz="2400" kern="1200">
-                <a:solidFill>
-                  <a:schemeClr val="tx1"/>
-                </a:solidFill>
-                <a:latin typeface="+mn-lt"/>
-                <a:ea typeface="+mn-ea"/>
-                <a:cs typeface="+mn-cs"/>
-              </a:defRPr>
-            </a:lvl2pPr>
-            <a:lvl3pPr marL="1143000" indent="-228600" algn="l" defTabSz="914400" rtl="0" eaLnBrk="1" latinLnBrk="0" hangingPunct="1">
-              <a:lnSpc>
-                <a:spcPct val="90000"/>
-              </a:lnSpc>
-              <a:spcBef>
-                <a:spcPts val="500"/>
-              </a:spcBef>
-              <a:buFont typeface="Arial" panose="020B0604020202020204" pitchFamily="34" charset="0"/>
-              <a:buChar char="•"/>
-              <a:defRPr sz="2000" kern="1200">
-                <a:solidFill>
-                  <a:schemeClr val="tx1"/>
-                </a:solidFill>
-                <a:latin typeface="+mn-lt"/>
-                <a:ea typeface="+mn-ea"/>
-                <a:cs typeface="+mn-cs"/>
-              </a:defRPr>
-            </a:lvl3pPr>
-            <a:lvl4pPr marL="1600200" indent="-228600" algn="l" defTabSz="914400" rtl="0" eaLnBrk="1" latinLnBrk="0" hangingPunct="1">
-              <a:lnSpc>
-                <a:spcPct val="90000"/>
-              </a:lnSpc>
-              <a:spcBef>
-                <a:spcPts val="500"/>
-              </a:spcBef>
-              <a:buFont typeface="Arial" panose="020B0604020202020204" pitchFamily="34" charset="0"/>
-              <a:buChar char="•"/>
-              <a:defRPr sz="1800" kern="1200">
-                <a:solidFill>
-                  <a:schemeClr val="tx1"/>
-                </a:solidFill>
-                <a:latin typeface="+mn-lt"/>
-                <a:ea typeface="+mn-ea"/>
-                <a:cs typeface="+mn-cs"/>
-              </a:defRPr>
-            </a:lvl4pPr>
-            <a:lvl5pPr marL="2057400" indent="-228600" algn="l" defTabSz="914400" rtl="0" eaLnBrk="1" latinLnBrk="0" hangingPunct="1">
-              <a:lnSpc>
-                <a:spcPct val="90000"/>
-              </a:lnSpc>
-              <a:spcBef>
-                <a:spcPts val="500"/>
-              </a:spcBef>
-              <a:buFont typeface="Arial" panose="020B0604020202020204" pitchFamily="34" charset="0"/>
-              <a:buChar char="•"/>
-              <a:defRPr sz="1800" kern="1200">
-                <a:solidFill>
-                  <a:schemeClr val="tx1"/>
-                </a:solidFill>
-                <a:latin typeface="+mn-lt"/>
-                <a:ea typeface="+mn-ea"/>
-                <a:cs typeface="+mn-cs"/>
-              </a:defRPr>
-            </a:lvl5pPr>
-            <a:lvl6pPr marL="2514600" indent="-228600" algn="l" defTabSz="914400" rtl="0" eaLnBrk="1" latinLnBrk="0" hangingPunct="1">
-              <a:lnSpc>
-                <a:spcPct val="90000"/>
-              </a:lnSpc>
-              <a:spcBef>
-                <a:spcPts val="500"/>
-              </a:spcBef>
-              <a:buFont typeface="Arial" panose="020B0604020202020204" pitchFamily="34" charset="0"/>
-              <a:buChar char="•"/>
-              <a:defRPr sz="1800" kern="1200">
-                <a:solidFill>
-                  <a:schemeClr val="tx1"/>
-                </a:solidFill>
-                <a:latin typeface="+mn-lt"/>
-                <a:ea typeface="+mn-ea"/>
-                <a:cs typeface="+mn-cs"/>
-              </a:defRPr>
-            </a:lvl6pPr>
-            <a:lvl7pPr marL="2971800" indent="-228600" algn="l" defTabSz="914400" rtl="0" eaLnBrk="1" latinLnBrk="0" hangingPunct="1">
-              <a:lnSpc>
-                <a:spcPct val="90000"/>
-              </a:lnSpc>
-              <a:spcBef>
-                <a:spcPts val="500"/>
-              </a:spcBef>
-              <a:buFont typeface="Arial" panose="020B0604020202020204" pitchFamily="34" charset="0"/>
-              <a:buChar char="•"/>
-              <a:defRPr sz="1800" kern="1200">
-                <a:solidFill>
-                  <a:schemeClr val="tx1"/>
-                </a:solidFill>
-                <a:latin typeface="+mn-lt"/>
-                <a:ea typeface="+mn-ea"/>
-                <a:cs typeface="+mn-cs"/>
-              </a:defRPr>
-            </a:lvl7pPr>
-            <a:lvl8pPr marL="3429000" indent="-228600" algn="l" defTabSz="914400" rtl="0" eaLnBrk="1" latinLnBrk="0" hangingPunct="1">
-              <a:lnSpc>
-                <a:spcPct val="90000"/>
-              </a:lnSpc>
-              <a:spcBef>
-                <a:spcPts val="500"/>
-              </a:spcBef>
-              <a:buFont typeface="Arial" panose="020B0604020202020204" pitchFamily="34" charset="0"/>
-              <a:buChar char="•"/>
-              <a:defRPr sz="1800" kern="1200">
-                <a:solidFill>
-                  <a:schemeClr val="tx1"/>
-                </a:solidFill>
-                <a:latin typeface="+mn-lt"/>
-                <a:ea typeface="+mn-ea"/>
-                <a:cs typeface="+mn-cs"/>
-              </a:defRPr>
-            </a:lvl8pPr>
-            <a:lvl9pPr marL="3886200" indent="-228600" algn="l" defTabSz="914400" rtl="0" eaLnBrk="1" latinLnBrk="0" hangingPunct="1">
-              <a:lnSpc>
-                <a:spcPct val="90000"/>
-              </a:lnSpc>
-              <a:spcBef>
-                <a:spcPts val="500"/>
-              </a:spcBef>
-              <a:buFont typeface="Arial" panose="020B0604020202020204" pitchFamily="34" charset="0"/>
-              <a:buChar char="•"/>
-              <a:defRPr sz="1800" kern="1200">
-                <a:solidFill>
-                  <a:schemeClr val="tx1"/>
-                </a:solidFill>
-                <a:latin typeface="+mn-lt"/>
-                <a:ea typeface="+mn-ea"/>
-                <a:cs typeface="+mn-cs"/>
-              </a:defRPr>
-            </a:lvl9pPr>
-          </a:lstStyle>
-          <a:p>
-            <a:pPr marL="0" indent="0">
-              <a:buNone/>
-            </a:pPr>
-            <a:r>
-              <a:rPr lang="en-US" sz="3200" b="1" dirty="0">
-                <a:solidFill>
-                  <a:prstClr val="black"/>
-                </a:solidFill>
-                <a:latin typeface="Calibri Light" panose="020F0302020204030204"/>
-                <a:ea typeface="+mj-ea"/>
-                <a:cs typeface="+mj-cs"/>
-              </a:rPr>
-              <a:t>Solution:</a:t>
-            </a:r>
-          </a:p>
-          <a:p>
-            <a:r>
-              <a:rPr lang="en-US" sz="3200" b="1" dirty="0">
-                <a:solidFill>
-                  <a:prstClr val="black"/>
-                </a:solidFill>
-                <a:latin typeface="Calibri Light" panose="020F0302020204030204"/>
-                <a:ea typeface="+mj-ea"/>
-                <a:cs typeface="+mj-cs"/>
-              </a:rPr>
-              <a:t>local annular neighborhood around prior samples</a:t>
-            </a:r>
-          </a:p>
-          <a:p>
-            <a:r>
-              <a:rPr lang="en-US" sz="3200" b="1" dirty="0">
-                <a:solidFill>
-                  <a:prstClr val="black"/>
-                </a:solidFill>
-                <a:latin typeface="Calibri Light" panose="020F0302020204030204"/>
-              </a:rPr>
-              <a:t>rejection sampling, </a:t>
-            </a:r>
-            <a:r>
-              <a:rPr lang="en-US" sz="3200" b="1" dirty="0">
-                <a:solidFill>
-                  <a:srgbClr val="FF0000"/>
-                </a:solidFill>
-                <a:latin typeface="Calibri Light" panose="020F0302020204030204"/>
-              </a:rPr>
-              <a:t>30 tries</a:t>
-            </a:r>
-          </a:p>
-          <a:p>
-            <a:r>
-              <a:rPr lang="en-US" sz="3200" b="1" dirty="0">
-                <a:solidFill>
-                  <a:srgbClr val="FF0000"/>
-                </a:solidFill>
-                <a:latin typeface="Calibri Light" panose="020F0302020204030204"/>
-              </a:rPr>
-              <a:t>point-sampling</a:t>
-            </a:r>
-          </a:p>
-          <a:p>
-            <a:endParaRPr lang="en-US" dirty="0"/>
-          </a:p>
-        </p:txBody>
-      </p:sp>
-      <p:sp>
-        <p:nvSpPr>
-          <p:cNvPr id="6" name="Title 1">
-            <a:extLst>
-              <a:ext uri="{FF2B5EF4-FFF2-40B4-BE49-F238E27FC236}">
-                <a16:creationId xmlns:a16="http://schemas.microsoft.com/office/drawing/2014/main" id="{B0A62286-0446-5248-A8D2-FDE8AD292547}"/>
-              </a:ext>
-            </a:extLst>
-          </p:cNvPr>
-          <p:cNvSpPr txBox="1">
-            <a:spLocks/>
-          </p:cNvSpPr>
-          <p:nvPr/>
-        </p:nvSpPr>
-        <p:spPr bwMode="auto">
-          <a:xfrm>
-            <a:off x="7391400" y="33853438"/>
-            <a:ext cx="11353800" cy="1176337"/>
-          </a:xfrm>
-          <a:prstGeom prst="rect">
-            <a:avLst/>
-          </a:prstGeom>
-          <a:noFill/>
-          <a:ln>
-            <a:noFill/>
-          </a:ln>
-          <a:extLst>
-            <a:ext uri="{909E8E84-426E-40DD-AFC4-6F175D3DCCD1}">
-              <a14:hiddenFill xmlns:a14="http://schemas.microsoft.com/office/drawing/2010/main">
-                <a:solidFill>
-                  <a:srgbClr val="FFFFFF"/>
-                </a:solidFill>
-              </a14:hiddenFill>
-            </a:ext>
-            <a:ext uri="{91240B29-F687-4F45-9708-019B960494DF}">
-              <a14:hiddenLine xmlns:a14="http://schemas.microsoft.com/office/drawing/2010/main" w="9525">
-                <a:solidFill>
-                  <a:srgbClr val="000000"/>
-                </a:solidFill>
-                <a:miter lim="800000"/>
-                <a:headEnd/>
-                <a:tailEnd/>
-              </a14:hiddenLine>
-            </a:ext>
-          </a:extLst>
-        </p:spPr>
-        <p:txBody>
-          <a:bodyPr lIns="365760" tIns="182880" rIns="365760" bIns="182880" anchor="ctr"/>
-          <a:lstStyle>
-            <a:lvl1pPr eaLnBrk="0" hangingPunct="0">
-              <a:defRPr sz="7200">
-                <a:solidFill>
-                  <a:schemeClr val="tx1"/>
-                </a:solidFill>
-                <a:latin typeface="Arial" charset="0"/>
-                <a:ea typeface="ＭＳ Ｐゴシック" pitchFamily="34" charset="-128"/>
-              </a:defRPr>
-            </a:lvl1pPr>
-            <a:lvl2pPr marL="742950" indent="-285750" eaLnBrk="0" hangingPunct="0">
-              <a:defRPr sz="7200">
-                <a:solidFill>
-                  <a:schemeClr val="tx1"/>
-                </a:solidFill>
-                <a:latin typeface="Arial" charset="0"/>
-                <a:ea typeface="ＭＳ Ｐゴシック" pitchFamily="34" charset="-128"/>
-              </a:defRPr>
-            </a:lvl2pPr>
-            <a:lvl3pPr marL="1143000" indent="-228600" eaLnBrk="0" hangingPunct="0">
-              <a:defRPr sz="7200">
-                <a:solidFill>
-                  <a:schemeClr val="tx1"/>
-                </a:solidFill>
-                <a:latin typeface="Arial" charset="0"/>
-                <a:ea typeface="ＭＳ Ｐゴシック" pitchFamily="34" charset="-128"/>
-              </a:defRPr>
-            </a:lvl3pPr>
-            <a:lvl4pPr marL="1600200" indent="-228600" eaLnBrk="0" hangingPunct="0">
-              <a:defRPr sz="7200">
-                <a:solidFill>
-                  <a:schemeClr val="tx1"/>
-                </a:solidFill>
-                <a:latin typeface="Arial" charset="0"/>
-                <a:ea typeface="ＭＳ Ｐゴシック" pitchFamily="34" charset="-128"/>
-              </a:defRPr>
-            </a:lvl4pPr>
-            <a:lvl5pPr marL="2057400" indent="-228600" eaLnBrk="0" hangingPunct="0">
-              <a:defRPr sz="7200">
-                <a:solidFill>
-                  <a:schemeClr val="tx1"/>
-                </a:solidFill>
-                <a:latin typeface="Arial" charset="0"/>
-                <a:ea typeface="ＭＳ Ｐゴシック" pitchFamily="34" charset="-128"/>
-              </a:defRPr>
-            </a:lvl5pPr>
-            <a:lvl6pPr marL="2514600" indent="-228600" defTabSz="1828800" eaLnBrk="0" fontAlgn="base" hangingPunct="0">
-              <a:spcBef>
-                <a:spcPct val="0"/>
-              </a:spcBef>
-              <a:spcAft>
-                <a:spcPct val="0"/>
-              </a:spcAft>
-              <a:defRPr sz="7200">
-                <a:solidFill>
-                  <a:schemeClr val="tx1"/>
-                </a:solidFill>
-                <a:latin typeface="Arial" charset="0"/>
-                <a:ea typeface="ＭＳ Ｐゴシック" pitchFamily="34" charset="-128"/>
-              </a:defRPr>
-            </a:lvl6pPr>
-            <a:lvl7pPr marL="2971800" indent="-228600" defTabSz="1828800" eaLnBrk="0" fontAlgn="base" hangingPunct="0">
-              <a:spcBef>
-                <a:spcPct val="0"/>
-              </a:spcBef>
-              <a:spcAft>
-                <a:spcPct val="0"/>
-              </a:spcAft>
-              <a:defRPr sz="7200">
-                <a:solidFill>
-                  <a:schemeClr val="tx1"/>
-                </a:solidFill>
-                <a:latin typeface="Arial" charset="0"/>
-                <a:ea typeface="ＭＳ Ｐゴシック" pitchFamily="34" charset="-128"/>
-              </a:defRPr>
-            </a:lvl7pPr>
-            <a:lvl8pPr marL="3429000" indent="-228600" defTabSz="1828800" eaLnBrk="0" fontAlgn="base" hangingPunct="0">
-              <a:spcBef>
-                <a:spcPct val="0"/>
-              </a:spcBef>
-              <a:spcAft>
-                <a:spcPct val="0"/>
-              </a:spcAft>
-              <a:defRPr sz="7200">
-                <a:solidFill>
-                  <a:schemeClr val="tx1"/>
-                </a:solidFill>
-                <a:latin typeface="Arial" charset="0"/>
-                <a:ea typeface="ＭＳ Ｐゴシック" pitchFamily="34" charset="-128"/>
-              </a:defRPr>
-            </a:lvl8pPr>
-            <a:lvl9pPr marL="3886200" indent="-228600" defTabSz="1828800" eaLnBrk="0" fontAlgn="base" hangingPunct="0">
-              <a:spcBef>
-                <a:spcPct val="0"/>
-              </a:spcBef>
-              <a:spcAft>
-                <a:spcPct val="0"/>
-              </a:spcAft>
-              <a:defRPr sz="7200">
-                <a:solidFill>
-                  <a:schemeClr val="tx1"/>
-                </a:solidFill>
-                <a:latin typeface="Arial" charset="0"/>
-                <a:ea typeface="ＭＳ Ｐゴシック" pitchFamily="34" charset="-128"/>
-              </a:defRPr>
-            </a:lvl9pPr>
-          </a:lstStyle>
-          <a:p>
-            <a:pPr algn="ctr" eaLnBrk="1" hangingPunct="1">
-              <a:defRPr/>
-            </a:pPr>
-            <a:endParaRPr lang="en-US" altLang="en-US" sz="1800" dirty="0">
-              <a:solidFill>
-                <a:schemeClr val="bg1"/>
-              </a:solidFill>
-              <a:latin typeface="+mj-lt"/>
-            </a:endParaRPr>
-          </a:p>
-          <a:p>
-            <a:pPr algn="ctr" eaLnBrk="1" hangingPunct="1">
-              <a:defRPr/>
-            </a:pPr>
-            <a:r>
-              <a:rPr lang="en-US" sz="1800" dirty="0">
-                <a:solidFill>
-                  <a:schemeClr val="bg1"/>
-                </a:solidFill>
-                <a:latin typeface="+mj-lt"/>
-              </a:rPr>
-              <a:t>Sandia National Laboratories is a multimission laboratory managed and operated by National Technology and Engineering Solutions of Sandia, LLC., a wholly owned subsidiary of Honeywell International, Inc., for the U.S. Department of Energy’s National Nuclear Security Administration under Contract DE-NA0003525.</a:t>
-            </a:r>
-          </a:p>
-          <a:p>
-            <a:pPr algn="ctr" eaLnBrk="1" hangingPunct="1">
-              <a:defRPr/>
-            </a:pPr>
-            <a:endParaRPr lang="en-US" altLang="en-US" sz="1800" dirty="0">
-              <a:solidFill>
-                <a:schemeClr val="bg1"/>
-              </a:solidFill>
-              <a:latin typeface="+mj-lt"/>
-            </a:endParaRPr>
-          </a:p>
-        </p:txBody>
-      </p:sp>
-      <p:sp>
-        <p:nvSpPr>
-          <p:cNvPr id="7" name="Title 1">
-            <a:extLst>
-              <a:ext uri="{FF2B5EF4-FFF2-40B4-BE49-F238E27FC236}">
-                <a16:creationId xmlns:a16="http://schemas.microsoft.com/office/drawing/2014/main" id="{606DAE0A-2A3C-F14F-90F8-26A6E2EFD9FB}"/>
-              </a:ext>
-            </a:extLst>
-          </p:cNvPr>
-          <p:cNvSpPr txBox="1">
-            <a:spLocks/>
-          </p:cNvSpPr>
-          <p:nvPr/>
-        </p:nvSpPr>
-        <p:spPr bwMode="auto">
-          <a:xfrm>
-            <a:off x="7543800" y="34005838"/>
-            <a:ext cx="11353800" cy="1176337"/>
-          </a:xfrm>
-          <a:prstGeom prst="rect">
-            <a:avLst/>
-          </a:prstGeom>
-          <a:noFill/>
-          <a:ln>
-            <a:noFill/>
-          </a:ln>
-          <a:extLst>
-            <a:ext uri="{909E8E84-426E-40DD-AFC4-6F175D3DCCD1}">
-              <a14:hiddenFill xmlns:a14="http://schemas.microsoft.com/office/drawing/2010/main">
-                <a:solidFill>
-                  <a:srgbClr val="FFFFFF"/>
-                </a:solidFill>
-              </a14:hiddenFill>
-            </a:ext>
-            <a:ext uri="{91240B29-F687-4F45-9708-019B960494DF}">
-              <a14:hiddenLine xmlns:a14="http://schemas.microsoft.com/office/drawing/2010/main" w="9525">
-                <a:solidFill>
-                  <a:srgbClr val="000000"/>
-                </a:solidFill>
-                <a:miter lim="800000"/>
-                <a:headEnd/>
-                <a:tailEnd/>
-              </a14:hiddenLine>
-            </a:ext>
-          </a:extLst>
-        </p:spPr>
-        <p:txBody>
-          <a:bodyPr lIns="365760" tIns="182880" rIns="365760" bIns="182880" anchor="ctr"/>
-          <a:lstStyle>
-            <a:lvl1pPr eaLnBrk="0" hangingPunct="0">
-              <a:defRPr sz="7200">
-                <a:solidFill>
-                  <a:schemeClr val="tx1"/>
-                </a:solidFill>
-                <a:latin typeface="Arial" charset="0"/>
-                <a:ea typeface="ＭＳ Ｐゴシック" pitchFamily="34" charset="-128"/>
-              </a:defRPr>
-            </a:lvl1pPr>
-            <a:lvl2pPr marL="742950" indent="-285750" eaLnBrk="0" hangingPunct="0">
-              <a:defRPr sz="7200">
-                <a:solidFill>
-                  <a:schemeClr val="tx1"/>
-                </a:solidFill>
-                <a:latin typeface="Arial" charset="0"/>
-                <a:ea typeface="ＭＳ Ｐゴシック" pitchFamily="34" charset="-128"/>
-              </a:defRPr>
-            </a:lvl2pPr>
-            <a:lvl3pPr marL="1143000" indent="-228600" eaLnBrk="0" hangingPunct="0">
-              <a:defRPr sz="7200">
-                <a:solidFill>
-                  <a:schemeClr val="tx1"/>
-                </a:solidFill>
-                <a:latin typeface="Arial" charset="0"/>
-                <a:ea typeface="ＭＳ Ｐゴシック" pitchFamily="34" charset="-128"/>
-              </a:defRPr>
-            </a:lvl3pPr>
-            <a:lvl4pPr marL="1600200" indent="-228600" eaLnBrk="0" hangingPunct="0">
-              <a:defRPr sz="7200">
-                <a:solidFill>
-                  <a:schemeClr val="tx1"/>
-                </a:solidFill>
-                <a:latin typeface="Arial" charset="0"/>
-                <a:ea typeface="ＭＳ Ｐゴシック" pitchFamily="34" charset="-128"/>
-              </a:defRPr>
-            </a:lvl4pPr>
-            <a:lvl5pPr marL="2057400" indent="-228600" eaLnBrk="0" hangingPunct="0">
-              <a:defRPr sz="7200">
-                <a:solidFill>
-                  <a:schemeClr val="tx1"/>
-                </a:solidFill>
-                <a:latin typeface="Arial" charset="0"/>
-                <a:ea typeface="ＭＳ Ｐゴシック" pitchFamily="34" charset="-128"/>
-              </a:defRPr>
-            </a:lvl5pPr>
-            <a:lvl6pPr marL="2514600" indent="-228600" defTabSz="1828800" eaLnBrk="0" fontAlgn="base" hangingPunct="0">
-              <a:spcBef>
-                <a:spcPct val="0"/>
-              </a:spcBef>
-              <a:spcAft>
-                <a:spcPct val="0"/>
-              </a:spcAft>
-              <a:defRPr sz="7200">
-                <a:solidFill>
-                  <a:schemeClr val="tx1"/>
-                </a:solidFill>
-                <a:latin typeface="Arial" charset="0"/>
-                <a:ea typeface="ＭＳ Ｐゴシック" pitchFamily="34" charset="-128"/>
-              </a:defRPr>
-            </a:lvl6pPr>
-            <a:lvl7pPr marL="2971800" indent="-228600" defTabSz="1828800" eaLnBrk="0" fontAlgn="base" hangingPunct="0">
-              <a:spcBef>
-                <a:spcPct val="0"/>
-              </a:spcBef>
-              <a:spcAft>
-                <a:spcPct val="0"/>
-              </a:spcAft>
-              <a:defRPr sz="7200">
-                <a:solidFill>
-                  <a:schemeClr val="tx1"/>
-                </a:solidFill>
-                <a:latin typeface="Arial" charset="0"/>
-                <a:ea typeface="ＭＳ Ｐゴシック" pitchFamily="34" charset="-128"/>
-              </a:defRPr>
-            </a:lvl7pPr>
-            <a:lvl8pPr marL="3429000" indent="-228600" defTabSz="1828800" eaLnBrk="0" fontAlgn="base" hangingPunct="0">
-              <a:spcBef>
-                <a:spcPct val="0"/>
-              </a:spcBef>
-              <a:spcAft>
-                <a:spcPct val="0"/>
-              </a:spcAft>
-              <a:defRPr sz="7200">
-                <a:solidFill>
-                  <a:schemeClr val="tx1"/>
-                </a:solidFill>
-                <a:latin typeface="Arial" charset="0"/>
-                <a:ea typeface="ＭＳ Ｐゴシック" pitchFamily="34" charset="-128"/>
-              </a:defRPr>
-            </a:lvl8pPr>
-            <a:lvl9pPr marL="3886200" indent="-228600" defTabSz="1828800" eaLnBrk="0" fontAlgn="base" hangingPunct="0">
-              <a:spcBef>
-                <a:spcPct val="0"/>
-              </a:spcBef>
-              <a:spcAft>
-                <a:spcPct val="0"/>
-              </a:spcAft>
-              <a:defRPr sz="7200">
-                <a:solidFill>
-                  <a:schemeClr val="tx1"/>
-                </a:solidFill>
-                <a:latin typeface="Arial" charset="0"/>
-                <a:ea typeface="ＭＳ Ｐゴシック" pitchFamily="34" charset="-128"/>
-              </a:defRPr>
-            </a:lvl9pPr>
-          </a:lstStyle>
-          <a:p>
-            <a:pPr algn="ctr" eaLnBrk="1" hangingPunct="1">
-              <a:defRPr/>
-            </a:pPr>
-            <a:endParaRPr lang="en-US" altLang="en-US" sz="1800" dirty="0">
-              <a:solidFill>
-                <a:schemeClr val="bg1"/>
-              </a:solidFill>
-              <a:latin typeface="+mj-lt"/>
-            </a:endParaRPr>
-          </a:p>
-          <a:p>
-            <a:pPr algn="ctr" eaLnBrk="1" hangingPunct="1">
-              <a:defRPr/>
-            </a:pPr>
-            <a:r>
-              <a:rPr lang="en-US" sz="1800" dirty="0">
-                <a:solidFill>
-                  <a:schemeClr val="bg1"/>
-                </a:solidFill>
-                <a:latin typeface="+mj-lt"/>
-              </a:rPr>
-              <a:t>Sandia National Laboratories is a multimission laboratory managed and operated by National Technology and Engineering Solutions of Sandia, LLC., a wholly owned subsidiary of Honeywell International, Inc., for the U.S. Department of Energy’s National Nuclear Security Administration under Contract DE-NA0003525.</a:t>
-            </a:r>
-          </a:p>
-          <a:p>
-            <a:pPr algn="ctr" eaLnBrk="1" hangingPunct="1">
-              <a:defRPr/>
-            </a:pPr>
-            <a:endParaRPr lang="en-US" altLang="en-US" sz="1800" dirty="0">
-              <a:solidFill>
-                <a:schemeClr val="bg1"/>
-              </a:solidFill>
-              <a:latin typeface="+mj-lt"/>
-            </a:endParaRPr>
-          </a:p>
-        </p:txBody>
-      </p:sp>
-      <p:sp>
-        <p:nvSpPr>
-          <p:cNvPr id="9" name="Title 1">
-            <a:extLst>
-              <a:ext uri="{FF2B5EF4-FFF2-40B4-BE49-F238E27FC236}">
-                <a16:creationId xmlns:a16="http://schemas.microsoft.com/office/drawing/2014/main" id="{BB9D3833-2E5E-684A-B67C-7B0490605A21}"/>
-              </a:ext>
-            </a:extLst>
-          </p:cNvPr>
-          <p:cNvSpPr txBox="1">
-            <a:spLocks/>
-          </p:cNvSpPr>
-          <p:nvPr/>
-        </p:nvSpPr>
-        <p:spPr bwMode="auto">
-          <a:xfrm>
-            <a:off x="7696200" y="34158238"/>
-            <a:ext cx="11353800" cy="1176337"/>
-          </a:xfrm>
-          <a:prstGeom prst="rect">
-            <a:avLst/>
-          </a:prstGeom>
-          <a:noFill/>
-          <a:ln>
-            <a:noFill/>
-          </a:ln>
-          <a:extLst>
-            <a:ext uri="{909E8E84-426E-40DD-AFC4-6F175D3DCCD1}">
-              <a14:hiddenFill xmlns:a14="http://schemas.microsoft.com/office/drawing/2010/main">
-                <a:solidFill>
-                  <a:srgbClr val="FFFFFF"/>
-                </a:solidFill>
-              </a14:hiddenFill>
-            </a:ext>
-            <a:ext uri="{91240B29-F687-4F45-9708-019B960494DF}">
-              <a14:hiddenLine xmlns:a14="http://schemas.microsoft.com/office/drawing/2010/main" w="9525">
-                <a:solidFill>
-                  <a:srgbClr val="000000"/>
-                </a:solidFill>
-                <a:miter lim="800000"/>
-                <a:headEnd/>
-                <a:tailEnd/>
-              </a14:hiddenLine>
-            </a:ext>
-          </a:extLst>
-        </p:spPr>
-        <p:txBody>
-          <a:bodyPr lIns="365760" tIns="182880" rIns="365760" bIns="182880" anchor="ctr"/>
-          <a:lstStyle>
-            <a:lvl1pPr eaLnBrk="0" hangingPunct="0">
-              <a:defRPr sz="7200">
-                <a:solidFill>
-                  <a:schemeClr val="tx1"/>
-                </a:solidFill>
-                <a:latin typeface="Arial" charset="0"/>
-                <a:ea typeface="ＭＳ Ｐゴシック" pitchFamily="34" charset="-128"/>
-              </a:defRPr>
-            </a:lvl1pPr>
-            <a:lvl2pPr marL="742950" indent="-285750" eaLnBrk="0" hangingPunct="0">
-              <a:defRPr sz="7200">
-                <a:solidFill>
-                  <a:schemeClr val="tx1"/>
-                </a:solidFill>
-                <a:latin typeface="Arial" charset="0"/>
-                <a:ea typeface="ＭＳ Ｐゴシック" pitchFamily="34" charset="-128"/>
-              </a:defRPr>
-            </a:lvl2pPr>
-            <a:lvl3pPr marL="1143000" indent="-228600" eaLnBrk="0" hangingPunct="0">
-              <a:defRPr sz="7200">
-                <a:solidFill>
-                  <a:schemeClr val="tx1"/>
-                </a:solidFill>
-                <a:latin typeface="Arial" charset="0"/>
-                <a:ea typeface="ＭＳ Ｐゴシック" pitchFamily="34" charset="-128"/>
-              </a:defRPr>
-            </a:lvl3pPr>
-            <a:lvl4pPr marL="1600200" indent="-228600" eaLnBrk="0" hangingPunct="0">
-              <a:defRPr sz="7200">
-                <a:solidFill>
-                  <a:schemeClr val="tx1"/>
-                </a:solidFill>
-                <a:latin typeface="Arial" charset="0"/>
-                <a:ea typeface="ＭＳ Ｐゴシック" pitchFamily="34" charset="-128"/>
-              </a:defRPr>
-            </a:lvl4pPr>
-            <a:lvl5pPr marL="2057400" indent="-228600" eaLnBrk="0" hangingPunct="0">
-              <a:defRPr sz="7200">
-                <a:solidFill>
-                  <a:schemeClr val="tx1"/>
-                </a:solidFill>
-                <a:latin typeface="Arial" charset="0"/>
-                <a:ea typeface="ＭＳ Ｐゴシック" pitchFamily="34" charset="-128"/>
-              </a:defRPr>
-            </a:lvl5pPr>
-            <a:lvl6pPr marL="2514600" indent="-228600" defTabSz="1828800" eaLnBrk="0" fontAlgn="base" hangingPunct="0">
-              <a:spcBef>
-                <a:spcPct val="0"/>
-              </a:spcBef>
-              <a:spcAft>
-                <a:spcPct val="0"/>
-              </a:spcAft>
-              <a:defRPr sz="7200">
-                <a:solidFill>
-                  <a:schemeClr val="tx1"/>
-                </a:solidFill>
-                <a:latin typeface="Arial" charset="0"/>
-                <a:ea typeface="ＭＳ Ｐゴシック" pitchFamily="34" charset="-128"/>
-              </a:defRPr>
-            </a:lvl6pPr>
-            <a:lvl7pPr marL="2971800" indent="-228600" defTabSz="1828800" eaLnBrk="0" fontAlgn="base" hangingPunct="0">
-              <a:spcBef>
-                <a:spcPct val="0"/>
-              </a:spcBef>
-              <a:spcAft>
-                <a:spcPct val="0"/>
-              </a:spcAft>
-              <a:defRPr sz="7200">
-                <a:solidFill>
-                  <a:schemeClr val="tx1"/>
-                </a:solidFill>
-                <a:latin typeface="Arial" charset="0"/>
-                <a:ea typeface="ＭＳ Ｐゴシック" pitchFamily="34" charset="-128"/>
-              </a:defRPr>
-            </a:lvl7pPr>
-            <a:lvl8pPr marL="3429000" indent="-228600" defTabSz="1828800" eaLnBrk="0" fontAlgn="base" hangingPunct="0">
-              <a:spcBef>
-                <a:spcPct val="0"/>
-              </a:spcBef>
-              <a:spcAft>
-                <a:spcPct val="0"/>
-              </a:spcAft>
-              <a:defRPr sz="7200">
-                <a:solidFill>
-                  <a:schemeClr val="tx1"/>
-                </a:solidFill>
-                <a:latin typeface="Arial" charset="0"/>
-                <a:ea typeface="ＭＳ Ｐゴシック" pitchFamily="34" charset="-128"/>
-              </a:defRPr>
-            </a:lvl8pPr>
-            <a:lvl9pPr marL="3886200" indent="-228600" defTabSz="1828800" eaLnBrk="0" fontAlgn="base" hangingPunct="0">
-              <a:spcBef>
-                <a:spcPct val="0"/>
-              </a:spcBef>
-              <a:spcAft>
-                <a:spcPct val="0"/>
-              </a:spcAft>
-              <a:defRPr sz="7200">
-                <a:solidFill>
-                  <a:schemeClr val="tx1"/>
-                </a:solidFill>
-                <a:latin typeface="Arial" charset="0"/>
-                <a:ea typeface="ＭＳ Ｐゴシック" pitchFamily="34" charset="-128"/>
-              </a:defRPr>
-            </a:lvl9pPr>
-          </a:lstStyle>
-          <a:p>
-            <a:pPr algn="ctr" eaLnBrk="1" hangingPunct="1">
-              <a:defRPr/>
-            </a:pPr>
-            <a:endParaRPr lang="en-US" altLang="en-US" sz="1800" dirty="0">
-              <a:solidFill>
-                <a:schemeClr val="bg1"/>
-              </a:solidFill>
-              <a:latin typeface="+mj-lt"/>
-            </a:endParaRPr>
-          </a:p>
-          <a:p>
-            <a:pPr algn="ctr" eaLnBrk="1" hangingPunct="1">
-              <a:defRPr/>
-            </a:pPr>
-            <a:r>
-              <a:rPr lang="en-US" sz="1800" dirty="0">
-                <a:solidFill>
-                  <a:schemeClr val="bg1"/>
-                </a:solidFill>
-                <a:latin typeface="+mj-lt"/>
-              </a:rPr>
-              <a:t>Sandia National Laboratories is a multimission laboratory managed and operated by National Technology and Engineering Solutions of Sandia, LLC., a wholly owned subsidiary of Honeywell International, Inc., for the U.S. Department of Energy’s National Nuclear Security Administration under Contract DE-NA0003525.</a:t>
-            </a:r>
-          </a:p>
-          <a:p>
-            <a:pPr algn="ctr" eaLnBrk="1" hangingPunct="1">
-              <a:defRPr/>
-            </a:pPr>
-            <a:endParaRPr lang="en-US" altLang="en-US" sz="1800" dirty="0">
-              <a:solidFill>
-                <a:schemeClr val="bg1"/>
-              </a:solidFill>
-              <a:latin typeface="+mj-lt"/>
-            </a:endParaRPr>
-          </a:p>
-        </p:txBody>
-      </p:sp>
-      <p:sp>
-        <p:nvSpPr>
-          <p:cNvPr id="10" name="Title 1">
-            <a:extLst>
-              <a:ext uri="{FF2B5EF4-FFF2-40B4-BE49-F238E27FC236}">
-                <a16:creationId xmlns:a16="http://schemas.microsoft.com/office/drawing/2014/main" id="{89E4D917-E58F-6C48-A545-0B17C6762859}"/>
-              </a:ext>
-            </a:extLst>
-          </p:cNvPr>
-          <p:cNvSpPr txBox="1">
-            <a:spLocks/>
-          </p:cNvSpPr>
-          <p:nvPr/>
-        </p:nvSpPr>
-        <p:spPr bwMode="auto">
-          <a:xfrm>
-            <a:off x="9982200" y="29946600"/>
-            <a:ext cx="11353800" cy="1176337"/>
-          </a:xfrm>
-          <a:prstGeom prst="rect">
-            <a:avLst/>
-          </a:prstGeom>
-          <a:noFill/>
-          <a:ln>
-            <a:noFill/>
-          </a:ln>
-          <a:extLst>
-            <a:ext uri="{909E8E84-426E-40DD-AFC4-6F175D3DCCD1}">
-              <a14:hiddenFill xmlns:a14="http://schemas.microsoft.com/office/drawing/2010/main">
-                <a:solidFill>
-                  <a:srgbClr val="FFFFFF"/>
-                </a:solidFill>
-              </a14:hiddenFill>
-            </a:ext>
-            <a:ext uri="{91240B29-F687-4F45-9708-019B960494DF}">
-              <a14:hiddenLine xmlns:a14="http://schemas.microsoft.com/office/drawing/2010/main" w="9525">
-                <a:solidFill>
-                  <a:srgbClr val="000000"/>
-                </a:solidFill>
-                <a:miter lim="800000"/>
-                <a:headEnd/>
-                <a:tailEnd/>
-              </a14:hiddenLine>
-            </a:ext>
-          </a:extLst>
-        </p:spPr>
-        <p:txBody>
-          <a:bodyPr lIns="365760" tIns="182880" rIns="365760" bIns="182880" anchor="ctr"/>
-          <a:lstStyle>
-            <a:lvl1pPr eaLnBrk="0" hangingPunct="0">
-              <a:defRPr sz="7200">
-                <a:solidFill>
-                  <a:schemeClr val="tx1"/>
-                </a:solidFill>
-                <a:latin typeface="Arial" charset="0"/>
-                <a:ea typeface="ＭＳ Ｐゴシック" pitchFamily="34" charset="-128"/>
-              </a:defRPr>
-            </a:lvl1pPr>
-            <a:lvl2pPr marL="742950" indent="-285750" eaLnBrk="0" hangingPunct="0">
-              <a:defRPr sz="7200">
-                <a:solidFill>
-                  <a:schemeClr val="tx1"/>
-                </a:solidFill>
-                <a:latin typeface="Arial" charset="0"/>
-                <a:ea typeface="ＭＳ Ｐゴシック" pitchFamily="34" charset="-128"/>
-              </a:defRPr>
-            </a:lvl2pPr>
-            <a:lvl3pPr marL="1143000" indent="-228600" eaLnBrk="0" hangingPunct="0">
-              <a:defRPr sz="7200">
-                <a:solidFill>
-                  <a:schemeClr val="tx1"/>
-                </a:solidFill>
-                <a:latin typeface="Arial" charset="0"/>
-                <a:ea typeface="ＭＳ Ｐゴシック" pitchFamily="34" charset="-128"/>
-              </a:defRPr>
-            </a:lvl3pPr>
-            <a:lvl4pPr marL="1600200" indent="-228600" eaLnBrk="0" hangingPunct="0">
-              <a:defRPr sz="7200">
-                <a:solidFill>
-                  <a:schemeClr val="tx1"/>
-                </a:solidFill>
-                <a:latin typeface="Arial" charset="0"/>
-                <a:ea typeface="ＭＳ Ｐゴシック" pitchFamily="34" charset="-128"/>
-              </a:defRPr>
-            </a:lvl4pPr>
-            <a:lvl5pPr marL="2057400" indent="-228600" eaLnBrk="0" hangingPunct="0">
-              <a:defRPr sz="7200">
-                <a:solidFill>
-                  <a:schemeClr val="tx1"/>
-                </a:solidFill>
-                <a:latin typeface="Arial" charset="0"/>
-                <a:ea typeface="ＭＳ Ｐゴシック" pitchFamily="34" charset="-128"/>
-              </a:defRPr>
-            </a:lvl5pPr>
-            <a:lvl6pPr marL="2514600" indent="-228600" defTabSz="1828800" eaLnBrk="0" fontAlgn="base" hangingPunct="0">
-              <a:spcBef>
-                <a:spcPct val="0"/>
-              </a:spcBef>
-              <a:spcAft>
-                <a:spcPct val="0"/>
-              </a:spcAft>
-              <a:defRPr sz="7200">
-                <a:solidFill>
-                  <a:schemeClr val="tx1"/>
-                </a:solidFill>
-                <a:latin typeface="Arial" charset="0"/>
-                <a:ea typeface="ＭＳ Ｐゴシック" pitchFamily="34" charset="-128"/>
-              </a:defRPr>
-            </a:lvl6pPr>
-            <a:lvl7pPr marL="2971800" indent="-228600" defTabSz="1828800" eaLnBrk="0" fontAlgn="base" hangingPunct="0">
-              <a:spcBef>
-                <a:spcPct val="0"/>
-              </a:spcBef>
-              <a:spcAft>
-                <a:spcPct val="0"/>
-              </a:spcAft>
-              <a:defRPr sz="7200">
-                <a:solidFill>
-                  <a:schemeClr val="tx1"/>
-                </a:solidFill>
-                <a:latin typeface="Arial" charset="0"/>
-                <a:ea typeface="ＭＳ Ｐゴシック" pitchFamily="34" charset="-128"/>
-              </a:defRPr>
-            </a:lvl7pPr>
-            <a:lvl8pPr marL="3429000" indent="-228600" defTabSz="1828800" eaLnBrk="0" fontAlgn="base" hangingPunct="0">
-              <a:spcBef>
-                <a:spcPct val="0"/>
-              </a:spcBef>
-              <a:spcAft>
-                <a:spcPct val="0"/>
-              </a:spcAft>
-              <a:defRPr sz="7200">
-                <a:solidFill>
-                  <a:schemeClr val="tx1"/>
-                </a:solidFill>
-                <a:latin typeface="Arial" charset="0"/>
-                <a:ea typeface="ＭＳ Ｐゴシック" pitchFamily="34" charset="-128"/>
-              </a:defRPr>
-            </a:lvl8pPr>
-            <a:lvl9pPr marL="3886200" indent="-228600" defTabSz="1828800" eaLnBrk="0" fontAlgn="base" hangingPunct="0">
-              <a:spcBef>
-                <a:spcPct val="0"/>
-              </a:spcBef>
-              <a:spcAft>
-                <a:spcPct val="0"/>
-              </a:spcAft>
-              <a:defRPr sz="7200">
-                <a:solidFill>
-                  <a:schemeClr val="tx1"/>
-                </a:solidFill>
-                <a:latin typeface="Arial" charset="0"/>
-                <a:ea typeface="ＭＳ Ｐゴシック" pitchFamily="34" charset="-128"/>
-              </a:defRPr>
-            </a:lvl9pPr>
-          </a:lstStyle>
-          <a:p>
-            <a:pPr algn="ctr" eaLnBrk="1" hangingPunct="1">
-              <a:defRPr/>
-            </a:pPr>
-            <a:endParaRPr lang="en-US" altLang="en-US" sz="1800" dirty="0">
-              <a:solidFill>
-                <a:schemeClr val="tx1"/>
-              </a:solidFill>
-              <a:latin typeface="+mj-lt"/>
-            </a:endParaRPr>
-          </a:p>
-          <a:p>
-            <a:pPr algn="ctr" eaLnBrk="1" hangingPunct="1">
-              <a:defRPr/>
-            </a:pPr>
-            <a:r>
-              <a:rPr lang="en-US" sz="1800" dirty="0">
-                <a:solidFill>
-                  <a:schemeClr val="tx1"/>
-                </a:solidFill>
-                <a:latin typeface="+mj-lt"/>
-              </a:rPr>
-              <a:t>Sandia National Laboratories is a multimission laboratory managed and operated by National Technology and Engineering Solutions of Sandia, LLC., a wholly owned subsidiary of Honeywell International, Inc., for the U.S. Department of Energy’s National Nuclear Security Administration under Contract DE-NA0003525.</a:t>
-            </a:r>
-          </a:p>
-          <a:p>
-            <a:pPr algn="ctr" eaLnBrk="1" hangingPunct="1">
-              <a:defRPr/>
-            </a:pPr>
-            <a:endParaRPr lang="en-US" altLang="en-US" sz="1800" dirty="0">
-              <a:solidFill>
-                <a:schemeClr val="tx1"/>
-              </a:solidFill>
-              <a:latin typeface="+mj-lt"/>
-            </a:endParaRPr>
-          </a:p>
-        </p:txBody>
-      </p:sp>
-      <p:sp>
-        <p:nvSpPr>
-          <p:cNvPr id="11" name="Title 1">
-            <a:extLst>
-              <a:ext uri="{FF2B5EF4-FFF2-40B4-BE49-F238E27FC236}">
-                <a16:creationId xmlns:a16="http://schemas.microsoft.com/office/drawing/2014/main" id="{D2B1E78B-06B4-0345-B3DC-C389D405CA39}"/>
-              </a:ext>
-            </a:extLst>
-          </p:cNvPr>
-          <p:cNvSpPr txBox="1">
-            <a:spLocks/>
-          </p:cNvSpPr>
-          <p:nvPr/>
-        </p:nvSpPr>
-        <p:spPr bwMode="auto">
-          <a:xfrm>
-            <a:off x="10134600" y="30099000"/>
-            <a:ext cx="11353800" cy="1176337"/>
-          </a:xfrm>
-          <a:prstGeom prst="rect">
-            <a:avLst/>
-          </a:prstGeom>
-          <a:noFill/>
-          <a:ln>
-            <a:noFill/>
-          </a:ln>
-          <a:extLst>
-            <a:ext uri="{909E8E84-426E-40DD-AFC4-6F175D3DCCD1}">
-              <a14:hiddenFill xmlns:a14="http://schemas.microsoft.com/office/drawing/2010/main">
-                <a:solidFill>
-                  <a:srgbClr val="FFFFFF"/>
-                </a:solidFill>
-              </a14:hiddenFill>
-            </a:ext>
-            <a:ext uri="{91240B29-F687-4F45-9708-019B960494DF}">
-              <a14:hiddenLine xmlns:a14="http://schemas.microsoft.com/office/drawing/2010/main" w="9525">
-                <a:solidFill>
-                  <a:srgbClr val="000000"/>
-                </a:solidFill>
-                <a:miter lim="800000"/>
-                <a:headEnd/>
-                <a:tailEnd/>
-              </a14:hiddenLine>
-            </a:ext>
-          </a:extLst>
-        </p:spPr>
-        <p:txBody>
-          <a:bodyPr lIns="365760" tIns="182880" rIns="365760" bIns="182880" anchor="ctr"/>
-          <a:lstStyle>
-            <a:lvl1pPr eaLnBrk="0" hangingPunct="0">
-              <a:defRPr sz="7200">
-                <a:solidFill>
-                  <a:schemeClr val="tx1"/>
-                </a:solidFill>
-                <a:latin typeface="Arial" charset="0"/>
-                <a:ea typeface="ＭＳ Ｐゴシック" pitchFamily="34" charset="-128"/>
-              </a:defRPr>
-            </a:lvl1pPr>
-            <a:lvl2pPr marL="742950" indent="-285750" eaLnBrk="0" hangingPunct="0">
-              <a:defRPr sz="7200">
-                <a:solidFill>
-                  <a:schemeClr val="tx1"/>
-                </a:solidFill>
-                <a:latin typeface="Arial" charset="0"/>
-                <a:ea typeface="ＭＳ Ｐゴシック" pitchFamily="34" charset="-128"/>
-              </a:defRPr>
-            </a:lvl2pPr>
-            <a:lvl3pPr marL="1143000" indent="-228600" eaLnBrk="0" hangingPunct="0">
-              <a:defRPr sz="7200">
-                <a:solidFill>
-                  <a:schemeClr val="tx1"/>
-                </a:solidFill>
-                <a:latin typeface="Arial" charset="0"/>
-                <a:ea typeface="ＭＳ Ｐゴシック" pitchFamily="34" charset="-128"/>
-              </a:defRPr>
-            </a:lvl3pPr>
-            <a:lvl4pPr marL="1600200" indent="-228600" eaLnBrk="0" hangingPunct="0">
-              <a:defRPr sz="7200">
-                <a:solidFill>
-                  <a:schemeClr val="tx1"/>
-                </a:solidFill>
-                <a:latin typeface="Arial" charset="0"/>
-                <a:ea typeface="ＭＳ Ｐゴシック" pitchFamily="34" charset="-128"/>
-              </a:defRPr>
-            </a:lvl4pPr>
-            <a:lvl5pPr marL="2057400" indent="-228600" eaLnBrk="0" hangingPunct="0">
-              <a:defRPr sz="7200">
-                <a:solidFill>
-                  <a:schemeClr val="tx1"/>
-                </a:solidFill>
-                <a:latin typeface="Arial" charset="0"/>
-                <a:ea typeface="ＭＳ Ｐゴシック" pitchFamily="34" charset="-128"/>
-              </a:defRPr>
-            </a:lvl5pPr>
-            <a:lvl6pPr marL="2514600" indent="-228600" defTabSz="1828800" eaLnBrk="0" fontAlgn="base" hangingPunct="0">
-              <a:spcBef>
-                <a:spcPct val="0"/>
-              </a:spcBef>
-              <a:spcAft>
-                <a:spcPct val="0"/>
-              </a:spcAft>
-              <a:defRPr sz="7200">
-                <a:solidFill>
-                  <a:schemeClr val="tx1"/>
-                </a:solidFill>
-                <a:latin typeface="Arial" charset="0"/>
-                <a:ea typeface="ＭＳ Ｐゴシック" pitchFamily="34" charset="-128"/>
-              </a:defRPr>
-            </a:lvl6pPr>
-            <a:lvl7pPr marL="2971800" indent="-228600" defTabSz="1828800" eaLnBrk="0" fontAlgn="base" hangingPunct="0">
-              <a:spcBef>
-                <a:spcPct val="0"/>
-              </a:spcBef>
-              <a:spcAft>
-                <a:spcPct val="0"/>
-              </a:spcAft>
-              <a:defRPr sz="7200">
-                <a:solidFill>
-                  <a:schemeClr val="tx1"/>
-                </a:solidFill>
-                <a:latin typeface="Arial" charset="0"/>
-                <a:ea typeface="ＭＳ Ｐゴシック" pitchFamily="34" charset="-128"/>
-              </a:defRPr>
-            </a:lvl7pPr>
-            <a:lvl8pPr marL="3429000" indent="-228600" defTabSz="1828800" eaLnBrk="0" fontAlgn="base" hangingPunct="0">
-              <a:spcBef>
-                <a:spcPct val="0"/>
-              </a:spcBef>
-              <a:spcAft>
-                <a:spcPct val="0"/>
-              </a:spcAft>
-              <a:defRPr sz="7200">
-                <a:solidFill>
-                  <a:schemeClr val="tx1"/>
-                </a:solidFill>
-                <a:latin typeface="Arial" charset="0"/>
-                <a:ea typeface="ＭＳ Ｐゴシック" pitchFamily="34" charset="-128"/>
-              </a:defRPr>
-            </a:lvl8pPr>
-            <a:lvl9pPr marL="3886200" indent="-228600" defTabSz="1828800" eaLnBrk="0" fontAlgn="base" hangingPunct="0">
-              <a:spcBef>
-                <a:spcPct val="0"/>
-              </a:spcBef>
-              <a:spcAft>
-                <a:spcPct val="0"/>
-              </a:spcAft>
-              <a:defRPr sz="7200">
-                <a:solidFill>
-                  <a:schemeClr val="tx1"/>
-                </a:solidFill>
-                <a:latin typeface="Arial" charset="0"/>
-                <a:ea typeface="ＭＳ Ｐゴシック" pitchFamily="34" charset="-128"/>
-              </a:defRPr>
-            </a:lvl9pPr>
-          </a:lstStyle>
-          <a:p>
-            <a:pPr algn="ctr" eaLnBrk="1" hangingPunct="1">
-              <a:defRPr/>
-            </a:pPr>
-            <a:endParaRPr lang="en-US" altLang="en-US" sz="1800" dirty="0">
-              <a:solidFill>
-                <a:schemeClr val="tx1"/>
-              </a:solidFill>
-              <a:latin typeface="+mj-lt"/>
-            </a:endParaRPr>
-          </a:p>
-          <a:p>
-            <a:pPr algn="ctr" eaLnBrk="1" hangingPunct="1">
-              <a:defRPr/>
-            </a:pPr>
-            <a:r>
-              <a:rPr lang="en-US" sz="1800" dirty="0">
-                <a:solidFill>
-                  <a:schemeClr val="tx1"/>
-                </a:solidFill>
-                <a:latin typeface="+mj-lt"/>
-              </a:rPr>
-              <a:t>Sandia National Laboratories is a multimission laboratory managed and operated by National Technology and Engineering Solutions of Sandia, LLC., a wholly owned subsidiary of Honeywell International, Inc., for the U.S. Department of Energy’s National Nuclear Security Administration under Contract DE-NA0003525.</a:t>
-            </a:r>
-          </a:p>
-          <a:p>
-            <a:pPr algn="ctr" eaLnBrk="1" hangingPunct="1">
-              <a:defRPr/>
-            </a:pPr>
-            <a:endParaRPr lang="en-US" altLang="en-US" sz="1800" dirty="0">
-              <a:solidFill>
-                <a:schemeClr val="tx1"/>
-              </a:solidFill>
-              <a:latin typeface="+mj-lt"/>
-            </a:endParaRPr>
-          </a:p>
-        </p:txBody>
-      </p:sp>
-      <p:sp>
-        <p:nvSpPr>
-          <p:cNvPr id="18" name="Title 3">
-            <a:extLst>
-              <a:ext uri="{FF2B5EF4-FFF2-40B4-BE49-F238E27FC236}">
-                <a16:creationId xmlns:a16="http://schemas.microsoft.com/office/drawing/2014/main" id="{0E60B70D-C262-A54A-B5D8-3A36AA8F31FF}"/>
-              </a:ext>
-            </a:extLst>
-          </p:cNvPr>
-          <p:cNvSpPr txBox="1">
-            <a:spLocks/>
-          </p:cNvSpPr>
-          <p:nvPr/>
-        </p:nvSpPr>
-        <p:spPr>
-          <a:xfrm>
-            <a:off x="13845" y="-32425"/>
-            <a:ext cx="4902383" cy="800287"/>
-          </a:xfrm>
-          <a:prstGeom prst="rect">
-            <a:avLst/>
-          </a:prstGeom>
-        </p:spPr>
-        <p:txBody>
-          <a:bodyPr vert="horz" lIns="91440" tIns="45720" rIns="91440" bIns="45720" rtlCol="0" anchor="ctr">
-            <a:noAutofit/>
-          </a:bodyPr>
-          <a:lstStyle>
-            <a:lvl1pPr algn="l" defTabSz="914400" rtl="0" eaLnBrk="1" latinLnBrk="0" hangingPunct="1">
-              <a:lnSpc>
-                <a:spcPct val="90000"/>
-              </a:lnSpc>
-              <a:spcBef>
-                <a:spcPct val="0"/>
-              </a:spcBef>
-              <a:buNone/>
-              <a:defRPr sz="4400" kern="1200">
-                <a:solidFill>
-                  <a:schemeClr val="tx1"/>
-                </a:solidFill>
-                <a:latin typeface="+mj-lt"/>
-                <a:ea typeface="+mj-ea"/>
-                <a:cs typeface="+mj-cs"/>
-              </a:defRPr>
-            </a:lvl1pPr>
-          </a:lstStyle>
-          <a:p>
-            <a:r>
-              <a:rPr lang="en-US" sz="3600" b="1" dirty="0" err="1"/>
-              <a:t>Bridson</a:t>
-            </a:r>
-            <a:r>
-              <a:rPr lang="en-US" sz="3600" b="1" dirty="0"/>
-              <a:t>, SIGGRAPH 2007</a:t>
-            </a:r>
-          </a:p>
-        </p:txBody>
-      </p:sp>
-      <p:pic>
-        <p:nvPicPr>
-          <p:cNvPr id="8" name="Picture 7">
-            <a:extLst>
-              <a:ext uri="{FF2B5EF4-FFF2-40B4-BE49-F238E27FC236}">
-                <a16:creationId xmlns:a16="http://schemas.microsoft.com/office/drawing/2014/main" id="{CEF53753-79B2-3041-8979-842F89E7E662}"/>
-              </a:ext>
-            </a:extLst>
-          </p:cNvPr>
-          <p:cNvPicPr>
-            <a:picLocks noChangeAspect="1"/>
-          </p:cNvPicPr>
-          <p:nvPr/>
-        </p:nvPicPr>
-        <p:blipFill>
-          <a:blip r:embed="rId2"/>
-          <a:stretch>
-            <a:fillRect/>
-          </a:stretch>
-        </p:blipFill>
-        <p:spPr>
-          <a:xfrm>
-            <a:off x="846209" y="6220570"/>
-            <a:ext cx="1371600" cy="520700"/>
-          </a:xfrm>
-          <a:prstGeom prst="rect">
-            <a:avLst/>
-          </a:prstGeom>
-        </p:spPr>
-      </p:pic>
-      <p:grpSp>
-        <p:nvGrpSpPr>
-          <p:cNvPr id="41" name="Group 40">
-            <a:extLst>
-              <a:ext uri="{FF2B5EF4-FFF2-40B4-BE49-F238E27FC236}">
-                <a16:creationId xmlns:a16="http://schemas.microsoft.com/office/drawing/2014/main" id="{5B7309D1-924C-EC44-BBBE-8E57AD23EA90}"/>
-              </a:ext>
-            </a:extLst>
-          </p:cNvPr>
-          <p:cNvGrpSpPr/>
-          <p:nvPr/>
-        </p:nvGrpSpPr>
-        <p:grpSpPr>
-          <a:xfrm>
-            <a:off x="5488827" y="161317"/>
-            <a:ext cx="6579953" cy="6579953"/>
-            <a:chOff x="5398038" y="2234120"/>
-            <a:chExt cx="4572000" cy="4572000"/>
-          </a:xfrm>
-        </p:grpSpPr>
-        <p:sp>
-          <p:nvSpPr>
-            <p:cNvPr id="24" name="Flowchart: Connector 12">
-              <a:extLst>
-                <a:ext uri="{FF2B5EF4-FFF2-40B4-BE49-F238E27FC236}">
-                  <a16:creationId xmlns:a16="http://schemas.microsoft.com/office/drawing/2014/main" id="{FE9F4FC9-72BC-414F-A61E-4A1BAEABC348}"/>
-                </a:ext>
-              </a:extLst>
-            </p:cNvPr>
-            <p:cNvSpPr>
-              <a:spLocks noChangeAspect="1"/>
-            </p:cNvSpPr>
-            <p:nvPr/>
-          </p:nvSpPr>
-          <p:spPr>
-            <a:xfrm>
-              <a:off x="5398038" y="2234120"/>
-              <a:ext cx="4572000" cy="4572000"/>
-            </a:xfrm>
-            <a:prstGeom prst="flowChartConnector">
-              <a:avLst/>
-            </a:prstGeom>
-            <a:solidFill>
-              <a:srgbClr val="FF0000">
-                <a:alpha val="16000"/>
-              </a:srgbClr>
-            </a:solidFill>
-            <a:ln w="38100">
-              <a:solidFill>
-                <a:srgbClr val="FF0000"/>
-              </a:solidFill>
-            </a:ln>
-          </p:spPr>
-          <p:style>
-            <a:lnRef idx="2">
-              <a:schemeClr val="accent1">
-                <a:shade val="50000"/>
-              </a:schemeClr>
-            </a:lnRef>
-            <a:fillRef idx="1">
-              <a:schemeClr val="accent1"/>
-            </a:fillRef>
-            <a:effectRef idx="0">
-              <a:schemeClr val="accent1"/>
-            </a:effectRef>
-            <a:fontRef idx="minor">
-              <a:schemeClr val="lt1"/>
-            </a:fontRef>
-          </p:style>
-          <p:txBody>
-            <a:bodyPr wrap="none" rtlCol="0" anchor="ctr"/>
-            <a:lstStyle/>
-            <a:p>
-              <a:pPr algn="ctr"/>
-              <a:endParaRPr lang="en-US" sz="1234"/>
-            </a:p>
-          </p:txBody>
-        </p:sp>
-        <p:sp>
-          <p:nvSpPr>
-            <p:cNvPr id="25" name="Flowchart: Connector 12">
-              <a:extLst>
-                <a:ext uri="{FF2B5EF4-FFF2-40B4-BE49-F238E27FC236}">
-                  <a16:creationId xmlns:a16="http://schemas.microsoft.com/office/drawing/2014/main" id="{5CBE7706-BCF9-B74A-9773-1E44379E9A6F}"/>
-                </a:ext>
-              </a:extLst>
-            </p:cNvPr>
-            <p:cNvSpPr>
-              <a:spLocks noChangeAspect="1"/>
-            </p:cNvSpPr>
-            <p:nvPr/>
-          </p:nvSpPr>
-          <p:spPr>
-            <a:xfrm>
-              <a:off x="6586758" y="3420119"/>
-              <a:ext cx="2194560" cy="2194560"/>
-            </a:xfrm>
-            <a:prstGeom prst="flowChartConnector">
-              <a:avLst/>
-            </a:prstGeom>
-            <a:solidFill>
-              <a:srgbClr val="FF0000">
-                <a:alpha val="28000"/>
-              </a:srgbClr>
-            </a:solidFill>
-            <a:ln w="0">
-              <a:noFill/>
-            </a:ln>
-          </p:spPr>
-          <p:style>
-            <a:lnRef idx="2">
-              <a:schemeClr val="accent1">
-                <a:shade val="50000"/>
-              </a:schemeClr>
-            </a:lnRef>
-            <a:fillRef idx="1">
-              <a:schemeClr val="accent1"/>
-            </a:fillRef>
-            <a:effectRef idx="0">
-              <a:schemeClr val="accent1"/>
-            </a:effectRef>
-            <a:fontRef idx="minor">
-              <a:schemeClr val="lt1"/>
-            </a:fontRef>
-          </p:style>
-          <p:txBody>
-            <a:bodyPr wrap="none" rtlCol="0" anchor="ctr"/>
-            <a:lstStyle/>
-            <a:p>
-              <a:pPr algn="ctr"/>
-              <a:endParaRPr lang="en-US" sz="1234"/>
-            </a:p>
-          </p:txBody>
-        </p:sp>
-        <p:sp>
-          <p:nvSpPr>
-            <p:cNvPr id="26" name="Oval 25">
-              <a:extLst>
-                <a:ext uri="{FF2B5EF4-FFF2-40B4-BE49-F238E27FC236}">
-                  <a16:creationId xmlns:a16="http://schemas.microsoft.com/office/drawing/2014/main" id="{4C4C85F3-C373-FC42-88B7-ED525CC2D444}"/>
-                </a:ext>
-              </a:extLst>
-            </p:cNvPr>
-            <p:cNvSpPr>
-              <a:spLocks noChangeAspect="1"/>
-            </p:cNvSpPr>
-            <p:nvPr/>
-          </p:nvSpPr>
-          <p:spPr>
-            <a:xfrm>
-              <a:off x="7135398" y="3968759"/>
-              <a:ext cx="1097280" cy="1097280"/>
-            </a:xfrm>
-            <a:prstGeom prst="ellipse">
-              <a:avLst/>
-            </a:prstGeom>
-            <a:solidFill>
-              <a:schemeClr val="bg1"/>
-            </a:solidFill>
-            <a:effectLst/>
-          </p:spPr>
-          <p:style>
-            <a:lnRef idx="1">
-              <a:schemeClr val="accent1"/>
-            </a:lnRef>
-            <a:fillRef idx="3">
-              <a:schemeClr val="accent1"/>
-            </a:fillRef>
-            <a:effectRef idx="2">
-              <a:schemeClr val="accent1"/>
-            </a:effectRef>
-            <a:fontRef idx="minor">
-              <a:schemeClr val="lt1"/>
-            </a:fontRef>
-          </p:style>
-          <p:txBody>
-            <a:bodyPr rtlCol="0" anchor="ctr"/>
-            <a:lstStyle/>
-            <a:p>
-              <a:pPr algn="ctr"/>
-              <a:endParaRPr lang="en-US" sz="1234"/>
-            </a:p>
-          </p:txBody>
-        </p:sp>
-        <p:sp>
-          <p:nvSpPr>
-            <p:cNvPr id="27" name="Flowchart: Connector 3">
-              <a:extLst>
-                <a:ext uri="{FF2B5EF4-FFF2-40B4-BE49-F238E27FC236}">
-                  <a16:creationId xmlns:a16="http://schemas.microsoft.com/office/drawing/2014/main" id="{6929BC8C-D609-AC41-BDD6-091E64DC774D}"/>
-                </a:ext>
-              </a:extLst>
-            </p:cNvPr>
-            <p:cNvSpPr/>
-            <p:nvPr/>
-          </p:nvSpPr>
-          <p:spPr>
-            <a:xfrm>
-              <a:off x="7135398" y="3968759"/>
-              <a:ext cx="1097280" cy="1097280"/>
-            </a:xfrm>
-            <a:prstGeom prst="flowChartConnector">
-              <a:avLst/>
-            </a:prstGeom>
-            <a:solidFill>
-              <a:srgbClr val="0000FF">
-                <a:alpha val="25000"/>
-              </a:srgbClr>
-            </a:solidFill>
-            <a:ln w="25400">
-              <a:solidFill>
-                <a:srgbClr val="0000FF"/>
-              </a:solidFill>
-            </a:ln>
-          </p:spPr>
-          <p:style>
-            <a:lnRef idx="2">
-              <a:schemeClr val="accent1">
-                <a:shade val="50000"/>
-              </a:schemeClr>
-            </a:lnRef>
-            <a:fillRef idx="1">
-              <a:schemeClr val="accent1"/>
-            </a:fillRef>
-            <a:effectRef idx="0">
-              <a:schemeClr val="accent1"/>
-            </a:effectRef>
-            <a:fontRef idx="minor">
-              <a:schemeClr val="lt1"/>
-            </a:fontRef>
-          </p:style>
-          <p:txBody>
-            <a:bodyPr wrap="none" rtlCol="0" anchor="ctr"/>
-            <a:lstStyle/>
-            <a:p>
-              <a:pPr algn="ctr"/>
-              <a:endParaRPr lang="en-US" sz="1234"/>
-            </a:p>
-          </p:txBody>
-        </p:sp>
-        <p:cxnSp>
-          <p:nvCxnSpPr>
-            <p:cNvPr id="28" name="Straight Connector 27">
-              <a:extLst>
-                <a:ext uri="{FF2B5EF4-FFF2-40B4-BE49-F238E27FC236}">
-                  <a16:creationId xmlns:a16="http://schemas.microsoft.com/office/drawing/2014/main" id="{15C1E7D6-C0FC-0E4B-A9B0-1CD176ECEF6A}"/>
-                </a:ext>
-              </a:extLst>
-            </p:cNvPr>
-            <p:cNvCxnSpPr>
-              <a:cxnSpLocks/>
-            </p:cNvCxnSpPr>
-            <p:nvPr/>
-          </p:nvCxnSpPr>
-          <p:spPr>
-            <a:xfrm rot="-4800000" flipV="1">
-              <a:off x="7561480" y="3052586"/>
-              <a:ext cx="758952" cy="0"/>
-            </a:xfrm>
-            <a:prstGeom prst="line">
-              <a:avLst/>
-            </a:prstGeom>
-            <a:ln w="63500">
-              <a:solidFill>
-                <a:srgbClr val="FFFF00"/>
-              </a:solidFill>
-            </a:ln>
-            <a:effectLst/>
-          </p:spPr>
-          <p:style>
-            <a:lnRef idx="2">
-              <a:schemeClr val="accent1"/>
-            </a:lnRef>
-            <a:fillRef idx="0">
-              <a:schemeClr val="accent1"/>
-            </a:fillRef>
-            <a:effectRef idx="1">
-              <a:schemeClr val="accent1"/>
-            </a:effectRef>
-            <a:fontRef idx="minor">
-              <a:schemeClr val="tx1"/>
-            </a:fontRef>
-          </p:style>
-        </p:cxnSp>
-        <p:cxnSp>
-          <p:nvCxnSpPr>
-            <p:cNvPr id="29" name="Straight Connector 28">
-              <a:extLst>
-                <a:ext uri="{FF2B5EF4-FFF2-40B4-BE49-F238E27FC236}">
-                  <a16:creationId xmlns:a16="http://schemas.microsoft.com/office/drawing/2014/main" id="{A83A13B0-147E-9A44-A78E-59EE764CA750}"/>
-                </a:ext>
-              </a:extLst>
-            </p:cNvPr>
-            <p:cNvCxnSpPr>
-              <a:cxnSpLocks/>
-            </p:cNvCxnSpPr>
-            <p:nvPr/>
-          </p:nvCxnSpPr>
-          <p:spPr>
-            <a:xfrm>
-              <a:off x="7143548" y="2330101"/>
-              <a:ext cx="1752936" cy="1364784"/>
-            </a:xfrm>
-            <a:prstGeom prst="line">
-              <a:avLst/>
-            </a:prstGeom>
-            <a:ln w="63500">
-              <a:solidFill>
-                <a:srgbClr val="FFFF00"/>
-              </a:solidFill>
-            </a:ln>
-            <a:effectLst/>
-          </p:spPr>
-          <p:style>
-            <a:lnRef idx="2">
-              <a:schemeClr val="accent1"/>
-            </a:lnRef>
-            <a:fillRef idx="0">
-              <a:schemeClr val="accent1"/>
-            </a:fillRef>
-            <a:effectRef idx="1">
-              <a:schemeClr val="accent1"/>
-            </a:effectRef>
-            <a:fontRef idx="minor">
-              <a:schemeClr val="tx1"/>
-            </a:fontRef>
-          </p:style>
-        </p:cxnSp>
-        <p:cxnSp>
-          <p:nvCxnSpPr>
-            <p:cNvPr id="30" name="Straight Connector 29">
-              <a:extLst>
-                <a:ext uri="{FF2B5EF4-FFF2-40B4-BE49-F238E27FC236}">
-                  <a16:creationId xmlns:a16="http://schemas.microsoft.com/office/drawing/2014/main" id="{0BD63BCF-1A1A-E54E-A46F-E2F34B3A8BB9}"/>
-                </a:ext>
-              </a:extLst>
-            </p:cNvPr>
-            <p:cNvCxnSpPr>
-              <a:cxnSpLocks/>
-            </p:cNvCxnSpPr>
-            <p:nvPr/>
-          </p:nvCxnSpPr>
-          <p:spPr>
-            <a:xfrm rot="600000" flipV="1">
-              <a:off x="7853006" y="2584522"/>
-              <a:ext cx="0" cy="1947672"/>
-            </a:xfrm>
-            <a:prstGeom prst="line">
-              <a:avLst/>
-            </a:prstGeom>
-            <a:ln w="25400">
-              <a:solidFill>
-                <a:srgbClr val="0070C0"/>
-              </a:solidFill>
-              <a:tailEnd type="arrow" w="lg" len="lg"/>
-            </a:ln>
-            <a:effectLst/>
-          </p:spPr>
-          <p:style>
-            <a:lnRef idx="2">
-              <a:schemeClr val="accent1"/>
-            </a:lnRef>
-            <a:fillRef idx="0">
-              <a:schemeClr val="accent1"/>
-            </a:fillRef>
-            <a:effectRef idx="1">
-              <a:schemeClr val="accent1"/>
-            </a:effectRef>
-            <a:fontRef idx="minor">
-              <a:schemeClr val="tx1"/>
-            </a:fontRef>
-          </p:style>
-        </p:cxnSp>
-        <p:cxnSp>
-          <p:nvCxnSpPr>
-            <p:cNvPr id="31" name="Straight Connector 30">
-              <a:extLst>
-                <a:ext uri="{FF2B5EF4-FFF2-40B4-BE49-F238E27FC236}">
-                  <a16:creationId xmlns:a16="http://schemas.microsoft.com/office/drawing/2014/main" id="{DC15784C-7E06-AE4A-99B2-D83568E0B864}"/>
-                </a:ext>
-              </a:extLst>
-            </p:cNvPr>
-            <p:cNvCxnSpPr>
-              <a:cxnSpLocks/>
-            </p:cNvCxnSpPr>
-            <p:nvPr/>
-          </p:nvCxnSpPr>
-          <p:spPr>
-            <a:xfrm rot="2280000" flipV="1">
-              <a:off x="6877499" y="3015895"/>
-              <a:ext cx="2286000" cy="0"/>
-            </a:xfrm>
-            <a:prstGeom prst="line">
-              <a:avLst/>
-            </a:prstGeom>
-            <a:ln w="25400">
-              <a:solidFill>
-                <a:schemeClr val="tx1"/>
-              </a:solidFill>
-              <a:headEnd type="arrow" w="lg" len="med"/>
-              <a:tailEnd type="arrow" w="lg" len="med"/>
-            </a:ln>
-            <a:effectLst/>
-          </p:spPr>
-          <p:style>
-            <a:lnRef idx="2">
-              <a:schemeClr val="accent1"/>
-            </a:lnRef>
-            <a:fillRef idx="0">
-              <a:schemeClr val="accent1"/>
-            </a:fillRef>
-            <a:effectRef idx="1">
-              <a:schemeClr val="accent1"/>
-            </a:effectRef>
-            <a:fontRef idx="minor">
-              <a:schemeClr val="tx1"/>
-            </a:fontRef>
-          </p:style>
-        </p:cxnSp>
-        <p:sp>
-          <p:nvSpPr>
-            <p:cNvPr id="32" name="Oval 31">
-              <a:extLst>
-                <a:ext uri="{FF2B5EF4-FFF2-40B4-BE49-F238E27FC236}">
-                  <a16:creationId xmlns:a16="http://schemas.microsoft.com/office/drawing/2014/main" id="{96D735DA-7BA8-E044-B9BB-2F4B54F584D3}"/>
-                </a:ext>
-              </a:extLst>
-            </p:cNvPr>
-            <p:cNvSpPr>
-              <a:spLocks noChangeAspect="1"/>
-            </p:cNvSpPr>
-            <p:nvPr/>
-          </p:nvSpPr>
-          <p:spPr>
-            <a:xfrm>
-              <a:off x="7908323" y="2918032"/>
-              <a:ext cx="109728" cy="109728"/>
-            </a:xfrm>
-            <a:prstGeom prst="ellipse">
-              <a:avLst/>
-            </a:prstGeom>
-            <a:solidFill>
-              <a:srgbClr val="0000FF"/>
-            </a:solidFill>
-            <a:ln>
-              <a:solidFill>
-                <a:srgbClr val="0000FF"/>
-              </a:solidFill>
-            </a:ln>
-            <a:effectLst/>
-          </p:spPr>
-          <p:style>
-            <a:lnRef idx="1">
-              <a:schemeClr val="accent1"/>
-            </a:lnRef>
-            <a:fillRef idx="3">
-              <a:schemeClr val="accent1"/>
-            </a:fillRef>
-            <a:effectRef idx="2">
-              <a:schemeClr val="accent1"/>
-            </a:effectRef>
-            <a:fontRef idx="minor">
-              <a:schemeClr val="lt1"/>
-            </a:fontRef>
-          </p:style>
-          <p:txBody>
-            <a:bodyPr rtlCol="0" anchor="ctr"/>
-            <a:lstStyle/>
-            <a:p>
-              <a:pPr algn="ctr"/>
-              <a:endParaRPr lang="en-US" sz="1234"/>
-            </a:p>
-          </p:txBody>
-        </p:sp>
-        <p:sp>
-          <p:nvSpPr>
-            <p:cNvPr id="33" name="Oval 32">
-              <a:extLst>
-                <a:ext uri="{FF2B5EF4-FFF2-40B4-BE49-F238E27FC236}">
-                  <a16:creationId xmlns:a16="http://schemas.microsoft.com/office/drawing/2014/main" id="{4E7990D7-7808-7A43-9381-83174D6E7E15}"/>
-                </a:ext>
-              </a:extLst>
-            </p:cNvPr>
-            <p:cNvSpPr/>
-            <p:nvPr/>
-          </p:nvSpPr>
-          <p:spPr>
-            <a:xfrm>
-              <a:off x="8419760" y="3312717"/>
-              <a:ext cx="109728" cy="109728"/>
-            </a:xfrm>
-            <a:prstGeom prst="ellipse">
-              <a:avLst/>
-            </a:prstGeom>
-            <a:solidFill>
-              <a:schemeClr val="tx1"/>
-            </a:solidFill>
-            <a:ln>
-              <a:solidFill>
-                <a:schemeClr val="tx1"/>
-              </a:solidFill>
-            </a:ln>
-            <a:effectLst/>
-          </p:spPr>
-          <p:style>
-            <a:lnRef idx="1">
-              <a:schemeClr val="accent1"/>
-            </a:lnRef>
-            <a:fillRef idx="3">
-              <a:schemeClr val="accent1"/>
-            </a:fillRef>
-            <a:effectRef idx="2">
-              <a:schemeClr val="accent1"/>
-            </a:effectRef>
-            <a:fontRef idx="minor">
-              <a:schemeClr val="lt1"/>
-            </a:fontRef>
-          </p:style>
-          <p:txBody>
-            <a:bodyPr rtlCol="0" anchor="ctr"/>
-            <a:lstStyle/>
-            <a:p>
-              <a:pPr algn="ctr"/>
-              <a:endParaRPr lang="en-US" sz="1234"/>
-            </a:p>
-          </p:txBody>
-        </p:sp>
-        <p:sp>
-          <p:nvSpPr>
-            <p:cNvPr id="34" name="Oval 33">
-              <a:extLst>
-                <a:ext uri="{FF2B5EF4-FFF2-40B4-BE49-F238E27FC236}">
-                  <a16:creationId xmlns:a16="http://schemas.microsoft.com/office/drawing/2014/main" id="{6F3F0D03-1E46-E143-A82D-08A425EE7867}"/>
-                </a:ext>
-              </a:extLst>
-            </p:cNvPr>
-            <p:cNvSpPr>
-              <a:spLocks noChangeAspect="1"/>
-            </p:cNvSpPr>
-            <p:nvPr/>
-          </p:nvSpPr>
-          <p:spPr>
-            <a:xfrm>
-              <a:off x="7628928" y="4468467"/>
-              <a:ext cx="109728" cy="109728"/>
-            </a:xfrm>
-            <a:prstGeom prst="ellipse">
-              <a:avLst/>
-            </a:prstGeom>
-            <a:solidFill>
-              <a:schemeClr val="tx1"/>
-            </a:solidFill>
-            <a:ln>
-              <a:solidFill>
-                <a:schemeClr val="tx1"/>
-              </a:solidFill>
-            </a:ln>
-            <a:effectLst/>
-          </p:spPr>
-          <p:style>
-            <a:lnRef idx="1">
-              <a:schemeClr val="accent1"/>
-            </a:lnRef>
-            <a:fillRef idx="3">
-              <a:schemeClr val="accent1"/>
-            </a:fillRef>
-            <a:effectRef idx="2">
-              <a:schemeClr val="accent1"/>
-            </a:effectRef>
-            <a:fontRef idx="minor">
-              <a:schemeClr val="lt1"/>
-            </a:fontRef>
-          </p:style>
-          <p:txBody>
-            <a:bodyPr rtlCol="0" anchor="ctr"/>
-            <a:lstStyle/>
-            <a:p>
-              <a:pPr algn="ctr"/>
-              <a:endParaRPr lang="en-US" sz="1234"/>
-            </a:p>
-          </p:txBody>
-        </p:sp>
-        <p:pic>
-          <p:nvPicPr>
-            <p:cNvPr id="35" name="Picture 34">
-              <a:extLst>
-                <a:ext uri="{FF2B5EF4-FFF2-40B4-BE49-F238E27FC236}">
-                  <a16:creationId xmlns:a16="http://schemas.microsoft.com/office/drawing/2014/main" id="{34582652-E97F-F547-BC66-D691B2F4CA61}"/>
-                </a:ext>
-              </a:extLst>
-            </p:cNvPr>
-            <p:cNvPicPr>
-              <a:picLocks noChangeAspect="1"/>
-            </p:cNvPicPr>
-            <p:nvPr/>
-          </p:nvPicPr>
-          <p:blipFill>
-            <a:blip r:embed="rId3"/>
-            <a:stretch>
-              <a:fillRect/>
-            </a:stretch>
-          </p:blipFill>
-          <p:spPr>
-            <a:xfrm>
-              <a:off x="7332508" y="4332813"/>
-              <a:ext cx="292100" cy="355600"/>
-            </a:xfrm>
-            <a:prstGeom prst="rect">
-              <a:avLst/>
-            </a:prstGeom>
-          </p:spPr>
-        </p:pic>
-        <p:pic>
-          <p:nvPicPr>
-            <p:cNvPr id="36" name="Picture 35">
-              <a:extLst>
-                <a:ext uri="{FF2B5EF4-FFF2-40B4-BE49-F238E27FC236}">
-                  <a16:creationId xmlns:a16="http://schemas.microsoft.com/office/drawing/2014/main" id="{267C8375-DA1E-7249-981D-76A1EA74C998}"/>
-                </a:ext>
-              </a:extLst>
-            </p:cNvPr>
-            <p:cNvPicPr>
-              <a:picLocks noChangeAspect="1"/>
-            </p:cNvPicPr>
-            <p:nvPr/>
-          </p:nvPicPr>
-          <p:blipFill>
-            <a:blip r:embed="rId4"/>
-            <a:stretch>
-              <a:fillRect/>
-            </a:stretch>
-          </p:blipFill>
-          <p:spPr>
-            <a:xfrm>
-              <a:off x="7339948" y="2881815"/>
-              <a:ext cx="393700" cy="381000"/>
-            </a:xfrm>
-            <a:prstGeom prst="rect">
-              <a:avLst/>
-            </a:prstGeom>
-          </p:spPr>
-        </p:pic>
-        <p:pic>
-          <p:nvPicPr>
-            <p:cNvPr id="37" name="Picture 36">
-              <a:extLst>
-                <a:ext uri="{FF2B5EF4-FFF2-40B4-BE49-F238E27FC236}">
-                  <a16:creationId xmlns:a16="http://schemas.microsoft.com/office/drawing/2014/main" id="{8DAD9428-7112-EC46-845B-6EA8FC121AE6}"/>
-                </a:ext>
-              </a:extLst>
-            </p:cNvPr>
-            <p:cNvPicPr>
-              <a:picLocks noChangeAspect="1"/>
-            </p:cNvPicPr>
-            <p:nvPr/>
-          </p:nvPicPr>
-          <p:blipFill>
-            <a:blip r:embed="rId5"/>
-            <a:stretch>
-              <a:fillRect/>
-            </a:stretch>
-          </p:blipFill>
-          <p:spPr>
-            <a:xfrm>
-              <a:off x="8452354" y="2872866"/>
-              <a:ext cx="495300" cy="381000"/>
-            </a:xfrm>
-            <a:prstGeom prst="rect">
-              <a:avLst/>
-            </a:prstGeom>
-          </p:spPr>
-        </p:pic>
-      </p:grpSp>
-      <p:sp>
-        <p:nvSpPr>
-          <p:cNvPr id="42" name="Content Placeholder 4">
-            <a:extLst>
-              <a:ext uri="{FF2B5EF4-FFF2-40B4-BE49-F238E27FC236}">
-                <a16:creationId xmlns:a16="http://schemas.microsoft.com/office/drawing/2014/main" id="{BF8068B7-25E4-7C4A-B762-1B547F951843}"/>
-              </a:ext>
-            </a:extLst>
-          </p:cNvPr>
-          <p:cNvSpPr txBox="1">
-            <a:spLocks/>
-          </p:cNvSpPr>
-          <p:nvPr/>
-        </p:nvSpPr>
-        <p:spPr>
-          <a:xfrm>
-            <a:off x="123573" y="3638144"/>
-            <a:ext cx="5016833" cy="3210619"/>
-          </a:xfrm>
-          <a:prstGeom prst="rect">
-            <a:avLst/>
-          </a:prstGeom>
-        </p:spPr>
-        <p:txBody>
-          <a:bodyPr vert="horz" lIns="91440" tIns="45720" rIns="91440" bIns="45720" rtlCol="0">
-            <a:normAutofit/>
-          </a:bodyPr>
-          <a:lstStyle>
-            <a:lvl1pPr marL="228600" indent="-228600" algn="l" defTabSz="914400" rtl="0" eaLnBrk="1" latinLnBrk="0" hangingPunct="1">
-              <a:lnSpc>
-                <a:spcPct val="90000"/>
-              </a:lnSpc>
-              <a:spcBef>
-                <a:spcPts val="1000"/>
-              </a:spcBef>
-              <a:buFont typeface="Arial" panose="020B0604020202020204" pitchFamily="34" charset="0"/>
-              <a:buChar char="•"/>
-              <a:defRPr sz="2800" kern="1200">
-                <a:solidFill>
-                  <a:schemeClr val="tx1"/>
-                </a:solidFill>
-                <a:latin typeface="+mn-lt"/>
-                <a:ea typeface="+mn-ea"/>
-                <a:cs typeface="+mn-cs"/>
-              </a:defRPr>
-            </a:lvl1pPr>
-            <a:lvl2pPr marL="685800" indent="-228600" algn="l" defTabSz="914400" rtl="0" eaLnBrk="1" latinLnBrk="0" hangingPunct="1">
-              <a:lnSpc>
-                <a:spcPct val="90000"/>
-              </a:lnSpc>
-              <a:spcBef>
-                <a:spcPts val="500"/>
-              </a:spcBef>
-              <a:buFont typeface="Arial" panose="020B0604020202020204" pitchFamily="34" charset="0"/>
-              <a:buChar char="•"/>
-              <a:defRPr sz="2400" kern="1200">
-                <a:solidFill>
-                  <a:schemeClr val="tx1"/>
-                </a:solidFill>
-                <a:latin typeface="+mn-lt"/>
-                <a:ea typeface="+mn-ea"/>
-                <a:cs typeface="+mn-cs"/>
-              </a:defRPr>
-            </a:lvl2pPr>
-            <a:lvl3pPr marL="1143000" indent="-228600" algn="l" defTabSz="914400" rtl="0" eaLnBrk="1" latinLnBrk="0" hangingPunct="1">
-              <a:lnSpc>
-                <a:spcPct val="90000"/>
-              </a:lnSpc>
-              <a:spcBef>
-                <a:spcPts val="500"/>
-              </a:spcBef>
-              <a:buFont typeface="Arial" panose="020B0604020202020204" pitchFamily="34" charset="0"/>
-              <a:buChar char="•"/>
-              <a:defRPr sz="2000" kern="1200">
-                <a:solidFill>
-                  <a:schemeClr val="tx1"/>
-                </a:solidFill>
-                <a:latin typeface="+mn-lt"/>
-                <a:ea typeface="+mn-ea"/>
-                <a:cs typeface="+mn-cs"/>
-              </a:defRPr>
-            </a:lvl3pPr>
-            <a:lvl4pPr marL="1600200" indent="-228600" algn="l" defTabSz="914400" rtl="0" eaLnBrk="1" latinLnBrk="0" hangingPunct="1">
-              <a:lnSpc>
-                <a:spcPct val="90000"/>
-              </a:lnSpc>
-              <a:spcBef>
-                <a:spcPts val="500"/>
-              </a:spcBef>
-              <a:buFont typeface="Arial" panose="020B0604020202020204" pitchFamily="34" charset="0"/>
-              <a:buChar char="•"/>
-              <a:defRPr sz="1800" kern="1200">
-                <a:solidFill>
-                  <a:schemeClr val="tx1"/>
-                </a:solidFill>
-                <a:latin typeface="+mn-lt"/>
-                <a:ea typeface="+mn-ea"/>
-                <a:cs typeface="+mn-cs"/>
-              </a:defRPr>
-            </a:lvl4pPr>
-            <a:lvl5pPr marL="2057400" indent="-228600" algn="l" defTabSz="914400" rtl="0" eaLnBrk="1" latinLnBrk="0" hangingPunct="1">
-              <a:lnSpc>
-                <a:spcPct val="90000"/>
-              </a:lnSpc>
-              <a:spcBef>
-                <a:spcPts val="500"/>
-              </a:spcBef>
-              <a:buFont typeface="Arial" panose="020B0604020202020204" pitchFamily="34" charset="0"/>
-              <a:buChar char="•"/>
-              <a:defRPr sz="1800" kern="1200">
-                <a:solidFill>
-                  <a:schemeClr val="tx1"/>
-                </a:solidFill>
-                <a:latin typeface="+mn-lt"/>
-                <a:ea typeface="+mn-ea"/>
-                <a:cs typeface="+mn-cs"/>
-              </a:defRPr>
-            </a:lvl5pPr>
-            <a:lvl6pPr marL="2514600" indent="-228600" algn="l" defTabSz="914400" rtl="0" eaLnBrk="1" latinLnBrk="0" hangingPunct="1">
-              <a:lnSpc>
-                <a:spcPct val="90000"/>
-              </a:lnSpc>
-              <a:spcBef>
-                <a:spcPts val="500"/>
-              </a:spcBef>
-              <a:buFont typeface="Arial" panose="020B0604020202020204" pitchFamily="34" charset="0"/>
-              <a:buChar char="•"/>
-              <a:defRPr sz="1800" kern="1200">
-                <a:solidFill>
-                  <a:schemeClr val="tx1"/>
-                </a:solidFill>
-                <a:latin typeface="+mn-lt"/>
-                <a:ea typeface="+mn-ea"/>
-                <a:cs typeface="+mn-cs"/>
-              </a:defRPr>
-            </a:lvl6pPr>
-            <a:lvl7pPr marL="2971800" indent="-228600" algn="l" defTabSz="914400" rtl="0" eaLnBrk="1" latinLnBrk="0" hangingPunct="1">
-              <a:lnSpc>
-                <a:spcPct val="90000"/>
-              </a:lnSpc>
-              <a:spcBef>
-                <a:spcPts val="500"/>
-              </a:spcBef>
-              <a:buFont typeface="Arial" panose="020B0604020202020204" pitchFamily="34" charset="0"/>
-              <a:buChar char="•"/>
-              <a:defRPr sz="1800" kern="1200">
-                <a:solidFill>
-                  <a:schemeClr val="tx1"/>
-                </a:solidFill>
-                <a:latin typeface="+mn-lt"/>
-                <a:ea typeface="+mn-ea"/>
-                <a:cs typeface="+mn-cs"/>
-              </a:defRPr>
-            </a:lvl7pPr>
-            <a:lvl8pPr marL="3429000" indent="-228600" algn="l" defTabSz="914400" rtl="0" eaLnBrk="1" latinLnBrk="0" hangingPunct="1">
-              <a:lnSpc>
-                <a:spcPct val="90000"/>
-              </a:lnSpc>
-              <a:spcBef>
-                <a:spcPts val="500"/>
-              </a:spcBef>
-              <a:buFont typeface="Arial" panose="020B0604020202020204" pitchFamily="34" charset="0"/>
-              <a:buChar char="•"/>
-              <a:defRPr sz="1800" kern="1200">
-                <a:solidFill>
-                  <a:schemeClr val="tx1"/>
-                </a:solidFill>
-                <a:latin typeface="+mn-lt"/>
-                <a:ea typeface="+mn-ea"/>
-                <a:cs typeface="+mn-cs"/>
-              </a:defRPr>
-            </a:lvl8pPr>
-            <a:lvl9pPr marL="3886200" indent="-228600" algn="l" defTabSz="914400" rtl="0" eaLnBrk="1" latinLnBrk="0" hangingPunct="1">
-              <a:lnSpc>
-                <a:spcPct val="90000"/>
-              </a:lnSpc>
-              <a:spcBef>
-                <a:spcPts val="500"/>
-              </a:spcBef>
-              <a:buFont typeface="Arial" panose="020B0604020202020204" pitchFamily="34" charset="0"/>
-              <a:buChar char="•"/>
-              <a:defRPr sz="1800" kern="1200">
-                <a:solidFill>
-                  <a:schemeClr val="tx1"/>
-                </a:solidFill>
-                <a:latin typeface="+mn-lt"/>
-                <a:ea typeface="+mn-ea"/>
-                <a:cs typeface="+mn-cs"/>
-              </a:defRPr>
-            </a:lvl9pPr>
-          </a:lstStyle>
-          <a:p>
-            <a:pPr marL="0" indent="0">
-              <a:buNone/>
-            </a:pPr>
-            <a:r>
-              <a:rPr lang="en-US" sz="3200" b="1" dirty="0">
-                <a:solidFill>
-                  <a:prstClr val="black"/>
-                </a:solidFill>
-                <a:latin typeface="Calibri Light" panose="020F0302020204030204"/>
-                <a:ea typeface="+mj-ea"/>
-                <a:cs typeface="+mj-cs"/>
-              </a:rPr>
-              <a:t>Features:</a:t>
-            </a:r>
-          </a:p>
-          <a:p>
-            <a:r>
-              <a:rPr lang="en-US" sz="3200" b="1" dirty="0">
-                <a:solidFill>
-                  <a:srgbClr val="FF0000"/>
-                </a:solidFill>
-                <a:latin typeface="Calibri Light" panose="020F0302020204030204"/>
-                <a:ea typeface="+mj-ea"/>
-                <a:cs typeface="+mj-cs"/>
-              </a:rPr>
-              <a:t>Big gaps? </a:t>
-            </a:r>
-            <a:br>
-              <a:rPr lang="en-US" sz="3200" b="1" dirty="0">
-                <a:solidFill>
-                  <a:srgbClr val="FF0000"/>
-                </a:solidFill>
-                <a:latin typeface="Calibri Light" panose="020F0302020204030204"/>
-                <a:ea typeface="+mj-ea"/>
-                <a:cs typeface="+mj-cs"/>
-              </a:rPr>
-            </a:br>
-            <a:r>
-              <a:rPr lang="en-US" sz="3200" b="1" dirty="0">
-                <a:solidFill>
-                  <a:srgbClr val="FF0000"/>
-                </a:solidFill>
-                <a:latin typeface="Calibri Light" panose="020F0302020204030204"/>
-                <a:ea typeface="+mj-ea"/>
-                <a:cs typeface="+mj-cs"/>
-              </a:rPr>
-              <a:t>      Unknown?</a:t>
-            </a:r>
-            <a:br>
-              <a:rPr lang="en-US" sz="3200" b="1" dirty="0">
-                <a:solidFill>
-                  <a:srgbClr val="FF0000"/>
-                </a:solidFill>
-                <a:latin typeface="Calibri Light" panose="020F0302020204030204"/>
-                <a:ea typeface="+mj-ea"/>
-                <a:cs typeface="+mj-cs"/>
-              </a:rPr>
-            </a:br>
-            <a:r>
-              <a:rPr lang="en-US" sz="3200" b="1" dirty="0">
-                <a:solidFill>
-                  <a:srgbClr val="FF0000"/>
-                </a:solidFill>
-                <a:latin typeface="Calibri Light" panose="020F0302020204030204"/>
-                <a:ea typeface="+mj-ea"/>
-                <a:cs typeface="+mj-cs"/>
-              </a:rPr>
-              <a:t>      Depends on dimension?</a:t>
-            </a:r>
-          </a:p>
-          <a:p>
-            <a:r>
-              <a:rPr lang="en-US" sz="3200" b="1" dirty="0">
-                <a:solidFill>
-                  <a:prstClr val="black"/>
-                </a:solidFill>
-                <a:latin typeface="Calibri Light" panose="020F0302020204030204"/>
-                <a:ea typeface="+mj-ea"/>
-                <a:cs typeface="+mj-cs"/>
-              </a:rPr>
-              <a:t>scalable algorithm</a:t>
-            </a:r>
-          </a:p>
-        </p:txBody>
-      </p:sp>
       <p:pic>
         <p:nvPicPr>
           <p:cNvPr id="38" name="Picture 37">
@@ -20409,971 +18923,6 @@
           <a:chExt cx="0" cy="0"/>
         </a:xfrm>
       </p:grpSpPr>
-      <p:sp>
-        <p:nvSpPr>
-          <p:cNvPr id="6" name="Title 1">
-            <a:extLst>
-              <a:ext uri="{FF2B5EF4-FFF2-40B4-BE49-F238E27FC236}">
-                <a16:creationId xmlns:a16="http://schemas.microsoft.com/office/drawing/2014/main" id="{B0A62286-0446-5248-A8D2-FDE8AD292547}"/>
-              </a:ext>
-            </a:extLst>
-          </p:cNvPr>
-          <p:cNvSpPr txBox="1">
-            <a:spLocks/>
-          </p:cNvSpPr>
-          <p:nvPr/>
-        </p:nvSpPr>
-        <p:spPr bwMode="auto">
-          <a:xfrm>
-            <a:off x="7391400" y="33853438"/>
-            <a:ext cx="11353800" cy="1176337"/>
-          </a:xfrm>
-          <a:prstGeom prst="rect">
-            <a:avLst/>
-          </a:prstGeom>
-          <a:noFill/>
-          <a:ln>
-            <a:noFill/>
-          </a:ln>
-          <a:extLst>
-            <a:ext uri="{909E8E84-426E-40DD-AFC4-6F175D3DCCD1}">
-              <a14:hiddenFill xmlns:a14="http://schemas.microsoft.com/office/drawing/2010/main">
-                <a:solidFill>
-                  <a:srgbClr val="FFFFFF"/>
-                </a:solidFill>
-              </a14:hiddenFill>
-            </a:ext>
-            <a:ext uri="{91240B29-F687-4F45-9708-019B960494DF}">
-              <a14:hiddenLine xmlns:a14="http://schemas.microsoft.com/office/drawing/2010/main" w="9525">
-                <a:solidFill>
-                  <a:srgbClr val="000000"/>
-                </a:solidFill>
-                <a:miter lim="800000"/>
-                <a:headEnd/>
-                <a:tailEnd/>
-              </a14:hiddenLine>
-            </a:ext>
-          </a:extLst>
-        </p:spPr>
-        <p:txBody>
-          <a:bodyPr lIns="365760" tIns="182880" rIns="365760" bIns="182880" anchor="ctr"/>
-          <a:lstStyle>
-            <a:lvl1pPr eaLnBrk="0" hangingPunct="0">
-              <a:defRPr sz="7200">
-                <a:solidFill>
-                  <a:schemeClr val="tx1"/>
-                </a:solidFill>
-                <a:latin typeface="Arial" charset="0"/>
-                <a:ea typeface="ＭＳ Ｐゴシック" pitchFamily="34" charset="-128"/>
-              </a:defRPr>
-            </a:lvl1pPr>
-            <a:lvl2pPr marL="742950" indent="-285750" eaLnBrk="0" hangingPunct="0">
-              <a:defRPr sz="7200">
-                <a:solidFill>
-                  <a:schemeClr val="tx1"/>
-                </a:solidFill>
-                <a:latin typeface="Arial" charset="0"/>
-                <a:ea typeface="ＭＳ Ｐゴシック" pitchFamily="34" charset="-128"/>
-              </a:defRPr>
-            </a:lvl2pPr>
-            <a:lvl3pPr marL="1143000" indent="-228600" eaLnBrk="0" hangingPunct="0">
-              <a:defRPr sz="7200">
-                <a:solidFill>
-                  <a:schemeClr val="tx1"/>
-                </a:solidFill>
-                <a:latin typeface="Arial" charset="0"/>
-                <a:ea typeface="ＭＳ Ｐゴシック" pitchFamily="34" charset="-128"/>
-              </a:defRPr>
-            </a:lvl3pPr>
-            <a:lvl4pPr marL="1600200" indent="-228600" eaLnBrk="0" hangingPunct="0">
-              <a:defRPr sz="7200">
-                <a:solidFill>
-                  <a:schemeClr val="tx1"/>
-                </a:solidFill>
-                <a:latin typeface="Arial" charset="0"/>
-                <a:ea typeface="ＭＳ Ｐゴシック" pitchFamily="34" charset="-128"/>
-              </a:defRPr>
-            </a:lvl4pPr>
-            <a:lvl5pPr marL="2057400" indent="-228600" eaLnBrk="0" hangingPunct="0">
-              <a:defRPr sz="7200">
-                <a:solidFill>
-                  <a:schemeClr val="tx1"/>
-                </a:solidFill>
-                <a:latin typeface="Arial" charset="0"/>
-                <a:ea typeface="ＭＳ Ｐゴシック" pitchFamily="34" charset="-128"/>
-              </a:defRPr>
-            </a:lvl5pPr>
-            <a:lvl6pPr marL="2514600" indent="-228600" defTabSz="1828800" eaLnBrk="0" fontAlgn="base" hangingPunct="0">
-              <a:spcBef>
-                <a:spcPct val="0"/>
-              </a:spcBef>
-              <a:spcAft>
-                <a:spcPct val="0"/>
-              </a:spcAft>
-              <a:defRPr sz="7200">
-                <a:solidFill>
-                  <a:schemeClr val="tx1"/>
-                </a:solidFill>
-                <a:latin typeface="Arial" charset="0"/>
-                <a:ea typeface="ＭＳ Ｐゴシック" pitchFamily="34" charset="-128"/>
-              </a:defRPr>
-            </a:lvl6pPr>
-            <a:lvl7pPr marL="2971800" indent="-228600" defTabSz="1828800" eaLnBrk="0" fontAlgn="base" hangingPunct="0">
-              <a:spcBef>
-                <a:spcPct val="0"/>
-              </a:spcBef>
-              <a:spcAft>
-                <a:spcPct val="0"/>
-              </a:spcAft>
-              <a:defRPr sz="7200">
-                <a:solidFill>
-                  <a:schemeClr val="tx1"/>
-                </a:solidFill>
-                <a:latin typeface="Arial" charset="0"/>
-                <a:ea typeface="ＭＳ Ｐゴシック" pitchFamily="34" charset="-128"/>
-              </a:defRPr>
-            </a:lvl7pPr>
-            <a:lvl8pPr marL="3429000" indent="-228600" defTabSz="1828800" eaLnBrk="0" fontAlgn="base" hangingPunct="0">
-              <a:spcBef>
-                <a:spcPct val="0"/>
-              </a:spcBef>
-              <a:spcAft>
-                <a:spcPct val="0"/>
-              </a:spcAft>
-              <a:defRPr sz="7200">
-                <a:solidFill>
-                  <a:schemeClr val="tx1"/>
-                </a:solidFill>
-                <a:latin typeface="Arial" charset="0"/>
-                <a:ea typeface="ＭＳ Ｐゴシック" pitchFamily="34" charset="-128"/>
-              </a:defRPr>
-            </a:lvl8pPr>
-            <a:lvl9pPr marL="3886200" indent="-228600" defTabSz="1828800" eaLnBrk="0" fontAlgn="base" hangingPunct="0">
-              <a:spcBef>
-                <a:spcPct val="0"/>
-              </a:spcBef>
-              <a:spcAft>
-                <a:spcPct val="0"/>
-              </a:spcAft>
-              <a:defRPr sz="7200">
-                <a:solidFill>
-                  <a:schemeClr val="tx1"/>
-                </a:solidFill>
-                <a:latin typeface="Arial" charset="0"/>
-                <a:ea typeface="ＭＳ Ｐゴシック" pitchFamily="34" charset="-128"/>
-              </a:defRPr>
-            </a:lvl9pPr>
-          </a:lstStyle>
-          <a:p>
-            <a:pPr algn="ctr" eaLnBrk="1" hangingPunct="1">
-              <a:defRPr/>
-            </a:pPr>
-            <a:endParaRPr lang="en-US" altLang="en-US" sz="1800" dirty="0">
-              <a:solidFill>
-                <a:schemeClr val="bg1"/>
-              </a:solidFill>
-              <a:latin typeface="+mj-lt"/>
-            </a:endParaRPr>
-          </a:p>
-          <a:p>
-            <a:pPr algn="ctr" eaLnBrk="1" hangingPunct="1">
-              <a:defRPr/>
-            </a:pPr>
-            <a:r>
-              <a:rPr lang="en-US" sz="1800" dirty="0">
-                <a:solidFill>
-                  <a:schemeClr val="bg1"/>
-                </a:solidFill>
-                <a:latin typeface="+mj-lt"/>
-              </a:rPr>
-              <a:t>Sandia National Laboratories is a multimission laboratory managed and operated by National Technology and Engineering Solutions of Sandia, LLC., a wholly owned subsidiary of Honeywell International, Inc., for the U.S. Department of Energy’s National Nuclear Security Administration under Contract DE-NA0003525.</a:t>
-            </a:r>
-          </a:p>
-          <a:p>
-            <a:pPr algn="ctr" eaLnBrk="1" hangingPunct="1">
-              <a:defRPr/>
-            </a:pPr>
-            <a:endParaRPr lang="en-US" altLang="en-US" sz="1800" dirty="0">
-              <a:solidFill>
-                <a:schemeClr val="bg1"/>
-              </a:solidFill>
-              <a:latin typeface="+mj-lt"/>
-            </a:endParaRPr>
-          </a:p>
-        </p:txBody>
-      </p:sp>
-      <p:sp>
-        <p:nvSpPr>
-          <p:cNvPr id="7" name="Title 1">
-            <a:extLst>
-              <a:ext uri="{FF2B5EF4-FFF2-40B4-BE49-F238E27FC236}">
-                <a16:creationId xmlns:a16="http://schemas.microsoft.com/office/drawing/2014/main" id="{606DAE0A-2A3C-F14F-90F8-26A6E2EFD9FB}"/>
-              </a:ext>
-            </a:extLst>
-          </p:cNvPr>
-          <p:cNvSpPr txBox="1">
-            <a:spLocks/>
-          </p:cNvSpPr>
-          <p:nvPr/>
-        </p:nvSpPr>
-        <p:spPr bwMode="auto">
-          <a:xfrm>
-            <a:off x="7543800" y="34005838"/>
-            <a:ext cx="11353800" cy="1176337"/>
-          </a:xfrm>
-          <a:prstGeom prst="rect">
-            <a:avLst/>
-          </a:prstGeom>
-          <a:noFill/>
-          <a:ln>
-            <a:noFill/>
-          </a:ln>
-          <a:extLst>
-            <a:ext uri="{909E8E84-426E-40DD-AFC4-6F175D3DCCD1}">
-              <a14:hiddenFill xmlns:a14="http://schemas.microsoft.com/office/drawing/2010/main">
-                <a:solidFill>
-                  <a:srgbClr val="FFFFFF"/>
-                </a:solidFill>
-              </a14:hiddenFill>
-            </a:ext>
-            <a:ext uri="{91240B29-F687-4F45-9708-019B960494DF}">
-              <a14:hiddenLine xmlns:a14="http://schemas.microsoft.com/office/drawing/2010/main" w="9525">
-                <a:solidFill>
-                  <a:srgbClr val="000000"/>
-                </a:solidFill>
-                <a:miter lim="800000"/>
-                <a:headEnd/>
-                <a:tailEnd/>
-              </a14:hiddenLine>
-            </a:ext>
-          </a:extLst>
-        </p:spPr>
-        <p:txBody>
-          <a:bodyPr lIns="365760" tIns="182880" rIns="365760" bIns="182880" anchor="ctr"/>
-          <a:lstStyle>
-            <a:lvl1pPr eaLnBrk="0" hangingPunct="0">
-              <a:defRPr sz="7200">
-                <a:solidFill>
-                  <a:schemeClr val="tx1"/>
-                </a:solidFill>
-                <a:latin typeface="Arial" charset="0"/>
-                <a:ea typeface="ＭＳ Ｐゴシック" pitchFamily="34" charset="-128"/>
-              </a:defRPr>
-            </a:lvl1pPr>
-            <a:lvl2pPr marL="742950" indent="-285750" eaLnBrk="0" hangingPunct="0">
-              <a:defRPr sz="7200">
-                <a:solidFill>
-                  <a:schemeClr val="tx1"/>
-                </a:solidFill>
-                <a:latin typeface="Arial" charset="0"/>
-                <a:ea typeface="ＭＳ Ｐゴシック" pitchFamily="34" charset="-128"/>
-              </a:defRPr>
-            </a:lvl2pPr>
-            <a:lvl3pPr marL="1143000" indent="-228600" eaLnBrk="0" hangingPunct="0">
-              <a:defRPr sz="7200">
-                <a:solidFill>
-                  <a:schemeClr val="tx1"/>
-                </a:solidFill>
-                <a:latin typeface="Arial" charset="0"/>
-                <a:ea typeface="ＭＳ Ｐゴシック" pitchFamily="34" charset="-128"/>
-              </a:defRPr>
-            </a:lvl3pPr>
-            <a:lvl4pPr marL="1600200" indent="-228600" eaLnBrk="0" hangingPunct="0">
-              <a:defRPr sz="7200">
-                <a:solidFill>
-                  <a:schemeClr val="tx1"/>
-                </a:solidFill>
-                <a:latin typeface="Arial" charset="0"/>
-                <a:ea typeface="ＭＳ Ｐゴシック" pitchFamily="34" charset="-128"/>
-              </a:defRPr>
-            </a:lvl4pPr>
-            <a:lvl5pPr marL="2057400" indent="-228600" eaLnBrk="0" hangingPunct="0">
-              <a:defRPr sz="7200">
-                <a:solidFill>
-                  <a:schemeClr val="tx1"/>
-                </a:solidFill>
-                <a:latin typeface="Arial" charset="0"/>
-                <a:ea typeface="ＭＳ Ｐゴシック" pitchFamily="34" charset="-128"/>
-              </a:defRPr>
-            </a:lvl5pPr>
-            <a:lvl6pPr marL="2514600" indent="-228600" defTabSz="1828800" eaLnBrk="0" fontAlgn="base" hangingPunct="0">
-              <a:spcBef>
-                <a:spcPct val="0"/>
-              </a:spcBef>
-              <a:spcAft>
-                <a:spcPct val="0"/>
-              </a:spcAft>
-              <a:defRPr sz="7200">
-                <a:solidFill>
-                  <a:schemeClr val="tx1"/>
-                </a:solidFill>
-                <a:latin typeface="Arial" charset="0"/>
-                <a:ea typeface="ＭＳ Ｐゴシック" pitchFamily="34" charset="-128"/>
-              </a:defRPr>
-            </a:lvl6pPr>
-            <a:lvl7pPr marL="2971800" indent="-228600" defTabSz="1828800" eaLnBrk="0" fontAlgn="base" hangingPunct="0">
-              <a:spcBef>
-                <a:spcPct val="0"/>
-              </a:spcBef>
-              <a:spcAft>
-                <a:spcPct val="0"/>
-              </a:spcAft>
-              <a:defRPr sz="7200">
-                <a:solidFill>
-                  <a:schemeClr val="tx1"/>
-                </a:solidFill>
-                <a:latin typeface="Arial" charset="0"/>
-                <a:ea typeface="ＭＳ Ｐゴシック" pitchFamily="34" charset="-128"/>
-              </a:defRPr>
-            </a:lvl7pPr>
-            <a:lvl8pPr marL="3429000" indent="-228600" defTabSz="1828800" eaLnBrk="0" fontAlgn="base" hangingPunct="0">
-              <a:spcBef>
-                <a:spcPct val="0"/>
-              </a:spcBef>
-              <a:spcAft>
-                <a:spcPct val="0"/>
-              </a:spcAft>
-              <a:defRPr sz="7200">
-                <a:solidFill>
-                  <a:schemeClr val="tx1"/>
-                </a:solidFill>
-                <a:latin typeface="Arial" charset="0"/>
-                <a:ea typeface="ＭＳ Ｐゴシック" pitchFamily="34" charset="-128"/>
-              </a:defRPr>
-            </a:lvl8pPr>
-            <a:lvl9pPr marL="3886200" indent="-228600" defTabSz="1828800" eaLnBrk="0" fontAlgn="base" hangingPunct="0">
-              <a:spcBef>
-                <a:spcPct val="0"/>
-              </a:spcBef>
-              <a:spcAft>
-                <a:spcPct val="0"/>
-              </a:spcAft>
-              <a:defRPr sz="7200">
-                <a:solidFill>
-                  <a:schemeClr val="tx1"/>
-                </a:solidFill>
-                <a:latin typeface="Arial" charset="0"/>
-                <a:ea typeface="ＭＳ Ｐゴシック" pitchFamily="34" charset="-128"/>
-              </a:defRPr>
-            </a:lvl9pPr>
-          </a:lstStyle>
-          <a:p>
-            <a:pPr algn="ctr" eaLnBrk="1" hangingPunct="1">
-              <a:defRPr/>
-            </a:pPr>
-            <a:endParaRPr lang="en-US" altLang="en-US" sz="1800" dirty="0">
-              <a:solidFill>
-                <a:schemeClr val="bg1"/>
-              </a:solidFill>
-              <a:latin typeface="+mj-lt"/>
-            </a:endParaRPr>
-          </a:p>
-          <a:p>
-            <a:pPr algn="ctr" eaLnBrk="1" hangingPunct="1">
-              <a:defRPr/>
-            </a:pPr>
-            <a:r>
-              <a:rPr lang="en-US" sz="1800" dirty="0">
-                <a:solidFill>
-                  <a:schemeClr val="bg1"/>
-                </a:solidFill>
-                <a:latin typeface="+mj-lt"/>
-              </a:rPr>
-              <a:t>Sandia National Laboratories is a multimission laboratory managed and operated by National Technology and Engineering Solutions of Sandia, LLC., a wholly owned subsidiary of Honeywell International, Inc., for the U.S. Department of Energy’s National Nuclear Security Administration under Contract DE-NA0003525.</a:t>
-            </a:r>
-          </a:p>
-          <a:p>
-            <a:pPr algn="ctr" eaLnBrk="1" hangingPunct="1">
-              <a:defRPr/>
-            </a:pPr>
-            <a:endParaRPr lang="en-US" altLang="en-US" sz="1800" dirty="0">
-              <a:solidFill>
-                <a:schemeClr val="bg1"/>
-              </a:solidFill>
-              <a:latin typeface="+mj-lt"/>
-            </a:endParaRPr>
-          </a:p>
-        </p:txBody>
-      </p:sp>
-      <p:sp>
-        <p:nvSpPr>
-          <p:cNvPr id="9" name="Title 1">
-            <a:extLst>
-              <a:ext uri="{FF2B5EF4-FFF2-40B4-BE49-F238E27FC236}">
-                <a16:creationId xmlns:a16="http://schemas.microsoft.com/office/drawing/2014/main" id="{BB9D3833-2E5E-684A-B67C-7B0490605A21}"/>
-              </a:ext>
-            </a:extLst>
-          </p:cNvPr>
-          <p:cNvSpPr txBox="1">
-            <a:spLocks/>
-          </p:cNvSpPr>
-          <p:nvPr/>
-        </p:nvSpPr>
-        <p:spPr bwMode="auto">
-          <a:xfrm>
-            <a:off x="7696200" y="34158238"/>
-            <a:ext cx="11353800" cy="1176337"/>
-          </a:xfrm>
-          <a:prstGeom prst="rect">
-            <a:avLst/>
-          </a:prstGeom>
-          <a:noFill/>
-          <a:ln>
-            <a:noFill/>
-          </a:ln>
-          <a:extLst>
-            <a:ext uri="{909E8E84-426E-40DD-AFC4-6F175D3DCCD1}">
-              <a14:hiddenFill xmlns:a14="http://schemas.microsoft.com/office/drawing/2010/main">
-                <a:solidFill>
-                  <a:srgbClr val="FFFFFF"/>
-                </a:solidFill>
-              </a14:hiddenFill>
-            </a:ext>
-            <a:ext uri="{91240B29-F687-4F45-9708-019B960494DF}">
-              <a14:hiddenLine xmlns:a14="http://schemas.microsoft.com/office/drawing/2010/main" w="9525">
-                <a:solidFill>
-                  <a:srgbClr val="000000"/>
-                </a:solidFill>
-                <a:miter lim="800000"/>
-                <a:headEnd/>
-                <a:tailEnd/>
-              </a14:hiddenLine>
-            </a:ext>
-          </a:extLst>
-        </p:spPr>
-        <p:txBody>
-          <a:bodyPr lIns="365760" tIns="182880" rIns="365760" bIns="182880" anchor="ctr"/>
-          <a:lstStyle>
-            <a:lvl1pPr eaLnBrk="0" hangingPunct="0">
-              <a:defRPr sz="7200">
-                <a:solidFill>
-                  <a:schemeClr val="tx1"/>
-                </a:solidFill>
-                <a:latin typeface="Arial" charset="0"/>
-                <a:ea typeface="ＭＳ Ｐゴシック" pitchFamily="34" charset="-128"/>
-              </a:defRPr>
-            </a:lvl1pPr>
-            <a:lvl2pPr marL="742950" indent="-285750" eaLnBrk="0" hangingPunct="0">
-              <a:defRPr sz="7200">
-                <a:solidFill>
-                  <a:schemeClr val="tx1"/>
-                </a:solidFill>
-                <a:latin typeface="Arial" charset="0"/>
-                <a:ea typeface="ＭＳ Ｐゴシック" pitchFamily="34" charset="-128"/>
-              </a:defRPr>
-            </a:lvl2pPr>
-            <a:lvl3pPr marL="1143000" indent="-228600" eaLnBrk="0" hangingPunct="0">
-              <a:defRPr sz="7200">
-                <a:solidFill>
-                  <a:schemeClr val="tx1"/>
-                </a:solidFill>
-                <a:latin typeface="Arial" charset="0"/>
-                <a:ea typeface="ＭＳ Ｐゴシック" pitchFamily="34" charset="-128"/>
-              </a:defRPr>
-            </a:lvl3pPr>
-            <a:lvl4pPr marL="1600200" indent="-228600" eaLnBrk="0" hangingPunct="0">
-              <a:defRPr sz="7200">
-                <a:solidFill>
-                  <a:schemeClr val="tx1"/>
-                </a:solidFill>
-                <a:latin typeface="Arial" charset="0"/>
-                <a:ea typeface="ＭＳ Ｐゴシック" pitchFamily="34" charset="-128"/>
-              </a:defRPr>
-            </a:lvl4pPr>
-            <a:lvl5pPr marL="2057400" indent="-228600" eaLnBrk="0" hangingPunct="0">
-              <a:defRPr sz="7200">
-                <a:solidFill>
-                  <a:schemeClr val="tx1"/>
-                </a:solidFill>
-                <a:latin typeface="Arial" charset="0"/>
-                <a:ea typeface="ＭＳ Ｐゴシック" pitchFamily="34" charset="-128"/>
-              </a:defRPr>
-            </a:lvl5pPr>
-            <a:lvl6pPr marL="2514600" indent="-228600" defTabSz="1828800" eaLnBrk="0" fontAlgn="base" hangingPunct="0">
-              <a:spcBef>
-                <a:spcPct val="0"/>
-              </a:spcBef>
-              <a:spcAft>
-                <a:spcPct val="0"/>
-              </a:spcAft>
-              <a:defRPr sz="7200">
-                <a:solidFill>
-                  <a:schemeClr val="tx1"/>
-                </a:solidFill>
-                <a:latin typeface="Arial" charset="0"/>
-                <a:ea typeface="ＭＳ Ｐゴシック" pitchFamily="34" charset="-128"/>
-              </a:defRPr>
-            </a:lvl6pPr>
-            <a:lvl7pPr marL="2971800" indent="-228600" defTabSz="1828800" eaLnBrk="0" fontAlgn="base" hangingPunct="0">
-              <a:spcBef>
-                <a:spcPct val="0"/>
-              </a:spcBef>
-              <a:spcAft>
-                <a:spcPct val="0"/>
-              </a:spcAft>
-              <a:defRPr sz="7200">
-                <a:solidFill>
-                  <a:schemeClr val="tx1"/>
-                </a:solidFill>
-                <a:latin typeface="Arial" charset="0"/>
-                <a:ea typeface="ＭＳ Ｐゴシック" pitchFamily="34" charset="-128"/>
-              </a:defRPr>
-            </a:lvl7pPr>
-            <a:lvl8pPr marL="3429000" indent="-228600" defTabSz="1828800" eaLnBrk="0" fontAlgn="base" hangingPunct="0">
-              <a:spcBef>
-                <a:spcPct val="0"/>
-              </a:spcBef>
-              <a:spcAft>
-                <a:spcPct val="0"/>
-              </a:spcAft>
-              <a:defRPr sz="7200">
-                <a:solidFill>
-                  <a:schemeClr val="tx1"/>
-                </a:solidFill>
-                <a:latin typeface="Arial" charset="0"/>
-                <a:ea typeface="ＭＳ Ｐゴシック" pitchFamily="34" charset="-128"/>
-              </a:defRPr>
-            </a:lvl8pPr>
-            <a:lvl9pPr marL="3886200" indent="-228600" defTabSz="1828800" eaLnBrk="0" fontAlgn="base" hangingPunct="0">
-              <a:spcBef>
-                <a:spcPct val="0"/>
-              </a:spcBef>
-              <a:spcAft>
-                <a:spcPct val="0"/>
-              </a:spcAft>
-              <a:defRPr sz="7200">
-                <a:solidFill>
-                  <a:schemeClr val="tx1"/>
-                </a:solidFill>
-                <a:latin typeface="Arial" charset="0"/>
-                <a:ea typeface="ＭＳ Ｐゴシック" pitchFamily="34" charset="-128"/>
-              </a:defRPr>
-            </a:lvl9pPr>
-          </a:lstStyle>
-          <a:p>
-            <a:pPr algn="ctr" eaLnBrk="1" hangingPunct="1">
-              <a:defRPr/>
-            </a:pPr>
-            <a:endParaRPr lang="en-US" altLang="en-US" sz="1800" dirty="0">
-              <a:solidFill>
-                <a:schemeClr val="bg1"/>
-              </a:solidFill>
-              <a:latin typeface="+mj-lt"/>
-            </a:endParaRPr>
-          </a:p>
-          <a:p>
-            <a:pPr algn="ctr" eaLnBrk="1" hangingPunct="1">
-              <a:defRPr/>
-            </a:pPr>
-            <a:r>
-              <a:rPr lang="en-US" sz="1800" dirty="0">
-                <a:solidFill>
-                  <a:schemeClr val="bg1"/>
-                </a:solidFill>
-                <a:latin typeface="+mj-lt"/>
-              </a:rPr>
-              <a:t>Sandia National Laboratories is a multimission laboratory managed and operated by National Technology and Engineering Solutions of Sandia, LLC., a wholly owned subsidiary of Honeywell International, Inc., for the U.S. Department of Energy’s National Nuclear Security Administration under Contract DE-NA0003525.</a:t>
-            </a:r>
-          </a:p>
-          <a:p>
-            <a:pPr algn="ctr" eaLnBrk="1" hangingPunct="1">
-              <a:defRPr/>
-            </a:pPr>
-            <a:endParaRPr lang="en-US" altLang="en-US" sz="1800" dirty="0">
-              <a:solidFill>
-                <a:schemeClr val="bg1"/>
-              </a:solidFill>
-              <a:latin typeface="+mj-lt"/>
-            </a:endParaRPr>
-          </a:p>
-        </p:txBody>
-      </p:sp>
-      <p:sp>
-        <p:nvSpPr>
-          <p:cNvPr id="10" name="Title 1">
-            <a:extLst>
-              <a:ext uri="{FF2B5EF4-FFF2-40B4-BE49-F238E27FC236}">
-                <a16:creationId xmlns:a16="http://schemas.microsoft.com/office/drawing/2014/main" id="{89E4D917-E58F-6C48-A545-0B17C6762859}"/>
-              </a:ext>
-            </a:extLst>
-          </p:cNvPr>
-          <p:cNvSpPr txBox="1">
-            <a:spLocks/>
-          </p:cNvSpPr>
-          <p:nvPr/>
-        </p:nvSpPr>
-        <p:spPr bwMode="auto">
-          <a:xfrm>
-            <a:off x="9982200" y="29946600"/>
-            <a:ext cx="11353800" cy="1176337"/>
-          </a:xfrm>
-          <a:prstGeom prst="rect">
-            <a:avLst/>
-          </a:prstGeom>
-          <a:noFill/>
-          <a:ln>
-            <a:noFill/>
-          </a:ln>
-          <a:extLst>
-            <a:ext uri="{909E8E84-426E-40DD-AFC4-6F175D3DCCD1}">
-              <a14:hiddenFill xmlns:a14="http://schemas.microsoft.com/office/drawing/2010/main">
-                <a:solidFill>
-                  <a:srgbClr val="FFFFFF"/>
-                </a:solidFill>
-              </a14:hiddenFill>
-            </a:ext>
-            <a:ext uri="{91240B29-F687-4F45-9708-019B960494DF}">
-              <a14:hiddenLine xmlns:a14="http://schemas.microsoft.com/office/drawing/2010/main" w="9525">
-                <a:solidFill>
-                  <a:srgbClr val="000000"/>
-                </a:solidFill>
-                <a:miter lim="800000"/>
-                <a:headEnd/>
-                <a:tailEnd/>
-              </a14:hiddenLine>
-            </a:ext>
-          </a:extLst>
-        </p:spPr>
-        <p:txBody>
-          <a:bodyPr lIns="365760" tIns="182880" rIns="365760" bIns="182880" anchor="ctr"/>
-          <a:lstStyle>
-            <a:lvl1pPr eaLnBrk="0" hangingPunct="0">
-              <a:defRPr sz="7200">
-                <a:solidFill>
-                  <a:schemeClr val="tx1"/>
-                </a:solidFill>
-                <a:latin typeface="Arial" charset="0"/>
-                <a:ea typeface="ＭＳ Ｐゴシック" pitchFamily="34" charset="-128"/>
-              </a:defRPr>
-            </a:lvl1pPr>
-            <a:lvl2pPr marL="742950" indent="-285750" eaLnBrk="0" hangingPunct="0">
-              <a:defRPr sz="7200">
-                <a:solidFill>
-                  <a:schemeClr val="tx1"/>
-                </a:solidFill>
-                <a:latin typeface="Arial" charset="0"/>
-                <a:ea typeface="ＭＳ Ｐゴシック" pitchFamily="34" charset="-128"/>
-              </a:defRPr>
-            </a:lvl2pPr>
-            <a:lvl3pPr marL="1143000" indent="-228600" eaLnBrk="0" hangingPunct="0">
-              <a:defRPr sz="7200">
-                <a:solidFill>
-                  <a:schemeClr val="tx1"/>
-                </a:solidFill>
-                <a:latin typeface="Arial" charset="0"/>
-                <a:ea typeface="ＭＳ Ｐゴシック" pitchFamily="34" charset="-128"/>
-              </a:defRPr>
-            </a:lvl3pPr>
-            <a:lvl4pPr marL="1600200" indent="-228600" eaLnBrk="0" hangingPunct="0">
-              <a:defRPr sz="7200">
-                <a:solidFill>
-                  <a:schemeClr val="tx1"/>
-                </a:solidFill>
-                <a:latin typeface="Arial" charset="0"/>
-                <a:ea typeface="ＭＳ Ｐゴシック" pitchFamily="34" charset="-128"/>
-              </a:defRPr>
-            </a:lvl4pPr>
-            <a:lvl5pPr marL="2057400" indent="-228600" eaLnBrk="0" hangingPunct="0">
-              <a:defRPr sz="7200">
-                <a:solidFill>
-                  <a:schemeClr val="tx1"/>
-                </a:solidFill>
-                <a:latin typeface="Arial" charset="0"/>
-                <a:ea typeface="ＭＳ Ｐゴシック" pitchFamily="34" charset="-128"/>
-              </a:defRPr>
-            </a:lvl5pPr>
-            <a:lvl6pPr marL="2514600" indent="-228600" defTabSz="1828800" eaLnBrk="0" fontAlgn="base" hangingPunct="0">
-              <a:spcBef>
-                <a:spcPct val="0"/>
-              </a:spcBef>
-              <a:spcAft>
-                <a:spcPct val="0"/>
-              </a:spcAft>
-              <a:defRPr sz="7200">
-                <a:solidFill>
-                  <a:schemeClr val="tx1"/>
-                </a:solidFill>
-                <a:latin typeface="Arial" charset="0"/>
-                <a:ea typeface="ＭＳ Ｐゴシック" pitchFamily="34" charset="-128"/>
-              </a:defRPr>
-            </a:lvl6pPr>
-            <a:lvl7pPr marL="2971800" indent="-228600" defTabSz="1828800" eaLnBrk="0" fontAlgn="base" hangingPunct="0">
-              <a:spcBef>
-                <a:spcPct val="0"/>
-              </a:spcBef>
-              <a:spcAft>
-                <a:spcPct val="0"/>
-              </a:spcAft>
-              <a:defRPr sz="7200">
-                <a:solidFill>
-                  <a:schemeClr val="tx1"/>
-                </a:solidFill>
-                <a:latin typeface="Arial" charset="0"/>
-                <a:ea typeface="ＭＳ Ｐゴシック" pitchFamily="34" charset="-128"/>
-              </a:defRPr>
-            </a:lvl7pPr>
-            <a:lvl8pPr marL="3429000" indent="-228600" defTabSz="1828800" eaLnBrk="0" fontAlgn="base" hangingPunct="0">
-              <a:spcBef>
-                <a:spcPct val="0"/>
-              </a:spcBef>
-              <a:spcAft>
-                <a:spcPct val="0"/>
-              </a:spcAft>
-              <a:defRPr sz="7200">
-                <a:solidFill>
-                  <a:schemeClr val="tx1"/>
-                </a:solidFill>
-                <a:latin typeface="Arial" charset="0"/>
-                <a:ea typeface="ＭＳ Ｐゴシック" pitchFamily="34" charset="-128"/>
-              </a:defRPr>
-            </a:lvl8pPr>
-            <a:lvl9pPr marL="3886200" indent="-228600" defTabSz="1828800" eaLnBrk="0" fontAlgn="base" hangingPunct="0">
-              <a:spcBef>
-                <a:spcPct val="0"/>
-              </a:spcBef>
-              <a:spcAft>
-                <a:spcPct val="0"/>
-              </a:spcAft>
-              <a:defRPr sz="7200">
-                <a:solidFill>
-                  <a:schemeClr val="tx1"/>
-                </a:solidFill>
-                <a:latin typeface="Arial" charset="0"/>
-                <a:ea typeface="ＭＳ Ｐゴシック" pitchFamily="34" charset="-128"/>
-              </a:defRPr>
-            </a:lvl9pPr>
-          </a:lstStyle>
-          <a:p>
-            <a:pPr algn="ctr" eaLnBrk="1" hangingPunct="1">
-              <a:defRPr/>
-            </a:pPr>
-            <a:endParaRPr lang="en-US" altLang="en-US" sz="1800" dirty="0">
-              <a:solidFill>
-                <a:schemeClr val="tx1"/>
-              </a:solidFill>
-              <a:latin typeface="+mj-lt"/>
-            </a:endParaRPr>
-          </a:p>
-          <a:p>
-            <a:pPr algn="ctr" eaLnBrk="1" hangingPunct="1">
-              <a:defRPr/>
-            </a:pPr>
-            <a:r>
-              <a:rPr lang="en-US" sz="1800" dirty="0">
-                <a:solidFill>
-                  <a:schemeClr val="tx1"/>
-                </a:solidFill>
-                <a:latin typeface="+mj-lt"/>
-              </a:rPr>
-              <a:t>Sandia National Laboratories is a multimission laboratory managed and operated by National Technology and Engineering Solutions of Sandia, LLC., a wholly owned subsidiary of Honeywell International, Inc., for the U.S. Department of Energy’s National Nuclear Security Administration under Contract DE-NA0003525.</a:t>
-            </a:r>
-          </a:p>
-          <a:p>
-            <a:pPr algn="ctr" eaLnBrk="1" hangingPunct="1">
-              <a:defRPr/>
-            </a:pPr>
-            <a:endParaRPr lang="en-US" altLang="en-US" sz="1800" dirty="0">
-              <a:solidFill>
-                <a:schemeClr val="tx1"/>
-              </a:solidFill>
-              <a:latin typeface="+mj-lt"/>
-            </a:endParaRPr>
-          </a:p>
-        </p:txBody>
-      </p:sp>
-      <p:sp>
-        <p:nvSpPr>
-          <p:cNvPr id="11" name="Title 1">
-            <a:extLst>
-              <a:ext uri="{FF2B5EF4-FFF2-40B4-BE49-F238E27FC236}">
-                <a16:creationId xmlns:a16="http://schemas.microsoft.com/office/drawing/2014/main" id="{D2B1E78B-06B4-0345-B3DC-C389D405CA39}"/>
-              </a:ext>
-            </a:extLst>
-          </p:cNvPr>
-          <p:cNvSpPr txBox="1">
-            <a:spLocks/>
-          </p:cNvSpPr>
-          <p:nvPr/>
-        </p:nvSpPr>
-        <p:spPr bwMode="auto">
-          <a:xfrm>
-            <a:off x="10134600" y="30099000"/>
-            <a:ext cx="11353800" cy="1176337"/>
-          </a:xfrm>
-          <a:prstGeom prst="rect">
-            <a:avLst/>
-          </a:prstGeom>
-          <a:noFill/>
-          <a:ln>
-            <a:noFill/>
-          </a:ln>
-          <a:extLst>
-            <a:ext uri="{909E8E84-426E-40DD-AFC4-6F175D3DCCD1}">
-              <a14:hiddenFill xmlns:a14="http://schemas.microsoft.com/office/drawing/2010/main">
-                <a:solidFill>
-                  <a:srgbClr val="FFFFFF"/>
-                </a:solidFill>
-              </a14:hiddenFill>
-            </a:ext>
-            <a:ext uri="{91240B29-F687-4F45-9708-019B960494DF}">
-              <a14:hiddenLine xmlns:a14="http://schemas.microsoft.com/office/drawing/2010/main" w="9525">
-                <a:solidFill>
-                  <a:srgbClr val="000000"/>
-                </a:solidFill>
-                <a:miter lim="800000"/>
-                <a:headEnd/>
-                <a:tailEnd/>
-              </a14:hiddenLine>
-            </a:ext>
-          </a:extLst>
-        </p:spPr>
-        <p:txBody>
-          <a:bodyPr lIns="365760" tIns="182880" rIns="365760" bIns="182880" anchor="ctr"/>
-          <a:lstStyle>
-            <a:lvl1pPr eaLnBrk="0" hangingPunct="0">
-              <a:defRPr sz="7200">
-                <a:solidFill>
-                  <a:schemeClr val="tx1"/>
-                </a:solidFill>
-                <a:latin typeface="Arial" charset="0"/>
-                <a:ea typeface="ＭＳ Ｐゴシック" pitchFamily="34" charset="-128"/>
-              </a:defRPr>
-            </a:lvl1pPr>
-            <a:lvl2pPr marL="742950" indent="-285750" eaLnBrk="0" hangingPunct="0">
-              <a:defRPr sz="7200">
-                <a:solidFill>
-                  <a:schemeClr val="tx1"/>
-                </a:solidFill>
-                <a:latin typeface="Arial" charset="0"/>
-                <a:ea typeface="ＭＳ Ｐゴシック" pitchFamily="34" charset="-128"/>
-              </a:defRPr>
-            </a:lvl2pPr>
-            <a:lvl3pPr marL="1143000" indent="-228600" eaLnBrk="0" hangingPunct="0">
-              <a:defRPr sz="7200">
-                <a:solidFill>
-                  <a:schemeClr val="tx1"/>
-                </a:solidFill>
-                <a:latin typeface="Arial" charset="0"/>
-                <a:ea typeface="ＭＳ Ｐゴシック" pitchFamily="34" charset="-128"/>
-              </a:defRPr>
-            </a:lvl3pPr>
-            <a:lvl4pPr marL="1600200" indent="-228600" eaLnBrk="0" hangingPunct="0">
-              <a:defRPr sz="7200">
-                <a:solidFill>
-                  <a:schemeClr val="tx1"/>
-                </a:solidFill>
-                <a:latin typeface="Arial" charset="0"/>
-                <a:ea typeface="ＭＳ Ｐゴシック" pitchFamily="34" charset="-128"/>
-              </a:defRPr>
-            </a:lvl4pPr>
-            <a:lvl5pPr marL="2057400" indent="-228600" eaLnBrk="0" hangingPunct="0">
-              <a:defRPr sz="7200">
-                <a:solidFill>
-                  <a:schemeClr val="tx1"/>
-                </a:solidFill>
-                <a:latin typeface="Arial" charset="0"/>
-                <a:ea typeface="ＭＳ Ｐゴシック" pitchFamily="34" charset="-128"/>
-              </a:defRPr>
-            </a:lvl5pPr>
-            <a:lvl6pPr marL="2514600" indent="-228600" defTabSz="1828800" eaLnBrk="0" fontAlgn="base" hangingPunct="0">
-              <a:spcBef>
-                <a:spcPct val="0"/>
-              </a:spcBef>
-              <a:spcAft>
-                <a:spcPct val="0"/>
-              </a:spcAft>
-              <a:defRPr sz="7200">
-                <a:solidFill>
-                  <a:schemeClr val="tx1"/>
-                </a:solidFill>
-                <a:latin typeface="Arial" charset="0"/>
-                <a:ea typeface="ＭＳ Ｐゴシック" pitchFamily="34" charset="-128"/>
-              </a:defRPr>
-            </a:lvl6pPr>
-            <a:lvl7pPr marL="2971800" indent="-228600" defTabSz="1828800" eaLnBrk="0" fontAlgn="base" hangingPunct="0">
-              <a:spcBef>
-                <a:spcPct val="0"/>
-              </a:spcBef>
-              <a:spcAft>
-                <a:spcPct val="0"/>
-              </a:spcAft>
-              <a:defRPr sz="7200">
-                <a:solidFill>
-                  <a:schemeClr val="tx1"/>
-                </a:solidFill>
-                <a:latin typeface="Arial" charset="0"/>
-                <a:ea typeface="ＭＳ Ｐゴシック" pitchFamily="34" charset="-128"/>
-              </a:defRPr>
-            </a:lvl7pPr>
-            <a:lvl8pPr marL="3429000" indent="-228600" defTabSz="1828800" eaLnBrk="0" fontAlgn="base" hangingPunct="0">
-              <a:spcBef>
-                <a:spcPct val="0"/>
-              </a:spcBef>
-              <a:spcAft>
-                <a:spcPct val="0"/>
-              </a:spcAft>
-              <a:defRPr sz="7200">
-                <a:solidFill>
-                  <a:schemeClr val="tx1"/>
-                </a:solidFill>
-                <a:latin typeface="Arial" charset="0"/>
-                <a:ea typeface="ＭＳ Ｐゴシック" pitchFamily="34" charset="-128"/>
-              </a:defRPr>
-            </a:lvl8pPr>
-            <a:lvl9pPr marL="3886200" indent="-228600" defTabSz="1828800" eaLnBrk="0" fontAlgn="base" hangingPunct="0">
-              <a:spcBef>
-                <a:spcPct val="0"/>
-              </a:spcBef>
-              <a:spcAft>
-                <a:spcPct val="0"/>
-              </a:spcAft>
-              <a:defRPr sz="7200">
-                <a:solidFill>
-                  <a:schemeClr val="tx1"/>
-                </a:solidFill>
-                <a:latin typeface="Arial" charset="0"/>
-                <a:ea typeface="ＭＳ Ｐゴシック" pitchFamily="34" charset="-128"/>
-              </a:defRPr>
-            </a:lvl9pPr>
-          </a:lstStyle>
-          <a:p>
-            <a:pPr algn="ctr" eaLnBrk="1" hangingPunct="1">
-              <a:defRPr/>
-            </a:pPr>
-            <a:endParaRPr lang="en-US" altLang="en-US" sz="1800" dirty="0">
-              <a:solidFill>
-                <a:schemeClr val="tx1"/>
-              </a:solidFill>
-              <a:latin typeface="+mj-lt"/>
-            </a:endParaRPr>
-          </a:p>
-          <a:p>
-            <a:pPr algn="ctr" eaLnBrk="1" hangingPunct="1">
-              <a:defRPr/>
-            </a:pPr>
-            <a:r>
-              <a:rPr lang="en-US" sz="1800" dirty="0">
-                <a:solidFill>
-                  <a:schemeClr val="tx1"/>
-                </a:solidFill>
-                <a:latin typeface="+mj-lt"/>
-              </a:rPr>
-              <a:t>Sandia National Laboratories is a multimission laboratory managed and operated by National Technology and Engineering Solutions of Sandia, LLC., a wholly owned subsidiary of Honeywell International, Inc., for the U.S. Department of Energy’s National Nuclear Security Administration under Contract DE-NA0003525.</a:t>
-            </a:r>
-          </a:p>
-          <a:p>
-            <a:pPr algn="ctr" eaLnBrk="1" hangingPunct="1">
-              <a:defRPr/>
-            </a:pPr>
-            <a:endParaRPr lang="en-US" altLang="en-US" sz="1800" dirty="0">
-              <a:solidFill>
-                <a:schemeClr val="tx1"/>
-              </a:solidFill>
-              <a:latin typeface="+mj-lt"/>
-            </a:endParaRPr>
-          </a:p>
-        </p:txBody>
-      </p:sp>
       <p:sp>
         <p:nvSpPr>
           <p:cNvPr id="18" name="Title 3">

--- a/fast-forward/fast-forward.pptx
+++ b/fast-forward/fast-forward.pptx
@@ -262,7 +262,7 @@
           <a:p>
             <a:fld id="{BEADC497-8A07-8E41-9E39-4B190D714977}" type="datetimeFigureOut">
               <a:rPr lang="en-US" smtClean="0"/>
-              <a:t>6/27/18</a:t>
+              <a:t>6/28/18</a:t>
             </a:fld>
             <a:endParaRPr lang="en-US"/>
           </a:p>
@@ -460,7 +460,7 @@
           <a:p>
             <a:fld id="{BEADC497-8A07-8E41-9E39-4B190D714977}" type="datetimeFigureOut">
               <a:rPr lang="en-US" smtClean="0"/>
-              <a:t>6/27/18</a:t>
+              <a:t>6/28/18</a:t>
             </a:fld>
             <a:endParaRPr lang="en-US"/>
           </a:p>
@@ -668,7 +668,7 @@
           <a:p>
             <a:fld id="{BEADC497-8A07-8E41-9E39-4B190D714977}" type="datetimeFigureOut">
               <a:rPr lang="en-US" smtClean="0"/>
-              <a:t>6/27/18</a:t>
+              <a:t>6/28/18</a:t>
             </a:fld>
             <a:endParaRPr lang="en-US"/>
           </a:p>
@@ -866,7 +866,7 @@
           <a:p>
             <a:fld id="{BEADC497-8A07-8E41-9E39-4B190D714977}" type="datetimeFigureOut">
               <a:rPr lang="en-US" smtClean="0"/>
-              <a:t>6/27/18</a:t>
+              <a:t>6/28/18</a:t>
             </a:fld>
             <a:endParaRPr lang="en-US"/>
           </a:p>
@@ -1141,7 +1141,7 @@
           <a:p>
             <a:fld id="{BEADC497-8A07-8E41-9E39-4B190D714977}" type="datetimeFigureOut">
               <a:rPr lang="en-US" smtClean="0"/>
-              <a:t>6/27/18</a:t>
+              <a:t>6/28/18</a:t>
             </a:fld>
             <a:endParaRPr lang="en-US"/>
           </a:p>
@@ -1406,7 +1406,7 @@
           <a:p>
             <a:fld id="{BEADC497-8A07-8E41-9E39-4B190D714977}" type="datetimeFigureOut">
               <a:rPr lang="en-US" smtClean="0"/>
-              <a:t>6/27/18</a:t>
+              <a:t>6/28/18</a:t>
             </a:fld>
             <a:endParaRPr lang="en-US"/>
           </a:p>
@@ -1818,7 +1818,7 @@
           <a:p>
             <a:fld id="{BEADC497-8A07-8E41-9E39-4B190D714977}" type="datetimeFigureOut">
               <a:rPr lang="en-US" smtClean="0"/>
-              <a:t>6/27/18</a:t>
+              <a:t>6/28/18</a:t>
             </a:fld>
             <a:endParaRPr lang="en-US"/>
           </a:p>
@@ -1959,7 +1959,7 @@
           <a:p>
             <a:fld id="{BEADC497-8A07-8E41-9E39-4B190D714977}" type="datetimeFigureOut">
               <a:rPr lang="en-US" smtClean="0"/>
-              <a:t>6/27/18</a:t>
+              <a:t>6/28/18</a:t>
             </a:fld>
             <a:endParaRPr lang="en-US"/>
           </a:p>
@@ -2072,7 +2072,7 @@
           <a:p>
             <a:fld id="{BEADC497-8A07-8E41-9E39-4B190D714977}" type="datetimeFigureOut">
               <a:rPr lang="en-US" smtClean="0"/>
-              <a:t>6/27/18</a:t>
+              <a:t>6/28/18</a:t>
             </a:fld>
             <a:endParaRPr lang="en-US"/>
           </a:p>
@@ -2383,7 +2383,7 @@
           <a:p>
             <a:fld id="{BEADC497-8A07-8E41-9E39-4B190D714977}" type="datetimeFigureOut">
               <a:rPr lang="en-US" smtClean="0"/>
-              <a:t>6/27/18</a:t>
+              <a:t>6/28/18</a:t>
             </a:fld>
             <a:endParaRPr lang="en-US"/>
           </a:p>
@@ -2671,7 +2671,7 @@
           <a:p>
             <a:fld id="{BEADC497-8A07-8E41-9E39-4B190D714977}" type="datetimeFigureOut">
               <a:rPr lang="en-US" smtClean="0"/>
-              <a:t>6/27/18</a:t>
+              <a:t>6/28/18</a:t>
             </a:fld>
             <a:endParaRPr lang="en-US"/>
           </a:p>
@@ -2912,7 +2912,7 @@
           <a:p>
             <a:fld id="{BEADC497-8A07-8E41-9E39-4B190D714977}" type="datetimeFigureOut">
               <a:rPr lang="en-US" smtClean="0"/>
-              <a:t>6/27/18</a:t>
+              <a:t>6/28/18</a:t>
             </a:fld>
             <a:endParaRPr lang="en-US"/>
           </a:p>
@@ -12389,6 +12389,43 @@
           </a:prstGeom>
         </p:spPr>
       </p:pic>
+      <p:sp>
+        <p:nvSpPr>
+          <p:cNvPr id="168" name="TextBox 167">
+            <a:extLst>
+              <a:ext uri="{FF2B5EF4-FFF2-40B4-BE49-F238E27FC236}">
+                <a16:creationId xmlns:a16="http://schemas.microsoft.com/office/drawing/2014/main" id="{30E0B1BA-6899-8847-BAB9-AE53FD2638B1}"/>
+              </a:ext>
+            </a:extLst>
+          </p:cNvPr>
+          <p:cNvSpPr txBox="1"/>
+          <p:nvPr/>
+        </p:nvSpPr>
+        <p:spPr>
+          <a:xfrm>
+            <a:off x="11490578" y="6480920"/>
+            <a:ext cx="649537" cy="369332"/>
+          </a:xfrm>
+          <a:prstGeom prst="rect">
+            <a:avLst/>
+          </a:prstGeom>
+          <a:noFill/>
+        </p:spPr>
+        <p:txBody>
+          <a:bodyPr wrap="none" rtlCol="0">
+            <a:spAutoFit/>
+          </a:bodyPr>
+          <a:lstStyle/>
+          <a:p>
+            <a:r>
+              <a:rPr lang="en-US" dirty="0">
+                <a:noFill/>
+              </a:rPr>
+              <a:t>nada</a:t>
+            </a:r>
+          </a:p>
+        </p:txBody>
+      </p:sp>
     </p:spTree>
     <p:extLst>
       <p:ext uri="{BB962C8B-B14F-4D97-AF65-F5344CB8AC3E}">
@@ -12401,10 +12438,10 @@
   </p:clrMapOvr>
   <mc:AlternateContent xmlns:mc="http://schemas.openxmlformats.org/markup-compatibility/2006">
     <mc:Choice xmlns:p14="http://schemas.microsoft.com/office/powerpoint/2010/main" Requires="p14">
-      <p:transition spd="slow" p14:dur="2000" advClick="0" advTm="1000"/>
+      <p:transition p14:dur="10" advClick="0" advTm="0"/>
     </mc:Choice>
     <mc:Fallback>
-      <p:transition spd="slow" advClick="0" advTm="1000"/>
+      <p:transition advClick="0" advTm="0"/>
     </mc:Fallback>
   </mc:AlternateContent>
   <p:timing>
@@ -12433,7 +12470,7 @@
                               <p:par>
                                 <p:cTn id="5" presetID="20" presetClass="entr" presetSubtype="0" fill="hold" nodeType="afterEffect">
                                   <p:stCondLst>
-                                    <p:cond delay="1000"/>
+                                    <p:cond delay="500"/>
                                   </p:stCondLst>
                                   <p:childTnLst>
                                     <p:set>
@@ -12456,7 +12493,7 @@
                                     </p:set>
                                     <p:animEffect transition="in" filter="wedge">
                                       <p:cBhvr>
-                                        <p:cTn id="7" dur="1000"/>
+                                        <p:cTn id="7" dur="2000"/>
                                         <p:tgtEl>
                                           <p:spTgt spid="8"/>
                                         </p:tgtEl>
@@ -12506,7 +12543,7 @@
                         <p:par>
                           <p:cTn id="11" fill="hold">
                             <p:stCondLst>
-                              <p:cond delay="2000"/>
+                              <p:cond delay="2500"/>
                             </p:stCondLst>
                             <p:childTnLst>
                               <p:par>
@@ -12689,7 +12726,7 @@
                         <p:par>
                           <p:cTn id="24" fill="hold">
                             <p:stCondLst>
-                              <p:cond delay="3500"/>
+                              <p:cond delay="4000"/>
                             </p:stCondLst>
                             <p:childTnLst>
                               <p:par>
@@ -12700,7 +12737,7 @@
                                   <p:childTnLst>
                                     <p:animMotion origin="layout" path="M 1.45833E-6 -1.11111E-6 L 0.02864 -0.01597 " pathEditMode="relative" rAng="0" ptsTypes="AA">
                                       <p:cBhvr>
-                                        <p:cTn id="26" dur="1000" fill="hold"/>
+                                        <p:cTn id="26" dur="500" fill="hold"/>
                                         <p:tgtEl>
                                           <p:spTgt spid="216"/>
                                         </p:tgtEl>
@@ -12722,7 +12759,7 @@
                                   <p:childTnLst>
                                     <p:animMotion origin="layout" path="M 1.45833E-6 4.44444E-6 L 0.02721 -0.01737 " pathEditMode="relative" rAng="0" ptsTypes="AA">
                                       <p:cBhvr>
-                                        <p:cTn id="28" dur="1000" fill="hold"/>
+                                        <p:cTn id="28" dur="500" fill="hold"/>
                                         <p:tgtEl>
                                           <p:spTgt spid="217"/>
                                         </p:tgtEl>
@@ -12931,7 +12968,7 @@
                               <p:par>
                                 <p:cTn id="43" presetID="14" presetClass="entr" presetSubtype="10" fill="hold" nodeType="afterEffect">
                                   <p:stCondLst>
-                                    <p:cond delay="0"/>
+                                    <p:cond delay="200"/>
                                   </p:stCondLst>
                                   <p:childTnLst>
                                     <p:set>
@@ -12966,7 +13003,7 @@
                               <p:par>
                                 <p:cTn id="46" presetID="14" presetClass="entr" presetSubtype="10" fill="hold" grpId="0" nodeType="withEffect">
                                   <p:stCondLst>
-                                    <p:cond delay="0"/>
+                                    <p:cond delay="200"/>
                                   </p:stCondLst>
                                   <p:childTnLst>
                                     <p:set>
@@ -13085,13 +13122,13 @@
                         <p:par>
                           <p:cTn id="54" fill="hold">
                             <p:stCondLst>
-                              <p:cond delay="6000"/>
+                              <p:cond delay="6200"/>
                             </p:stCondLst>
                             <p:childTnLst>
                               <p:par>
                                 <p:cTn id="55" presetID="35" presetClass="entr" presetSubtype="0" fill="hold" nodeType="afterEffect">
                                   <p:stCondLst>
-                                    <p:cond delay="500"/>
+                                    <p:cond delay="200"/>
                                   </p:stCondLst>
                                   <p:childTnLst>
                                     <p:set>
@@ -13195,7 +13232,7 @@
                               <p:par>
                                 <p:cTn id="61" presetID="35" presetClass="entr" presetSubtype="0" fill="hold" nodeType="withEffect">
                                   <p:stCondLst>
-                                    <p:cond delay="500"/>
+                                    <p:cond delay="200"/>
                                   </p:stCondLst>
                                   <p:childTnLst>
                                     <p:set>
@@ -13299,7 +13336,7 @@
                               <p:par>
                                 <p:cTn id="67" presetID="35" presetClass="entr" presetSubtype="0" fill="hold" nodeType="withEffect">
                                   <p:stCondLst>
-                                    <p:cond delay="500"/>
+                                    <p:cond delay="200"/>
                                   </p:stCondLst>
                                   <p:childTnLst>
                                     <p:set>
@@ -13403,7 +13440,7 @@
                               <p:par>
                                 <p:cTn id="73" presetID="35" presetClass="entr" presetSubtype="0" fill="hold" nodeType="withEffect">
                                   <p:stCondLst>
-                                    <p:cond delay="500"/>
+                                    <p:cond delay="200"/>
                                   </p:stCondLst>
                                   <p:childTnLst>
                                     <p:set>
@@ -13507,7 +13544,7 @@
                               <p:par>
                                 <p:cTn id="79" presetID="35" presetClass="entr" presetSubtype="0" fill="hold" nodeType="withEffect">
                                   <p:stCondLst>
-                                    <p:cond delay="500"/>
+                                    <p:cond delay="200"/>
                                   </p:stCondLst>
                                   <p:childTnLst>
                                     <p:set>
@@ -13611,7 +13648,7 @@
                               <p:par>
                                 <p:cTn id="85" presetID="35" presetClass="entr" presetSubtype="0" fill="hold" nodeType="withEffect">
                                   <p:stCondLst>
-                                    <p:cond delay="500"/>
+                                    <p:cond delay="200"/>
                                   </p:stCondLst>
                                   <p:childTnLst>
                                     <p:set>
@@ -13715,7 +13752,7 @@
                               <p:par>
                                 <p:cTn id="91" presetID="53" presetClass="exit" presetSubtype="32" fill="hold" nodeType="withEffect">
                                   <p:stCondLst>
-                                    <p:cond delay="500"/>
+                                    <p:cond delay="200"/>
                                   </p:stCondLst>
                                   <p:childTnLst>
                                     <p:anim calcmode="lin" valueType="num">
@@ -13796,6 +13833,42 @@
                             </p:childTnLst>
                           </p:cTn>
                         </p:par>
+                        <p:par>
+                          <p:cTn id="96" fill="hold">
+                            <p:stCondLst>
+                              <p:cond delay="6900"/>
+                            </p:stCondLst>
+                            <p:childTnLst>
+                              <p:par>
+                                <p:cTn id="97" presetID="1" presetClass="entr" presetSubtype="0" fill="hold" grpId="0" nodeType="afterEffect">
+                                  <p:stCondLst>
+                                    <p:cond delay="1000"/>
+                                  </p:stCondLst>
+                                  <p:childTnLst>
+                                    <p:set>
+                                      <p:cBhvr>
+                                        <p:cTn id="98" dur="1" fill="hold">
+                                          <p:stCondLst>
+                                            <p:cond delay="0"/>
+                                          </p:stCondLst>
+                                        </p:cTn>
+                                        <p:tgtEl>
+                                          <p:spTgt spid="168"/>
+                                        </p:tgtEl>
+                                        <p:attrNameLst>
+                                          <p:attrName>style.visibility</p:attrName>
+                                        </p:attrNameLst>
+                                      </p:cBhvr>
+                                      <p:to>
+                                        <p:strVal val="visible"/>
+                                      </p:to>
+                                    </p:set>
+                                  </p:childTnLst>
+                                </p:cTn>
+                              </p:par>
+                            </p:childTnLst>
+                          </p:cTn>
+                        </p:par>
                       </p:childTnLst>
                     </p:cTn>
                   </p:par>
@@ -13827,6 +13900,7 @@
       <p:bldP spid="216" grpId="2" animBg="1"/>
       <p:bldP spid="217" grpId="0" animBg="1"/>
       <p:bldP spid="217" grpId="1" animBg="1"/>
+      <p:bldP spid="168" grpId="0"/>
     </p:bldLst>
   </p:timing>
 </p:sld>
@@ -17211,6 +17285,43 @@
           </a:prstGeom>
         </p:spPr>
       </p:pic>
+      <p:sp>
+        <p:nvSpPr>
+          <p:cNvPr id="3" name="TextBox 2">
+            <a:extLst>
+              <a:ext uri="{FF2B5EF4-FFF2-40B4-BE49-F238E27FC236}">
+                <a16:creationId xmlns:a16="http://schemas.microsoft.com/office/drawing/2014/main" id="{E9C01E91-6509-1048-BD12-40FB68D03D6F}"/>
+              </a:ext>
+            </a:extLst>
+          </p:cNvPr>
+          <p:cNvSpPr txBox="1"/>
+          <p:nvPr/>
+        </p:nvSpPr>
+        <p:spPr>
+          <a:xfrm>
+            <a:off x="11607007" y="6556604"/>
+            <a:ext cx="649537" cy="369332"/>
+          </a:xfrm>
+          <a:prstGeom prst="rect">
+            <a:avLst/>
+          </a:prstGeom>
+          <a:noFill/>
+        </p:spPr>
+        <p:txBody>
+          <a:bodyPr wrap="none" rtlCol="0">
+            <a:spAutoFit/>
+          </a:bodyPr>
+          <a:lstStyle/>
+          <a:p>
+            <a:r>
+              <a:rPr lang="en-US" dirty="0">
+                <a:noFill/>
+              </a:rPr>
+              <a:t>nada</a:t>
+            </a:r>
+          </a:p>
+        </p:txBody>
+      </p:sp>
     </p:spTree>
     <p:extLst>
       <p:ext uri="{BB962C8B-B14F-4D97-AF65-F5344CB8AC3E}">
@@ -17223,10 +17334,10 @@
   </p:clrMapOvr>
   <mc:AlternateContent xmlns:mc="http://schemas.openxmlformats.org/markup-compatibility/2006">
     <mc:Choice xmlns:p14="http://schemas.microsoft.com/office/powerpoint/2010/main" Requires="p14">
-      <p:transition spd="slow" p14:dur="2000" advClick="0" advTm="2000"/>
+      <p:transition p14:dur="10" advClick="0" advTm="0"/>
     </mc:Choice>
     <mc:Fallback>
-      <p:transition spd="slow" advClick="0" advTm="2000"/>
+      <p:transition advClick="0" advTm="0"/>
     </mc:Fallback>
   </mc:AlternateContent>
   <p:timing>
@@ -18711,6 +18822,42 @@
                             </p:childTnLst>
                           </p:cTn>
                         </p:par>
+                        <p:par>
+                          <p:cTn id="123" fill="hold">
+                            <p:stCondLst>
+                              <p:cond delay="8400"/>
+                            </p:stCondLst>
+                            <p:childTnLst>
+                              <p:par>
+                                <p:cTn id="124" presetID="1" presetClass="entr" presetSubtype="0" fill="hold" grpId="0" nodeType="afterEffect">
+                                  <p:stCondLst>
+                                    <p:cond delay="1500"/>
+                                  </p:stCondLst>
+                                  <p:childTnLst>
+                                    <p:set>
+                                      <p:cBhvr>
+                                        <p:cTn id="125" dur="1" fill="hold">
+                                          <p:stCondLst>
+                                            <p:cond delay="0"/>
+                                          </p:stCondLst>
+                                        </p:cTn>
+                                        <p:tgtEl>
+                                          <p:spTgt spid="3"/>
+                                        </p:tgtEl>
+                                        <p:attrNameLst>
+                                          <p:attrName>style.visibility</p:attrName>
+                                        </p:attrNameLst>
+                                      </p:cBhvr>
+                                      <p:to>
+                                        <p:strVal val="visible"/>
+                                      </p:to>
+                                    </p:set>
+                                  </p:childTnLst>
+                                </p:cTn>
+                              </p:par>
+                            </p:childTnLst>
+                          </p:cTn>
+                        </p:par>
                       </p:childTnLst>
                     </p:cTn>
                   </p:par>
@@ -18735,6 +18882,9 @@
         </p:cTn>
       </p:par>
     </p:tnLst>
+    <p:bldLst>
+      <p:bldP spid="3" grpId="0"/>
+    </p:bldLst>
   </p:timing>
 </p:sld>
 </file>
@@ -21482,10 +21632,10 @@
   </p:clrMapOvr>
   <mc:AlternateContent xmlns:mc="http://schemas.openxmlformats.org/markup-compatibility/2006">
     <mc:Choice xmlns:p14="http://schemas.microsoft.com/office/powerpoint/2010/main" Requires="p14">
-      <p:transition spd="slow" p14:dur="2000" advClick="0" advTm="1000"/>
+      <p:transition p14:dur="10" advClick="0" advTm="0"/>
     </mc:Choice>
     <mc:Fallback>
-      <p:transition spd="slow" advClick="0" advTm="1000"/>
+      <p:transition advClick="0" advTm="0"/>
     </mc:Fallback>
   </mc:AlternateContent>
   <p:timing>
@@ -21512,9 +21662,9 @@
                             </p:stCondLst>
                             <p:childTnLst>
                               <p:par>
-                                <p:cTn id="5" presetID="1" presetClass="entr" presetSubtype="0" fill="hold" nodeType="afterEffect">
+                                <p:cTn id="5" presetID="31" presetClass="entr" presetSubtype="0" fill="hold" nodeType="afterEffect">
                                   <p:stCondLst>
-                                    <p:cond delay="1000"/>
+                                    <p:cond delay="500"/>
                                   </p:stCondLst>
                                   <p:childTnLst>
                                     <p:set>
@@ -21535,18 +21685,95 @@
                                         <p:strVal val="visible"/>
                                       </p:to>
                                     </p:set>
+                                    <p:anim calcmode="lin" valueType="num">
+                                      <p:cBhvr>
+                                        <p:cTn id="7" dur="1000" fill="hold"/>
+                                        <p:tgtEl>
+                                          <p:spTgt spid="14"/>
+                                        </p:tgtEl>
+                                        <p:attrNameLst>
+                                          <p:attrName>ppt_w</p:attrName>
+                                        </p:attrNameLst>
+                                      </p:cBhvr>
+                                      <p:tavLst>
+                                        <p:tav tm="0">
+                                          <p:val>
+                                            <p:fltVal val="0"/>
+                                          </p:val>
+                                        </p:tav>
+                                        <p:tav tm="100000">
+                                          <p:val>
+                                            <p:strVal val="#ppt_w"/>
+                                          </p:val>
+                                        </p:tav>
+                                      </p:tavLst>
+                                    </p:anim>
+                                    <p:anim calcmode="lin" valueType="num">
+                                      <p:cBhvr>
+                                        <p:cTn id="8" dur="1000" fill="hold"/>
+                                        <p:tgtEl>
+                                          <p:spTgt spid="14"/>
+                                        </p:tgtEl>
+                                        <p:attrNameLst>
+                                          <p:attrName>ppt_h</p:attrName>
+                                        </p:attrNameLst>
+                                      </p:cBhvr>
+                                      <p:tavLst>
+                                        <p:tav tm="0">
+                                          <p:val>
+                                            <p:fltVal val="0"/>
+                                          </p:val>
+                                        </p:tav>
+                                        <p:tav tm="100000">
+                                          <p:val>
+                                            <p:strVal val="#ppt_h"/>
+                                          </p:val>
+                                        </p:tav>
+                                      </p:tavLst>
+                                    </p:anim>
+                                    <p:anim calcmode="lin" valueType="num">
+                                      <p:cBhvr>
+                                        <p:cTn id="9" dur="1000" fill="hold"/>
+                                        <p:tgtEl>
+                                          <p:spTgt spid="14"/>
+                                        </p:tgtEl>
+                                        <p:attrNameLst>
+                                          <p:attrName>style.rotation</p:attrName>
+                                        </p:attrNameLst>
+                                      </p:cBhvr>
+                                      <p:tavLst>
+                                        <p:tav tm="0">
+                                          <p:val>
+                                            <p:fltVal val="90"/>
+                                          </p:val>
+                                        </p:tav>
+                                        <p:tav tm="100000">
+                                          <p:val>
+                                            <p:fltVal val="0"/>
+                                          </p:val>
+                                        </p:tav>
+                                      </p:tavLst>
+                                    </p:anim>
+                                    <p:animEffect transition="in" filter="fade">
+                                      <p:cBhvr>
+                                        <p:cTn id="10" dur="1000"/>
+                                        <p:tgtEl>
+                                          <p:spTgt spid="14"/>
+                                        </p:tgtEl>
+                                      </p:cBhvr>
+                                    </p:animEffect>
                                   </p:childTnLst>
                                 </p:cTn>
                               </p:par>
                               <p:par>
-                                <p:cTn id="7" presetID="9" presetClass="exit" presetSubtype="0" fill="hold" grpId="0" nodeType="withEffect">
+                                <p:cTn id="11" presetID="9" presetClass="exit" presetSubtype="0" fill="hold" grpId="0" nodeType="withEffect">
                                   <p:stCondLst>
-                                    <p:cond delay="1000"/>
+                                    <p:cond delay="500"/>
                                   </p:stCondLst>
                                   <p:childTnLst>
                                     <p:animEffect transition="out" filter="dissolve">
                                       <p:cBhvr>
-                                        <p:cTn id="8" dur="1000"/>
+                                        <p:cTn id="12" dur="1000"/>
                                         <p:tgtEl>
                                           <p:spTgt spid="51"/>
                                         </p:tgtEl>
@@ -21554,7 +21781,7 @@
                                     </p:animEffect>
                                     <p:set>
                                       <p:cBhvr>
-                                        <p:cTn id="9" dur="1" fill="hold">
+                                        <p:cTn id="13" dur="1" fill="hold">
                                           <p:stCondLst>
                                             <p:cond delay="999"/>
                                           </p:stCondLst>
@@ -21574,14 +21801,14 @@
                                 </p:cTn>
                               </p:par>
                               <p:par>
-                                <p:cTn id="10" presetID="9" presetClass="entr" presetSubtype="0" fill="hold" grpId="0" nodeType="withEffect">
+                                <p:cTn id="14" presetID="9" presetClass="entr" presetSubtype="0" fill="hold" grpId="0" nodeType="withEffect">
                                   <p:stCondLst>
-                                    <p:cond delay="1000"/>
+                                    <p:cond delay="500"/>
                                   </p:stCondLst>
                                   <p:childTnLst>
                                     <p:set>
                                       <p:cBhvr>
-                                        <p:cTn id="11" dur="1" fill="hold">
+                                        <p:cTn id="15" dur="1" fill="hold">
                                           <p:stCondLst>
                                             <p:cond delay="0"/>
                                           </p:stCondLst>
@@ -21599,7 +21826,7 @@
                                     </p:set>
                                     <p:animEffect transition="in" filter="dissolve">
                                       <p:cBhvr>
-                                        <p:cTn id="12" dur="1000"/>
+                                        <p:cTn id="16" dur="1000"/>
                                         <p:tgtEl>
                                           <p:spTgt spid="45"/>
                                         </p:tgtEl>
@@ -21608,51 +21835,15 @@
                                   </p:childTnLst>
                                 </p:cTn>
                               </p:par>
-                            </p:childTnLst>
-                          </p:cTn>
-                        </p:par>
-                        <p:par>
-                          <p:cTn id="13" fill="hold">
-                            <p:stCondLst>
-                              <p:cond delay="2000"/>
-                            </p:stCondLst>
-                            <p:childTnLst>
                               <p:par>
-                                <p:cTn id="14" presetID="1" presetClass="entr" presetSubtype="0" fill="hold" grpId="0" nodeType="afterEffect">
-                                  <p:stCondLst>
-                                    <p:cond delay="500"/>
-                                  </p:stCondLst>
-                                  <p:childTnLst>
-                                    <p:set>
-                                      <p:cBhvr>
-                                        <p:cTn id="15" dur="1" fill="hold">
-                                          <p:stCondLst>
-                                            <p:cond delay="0"/>
-                                          </p:stCondLst>
-                                        </p:cTn>
-                                        <p:tgtEl>
-                                          <p:spTgt spid="50"/>
-                                        </p:tgtEl>
-                                        <p:attrNameLst>
-                                          <p:attrName>style.visibility</p:attrName>
-                                        </p:attrNameLst>
-                                      </p:cBhvr>
-                                      <p:to>
-                                        <p:strVal val="visible"/>
-                                      </p:to>
-                                    </p:set>
-                                  </p:childTnLst>
-                                </p:cTn>
-                              </p:par>
-                              <p:par>
-                                <p:cTn id="16" presetID="9" presetClass="exit" presetSubtype="0" fill="hold" grpId="0" nodeType="withEffect">
+                                <p:cTn id="17" presetID="9" presetClass="exit" presetSubtype="0" fill="hold" grpId="0" nodeType="withEffect">
                                   <p:stCondLst>
                                     <p:cond delay="500"/>
                                   </p:stCondLst>
                                   <p:childTnLst>
                                     <p:animEffect transition="out" filter="dissolve">
                                       <p:cBhvr>
-                                        <p:cTn id="17" dur="1000"/>
+                                        <p:cTn id="18" dur="1000"/>
                                         <p:tgtEl>
                                           <p:spTgt spid="49"/>
                                         </p:tgtEl>
@@ -21660,7 +21851,7 @@
                                     </p:animEffect>
                                     <p:set>
                                       <p:cBhvr>
-                                        <p:cTn id="18" dur="1" fill="hold">
+                                        <p:cTn id="19" dur="1" fill="hold">
                                           <p:stCondLst>
                                             <p:cond delay="999"/>
                                           </p:stCondLst>
@@ -21680,14 +21871,14 @@
                                 </p:cTn>
                               </p:par>
                               <p:par>
-                                <p:cTn id="19" presetID="9" presetClass="entr" presetSubtype="0" fill="hold" grpId="0" nodeType="withEffect">
+                                <p:cTn id="20" presetID="9" presetClass="entr" presetSubtype="0" fill="hold" grpId="0" nodeType="withEffect">
                                   <p:stCondLst>
                                     <p:cond delay="500"/>
                                   </p:stCondLst>
                                   <p:childTnLst>
                                     <p:set>
                                       <p:cBhvr>
-                                        <p:cTn id="20" dur="1" fill="hold">
+                                        <p:cTn id="21" dur="1" fill="hold">
                                           <p:stCondLst>
                                             <p:cond delay="0"/>
                                           </p:stCondLst>
@@ -21705,7 +21896,7 @@
                                     </p:set>
                                     <p:animEffect transition="in" filter="dissolve">
                                       <p:cBhvr>
-                                        <p:cTn id="21" dur="1000"/>
+                                        <p:cTn id="22" dur="1000"/>
                                         <p:tgtEl>
                                           <p:spTgt spid="47"/>
                                         </p:tgtEl>
@@ -21714,24 +21905,51 @@
                                   </p:childTnLst>
                                 </p:cTn>
                               </p:par>
-                            </p:childTnLst>
-                          </p:cTn>
-                        </p:par>
-                        <p:par>
-                          <p:cTn id="22" fill="hold">
-                            <p:stCondLst>
-                              <p:cond delay="3500"/>
-                            </p:stCondLst>
-                            <p:childTnLst>
                               <p:par>
-                                <p:cTn id="23" presetID="1" presetClass="entr" presetSubtype="0" fill="hold" nodeType="afterEffect">
+                                <p:cTn id="23" presetID="1" presetClass="entr" presetSubtype="0" fill="hold" grpId="0" nodeType="withEffect">
                                   <p:stCondLst>
-                                    <p:cond delay="500"/>
+                                    <p:cond delay="1000"/>
                                   </p:stCondLst>
                                   <p:childTnLst>
                                     <p:set>
                                       <p:cBhvr>
                                         <p:cTn id="24" dur="1" fill="hold">
+                                          <p:stCondLst>
+                                            <p:cond delay="0"/>
+                                          </p:stCondLst>
+                                        </p:cTn>
+                                        <p:tgtEl>
+                                          <p:spTgt spid="50"/>
+                                        </p:tgtEl>
+                                        <p:attrNameLst>
+                                          <p:attrName>style.visibility</p:attrName>
+                                        </p:attrNameLst>
+                                      </p:cBhvr>
+                                      <p:to>
+                                        <p:strVal val="visible"/>
+                                      </p:to>
+                                    </p:set>
+                                  </p:childTnLst>
+                                </p:cTn>
+                              </p:par>
+                            </p:childTnLst>
+                          </p:cTn>
+                        </p:par>
+                        <p:par>
+                          <p:cTn id="25" fill="hold">
+                            <p:stCondLst>
+                              <p:cond delay="1500"/>
+                            </p:stCondLst>
+                            <p:childTnLst>
+                              <p:par>
+                                <p:cTn id="26" presetID="1" presetClass="entr" presetSubtype="0" fill="hold" nodeType="afterEffect">
+                                  <p:stCondLst>
+                                    <p:cond delay="300"/>
+                                  </p:stCondLst>
+                                  <p:childTnLst>
+                                    <p:set>
+                                      <p:cBhvr>
+                                        <p:cTn id="27" dur="1" fill="hold">
                                           <p:stCondLst>
                                             <p:cond delay="0"/>
                                           </p:stCondLst>
@@ -21754,20 +21972,20 @@
                           </p:cTn>
                         </p:par>
                         <p:par>
-                          <p:cTn id="25" fill="hold">
+                          <p:cTn id="28" fill="hold">
                             <p:stCondLst>
-                              <p:cond delay="4000"/>
+                              <p:cond delay="1800"/>
                             </p:stCondLst>
                             <p:childTnLst>
                               <p:par>
-                                <p:cTn id="26" presetID="1" presetClass="entr" presetSubtype="0" fill="hold" nodeType="afterEffect">
+                                <p:cTn id="29" presetID="1" presetClass="entr" presetSubtype="0" fill="hold" nodeType="afterEffect">
                                   <p:stCondLst>
                                     <p:cond delay="300"/>
                                   </p:stCondLst>
                                   <p:childTnLst>
                                     <p:set>
                                       <p:cBhvr>
-                                        <p:cTn id="27" dur="1" fill="hold">
+                                        <p:cTn id="30" dur="1" fill="hold">
                                           <p:stCondLst>
                                             <p:cond delay="0"/>
                                           </p:stCondLst>
@@ -21790,20 +22008,20 @@
                           </p:cTn>
                         </p:par>
                         <p:par>
-                          <p:cTn id="28" fill="hold">
+                          <p:cTn id="31" fill="hold">
                             <p:stCondLst>
-                              <p:cond delay="4300"/>
+                              <p:cond delay="2100"/>
                             </p:stCondLst>
                             <p:childTnLst>
                               <p:par>
-                                <p:cTn id="29" presetID="1" presetClass="exit" presetSubtype="0" fill="hold" nodeType="afterEffect">
+                                <p:cTn id="32" presetID="1" presetClass="exit" presetSubtype="0" fill="hold" nodeType="afterEffect">
                                   <p:stCondLst>
                                     <p:cond delay="200"/>
                                   </p:stCondLst>
                                   <p:childTnLst>
                                     <p:set>
                                       <p:cBhvr>
-                                        <p:cTn id="30" dur="1" fill="hold">
+                                        <p:cTn id="33" dur="1" fill="hold">
                                           <p:stCondLst>
                                             <p:cond delay="0"/>
                                           </p:stCondLst>
@@ -21826,20 +22044,20 @@
                           </p:cTn>
                         </p:par>
                         <p:par>
-                          <p:cTn id="31" fill="hold">
+                          <p:cTn id="34" fill="hold">
                             <p:stCondLst>
-                              <p:cond delay="4500"/>
+                              <p:cond delay="2300"/>
                             </p:stCondLst>
                             <p:childTnLst>
                               <p:par>
-                                <p:cTn id="32" presetID="1" presetClass="entr" presetSubtype="0" fill="hold" nodeType="afterEffect">
+                                <p:cTn id="35" presetID="1" presetClass="entr" presetSubtype="0" fill="hold" nodeType="afterEffect">
                                   <p:stCondLst>
                                     <p:cond delay="300"/>
                                   </p:stCondLst>
                                   <p:childTnLst>
                                     <p:set>
                                       <p:cBhvr>
-                                        <p:cTn id="33" dur="1" fill="hold">
+                                        <p:cTn id="36" dur="1" fill="hold">
                                           <p:stCondLst>
                                             <p:cond delay="0"/>
                                           </p:stCondLst>
@@ -21862,20 +22080,20 @@
                           </p:cTn>
                         </p:par>
                         <p:par>
-                          <p:cTn id="34" fill="hold">
+                          <p:cTn id="37" fill="hold">
                             <p:stCondLst>
-                              <p:cond delay="4800"/>
+                              <p:cond delay="2600"/>
                             </p:stCondLst>
                             <p:childTnLst>
                               <p:par>
-                                <p:cTn id="35" presetID="1" presetClass="entr" presetSubtype="0" fill="hold" nodeType="afterEffect">
+                                <p:cTn id="38" presetID="1" presetClass="entr" presetSubtype="0" fill="hold" nodeType="afterEffect">
                                   <p:stCondLst>
                                     <p:cond delay="200"/>
                                   </p:stCondLst>
                                   <p:childTnLst>
                                     <p:set>
                                       <p:cBhvr>
-                                        <p:cTn id="36" dur="1" fill="hold">
+                                        <p:cTn id="39" dur="1" fill="hold">
                                           <p:stCondLst>
                                             <p:cond delay="0"/>
                                           </p:stCondLst>
@@ -21898,20 +22116,20 @@
                           </p:cTn>
                         </p:par>
                         <p:par>
-                          <p:cTn id="37" fill="hold">
+                          <p:cTn id="40" fill="hold">
                             <p:stCondLst>
-                              <p:cond delay="5000"/>
+                              <p:cond delay="2800"/>
                             </p:stCondLst>
                             <p:childTnLst>
                               <p:par>
-                                <p:cTn id="38" presetID="1" presetClass="exit" presetSubtype="0" fill="hold" nodeType="afterEffect">
+                                <p:cTn id="41" presetID="1" presetClass="exit" presetSubtype="0" fill="hold" nodeType="afterEffect">
                                   <p:stCondLst>
                                     <p:cond delay="200"/>
                                   </p:stCondLst>
                                   <p:childTnLst>
                                     <p:set>
                                       <p:cBhvr>
-                                        <p:cTn id="39" dur="1" fill="hold">
+                                        <p:cTn id="42" dur="1" fill="hold">
                                           <p:stCondLst>
                                             <p:cond delay="0"/>
                                           </p:stCondLst>
@@ -21934,20 +22152,20 @@
                           </p:cTn>
                         </p:par>
                         <p:par>
-                          <p:cTn id="40" fill="hold">
+                          <p:cTn id="43" fill="hold">
                             <p:stCondLst>
-                              <p:cond delay="5200"/>
+                              <p:cond delay="3000"/>
                             </p:stCondLst>
                             <p:childTnLst>
                               <p:par>
-                                <p:cTn id="41" presetID="1" presetClass="entr" presetSubtype="0" fill="hold" nodeType="afterEffect">
+                                <p:cTn id="44" presetID="1" presetClass="entr" presetSubtype="0" fill="hold" nodeType="afterEffect">
                                   <p:stCondLst>
                                     <p:cond delay="300"/>
                                   </p:stCondLst>
                                   <p:childTnLst>
                                     <p:set>
                                       <p:cBhvr>
-                                        <p:cTn id="42" dur="1" fill="hold">
+                                        <p:cTn id="45" dur="1" fill="hold">
                                           <p:stCondLst>
                                             <p:cond delay="0"/>
                                           </p:stCondLst>
@@ -21970,20 +22188,20 @@
                           </p:cTn>
                         </p:par>
                         <p:par>
-                          <p:cTn id="43" fill="hold">
+                          <p:cTn id="46" fill="hold">
                             <p:stCondLst>
-                              <p:cond delay="5500"/>
+                              <p:cond delay="3300"/>
                             </p:stCondLst>
                             <p:childTnLst>
                               <p:par>
-                                <p:cTn id="44" presetID="1" presetClass="entr" presetSubtype="0" fill="hold" nodeType="afterEffect">
+                                <p:cTn id="47" presetID="1" presetClass="entr" presetSubtype="0" fill="hold" nodeType="afterEffect">
                                   <p:stCondLst>
                                     <p:cond delay="200"/>
                                   </p:stCondLst>
                                   <p:childTnLst>
                                     <p:set>
                                       <p:cBhvr>
-                                        <p:cTn id="45" dur="1" fill="hold">
+                                        <p:cTn id="48" dur="1" fill="hold">
                                           <p:stCondLst>
                                             <p:cond delay="0"/>
                                           </p:stCondLst>
@@ -22006,20 +22224,20 @@
                           </p:cTn>
                         </p:par>
                         <p:par>
-                          <p:cTn id="46" fill="hold">
+                          <p:cTn id="49" fill="hold">
                             <p:stCondLst>
-                              <p:cond delay="5700"/>
+                              <p:cond delay="3500"/>
                             </p:stCondLst>
                             <p:childTnLst>
                               <p:par>
-                                <p:cTn id="47" presetID="1" presetClass="exit" presetSubtype="0" fill="hold" nodeType="afterEffect">
+                                <p:cTn id="50" presetID="1" presetClass="exit" presetSubtype="0" fill="hold" nodeType="afterEffect">
                                   <p:stCondLst>
                                     <p:cond delay="100"/>
                                   </p:stCondLst>
                                   <p:childTnLst>
                                     <p:set>
                                       <p:cBhvr>
-                                        <p:cTn id="48" dur="1" fill="hold">
+                                        <p:cTn id="51" dur="1" fill="hold">
                                           <p:stCondLst>
                                             <p:cond delay="0"/>
                                           </p:stCondLst>
@@ -22042,20 +22260,20 @@
                           </p:cTn>
                         </p:par>
                         <p:par>
-                          <p:cTn id="49" fill="hold">
+                          <p:cTn id="52" fill="hold">
                             <p:stCondLst>
-                              <p:cond delay="5800"/>
+                              <p:cond delay="3600"/>
                             </p:stCondLst>
                             <p:childTnLst>
                               <p:par>
-                                <p:cTn id="50" presetID="1" presetClass="entr" presetSubtype="0" fill="hold" nodeType="afterEffect">
+                                <p:cTn id="53" presetID="1" presetClass="entr" presetSubtype="0" fill="hold" nodeType="afterEffect">
                                   <p:stCondLst>
                                     <p:cond delay="200"/>
                                   </p:stCondLst>
                                   <p:childTnLst>
                                     <p:set>
                                       <p:cBhvr>
-                                        <p:cTn id="51" dur="1" fill="hold">
+                                        <p:cTn id="54" dur="1" fill="hold">
                                           <p:stCondLst>
                                             <p:cond delay="0"/>
                                           </p:stCondLst>
@@ -22078,20 +22296,20 @@
                           </p:cTn>
                         </p:par>
                         <p:par>
-                          <p:cTn id="52" fill="hold">
+                          <p:cTn id="55" fill="hold">
                             <p:stCondLst>
-                              <p:cond delay="6000"/>
+                              <p:cond delay="3800"/>
                             </p:stCondLst>
                             <p:childTnLst>
                               <p:par>
-                                <p:cTn id="53" presetID="1" presetClass="entr" presetSubtype="0" fill="hold" nodeType="afterEffect">
+                                <p:cTn id="56" presetID="1" presetClass="entr" presetSubtype="0" fill="hold" nodeType="afterEffect">
                                   <p:stCondLst>
                                     <p:cond delay="200"/>
                                   </p:stCondLst>
                                   <p:childTnLst>
                                     <p:set>
                                       <p:cBhvr>
-                                        <p:cTn id="54" dur="1" fill="hold">
+                                        <p:cTn id="57" dur="1" fill="hold">
                                           <p:stCondLst>
                                             <p:cond delay="0"/>
                                           </p:stCondLst>
@@ -22114,20 +22332,20 @@
                           </p:cTn>
                         </p:par>
                         <p:par>
-                          <p:cTn id="55" fill="hold">
+                          <p:cTn id="58" fill="hold">
                             <p:stCondLst>
-                              <p:cond delay="6200"/>
+                              <p:cond delay="4000"/>
                             </p:stCondLst>
                             <p:childTnLst>
                               <p:par>
-                                <p:cTn id="56" presetID="1" presetClass="exit" presetSubtype="0" fill="hold" nodeType="afterEffect">
+                                <p:cTn id="59" presetID="1" presetClass="exit" presetSubtype="0" fill="hold" nodeType="afterEffect">
                                   <p:stCondLst>
                                     <p:cond delay="100"/>
                                   </p:stCondLst>
                                   <p:childTnLst>
                                     <p:set>
                                       <p:cBhvr>
-                                        <p:cTn id="57" dur="1" fill="hold">
+                                        <p:cTn id="60" dur="1" fill="hold">
                                           <p:stCondLst>
                                             <p:cond delay="0"/>
                                           </p:stCondLst>
@@ -22150,20 +22368,20 @@
                           </p:cTn>
                         </p:par>
                         <p:par>
-                          <p:cTn id="58" fill="hold">
+                          <p:cTn id="61" fill="hold">
                             <p:stCondLst>
-                              <p:cond delay="6300"/>
+                              <p:cond delay="4100"/>
                             </p:stCondLst>
                             <p:childTnLst>
                               <p:par>
-                                <p:cTn id="59" presetID="1" presetClass="entr" presetSubtype="0" fill="hold" nodeType="afterEffect">
+                                <p:cTn id="62" presetID="1" presetClass="entr" presetSubtype="0" fill="hold" nodeType="afterEffect">
                                   <p:stCondLst>
                                     <p:cond delay="100"/>
                                   </p:stCondLst>
                                   <p:childTnLst>
                                     <p:set>
                                       <p:cBhvr>
-                                        <p:cTn id="60" dur="1" fill="hold">
+                                        <p:cTn id="63" dur="1" fill="hold">
                                           <p:stCondLst>
                                             <p:cond delay="0"/>
                                           </p:stCondLst>
@@ -22186,20 +22404,20 @@
                           </p:cTn>
                         </p:par>
                         <p:par>
-                          <p:cTn id="61" fill="hold">
+                          <p:cTn id="64" fill="hold">
                             <p:stCondLst>
-                              <p:cond delay="6400"/>
+                              <p:cond delay="4200"/>
                             </p:stCondLst>
                             <p:childTnLst>
                               <p:par>
-                                <p:cTn id="62" presetID="9" presetClass="exit" presetSubtype="0" fill="hold" nodeType="afterEffect">
+                                <p:cTn id="65" presetID="9" presetClass="exit" presetSubtype="0" fill="hold" nodeType="afterEffect">
                                   <p:stCondLst>
-                                    <p:cond delay="500"/>
+                                    <p:cond delay="200"/>
                                   </p:stCondLst>
                                   <p:childTnLst>
                                     <p:animEffect transition="out" filter="dissolve">
                                       <p:cBhvr>
-                                        <p:cTn id="63" dur="500"/>
+                                        <p:cTn id="66" dur="500"/>
                                         <p:tgtEl>
                                           <p:spTgt spid="71"/>
                                         </p:tgtEl>
@@ -22207,7 +22425,7 @@
                                     </p:animEffect>
                                     <p:set>
                                       <p:cBhvr>
-                                        <p:cTn id="64" dur="1" fill="hold">
+                                        <p:cTn id="67" dur="1" fill="hold">
                                           <p:stCondLst>
                                             <p:cond delay="499"/>
                                           </p:stCondLst>
@@ -26249,6 +26467,43 @@
           </a:prstGeom>
         </p:spPr>
       </p:pic>
+      <p:sp>
+        <p:nvSpPr>
+          <p:cNvPr id="49" name="TextBox 48">
+            <a:extLst>
+              <a:ext uri="{FF2B5EF4-FFF2-40B4-BE49-F238E27FC236}">
+                <a16:creationId xmlns:a16="http://schemas.microsoft.com/office/drawing/2014/main" id="{7A7E929A-69C2-B84E-9AF7-B5B8D48903AD}"/>
+              </a:ext>
+            </a:extLst>
+          </p:cNvPr>
+          <p:cNvSpPr txBox="1"/>
+          <p:nvPr/>
+        </p:nvSpPr>
+        <p:spPr>
+          <a:xfrm>
+            <a:off x="11490578" y="6480920"/>
+            <a:ext cx="649537" cy="369332"/>
+          </a:xfrm>
+          <a:prstGeom prst="rect">
+            <a:avLst/>
+          </a:prstGeom>
+          <a:noFill/>
+        </p:spPr>
+        <p:txBody>
+          <a:bodyPr wrap="none" rtlCol="0">
+            <a:spAutoFit/>
+          </a:bodyPr>
+          <a:lstStyle/>
+          <a:p>
+            <a:r>
+              <a:rPr lang="en-US" dirty="0">
+                <a:noFill/>
+              </a:rPr>
+              <a:t>nada</a:t>
+            </a:r>
+          </a:p>
+        </p:txBody>
+      </p:sp>
     </p:spTree>
     <p:extLst>
       <p:ext uri="{BB962C8B-B14F-4D97-AF65-F5344CB8AC3E}">
@@ -26261,10 +26516,10 @@
   </p:clrMapOvr>
   <mc:AlternateContent xmlns:mc="http://schemas.openxmlformats.org/markup-compatibility/2006">
     <mc:Choice xmlns:p14="http://schemas.microsoft.com/office/powerpoint/2010/main" Requires="p14">
-      <p:transition spd="slow" p14:dur="2000" advClick="0" advTm="1000"/>
+      <p:transition p14:dur="10" advClick="0" advTm="0"/>
     </mc:Choice>
     <mc:Fallback>
-      <p:transition spd="slow" advClick="0" advTm="1000"/>
+      <p:transition advClick="0" advTm="0"/>
     </mc:Fallback>
   </mc:AlternateContent>
   <p:timing>
@@ -26316,7 +26571,7 @@
                                     </p:set>
                                     <p:animEffect transition="in" filter="dissolve">
                                       <p:cBhvr>
-                                        <p:cTn id="7" dur="1000"/>
+                                        <p:cTn id="7" dur="500"/>
                                         <p:tgtEl>
                                           <p:spTgt spid="48"/>
                                         </p:tgtEl>
@@ -26328,7 +26583,7 @@
                               <p:par>
                                 <p:cTn id="8" presetID="1" presetClass="entr" presetSubtype="0" fill="hold" grpId="0" nodeType="withEffect">
                                   <p:stCondLst>
-                                    <p:cond delay="500"/>
+                                    <p:cond delay="0"/>
                                   </p:stCondLst>
                                   <p:childTnLst>
                                     <p:set>
@@ -26358,7 +26613,7 @@
                         <p:par>
                           <p:cTn id="10" fill="hold">
                             <p:stCondLst>
-                              <p:cond delay="1000"/>
+                              <p:cond delay="500"/>
                             </p:stCondLst>
                             <p:childTnLst>
                               <p:par>
@@ -26394,7 +26649,7 @@
                         <p:par>
                           <p:cTn id="13" fill="hold">
                             <p:stCondLst>
-                              <p:cond delay="1000"/>
+                              <p:cond delay="500"/>
                             </p:stCondLst>
                             <p:childTnLst>
                               <p:par>
@@ -26430,7 +26685,7 @@
                         <p:par>
                           <p:cTn id="16" fill="hold">
                             <p:stCondLst>
-                              <p:cond delay="1200"/>
+                              <p:cond delay="700"/>
                             </p:stCondLst>
                             <p:childTnLst>
                               <p:par>
@@ -26466,7 +26721,7 @@
                         <p:par>
                           <p:cTn id="19" fill="hold">
                             <p:stCondLst>
-                              <p:cond delay="1300"/>
+                              <p:cond delay="800"/>
                             </p:stCondLst>
                             <p:childTnLst>
                               <p:par>
@@ -26502,7 +26757,7 @@
                         <p:par>
                           <p:cTn id="22" fill="hold">
                             <p:stCondLst>
-                              <p:cond delay="1500"/>
+                              <p:cond delay="1000"/>
                             </p:stCondLst>
                             <p:childTnLst>
                               <p:par>
@@ -26538,7 +26793,7 @@
                         <p:par>
                           <p:cTn id="25" fill="hold">
                             <p:stCondLst>
-                              <p:cond delay="1700"/>
+                              <p:cond delay="1200"/>
                             </p:stCondLst>
                             <p:childTnLst>
                               <p:par>
@@ -26574,7 +26829,7 @@
                         <p:par>
                           <p:cTn id="28" fill="hold">
                             <p:stCondLst>
-                              <p:cond delay="1900"/>
+                              <p:cond delay="1400"/>
                             </p:stCondLst>
                             <p:childTnLst>
                               <p:par>
@@ -26610,7 +26865,7 @@
                         <p:par>
                           <p:cTn id="31" fill="hold">
                             <p:stCondLst>
-                              <p:cond delay="2100"/>
+                              <p:cond delay="1600"/>
                             </p:stCondLst>
                             <p:childTnLst>
                               <p:par>
@@ -26654,7 +26909,7 @@
                         <p:par>
                           <p:cTn id="35" fill="hold">
                             <p:stCondLst>
-                              <p:cond delay="2600"/>
+                              <p:cond delay="2100"/>
                             </p:stCondLst>
                             <p:childTnLst>
                               <p:par>
@@ -26690,7 +26945,7 @@
                         <p:par>
                           <p:cTn id="38" fill="hold">
                             <p:stCondLst>
-                              <p:cond delay="2800"/>
+                              <p:cond delay="2300"/>
                             </p:stCondLst>
                             <p:childTnLst>
                               <p:par>
@@ -26734,7 +26989,7 @@
                         <p:par>
                           <p:cTn id="42" fill="hold">
                             <p:stCondLst>
-                              <p:cond delay="3300"/>
+                              <p:cond delay="2800"/>
                             </p:stCondLst>
                             <p:childTnLst>
                               <p:par>
@@ -26770,7 +27025,7 @@
                         <p:par>
                           <p:cTn id="45" fill="hold">
                             <p:stCondLst>
-                              <p:cond delay="3500"/>
+                              <p:cond delay="3000"/>
                             </p:stCondLst>
                             <p:childTnLst>
                               <p:par>
@@ -26806,7 +27061,7 @@
                         <p:par>
                           <p:cTn id="48" fill="hold">
                             <p:stCondLst>
-                              <p:cond delay="3700"/>
+                              <p:cond delay="3200"/>
                             </p:stCondLst>
                             <p:childTnLst>
                               <p:par>
@@ -26842,13 +27097,13 @@
                         <p:par>
                           <p:cTn id="51" fill="hold">
                             <p:stCondLst>
-                              <p:cond delay="3800"/>
+                              <p:cond delay="3300"/>
                             </p:stCondLst>
                             <p:childTnLst>
                               <p:par>
                                 <p:cTn id="52" presetID="1" presetClass="entr" presetSubtype="0" fill="hold" grpId="0" nodeType="afterEffect">
                                   <p:stCondLst>
-                                    <p:cond delay="0"/>
+                                    <p:cond delay="500"/>
                                   </p:stCondLst>
                                   <p:childTnLst>
                                     <p:set>
@@ -26875,7 +27130,7 @@
                               <p:par>
                                 <p:cTn id="54" presetID="9" presetClass="exit" presetSubtype="0" fill="hold" grpId="0" nodeType="withEffect">
                                   <p:stCondLst>
-                                    <p:cond delay="0"/>
+                                    <p:cond delay="500"/>
                                   </p:stCondLst>
                                   <p:childTnLst>
                                     <p:animEffect transition="out" filter="dissolve">
@@ -26910,7 +27165,7 @@
                               <p:par>
                                 <p:cTn id="57" presetID="9" presetClass="entr" presetSubtype="0" fill="hold" grpId="0" nodeType="withEffect">
                                   <p:stCondLst>
-                                    <p:cond delay="0"/>
+                                    <p:cond delay="500"/>
                                   </p:stCondLst>
                                   <p:childTnLst>
                                     <p:set>
@@ -26945,7 +27200,7 @@
                               <p:par>
                                 <p:cTn id="60" presetID="31" presetClass="entr" presetSubtype="0" fill="hold" nodeType="withEffect">
                                   <p:stCondLst>
-                                    <p:cond delay="0"/>
+                                    <p:cond delay="500"/>
                                   </p:stCondLst>
                                   <p:childTnLst>
                                     <p:set>
@@ -27049,6 +27304,42 @@
                             </p:childTnLst>
                           </p:cTn>
                         </p:par>
+                        <p:par>
+                          <p:cTn id="66" fill="hold">
+                            <p:stCondLst>
+                              <p:cond delay="4800"/>
+                            </p:stCondLst>
+                            <p:childTnLst>
+                              <p:par>
+                                <p:cTn id="67" presetID="1" presetClass="entr" presetSubtype="0" fill="hold" grpId="0" nodeType="afterEffect">
+                                  <p:stCondLst>
+                                    <p:cond delay="2500"/>
+                                  </p:stCondLst>
+                                  <p:childTnLst>
+                                    <p:set>
+                                      <p:cBhvr>
+                                        <p:cTn id="68" dur="1" fill="hold">
+                                          <p:stCondLst>
+                                            <p:cond delay="0"/>
+                                          </p:stCondLst>
+                                        </p:cTn>
+                                        <p:tgtEl>
+                                          <p:spTgt spid="49"/>
+                                        </p:tgtEl>
+                                        <p:attrNameLst>
+                                          <p:attrName>style.visibility</p:attrName>
+                                        </p:attrNameLst>
+                                      </p:cBhvr>
+                                      <p:to>
+                                        <p:strVal val="visible"/>
+                                      </p:to>
+                                    </p:set>
+                                  </p:childTnLst>
+                                </p:cTn>
+                              </p:par>
+                            </p:childTnLst>
+                          </p:cTn>
+                        </p:par>
                       </p:childTnLst>
                     </p:cTn>
                   </p:par>
@@ -27079,6 +27370,7 @@
       <p:bldP spid="39" grpId="0"/>
       <p:bldP spid="48" grpId="0"/>
       <p:bldP spid="50" grpId="0"/>
+      <p:bldP spid="49" grpId="0"/>
     </p:bldLst>
   </p:timing>
 </p:sld>
